--- a/Презентация диплома.pptx
+++ b/Презентация диплома.pptx
@@ -171,10 +171,9 @@
           </a:lstStyle>
           <a:p>
             <a:r>
-              <a:rPr lang="ru-RU" smtClean="0"/>
+              <a:rPr lang="ru-RU"/>
               <a:t>Образец заголовка</a:t>
             </a:r>
-            <a:endParaRPr lang="ru-RU"/>
           </a:p>
         </p:txBody>
       </p:sp>
@@ -236,10 +235,9 @@
           </a:lstStyle>
           <a:p>
             <a:r>
-              <a:rPr lang="ru-RU" smtClean="0"/>
+              <a:rPr lang="ru-RU"/>
               <a:t>Образец подзаголовка</a:t>
             </a:r>
-            <a:endParaRPr lang="ru-RU"/>
           </a:p>
         </p:txBody>
       </p:sp>
@@ -354,10 +352,9 @@
           <a:lstStyle/>
           <a:p>
             <a:r>
-              <a:rPr lang="ru-RU" smtClean="0"/>
+              <a:rPr lang="ru-RU"/>
               <a:t>Образец заголовка</a:t>
             </a:r>
-            <a:endParaRPr lang="ru-RU"/>
           </a:p>
         </p:txBody>
       </p:sp>
@@ -378,38 +375,37 @@
           <a:p>
             <a:pPr lvl="0"/>
             <a:r>
-              <a:rPr lang="ru-RU" smtClean="0"/>
+              <a:rPr lang="ru-RU"/>
               <a:t>Образец текста</a:t>
             </a:r>
           </a:p>
           <a:p>
             <a:pPr lvl="1"/>
             <a:r>
-              <a:rPr lang="ru-RU" smtClean="0"/>
+              <a:rPr lang="ru-RU"/>
               <a:t>Второй уровень</a:t>
             </a:r>
           </a:p>
           <a:p>
             <a:pPr lvl="2"/>
             <a:r>
-              <a:rPr lang="ru-RU" smtClean="0"/>
+              <a:rPr lang="ru-RU"/>
               <a:t>Третий уровень</a:t>
             </a:r>
           </a:p>
           <a:p>
             <a:pPr lvl="3"/>
             <a:r>
-              <a:rPr lang="ru-RU" smtClean="0"/>
+              <a:rPr lang="ru-RU"/>
               <a:t>Четвертый уровень</a:t>
             </a:r>
           </a:p>
           <a:p>
             <a:pPr lvl="4"/>
             <a:r>
-              <a:rPr lang="ru-RU" smtClean="0"/>
+              <a:rPr lang="ru-RU"/>
               <a:t>Пятый уровень</a:t>
             </a:r>
-            <a:endParaRPr lang="ru-RU"/>
           </a:p>
         </p:txBody>
       </p:sp>
@@ -529,10 +525,9 @@
           <a:lstStyle/>
           <a:p>
             <a:r>
-              <a:rPr lang="ru-RU" smtClean="0"/>
+              <a:rPr lang="ru-RU"/>
               <a:t>Образец заголовка</a:t>
             </a:r>
-            <a:endParaRPr lang="ru-RU"/>
           </a:p>
         </p:txBody>
       </p:sp>
@@ -558,38 +553,37 @@
           <a:p>
             <a:pPr lvl="0"/>
             <a:r>
-              <a:rPr lang="ru-RU" smtClean="0"/>
+              <a:rPr lang="ru-RU"/>
               <a:t>Образец текста</a:t>
             </a:r>
           </a:p>
           <a:p>
             <a:pPr lvl="1"/>
             <a:r>
-              <a:rPr lang="ru-RU" smtClean="0"/>
+              <a:rPr lang="ru-RU"/>
               <a:t>Второй уровень</a:t>
             </a:r>
           </a:p>
           <a:p>
             <a:pPr lvl="2"/>
             <a:r>
-              <a:rPr lang="ru-RU" smtClean="0"/>
+              <a:rPr lang="ru-RU"/>
               <a:t>Третий уровень</a:t>
             </a:r>
           </a:p>
           <a:p>
             <a:pPr lvl="3"/>
             <a:r>
-              <a:rPr lang="ru-RU" smtClean="0"/>
+              <a:rPr lang="ru-RU"/>
               <a:t>Четвертый уровень</a:t>
             </a:r>
           </a:p>
           <a:p>
             <a:pPr lvl="4"/>
             <a:r>
-              <a:rPr lang="ru-RU" smtClean="0"/>
+              <a:rPr lang="ru-RU"/>
               <a:t>Пятый уровень</a:t>
             </a:r>
-            <a:endParaRPr lang="ru-RU"/>
           </a:p>
         </p:txBody>
       </p:sp>
@@ -704,10 +698,9 @@
           <a:lstStyle/>
           <a:p>
             <a:r>
-              <a:rPr lang="ru-RU" smtClean="0"/>
+              <a:rPr lang="ru-RU"/>
               <a:t>Образец заголовка</a:t>
             </a:r>
-            <a:endParaRPr lang="ru-RU"/>
           </a:p>
         </p:txBody>
       </p:sp>
@@ -728,38 +721,37 @@
           <a:p>
             <a:pPr lvl="0"/>
             <a:r>
-              <a:rPr lang="ru-RU" smtClean="0"/>
+              <a:rPr lang="ru-RU"/>
               <a:t>Образец текста</a:t>
             </a:r>
           </a:p>
           <a:p>
             <a:pPr lvl="1"/>
             <a:r>
-              <a:rPr lang="ru-RU" smtClean="0"/>
+              <a:rPr lang="ru-RU"/>
               <a:t>Второй уровень</a:t>
             </a:r>
           </a:p>
           <a:p>
             <a:pPr lvl="2"/>
             <a:r>
-              <a:rPr lang="ru-RU" smtClean="0"/>
+              <a:rPr lang="ru-RU"/>
               <a:t>Третий уровень</a:t>
             </a:r>
           </a:p>
           <a:p>
             <a:pPr lvl="3"/>
             <a:r>
-              <a:rPr lang="ru-RU" smtClean="0"/>
+              <a:rPr lang="ru-RU"/>
               <a:t>Четвертый уровень</a:t>
             </a:r>
           </a:p>
           <a:p>
             <a:pPr lvl="4"/>
             <a:r>
-              <a:rPr lang="ru-RU" smtClean="0"/>
+              <a:rPr lang="ru-RU"/>
               <a:t>Пятый уровень</a:t>
             </a:r>
-            <a:endParaRPr lang="ru-RU"/>
           </a:p>
         </p:txBody>
       </p:sp>
@@ -883,10 +875,9 @@
           </a:lstStyle>
           <a:p>
             <a:r>
-              <a:rPr lang="ru-RU" smtClean="0"/>
+              <a:rPr lang="ru-RU"/>
               <a:t>Образец заголовка</a:t>
             </a:r>
-            <a:endParaRPr lang="ru-RU"/>
           </a:p>
         </p:txBody>
       </p:sp>
@@ -1003,7 +994,7 @@
           <a:p>
             <a:pPr lvl="0"/>
             <a:r>
-              <a:rPr lang="ru-RU" smtClean="0"/>
+              <a:rPr lang="ru-RU"/>
               <a:t>Образец текста</a:t>
             </a:r>
           </a:p>
@@ -1120,10 +1111,9 @@
           <a:lstStyle/>
           <a:p>
             <a:r>
-              <a:rPr lang="ru-RU" smtClean="0"/>
+              <a:rPr lang="ru-RU"/>
               <a:t>Образец заголовка</a:t>
             </a:r>
-            <a:endParaRPr lang="ru-RU"/>
           </a:p>
         </p:txBody>
       </p:sp>
@@ -1149,38 +1139,37 @@
           <a:p>
             <a:pPr lvl="0"/>
             <a:r>
-              <a:rPr lang="ru-RU" smtClean="0"/>
+              <a:rPr lang="ru-RU"/>
               <a:t>Образец текста</a:t>
             </a:r>
           </a:p>
           <a:p>
             <a:pPr lvl="1"/>
             <a:r>
-              <a:rPr lang="ru-RU" smtClean="0"/>
+              <a:rPr lang="ru-RU"/>
               <a:t>Второй уровень</a:t>
             </a:r>
           </a:p>
           <a:p>
             <a:pPr lvl="2"/>
             <a:r>
-              <a:rPr lang="ru-RU" smtClean="0"/>
+              <a:rPr lang="ru-RU"/>
               <a:t>Третий уровень</a:t>
             </a:r>
           </a:p>
           <a:p>
             <a:pPr lvl="3"/>
             <a:r>
-              <a:rPr lang="ru-RU" smtClean="0"/>
+              <a:rPr lang="ru-RU"/>
               <a:t>Четвертый уровень</a:t>
             </a:r>
           </a:p>
           <a:p>
             <a:pPr lvl="4"/>
             <a:r>
-              <a:rPr lang="ru-RU" smtClean="0"/>
+              <a:rPr lang="ru-RU"/>
               <a:t>Пятый уровень</a:t>
             </a:r>
-            <a:endParaRPr lang="ru-RU"/>
           </a:p>
         </p:txBody>
       </p:sp>
@@ -1206,38 +1195,37 @@
           <a:p>
             <a:pPr lvl="0"/>
             <a:r>
-              <a:rPr lang="ru-RU" smtClean="0"/>
+              <a:rPr lang="ru-RU"/>
               <a:t>Образец текста</a:t>
             </a:r>
           </a:p>
           <a:p>
             <a:pPr lvl="1"/>
             <a:r>
-              <a:rPr lang="ru-RU" smtClean="0"/>
+              <a:rPr lang="ru-RU"/>
               <a:t>Второй уровень</a:t>
             </a:r>
           </a:p>
           <a:p>
             <a:pPr lvl="2"/>
             <a:r>
-              <a:rPr lang="ru-RU" smtClean="0"/>
+              <a:rPr lang="ru-RU"/>
               <a:t>Третий уровень</a:t>
             </a:r>
           </a:p>
           <a:p>
             <a:pPr lvl="3"/>
             <a:r>
-              <a:rPr lang="ru-RU" smtClean="0"/>
+              <a:rPr lang="ru-RU"/>
               <a:t>Четвертый уровень</a:t>
             </a:r>
           </a:p>
           <a:p>
             <a:pPr lvl="4"/>
             <a:r>
-              <a:rPr lang="ru-RU" smtClean="0"/>
+              <a:rPr lang="ru-RU"/>
               <a:t>Пятый уровень</a:t>
             </a:r>
-            <a:endParaRPr lang="ru-RU"/>
           </a:p>
         </p:txBody>
       </p:sp>
@@ -1357,10 +1345,9 @@
           <a:lstStyle/>
           <a:p>
             <a:r>
-              <a:rPr lang="ru-RU" smtClean="0"/>
+              <a:rPr lang="ru-RU"/>
               <a:t>Образец заголовка</a:t>
             </a:r>
-            <a:endParaRPr lang="ru-RU"/>
           </a:p>
         </p:txBody>
       </p:sp>
@@ -1423,7 +1410,7 @@
           <a:p>
             <a:pPr lvl="0"/>
             <a:r>
-              <a:rPr lang="ru-RU" smtClean="0"/>
+              <a:rPr lang="ru-RU"/>
               <a:t>Образец текста</a:t>
             </a:r>
           </a:p>
@@ -1451,38 +1438,37 @@
           <a:p>
             <a:pPr lvl="0"/>
             <a:r>
-              <a:rPr lang="ru-RU" smtClean="0"/>
+              <a:rPr lang="ru-RU"/>
               <a:t>Образец текста</a:t>
             </a:r>
           </a:p>
           <a:p>
             <a:pPr lvl="1"/>
             <a:r>
-              <a:rPr lang="ru-RU" smtClean="0"/>
+              <a:rPr lang="ru-RU"/>
               <a:t>Второй уровень</a:t>
             </a:r>
           </a:p>
           <a:p>
             <a:pPr lvl="2"/>
             <a:r>
-              <a:rPr lang="ru-RU" smtClean="0"/>
+              <a:rPr lang="ru-RU"/>
               <a:t>Третий уровень</a:t>
             </a:r>
           </a:p>
           <a:p>
             <a:pPr lvl="3"/>
             <a:r>
-              <a:rPr lang="ru-RU" smtClean="0"/>
+              <a:rPr lang="ru-RU"/>
               <a:t>Четвертый уровень</a:t>
             </a:r>
           </a:p>
           <a:p>
             <a:pPr lvl="4"/>
             <a:r>
-              <a:rPr lang="ru-RU" smtClean="0"/>
+              <a:rPr lang="ru-RU"/>
               <a:t>Пятый уровень</a:t>
             </a:r>
-            <a:endParaRPr lang="ru-RU"/>
           </a:p>
         </p:txBody>
       </p:sp>
@@ -1545,7 +1531,7 @@
           <a:p>
             <a:pPr lvl="0"/>
             <a:r>
-              <a:rPr lang="ru-RU" smtClean="0"/>
+              <a:rPr lang="ru-RU"/>
               <a:t>Образец текста</a:t>
             </a:r>
           </a:p>
@@ -1573,38 +1559,37 @@
           <a:p>
             <a:pPr lvl="0"/>
             <a:r>
-              <a:rPr lang="ru-RU" smtClean="0"/>
+              <a:rPr lang="ru-RU"/>
               <a:t>Образец текста</a:t>
             </a:r>
           </a:p>
           <a:p>
             <a:pPr lvl="1"/>
             <a:r>
-              <a:rPr lang="ru-RU" smtClean="0"/>
+              <a:rPr lang="ru-RU"/>
               <a:t>Второй уровень</a:t>
             </a:r>
           </a:p>
           <a:p>
             <a:pPr lvl="2"/>
             <a:r>
-              <a:rPr lang="ru-RU" smtClean="0"/>
+              <a:rPr lang="ru-RU"/>
               <a:t>Третий уровень</a:t>
             </a:r>
           </a:p>
           <a:p>
             <a:pPr lvl="3"/>
             <a:r>
-              <a:rPr lang="ru-RU" smtClean="0"/>
+              <a:rPr lang="ru-RU"/>
               <a:t>Четвертый уровень</a:t>
             </a:r>
           </a:p>
           <a:p>
             <a:pPr lvl="4"/>
             <a:r>
-              <a:rPr lang="ru-RU" smtClean="0"/>
+              <a:rPr lang="ru-RU"/>
               <a:t>Пятый уровень</a:t>
             </a:r>
-            <a:endParaRPr lang="ru-RU"/>
           </a:p>
         </p:txBody>
       </p:sp>
@@ -1719,10 +1704,9 @@
           <a:lstStyle/>
           <a:p>
             <a:r>
-              <a:rPr lang="ru-RU" smtClean="0"/>
+              <a:rPr lang="ru-RU"/>
               <a:t>Образец заголовка</a:t>
             </a:r>
-            <a:endParaRPr lang="ru-RU"/>
           </a:p>
         </p:txBody>
       </p:sp>
@@ -1941,10 +1925,9 @@
           </a:lstStyle>
           <a:p>
             <a:r>
-              <a:rPr lang="ru-RU" smtClean="0"/>
+              <a:rPr lang="ru-RU"/>
               <a:t>Образец заголовка</a:t>
             </a:r>
-            <a:endParaRPr lang="ru-RU"/>
           </a:p>
         </p:txBody>
       </p:sp>
@@ -1998,38 +1981,37 @@
           <a:p>
             <a:pPr lvl="0"/>
             <a:r>
-              <a:rPr lang="ru-RU" smtClean="0"/>
+              <a:rPr lang="ru-RU"/>
               <a:t>Образец текста</a:t>
             </a:r>
           </a:p>
           <a:p>
             <a:pPr lvl="1"/>
             <a:r>
-              <a:rPr lang="ru-RU" smtClean="0"/>
+              <a:rPr lang="ru-RU"/>
               <a:t>Второй уровень</a:t>
             </a:r>
           </a:p>
           <a:p>
             <a:pPr lvl="2"/>
             <a:r>
-              <a:rPr lang="ru-RU" smtClean="0"/>
+              <a:rPr lang="ru-RU"/>
               <a:t>Третий уровень</a:t>
             </a:r>
           </a:p>
           <a:p>
             <a:pPr lvl="3"/>
             <a:r>
-              <a:rPr lang="ru-RU" smtClean="0"/>
+              <a:rPr lang="ru-RU"/>
               <a:t>Четвертый уровень</a:t>
             </a:r>
           </a:p>
           <a:p>
             <a:pPr lvl="4"/>
             <a:r>
-              <a:rPr lang="ru-RU" smtClean="0"/>
+              <a:rPr lang="ru-RU"/>
               <a:t>Пятый уровень</a:t>
             </a:r>
-            <a:endParaRPr lang="ru-RU"/>
           </a:p>
         </p:txBody>
       </p:sp>
@@ -2092,7 +2074,7 @@
           <a:p>
             <a:pPr lvl="0"/>
             <a:r>
-              <a:rPr lang="ru-RU" smtClean="0"/>
+              <a:rPr lang="ru-RU"/>
               <a:t>Образец текста</a:t>
             </a:r>
           </a:p>
@@ -2218,10 +2200,9 @@
           </a:lstStyle>
           <a:p>
             <a:r>
-              <a:rPr lang="ru-RU" smtClean="0"/>
+              <a:rPr lang="ru-RU"/>
               <a:t>Образец заголовка</a:t>
             </a:r>
-            <a:endParaRPr lang="ru-RU"/>
           </a:p>
         </p:txBody>
       </p:sp>
@@ -2345,7 +2326,7 @@
           <a:p>
             <a:pPr lvl="0"/>
             <a:r>
-              <a:rPr lang="ru-RU" smtClean="0"/>
+              <a:rPr lang="ru-RU"/>
               <a:t>Образец текста</a:t>
             </a:r>
           </a:p>
@@ -2477,10 +2458,9 @@
           <a:lstStyle/>
           <a:p>
             <a:r>
-              <a:rPr lang="ru-RU" smtClean="0"/>
+              <a:rPr lang="ru-RU"/>
               <a:t>Образец заголовка</a:t>
             </a:r>
-            <a:endParaRPr lang="ru-RU"/>
           </a:p>
         </p:txBody>
       </p:sp>
@@ -2511,38 +2491,37 @@
           <a:p>
             <a:pPr lvl="0"/>
             <a:r>
-              <a:rPr lang="ru-RU" smtClean="0"/>
+              <a:rPr lang="ru-RU"/>
               <a:t>Образец текста</a:t>
             </a:r>
           </a:p>
           <a:p>
             <a:pPr lvl="1"/>
             <a:r>
-              <a:rPr lang="ru-RU" smtClean="0"/>
+              <a:rPr lang="ru-RU"/>
               <a:t>Второй уровень</a:t>
             </a:r>
           </a:p>
           <a:p>
             <a:pPr lvl="2"/>
             <a:r>
-              <a:rPr lang="ru-RU" smtClean="0"/>
+              <a:rPr lang="ru-RU"/>
               <a:t>Третий уровень</a:t>
             </a:r>
           </a:p>
           <a:p>
             <a:pPr lvl="3"/>
             <a:r>
-              <a:rPr lang="ru-RU" smtClean="0"/>
+              <a:rPr lang="ru-RU"/>
               <a:t>Четвертый уровень</a:t>
             </a:r>
           </a:p>
           <a:p>
             <a:pPr lvl="4"/>
             <a:r>
-              <a:rPr lang="ru-RU" smtClean="0"/>
+              <a:rPr lang="ru-RU"/>
               <a:t>Пятый уровень</a:t>
             </a:r>
-            <a:endParaRPr lang="ru-RU"/>
           </a:p>
         </p:txBody>
       </p:sp>
@@ -3120,7 +3099,7 @@
           <a:p>
             <a:pPr algn="l"/>
             <a:r>
-              <a:rPr lang="ru-RU" sz="2000" dirty="0" smtClean="0">
+              <a:rPr lang="ru-RU" sz="2000" dirty="0">
                 <a:solidFill>
                   <a:schemeClr val="tx1">
                     <a:lumMod val="75000"/>
@@ -3131,7 +3110,7 @@
               <a:t>24.05.2024</a:t>
             </a:r>
             <a:r>
-              <a:rPr lang="en-US" sz="2000" dirty="0" smtClean="0">
+              <a:rPr lang="en-US" sz="2000" dirty="0">
                 <a:solidFill>
                   <a:schemeClr val="tx1">
                     <a:lumMod val="75000"/>
@@ -3142,7 +3121,7 @@
               <a:t> / </a:t>
             </a:r>
             <a:r>
-              <a:rPr lang="ru-RU" sz="2000" dirty="0" smtClean="0">
+              <a:rPr lang="ru-RU" sz="2000" dirty="0">
                 <a:solidFill>
                   <a:schemeClr val="tx1">
                     <a:lumMod val="75000"/>
@@ -3152,14 +3131,34 @@
               </a:rPr>
               <a:t>Каспшицкий Алексей Александрович </a:t>
             </a:r>
-            <a:endParaRPr lang="ru-RU" sz="2000" dirty="0">
-              <a:solidFill>
-                <a:schemeClr val="tx1">
-                  <a:lumMod val="75000"/>
-                  <a:lumOff val="25000"/>
-                </a:schemeClr>
-              </a:solidFill>
-            </a:endParaRPr>
+          </a:p>
+          <a:p>
+            <a:pPr algn="l"/>
+            <a:r>
+              <a:rPr lang="ru-RU" sz="2000" dirty="0">
+                <a:solidFill>
+                  <a:schemeClr val="tx1">
+                    <a:lumMod val="75000"/>
+                    <a:lumOff val="25000"/>
+                  </a:schemeClr>
+                </a:solidFill>
+              </a:rPr>
+              <a:t>Научный руководитель: Ивашко Александр Григорьевич, д.т.н., профессор</a:t>
+            </a:r>
+          </a:p>
+          <a:p>
+            <a:pPr algn="l"/>
+            <a:r>
+              <a:rPr lang="ru-RU" sz="2000" dirty="0">
+                <a:solidFill>
+                  <a:schemeClr val="tx1">
+                    <a:lumMod val="75000"/>
+                    <a:lumOff val="25000"/>
+                  </a:schemeClr>
+                </a:solidFill>
+              </a:rPr>
+              <a:t>Место практики: ООО «Техноком»</a:t>
+            </a:r>
           </a:p>
         </p:txBody>
       </p:sp>
@@ -3173,13 +3172,6 @@
   <p:clrMapOvr>
     <a:masterClrMapping/>
   </p:clrMapOvr>
-  <p:timing>
-    <p:tnLst>
-      <p:par>
-        <p:cTn id="1" dur="indefinite" restart="never" nodeType="tmRoot"/>
-      </p:par>
-    </p:tnLst>
-  </p:timing>
 </p:sld>
 </file>
 
@@ -3280,8 +3272,8 @@
         </p:nvSpPr>
         <p:spPr>
           <a:xfrm>
-            <a:off x="301124" y="89561"/>
-            <a:ext cx="9891500" cy="232898"/>
+            <a:off x="301124" y="89560"/>
+            <a:ext cx="9891500" cy="412625"/>
           </a:xfrm>
           <a:prstGeom prst="rect">
             <a:avLst/>
@@ -3313,18 +3305,18 @@
           <a:p>
             <a:pPr algn="l"/>
             <a:r>
-              <a:rPr lang="ru-RU" sz="2400" b="1" dirty="0" smtClean="0">
-                <a:solidFill>
-                  <a:schemeClr val="tx1">
-                    <a:lumMod val="75000"/>
-                    <a:lumOff val="25000"/>
-                  </a:schemeClr>
-                </a:solidFill>
-              </a:rPr>
-              <a:t>Запрос ответ к </a:t>
-            </a:r>
-            <a:r>
-              <a:rPr lang="en-US" sz="2400" b="1" dirty="0" err="1" smtClean="0">
+              <a:rPr lang="ru-RU" sz="2400" b="1" dirty="0">
+                <a:solidFill>
+                  <a:schemeClr val="tx1">
+                    <a:lumMod val="75000"/>
+                    <a:lumOff val="25000"/>
+                  </a:schemeClr>
+                </a:solidFill>
+              </a:rPr>
+              <a:t>Запрос и ответ к </a:t>
+            </a:r>
+            <a:r>
+              <a:rPr lang="en-US" sz="2400" b="1" dirty="0" err="1">
                 <a:solidFill>
                   <a:schemeClr val="tx1">
                     <a:lumMod val="75000"/>
@@ -3335,7 +3327,7 @@
               <a:t>api</a:t>
             </a:r>
             <a:r>
-              <a:rPr lang="en-US" sz="2400" b="1" dirty="0" smtClean="0">
+              <a:rPr lang="ru-RU" sz="2400" b="1" dirty="0">
                 <a:solidFill>
                   <a:schemeClr val="tx1">
                     <a:lumMod val="75000"/>
@@ -3344,17 +3336,6 @@
                 </a:solidFill>
               </a:rPr>
               <a:t> </a:t>
-            </a:r>
-            <a:r>
-              <a:rPr lang="ru-RU" sz="2400" b="1" dirty="0" smtClean="0">
-                <a:solidFill>
-                  <a:schemeClr val="tx1">
-                    <a:lumMod val="75000"/>
-                    <a:lumOff val="25000"/>
-                  </a:schemeClr>
-                </a:solidFill>
-              </a:rPr>
-              <a:t>– Чтение информации о выбранном участке</a:t>
             </a:r>
           </a:p>
         </p:txBody>
@@ -3369,79 +3350,8 @@
         </p:nvSpPr>
         <p:spPr>
           <a:xfrm>
-            <a:off x="349615" y="1006521"/>
-            <a:ext cx="8601438" cy="700755"/>
-          </a:xfrm>
-          <a:prstGeom prst="rect">
-            <a:avLst/>
-          </a:prstGeom>
-        </p:spPr>
-        <p:txBody>
-          <a:bodyPr vert="horz" lIns="91440" tIns="45720" rIns="91440" bIns="45720" rtlCol="0" anchor="t">
-            <a:normAutofit fontScale="40000" lnSpcReduction="20000"/>
-          </a:bodyPr>
-          <a:lstStyle>
-            <a:lvl1pPr algn="ctr" defTabSz="914400" rtl="0" eaLnBrk="1" latinLnBrk="0" hangingPunct="1">
-              <a:lnSpc>
-                <a:spcPct val="90000"/>
-              </a:lnSpc>
-              <a:spcBef>
-                <a:spcPct val="0"/>
-              </a:spcBef>
-              <a:buNone/>
-              <a:defRPr sz="6000" kern="1200">
-                <a:solidFill>
-                  <a:schemeClr val="tx1"/>
-                </a:solidFill>
-                <a:latin typeface="+mj-lt"/>
-                <a:ea typeface="+mj-ea"/>
-                <a:cs typeface="+mj-cs"/>
-              </a:defRPr>
-            </a:lvl1pPr>
-          </a:lstStyle>
-          <a:p>
-            <a:r>
-              <a:rPr lang="en-US" dirty="0" smtClean="0">
-                <a:solidFill>
-                  <a:schemeClr val="tx1">
-                    <a:lumMod val="75000"/>
-                    <a:lumOff val="25000"/>
-                  </a:schemeClr>
-                </a:solidFill>
-              </a:rPr>
-              <a:t>GET </a:t>
-            </a:r>
-            <a:r>
-              <a:rPr lang="en-US" dirty="0">
-                <a:hlinkClick r:id="rId4"/>
-              </a:rPr>
-              <a:t>https://</a:t>
-            </a:r>
-            <a:r>
-              <a:rPr lang="en-US" dirty="0" smtClean="0">
-                <a:hlinkClick r:id="rId4"/>
-              </a:rPr>
-              <a:t>uslugi.egov66.ru/forest-api/api/public/services/10701</a:t>
-            </a:r>
-            <a:r>
-              <a:rPr lang="ru-RU" dirty="0" smtClean="0"/>
-              <a:t> </a:t>
-            </a:r>
-          </a:p>
-        </p:txBody>
-      </p:sp>
-      <p:sp>
-        <p:nvSpPr>
-          <p:cNvPr id="14" name="Заголовок 1"/>
-          <p:cNvSpPr txBox="1">
-            <a:spLocks/>
-          </p:cNvSpPr>
-          <p:nvPr/>
-        </p:nvSpPr>
-        <p:spPr>
-          <a:xfrm>
-            <a:off x="502015" y="912576"/>
-            <a:ext cx="10077678" cy="881226"/>
+            <a:off x="349614" y="1006521"/>
+            <a:ext cx="9843009" cy="700755"/>
           </a:xfrm>
           <a:prstGeom prst="rect">
             <a:avLst/>
@@ -3472,7 +3382,18 @@
           </a:lstStyle>
           <a:p>
             <a:pPr algn="l"/>
-            <a:endParaRPr lang="ru-RU" sz="1800" dirty="0">
+            <a:r>
+              <a:rPr lang="ru-RU" sz="2800" b="1" dirty="0">
+                <a:solidFill>
+                  <a:schemeClr val="tx1">
+                    <a:lumMod val="75000"/>
+                    <a:lumOff val="25000"/>
+                  </a:schemeClr>
+                </a:solidFill>
+              </a:rPr>
+              <a:t>Чтение информации о выбранной услуге:</a:t>
+            </a:r>
+            <a:endParaRPr lang="ru-RU" sz="2800" dirty="0">
               <a:solidFill>
                 <a:schemeClr val="tx1">
                   <a:lumMod val="75000"/>
@@ -3481,11 +3402,34 @@
               </a:solidFill>
             </a:endParaRPr>
           </a:p>
-        </p:txBody>
-      </p:sp>
-      <p:sp>
-        <p:nvSpPr>
-          <p:cNvPr id="8" name="Заголовок 1"/>
+          <a:p>
+            <a:r>
+              <a:rPr lang="en-US" sz="2800" dirty="0">
+                <a:solidFill>
+                  <a:schemeClr val="tx1">
+                    <a:lumMod val="75000"/>
+                    <a:lumOff val="25000"/>
+                  </a:schemeClr>
+                </a:solidFill>
+              </a:rPr>
+              <a:t>GET </a:t>
+            </a:r>
+            <a:r>
+              <a:rPr lang="en-US" sz="2800" dirty="0">
+                <a:hlinkClick r:id="rId4"/>
+              </a:rPr>
+              <a:t>https://uslugi.egov66.ru/forest-api/api/public/services/10701</a:t>
+            </a:r>
+            <a:r>
+              <a:rPr lang="ru-RU" sz="2800" dirty="0"/>
+              <a:t> </a:t>
+            </a:r>
+          </a:p>
+        </p:txBody>
+      </p:sp>
+      <p:sp>
+        <p:nvSpPr>
+          <p:cNvPr id="14" name="Заголовок 1"/>
           <p:cNvSpPr txBox="1">
             <a:spLocks/>
           </p:cNvSpPr>
@@ -3493,7 +3437,7 @@
         </p:nvSpPr>
         <p:spPr>
           <a:xfrm>
-            <a:off x="654415" y="1064976"/>
+            <a:off x="502015" y="912576"/>
             <a:ext cx="10077678" cy="881226"/>
           </a:xfrm>
           <a:prstGeom prst="rect">
@@ -3538,7 +3482,7 @@
       </p:sp>
       <p:sp>
         <p:nvSpPr>
-          <p:cNvPr id="9" name="Заголовок 1"/>
+          <p:cNvPr id="8" name="Заголовок 1"/>
           <p:cNvSpPr txBox="1">
             <a:spLocks/>
           </p:cNvSpPr>
@@ -3546,7 +3490,7 @@
         </p:nvSpPr>
         <p:spPr>
           <a:xfrm>
-            <a:off x="1394045" y="2853229"/>
+            <a:off x="654415" y="1064976"/>
             <a:ext cx="10077678" cy="881226"/>
           </a:xfrm>
           <a:prstGeom prst="rect">
@@ -3591,110 +3535,80 @@
       </p:sp>
       <p:sp>
         <p:nvSpPr>
-          <p:cNvPr id="11" name="Прямоугольник 10"/>
-          <p:cNvSpPr/>
-          <p:nvPr/>
-        </p:nvSpPr>
-        <p:spPr>
-          <a:xfrm>
-            <a:off x="502015" y="1765731"/>
-            <a:ext cx="7012924" cy="677108"/>
-          </a:xfrm>
-          <a:prstGeom prst="rect">
-            <a:avLst/>
-          </a:prstGeom>
-        </p:spPr>
-        <p:txBody>
-          <a:bodyPr wrap="square">
-            <a:spAutoFit/>
+          <p:cNvPr id="9" name="Заголовок 1"/>
+          <p:cNvSpPr txBox="1">
+            <a:spLocks/>
+          </p:cNvSpPr>
+          <p:nvPr/>
+        </p:nvSpPr>
+        <p:spPr>
+          <a:xfrm>
+            <a:off x="1394045" y="2853229"/>
+            <a:ext cx="10077678" cy="881226"/>
+          </a:xfrm>
+          <a:prstGeom prst="rect">
+            <a:avLst/>
+          </a:prstGeom>
+        </p:spPr>
+        <p:txBody>
+          <a:bodyPr vert="horz" lIns="91440" tIns="45720" rIns="91440" bIns="45720" rtlCol="0" anchor="t">
+            <a:noAutofit/>
           </a:bodyPr>
-          <a:lstStyle/>
-          <a:p>
-            <a:r>
-              <a:rPr lang="ru-RU" sz="1900" dirty="0">
-                <a:solidFill>
-                  <a:schemeClr val="tx1">
-                    <a:lumMod val="75000"/>
-                    <a:lumOff val="25000"/>
-                  </a:schemeClr>
+          <a:lstStyle>
+            <a:lvl1pPr algn="ctr" defTabSz="914400" rtl="0" eaLnBrk="1" latinLnBrk="0" hangingPunct="1">
+              <a:lnSpc>
+                <a:spcPct val="90000"/>
+              </a:lnSpc>
+              <a:spcBef>
+                <a:spcPct val="0"/>
+              </a:spcBef>
+              <a:buNone/>
+              <a:defRPr sz="6000" kern="1200">
+                <a:solidFill>
+                  <a:schemeClr val="tx1"/>
                 </a:solidFill>
                 <a:latin typeface="+mj-lt"/>
                 <a:ea typeface="+mj-ea"/>
                 <a:cs typeface="+mj-cs"/>
-              </a:rPr>
-              <a:t>Тело </a:t>
-            </a:r>
-            <a:r>
-              <a:rPr lang="ru-RU" sz="1900" dirty="0" smtClean="0">
-                <a:solidFill>
-                  <a:schemeClr val="tx1">
-                    <a:lumMod val="75000"/>
-                    <a:lumOff val="25000"/>
-                  </a:schemeClr>
-                </a:solidFill>
-                <a:latin typeface="+mj-lt"/>
-                <a:ea typeface="+mj-ea"/>
-                <a:cs typeface="+mj-cs"/>
-              </a:rPr>
-              <a:t>ответа </a:t>
-            </a:r>
-            <a:r>
-              <a:rPr lang="ru-RU" sz="1900" dirty="0">
-                <a:solidFill>
-                  <a:schemeClr val="tx1">
-                    <a:lumMod val="75000"/>
-                    <a:lumOff val="25000"/>
-                  </a:schemeClr>
-                </a:solidFill>
-                <a:latin typeface="+mj-lt"/>
-                <a:ea typeface="+mj-ea"/>
-                <a:cs typeface="+mj-cs"/>
-              </a:rPr>
-              <a:t>прикреплено в приложении </a:t>
-            </a:r>
-            <a:r>
-              <a:rPr lang="ru-RU" sz="1900" dirty="0" smtClean="0">
-                <a:solidFill>
-                  <a:schemeClr val="tx1">
-                    <a:lumMod val="75000"/>
-                    <a:lumOff val="25000"/>
-                  </a:schemeClr>
-                </a:solidFill>
-                <a:latin typeface="+mj-lt"/>
-                <a:ea typeface="+mj-ea"/>
-                <a:cs typeface="+mj-cs"/>
-              </a:rPr>
-              <a:t>№1.</a:t>
-            </a:r>
-            <a:r>
-              <a:rPr lang="en-US" sz="1900" dirty="0" smtClean="0">
-                <a:solidFill>
-                  <a:schemeClr val="tx1">
-                    <a:lumMod val="75000"/>
-                    <a:lumOff val="25000"/>
-                  </a:schemeClr>
-                </a:solidFill>
-                <a:latin typeface="+mj-lt"/>
-                <a:ea typeface="+mj-ea"/>
-                <a:cs typeface="+mj-cs"/>
-              </a:rPr>
-              <a:t> </a:t>
-            </a:r>
-            <a:endParaRPr lang="ru-RU" sz="1900" dirty="0" smtClean="0">
+              </a:defRPr>
+            </a:lvl1pPr>
+          </a:lstStyle>
+          <a:p>
+            <a:pPr algn="l"/>
+            <a:endParaRPr lang="ru-RU" sz="1800" dirty="0">
               <a:solidFill>
                 <a:schemeClr val="tx1">
                   <a:lumMod val="75000"/>
                   <a:lumOff val="25000"/>
                 </a:schemeClr>
               </a:solidFill>
-              <a:latin typeface="+mj-lt"/>
-              <a:ea typeface="+mj-ea"/>
-              <a:cs typeface="+mj-cs"/>
             </a:endParaRPr>
           </a:p>
-          <a:p>
-            <a:r>
-              <a:rPr lang="ru-RU" sz="1900" dirty="0" smtClean="0">
+        </p:txBody>
+      </p:sp>
+      <p:sp>
+        <p:nvSpPr>
+          <p:cNvPr id="11" name="Прямоугольник 10"/>
+          <p:cNvSpPr/>
+          <p:nvPr/>
+        </p:nvSpPr>
+        <p:spPr>
+          <a:xfrm>
+            <a:off x="502015" y="1765731"/>
+            <a:ext cx="7012924" cy="677108"/>
+          </a:xfrm>
+          <a:prstGeom prst="rect">
+            <a:avLst/>
+          </a:prstGeom>
+        </p:spPr>
+        <p:txBody>
+          <a:bodyPr wrap="square">
+            <a:spAutoFit/>
+          </a:bodyPr>
+          <a:lstStyle/>
+          <a:p>
+            <a:r>
+              <a:rPr lang="ru-RU" sz="1900" dirty="0">
                 <a:solidFill>
                   <a:schemeClr val="tx1">
                     <a:lumMod val="75000"/>
@@ -3705,7 +3619,21 @@
                 <a:ea typeface="+mj-ea"/>
                 <a:cs typeface="+mj-cs"/>
               </a:rPr>
-              <a:t>Краткое описание тела ответа:</a:t>
+              <a:t>Тело ответа прикреплено в приложении №1.</a:t>
+            </a:r>
+            <a:r>
+              <a:rPr lang="en-US" sz="1900" dirty="0">
+                <a:solidFill>
+                  <a:schemeClr val="tx1">
+                    <a:lumMod val="75000"/>
+                    <a:lumOff val="25000"/>
+                  </a:schemeClr>
+                </a:solidFill>
+                <a:latin typeface="+mj-lt"/>
+                <a:ea typeface="+mj-ea"/>
+                <a:cs typeface="+mj-cs"/>
+              </a:rPr>
+              <a:t> </a:t>
             </a:r>
             <a:endParaRPr lang="ru-RU" sz="1900" dirty="0">
               <a:solidFill>
@@ -3719,6 +3647,22 @@
               <a:cs typeface="+mj-cs"/>
             </a:endParaRPr>
           </a:p>
+          <a:p>
+            <a:r>
+              <a:rPr lang="ru-RU" sz="1900" dirty="0">
+                <a:solidFill>
+                  <a:schemeClr val="tx1">
+                    <a:lumMod val="75000"/>
+                    <a:lumOff val="25000"/>
+                  </a:schemeClr>
+                </a:solidFill>
+                <a:latin typeface="+mj-lt"/>
+                <a:ea typeface="+mj-ea"/>
+                <a:cs typeface="+mj-cs"/>
+              </a:rPr>
+              <a:t>Краткое описание тела ответа:</a:t>
+            </a:r>
+          </a:p>
         </p:txBody>
       </p:sp>
       <p:sp>
@@ -3751,29 +3695,49 @@
                   </a:schemeClr>
                 </a:solidFill>
               </a:rPr>
+              <a:t>категории, </a:t>
+            </a:r>
+          </a:p>
+          <a:p>
+            <a:r>
+              <a:rPr lang="ru-RU" dirty="0">
+                <a:solidFill>
+                  <a:schemeClr val="tx1">
+                    <a:lumMod val="75000"/>
+                    <a:lumOff val="25000"/>
+                  </a:schemeClr>
+                </a:solidFill>
+              </a:rPr>
+              <a:t>основания отказа, </a:t>
+            </a:r>
+          </a:p>
+          <a:p>
+            <a:r>
+              <a:rPr lang="ru-RU" dirty="0">
+                <a:solidFill>
+                  <a:schemeClr val="tx1">
+                    <a:lumMod val="75000"/>
+                    <a:lumOff val="25000"/>
+                  </a:schemeClr>
+                </a:solidFill>
+              </a:rPr>
+              <a:t>категории получателей, </a:t>
+            </a:r>
+          </a:p>
+          <a:p>
+            <a:r>
+              <a:rPr lang="ru-RU" dirty="0">
+                <a:solidFill>
+                  <a:schemeClr val="tx1">
+                    <a:lumMod val="75000"/>
+                    <a:lumOff val="25000"/>
+                  </a:schemeClr>
+                </a:solidFill>
+              </a:rPr>
               <a:t>полное наименование услуги, </a:t>
             </a:r>
-            <a:endParaRPr lang="ru-RU" dirty="0" smtClean="0">
-              <a:solidFill>
-                <a:schemeClr val="tx1">
-                  <a:lumMod val="75000"/>
-                  <a:lumOff val="25000"/>
-                </a:schemeClr>
-              </a:solidFill>
-            </a:endParaRPr>
-          </a:p>
-          <a:p>
-            <a:r>
-              <a:rPr lang="ru-RU" dirty="0" smtClean="0">
-                <a:solidFill>
-                  <a:schemeClr val="tx1">
-                    <a:lumMod val="75000"/>
-                    <a:lumOff val="25000"/>
-                  </a:schemeClr>
-                </a:solidFill>
-              </a:rPr>
-              <a:t>административный </a:t>
-            </a:r>
+          </a:p>
+          <a:p>
             <a:r>
               <a:rPr lang="ru-RU" dirty="0">
                 <a:solidFill>
@@ -3783,29 +3747,10 @@
                   </a:schemeClr>
                 </a:solidFill>
               </a:rPr>
-              <a:t>регламент, </a:t>
-            </a:r>
-            <a:endParaRPr lang="ru-RU" dirty="0" smtClean="0">
-              <a:solidFill>
-                <a:schemeClr val="tx1">
-                  <a:lumMod val="75000"/>
-                  <a:lumOff val="25000"/>
-                </a:schemeClr>
-              </a:solidFill>
-            </a:endParaRPr>
-          </a:p>
-          <a:p>
-            <a:r>
-              <a:rPr lang="ru-RU" dirty="0" smtClean="0">
-                <a:solidFill>
-                  <a:schemeClr val="tx1">
-                    <a:lumMod val="75000"/>
-                    <a:lumOff val="25000"/>
-                  </a:schemeClr>
-                </a:solidFill>
-              </a:rPr>
-              <a:t>стоимость </a:t>
-            </a:r>
+              <a:t>перечень поставщиков услуги,</a:t>
+            </a:r>
+          </a:p>
+          <a:p>
             <a:r>
               <a:rPr lang="ru-RU" dirty="0">
                 <a:solidFill>
@@ -3815,29 +3760,10 @@
                   </a:schemeClr>
                 </a:solidFill>
               </a:rPr>
-              <a:t>и сроки оказания услуги, </a:t>
-            </a:r>
-            <a:endParaRPr lang="ru-RU" dirty="0" smtClean="0">
-              <a:solidFill>
-                <a:schemeClr val="tx1">
-                  <a:lumMod val="75000"/>
-                  <a:lumOff val="25000"/>
-                </a:schemeClr>
-              </a:solidFill>
-            </a:endParaRPr>
-          </a:p>
-          <a:p>
-            <a:r>
-              <a:rPr lang="ru-RU" dirty="0" smtClean="0">
-                <a:solidFill>
-                  <a:schemeClr val="tx1">
-                    <a:lumMod val="75000"/>
-                    <a:lumOff val="25000"/>
-                  </a:schemeClr>
-                </a:solidFill>
-              </a:rPr>
-              <a:t>категории </a:t>
-            </a:r>
+              <a:t>административный регламент, </a:t>
+            </a:r>
+          </a:p>
+          <a:p>
             <a:r>
               <a:rPr lang="ru-RU" dirty="0">
                 <a:solidFill>
@@ -3847,29 +3773,10 @@
                   </a:schemeClr>
                 </a:solidFill>
               </a:rPr>
-              <a:t>получателей, </a:t>
-            </a:r>
-            <a:endParaRPr lang="ru-RU" dirty="0" smtClean="0">
-              <a:solidFill>
-                <a:schemeClr val="tx1">
-                  <a:lumMod val="75000"/>
-                  <a:lumOff val="25000"/>
-                </a:schemeClr>
-              </a:solidFill>
-            </a:endParaRPr>
-          </a:p>
-          <a:p>
-            <a:r>
-              <a:rPr lang="ru-RU" dirty="0" smtClean="0">
-                <a:solidFill>
-                  <a:schemeClr val="tx1">
-                    <a:lumMod val="75000"/>
-                    <a:lumOff val="25000"/>
-                  </a:schemeClr>
-                </a:solidFill>
-              </a:rPr>
-              <a:t>основания </a:t>
-            </a:r>
+              <a:t>стоимость и сроки оказания услуги, </a:t>
+            </a:r>
+          </a:p>
+          <a:p>
             <a:r>
               <a:rPr lang="ru-RU" dirty="0">
                 <a:solidFill>
@@ -3879,103 +3786,7 @@
                   </a:schemeClr>
                 </a:solidFill>
               </a:rPr>
-              <a:t>отказа, </a:t>
-            </a:r>
-            <a:endParaRPr lang="ru-RU" dirty="0" smtClean="0">
-              <a:solidFill>
-                <a:schemeClr val="tx1">
-                  <a:lumMod val="75000"/>
-                  <a:lumOff val="25000"/>
-                </a:schemeClr>
-              </a:solidFill>
-            </a:endParaRPr>
-          </a:p>
-          <a:p>
-            <a:r>
-              <a:rPr lang="ru-RU" dirty="0" smtClean="0">
-                <a:solidFill>
-                  <a:schemeClr val="tx1">
-                    <a:lumMod val="75000"/>
-                    <a:lumOff val="25000"/>
-                  </a:schemeClr>
-                </a:solidFill>
-              </a:rPr>
-              <a:t>категории</a:t>
-            </a:r>
-            <a:r>
-              <a:rPr lang="ru-RU" dirty="0">
-                <a:solidFill>
-                  <a:schemeClr val="tx1">
-                    <a:lumMod val="75000"/>
-                    <a:lumOff val="25000"/>
-                  </a:schemeClr>
-                </a:solidFill>
-              </a:rPr>
-              <a:t>, </a:t>
-            </a:r>
-            <a:endParaRPr lang="ru-RU" dirty="0" smtClean="0">
-              <a:solidFill>
-                <a:schemeClr val="tx1">
-                  <a:lumMod val="75000"/>
-                  <a:lumOff val="25000"/>
-                </a:schemeClr>
-              </a:solidFill>
-            </a:endParaRPr>
-          </a:p>
-          <a:p>
-            <a:r>
-              <a:rPr lang="ru-RU" dirty="0" smtClean="0">
-                <a:solidFill>
-                  <a:schemeClr val="tx1">
-                    <a:lumMod val="75000"/>
-                    <a:lumOff val="25000"/>
-                  </a:schemeClr>
-                </a:solidFill>
-              </a:rPr>
-              <a:t>документы </a:t>
-            </a:r>
-            <a:r>
-              <a:rPr lang="ru-RU" dirty="0">
-                <a:solidFill>
-                  <a:schemeClr val="tx1">
-                    <a:lumMod val="75000"/>
-                    <a:lumOff val="25000"/>
-                  </a:schemeClr>
-                </a:solidFill>
-              </a:rPr>
-              <a:t>необходимые для получения услуги, </a:t>
-            </a:r>
-            <a:endParaRPr lang="ru-RU" dirty="0" smtClean="0">
-              <a:solidFill>
-                <a:schemeClr val="tx1">
-                  <a:lumMod val="75000"/>
-                  <a:lumOff val="25000"/>
-                </a:schemeClr>
-              </a:solidFill>
-            </a:endParaRPr>
-          </a:p>
-          <a:p>
-            <a:r>
-              <a:rPr lang="ru-RU" dirty="0" smtClean="0">
-                <a:solidFill>
-                  <a:schemeClr val="tx1">
-                    <a:lumMod val="75000"/>
-                    <a:lumOff val="25000"/>
-                  </a:schemeClr>
-                </a:solidFill>
-              </a:rPr>
-              <a:t>перечень </a:t>
-            </a:r>
-            <a:r>
-              <a:rPr lang="ru-RU" dirty="0">
-                <a:solidFill>
-                  <a:schemeClr val="tx1">
-                    <a:lumMod val="75000"/>
-                    <a:lumOff val="25000"/>
-                  </a:schemeClr>
-                </a:solidFill>
-              </a:rPr>
-              <a:t>поставщиков.</a:t>
+              <a:t>документы необходимые для получения услуги.</a:t>
             </a:r>
           </a:p>
         </p:txBody>
@@ -4091,7 +3902,7 @@
         <p:spPr>
           <a:xfrm>
             <a:off x="301124" y="89561"/>
-            <a:ext cx="9891500" cy="232898"/>
+            <a:ext cx="9891500" cy="460216"/>
           </a:xfrm>
           <a:prstGeom prst="rect">
             <a:avLst/>
@@ -4123,17 +3934,6 @@
           <a:p>
             <a:pPr algn="l"/>
             <a:r>
-              <a:rPr lang="ru-RU" sz="2400" b="1" dirty="0" smtClean="0">
-                <a:solidFill>
-                  <a:schemeClr val="tx1">
-                    <a:lumMod val="75000"/>
-                    <a:lumOff val="25000"/>
-                  </a:schemeClr>
-                </a:solidFill>
-              </a:rPr>
-              <a:t>Запрос </a:t>
-            </a:r>
-            <a:r>
               <a:rPr lang="ru-RU" sz="2400" b="1" dirty="0">
                 <a:solidFill>
                   <a:schemeClr val="tx1">
@@ -4142,7 +3942,7 @@
                   </a:schemeClr>
                 </a:solidFill>
               </a:rPr>
-              <a:t>ответ к </a:t>
+              <a:t>Запрос и ответ к </a:t>
             </a:r>
             <a:r>
               <a:rPr lang="en-US" sz="2400" b="1" dirty="0" err="1">
@@ -4154,39 +3954,6 @@
                 </a:solidFill>
               </a:rPr>
               <a:t>api</a:t>
-            </a:r>
-            <a:r>
-              <a:rPr lang="en-US" sz="2400" b="1" dirty="0">
-                <a:solidFill>
-                  <a:schemeClr val="tx1">
-                    <a:lumMod val="75000"/>
-                    <a:lumOff val="25000"/>
-                  </a:schemeClr>
-                </a:solidFill>
-              </a:rPr>
-              <a:t> </a:t>
-            </a:r>
-            <a:r>
-              <a:rPr lang="ru-RU" sz="2400" b="1" dirty="0" smtClean="0">
-                <a:solidFill>
-                  <a:schemeClr val="tx1">
-                    <a:lumMod val="75000"/>
-                    <a:lumOff val="25000"/>
-                  </a:schemeClr>
-                </a:solidFill>
-              </a:rPr>
-              <a:t>– </a:t>
-            </a:r>
-            <a:r>
-              <a:rPr lang="ru-RU" sz="2400" b="1" dirty="0" smtClean="0">
-                <a:solidFill>
-                  <a:schemeClr val="tx1">
-                    <a:lumMod val="75000"/>
-                    <a:lumOff val="25000"/>
-                  </a:schemeClr>
-                </a:solidFill>
-              </a:rPr>
-              <a:t>Создание черновика заявления</a:t>
             </a:r>
             <a:endParaRPr lang="ru-RU" sz="2400" b="1" dirty="0">
               <a:solidFill>
@@ -4210,84 +3977,7 @@
         <p:spPr>
           <a:xfrm>
             <a:off x="349615" y="1006521"/>
-            <a:ext cx="7039688" cy="700755"/>
-          </a:xfrm>
-          <a:prstGeom prst="rect">
-            <a:avLst/>
-          </a:prstGeom>
-        </p:spPr>
-        <p:txBody>
-          <a:bodyPr vert="horz" lIns="91440" tIns="45720" rIns="91440" bIns="45720" rtlCol="0" anchor="t">
-            <a:normAutofit fontScale="40000" lnSpcReduction="20000"/>
-          </a:bodyPr>
-          <a:lstStyle>
-            <a:lvl1pPr algn="ctr" defTabSz="914400" rtl="0" eaLnBrk="1" latinLnBrk="0" hangingPunct="1">
-              <a:lnSpc>
-                <a:spcPct val="90000"/>
-              </a:lnSpc>
-              <a:spcBef>
-                <a:spcPct val="0"/>
-              </a:spcBef>
-              <a:buNone/>
-              <a:defRPr sz="6000" kern="1200">
-                <a:solidFill>
-                  <a:schemeClr val="tx1"/>
-                </a:solidFill>
-                <a:latin typeface="+mj-lt"/>
-                <a:ea typeface="+mj-ea"/>
-                <a:cs typeface="+mj-cs"/>
-              </a:defRPr>
-            </a:lvl1pPr>
-          </a:lstStyle>
-          <a:p>
-            <a:r>
-              <a:rPr lang="en-US" dirty="0">
-                <a:solidFill>
-                  <a:schemeClr val="tx1">
-                    <a:lumMod val="75000"/>
-                    <a:lumOff val="25000"/>
-                  </a:schemeClr>
-                </a:solidFill>
-              </a:rPr>
-              <a:t>POST </a:t>
-            </a:r>
-            <a:r>
-              <a:rPr lang="en-US" dirty="0" smtClean="0">
-                <a:hlinkClick r:id="rId4"/>
-              </a:rPr>
-              <a:t>https</a:t>
-            </a:r>
-            <a:r>
-              <a:rPr lang="en-US" dirty="0">
-                <a:hlinkClick r:id="rId4"/>
-              </a:rPr>
-              <a:t>://</a:t>
-            </a:r>
-            <a:r>
-              <a:rPr lang="en-US" dirty="0" smtClean="0">
-                <a:hlinkClick r:id="rId4"/>
-              </a:rPr>
-              <a:t>uslugi.egov66.ru/forest-api/api/requests</a:t>
-            </a:r>
-            <a:r>
-              <a:rPr lang="ru-RU" dirty="0" smtClean="0"/>
-              <a:t>  </a:t>
-            </a:r>
-          </a:p>
-        </p:txBody>
-      </p:sp>
-      <p:sp>
-        <p:nvSpPr>
-          <p:cNvPr id="14" name="Заголовок 1"/>
-          <p:cNvSpPr txBox="1">
-            <a:spLocks/>
-          </p:cNvSpPr>
-          <p:nvPr/>
-        </p:nvSpPr>
-        <p:spPr>
-          <a:xfrm>
-            <a:off x="502015" y="912576"/>
-            <a:ext cx="10077678" cy="881226"/>
+            <a:ext cx="8009382" cy="700755"/>
           </a:xfrm>
           <a:prstGeom prst="rect">
             <a:avLst/>
@@ -4318,7 +4008,18 @@
           </a:lstStyle>
           <a:p>
             <a:pPr algn="l"/>
-            <a:endParaRPr lang="ru-RU" sz="1800" dirty="0">
+            <a:r>
+              <a:rPr lang="ru-RU" sz="2800" b="1" dirty="0">
+                <a:solidFill>
+                  <a:schemeClr val="tx1">
+                    <a:lumMod val="75000"/>
+                    <a:lumOff val="25000"/>
+                  </a:schemeClr>
+                </a:solidFill>
+              </a:rPr>
+              <a:t>Создание черновика заявления:</a:t>
+            </a:r>
+            <a:endParaRPr lang="ru-RU" sz="2800" dirty="0">
               <a:solidFill>
                 <a:schemeClr val="tx1">
                   <a:lumMod val="75000"/>
@@ -4327,11 +4028,34 @@
               </a:solidFill>
             </a:endParaRPr>
           </a:p>
-        </p:txBody>
-      </p:sp>
-      <p:sp>
-        <p:nvSpPr>
-          <p:cNvPr id="8" name="Заголовок 1"/>
+          <a:p>
+            <a:r>
+              <a:rPr lang="en-US" sz="2800" dirty="0">
+                <a:solidFill>
+                  <a:schemeClr val="tx1">
+                    <a:lumMod val="75000"/>
+                    <a:lumOff val="25000"/>
+                  </a:schemeClr>
+                </a:solidFill>
+              </a:rPr>
+              <a:t>POST </a:t>
+            </a:r>
+            <a:r>
+              <a:rPr lang="en-US" sz="2800" dirty="0">
+                <a:hlinkClick r:id="rId4"/>
+              </a:rPr>
+              <a:t>https://uslugi.egov66.ru/forest-api/api/requests</a:t>
+            </a:r>
+            <a:r>
+              <a:rPr lang="ru-RU" sz="2800" dirty="0"/>
+              <a:t>  </a:t>
+            </a:r>
+          </a:p>
+        </p:txBody>
+      </p:sp>
+      <p:sp>
+        <p:nvSpPr>
+          <p:cNvPr id="14" name="Заголовок 1"/>
           <p:cNvSpPr txBox="1">
             <a:spLocks/>
           </p:cNvSpPr>
@@ -4339,7 +4063,7 @@
         </p:nvSpPr>
         <p:spPr>
           <a:xfrm>
-            <a:off x="654415" y="1064976"/>
+            <a:off x="502015" y="912576"/>
             <a:ext cx="10077678" cy="881226"/>
           </a:xfrm>
           <a:prstGeom prst="rect">
@@ -4392,7 +4116,7 @@
         </p:nvSpPr>
         <p:spPr>
           <a:xfrm>
-            <a:off x="1394045" y="2853229"/>
+            <a:off x="1425942" y="2853229"/>
             <a:ext cx="10077678" cy="881226"/>
           </a:xfrm>
           <a:prstGeom prst="rect">
@@ -4443,7 +4167,7 @@
         </p:nvSpPr>
         <p:spPr>
           <a:xfrm>
-            <a:off x="502015" y="3293842"/>
+            <a:off x="502015" y="4062835"/>
             <a:ext cx="6096000" cy="911019"/>
           </a:xfrm>
           <a:prstGeom prst="rect">
@@ -4465,7 +4189,7 @@
               </a:spcBef>
             </a:pPr>
             <a:r>
-              <a:rPr lang="ru-RU" sz="1900" b="1" dirty="0" smtClean="0">
+              <a:rPr lang="ru-RU" sz="1900" b="1" dirty="0">
                 <a:solidFill>
                   <a:schemeClr val="tx1">
                     <a:lumMod val="75000"/>
@@ -4491,7 +4215,7 @@
               <a:buChar char="•"/>
             </a:pPr>
             <a:r>
-              <a:rPr lang="ru-RU" sz="1900" dirty="0" smtClean="0">
+              <a:rPr lang="ru-RU" sz="1900" dirty="0">
                 <a:solidFill>
                   <a:schemeClr val="tx1">
                     <a:lumMod val="75000"/>
@@ -4517,7 +4241,7 @@
               <a:buChar char="•"/>
             </a:pPr>
             <a:r>
-              <a:rPr lang="ru-RU" sz="1900" dirty="0" smtClean="0">
+              <a:rPr lang="ru-RU" sz="1900" dirty="0">
                 <a:solidFill>
                   <a:schemeClr val="tx1">
                     <a:lumMod val="75000"/>
@@ -4543,7 +4267,7 @@
               <a:buChar char="•"/>
             </a:pPr>
             <a:r>
-              <a:rPr lang="ru-RU" sz="1900" dirty="0" smtClean="0">
+              <a:rPr lang="ru-RU" sz="1900" dirty="0">
                 <a:solidFill>
                   <a:schemeClr val="tx1">
                     <a:lumMod val="75000"/>
@@ -4556,17 +4280,6 @@
               </a:rPr>
               <a:t>Пред заполнить информацию о заявителе </a:t>
             </a:r>
-            <a:endParaRPr lang="ru-RU" sz="1900" dirty="0">
-              <a:solidFill>
-                <a:schemeClr val="tx1">
-                  <a:lumMod val="75000"/>
-                  <a:lumOff val="25000"/>
-                </a:schemeClr>
-              </a:solidFill>
-              <a:latin typeface="+mj-lt"/>
-              <a:ea typeface="+mj-ea"/>
-              <a:cs typeface="+mj-cs"/>
-            </a:endParaRPr>
           </a:p>
         </p:txBody>
       </p:sp>
@@ -4578,7 +4291,7 @@
         </p:nvSpPr>
         <p:spPr>
           <a:xfrm>
-            <a:off x="502015" y="1839236"/>
+            <a:off x="502015" y="2028780"/>
             <a:ext cx="6096000" cy="384721"/>
           </a:xfrm>
           <a:prstGeom prst="rect">
@@ -4616,8 +4329,8 @@
         </p:nvSpPr>
         <p:spPr>
           <a:xfrm>
-            <a:off x="502015" y="2558170"/>
-            <a:ext cx="6096000" cy="514885"/>
+            <a:off x="528779" y="2635659"/>
+            <a:ext cx="6096000" cy="1128899"/>
           </a:xfrm>
           <a:prstGeom prst="rect">
             <a:avLst/>
@@ -4638,7 +4351,7 @@
               </a:spcBef>
             </a:pPr>
             <a:r>
-              <a:rPr lang="ru-RU" sz="1900" dirty="0" smtClean="0">
+              <a:rPr lang="ru-RU" sz="1900" dirty="0">
                 <a:solidFill>
                   <a:schemeClr val="tx1">
                     <a:lumMod val="75000"/>
@@ -4652,7 +4365,7 @@
               <a:t>На момент создания черновика в заявлении заполняются </a:t>
             </a:r>
             <a:r>
-              <a:rPr lang="ru-RU" sz="1900" b="1" dirty="0" smtClean="0">
+              <a:rPr lang="ru-RU" sz="1900" b="1" dirty="0">
                 <a:solidFill>
                   <a:schemeClr val="tx1">
                     <a:lumMod val="75000"/>
@@ -4666,7 +4379,7 @@
               <a:t>следующие поля</a:t>
             </a:r>
             <a:r>
-              <a:rPr lang="ru-RU" sz="1900" dirty="0" smtClean="0">
+              <a:rPr lang="ru-RU" sz="1900" dirty="0">
                 <a:solidFill>
                   <a:schemeClr val="tx1">
                     <a:lumMod val="75000"/>
@@ -4677,19 +4390,80 @@
                 <a:ea typeface="+mj-ea"/>
                 <a:cs typeface="+mj-cs"/>
               </a:rPr>
-              <a:t>: заявитель, исполнитель, услуга.</a:t>
-            </a:r>
-            <a:endParaRPr lang="ru-RU" sz="1900" dirty="0">
-              <a:solidFill>
-                <a:schemeClr val="tx1">
-                  <a:lumMod val="75000"/>
-                  <a:lumOff val="25000"/>
-                </a:schemeClr>
-              </a:solidFill>
-              <a:latin typeface="+mj-lt"/>
-              <a:ea typeface="+mj-ea"/>
-              <a:cs typeface="+mj-cs"/>
-            </a:endParaRPr>
+              <a:t>: </a:t>
+            </a:r>
+          </a:p>
+          <a:p>
+            <a:pPr algn="just">
+              <a:lnSpc>
+                <a:spcPct val="70000"/>
+              </a:lnSpc>
+              <a:spcBef>
+                <a:spcPct val="0"/>
+              </a:spcBef>
+            </a:pPr>
+            <a:r>
+              <a:rPr lang="ru-RU" sz="1900" dirty="0">
+                <a:solidFill>
+                  <a:schemeClr val="tx1">
+                    <a:lumMod val="75000"/>
+                    <a:lumOff val="25000"/>
+                  </a:schemeClr>
+                </a:solidFill>
+                <a:latin typeface="+mj-lt"/>
+                <a:ea typeface="+mj-ea"/>
+                <a:cs typeface="+mj-cs"/>
+              </a:rPr>
+              <a:t>		заявитель,</a:t>
+            </a:r>
+          </a:p>
+          <a:p>
+            <a:pPr algn="just">
+              <a:lnSpc>
+                <a:spcPct val="70000"/>
+              </a:lnSpc>
+              <a:spcBef>
+                <a:spcPct val="0"/>
+              </a:spcBef>
+            </a:pPr>
+            <a:r>
+              <a:rPr lang="ru-RU" sz="1900" dirty="0">
+                <a:solidFill>
+                  <a:schemeClr val="tx1">
+                    <a:lumMod val="75000"/>
+                    <a:lumOff val="25000"/>
+                  </a:schemeClr>
+                </a:solidFill>
+                <a:latin typeface="+mj-lt"/>
+                <a:ea typeface="+mj-ea"/>
+                <a:cs typeface="+mj-cs"/>
+              </a:rPr>
+              <a:t>		исполнитель, </a:t>
+            </a:r>
+          </a:p>
+          <a:p>
+            <a:pPr algn="just">
+              <a:lnSpc>
+                <a:spcPct val="70000"/>
+              </a:lnSpc>
+              <a:spcBef>
+                <a:spcPct val="0"/>
+              </a:spcBef>
+            </a:pPr>
+            <a:r>
+              <a:rPr lang="ru-RU" sz="1900" dirty="0">
+                <a:solidFill>
+                  <a:schemeClr val="tx1">
+                    <a:lumMod val="75000"/>
+                    <a:lumOff val="25000"/>
+                  </a:schemeClr>
+                </a:solidFill>
+                <a:latin typeface="+mj-lt"/>
+                <a:ea typeface="+mj-ea"/>
+                <a:cs typeface="+mj-cs"/>
+              </a:rPr>
+              <a:t>		услуга.</a:t>
+            </a:r>
           </a:p>
         </p:txBody>
       </p:sp>
@@ -4803,8 +4577,8 @@
         </p:nvSpPr>
         <p:spPr>
           <a:xfrm>
-            <a:off x="301124" y="89561"/>
-            <a:ext cx="9891500" cy="232898"/>
+            <a:off x="301124" y="89560"/>
+            <a:ext cx="9891500" cy="414347"/>
           </a:xfrm>
           <a:prstGeom prst="rect">
             <a:avLst/>
@@ -4844,10 +4618,10 @@
                   </a:schemeClr>
                 </a:solidFill>
               </a:rPr>
-              <a:t>Запрос ответ к </a:t>
-            </a:r>
-            <a:r>
-              <a:rPr lang="en-US" sz="2400" b="1" dirty="0" err="1" smtClean="0">
+              <a:t>Запрос и ответ к </a:t>
+            </a:r>
+            <a:r>
+              <a:rPr lang="en-US" sz="2400" b="1" dirty="0" err="1">
                 <a:solidFill>
                   <a:schemeClr val="tx1">
                     <a:lumMod val="75000"/>
@@ -4858,7 +4632,7 @@
               <a:t>api</a:t>
             </a:r>
             <a:r>
-              <a:rPr lang="en-US" sz="2400" b="1" dirty="0" smtClean="0">
+              <a:rPr lang="ru-RU" sz="2400" b="1" dirty="0">
                 <a:solidFill>
                   <a:schemeClr val="tx1">
                     <a:lumMod val="75000"/>
@@ -4868,25 +4642,6 @@
               </a:rPr>
               <a:t> </a:t>
             </a:r>
-            <a:r>
-              <a:rPr lang="ru-RU" sz="2400" b="1" dirty="0" smtClean="0">
-                <a:solidFill>
-                  <a:schemeClr val="tx1">
-                    <a:lumMod val="75000"/>
-                    <a:lumOff val="25000"/>
-                  </a:schemeClr>
-                </a:solidFill>
-              </a:rPr>
-              <a:t>– чтение выбранного заявления</a:t>
-            </a:r>
-            <a:endParaRPr lang="ru-RU" sz="2400" b="1" dirty="0">
-              <a:solidFill>
-                <a:schemeClr val="tx1">
-                  <a:lumMod val="75000"/>
-                  <a:lumOff val="25000"/>
-                </a:schemeClr>
-              </a:solidFill>
-            </a:endParaRPr>
           </a:p>
         </p:txBody>
       </p:sp>
@@ -4900,8 +4655,8 @@
         </p:nvSpPr>
         <p:spPr>
           <a:xfrm>
-            <a:off x="114723" y="1021975"/>
-            <a:ext cx="8483992" cy="700755"/>
+            <a:off x="114722" y="580229"/>
+            <a:ext cx="9555489" cy="1142502"/>
           </a:xfrm>
           <a:prstGeom prst="rect">
             <a:avLst/>
@@ -4909,7 +4664,7 @@
         </p:spPr>
         <p:txBody>
           <a:bodyPr vert="horz" lIns="91440" tIns="45720" rIns="91440" bIns="45720" rtlCol="0" anchor="t">
-            <a:normAutofit fontScale="40000" lnSpcReduction="20000"/>
+            <a:normAutofit fontScale="47500" lnSpcReduction="20000"/>
           </a:bodyPr>
           <a:lstStyle>
             <a:lvl1pPr algn="ctr" defTabSz="914400" rtl="0" eaLnBrk="1" latinLnBrk="0" hangingPunct="1">
@@ -4931,8 +4686,51 @@
             </a:lvl1pPr>
           </a:lstStyle>
           <a:p>
-            <a:r>
-              <a:rPr lang="en-US" dirty="0" smtClean="0">
+            <a:endParaRPr lang="ru-RU" dirty="0">
+              <a:solidFill>
+                <a:schemeClr val="tx1">
+                  <a:lumMod val="75000"/>
+                  <a:lumOff val="25000"/>
+                </a:schemeClr>
+              </a:solidFill>
+            </a:endParaRPr>
+          </a:p>
+          <a:p>
+            <a:pPr algn="l"/>
+            <a:r>
+              <a:rPr lang="ru-RU" b="1" dirty="0">
+                <a:solidFill>
+                  <a:schemeClr val="tx1">
+                    <a:lumMod val="75000"/>
+                    <a:lumOff val="25000"/>
+                  </a:schemeClr>
+                </a:solidFill>
+              </a:rPr>
+              <a:t>Ч</a:t>
+            </a:r>
+            <a:r>
+              <a:rPr lang="ru-RU" sz="6000" b="1" dirty="0">
+                <a:solidFill>
+                  <a:schemeClr val="tx1">
+                    <a:lumMod val="75000"/>
+                    <a:lumOff val="25000"/>
+                  </a:schemeClr>
+                </a:solidFill>
+              </a:rPr>
+              <a:t>тение выбранного заявления:</a:t>
+            </a:r>
+            <a:endParaRPr lang="ru-RU" dirty="0">
+              <a:solidFill>
+                <a:schemeClr val="tx1">
+                  <a:lumMod val="75000"/>
+                  <a:lumOff val="25000"/>
+                </a:schemeClr>
+              </a:solidFill>
+            </a:endParaRPr>
+          </a:p>
+          <a:p>
+            <a:r>
+              <a:rPr lang="en-US" dirty="0">
                 <a:solidFill>
                   <a:schemeClr val="tx1">
                     <a:lumMod val="75000"/>
@@ -4946,25 +4744,19 @@
               <a:rPr lang="en-US" dirty="0">
                 <a:hlinkClick r:id="rId4"/>
               </a:rPr>
-              <a:t>https://</a:t>
-            </a:r>
-            <a:r>
-              <a:rPr lang="en-US" dirty="0" smtClean="0">
-                <a:hlinkClick r:id="rId4"/>
-              </a:rPr>
-              <a:t>uslugi.egov66.ru/forest-api/api/requests/2334177</a:t>
-            </a:r>
-            <a:r>
-              <a:rPr lang="en-US" dirty="0" smtClean="0"/>
+              <a:t>https://uslugi.egov66.ru/forest-api/api/requests/2334177</a:t>
+            </a:r>
+            <a:r>
+              <a:rPr lang="en-US" dirty="0"/>
               <a:t> </a:t>
             </a:r>
-            <a:endParaRPr lang="ru-RU" dirty="0" smtClean="0"/>
-          </a:p>
-        </p:txBody>
-      </p:sp>
-      <p:sp>
-        <p:nvSpPr>
-          <p:cNvPr id="14" name="Заголовок 1"/>
+            <a:endParaRPr lang="ru-RU" dirty="0"/>
+          </a:p>
+        </p:txBody>
+      </p:sp>
+      <p:sp>
+        <p:nvSpPr>
+          <p:cNvPr id="9" name="Заголовок 1"/>
           <p:cNvSpPr txBox="1">
             <a:spLocks/>
           </p:cNvSpPr>
@@ -4972,7 +4764,7 @@
         </p:nvSpPr>
         <p:spPr>
           <a:xfrm>
-            <a:off x="502015" y="912576"/>
+            <a:off x="1394045" y="2853229"/>
             <a:ext cx="10077678" cy="881226"/>
           </a:xfrm>
           <a:prstGeom prst="rect">
@@ -5017,112 +4809,6 @@
       </p:sp>
       <p:sp>
         <p:nvSpPr>
-          <p:cNvPr id="8" name="Заголовок 1"/>
-          <p:cNvSpPr txBox="1">
-            <a:spLocks/>
-          </p:cNvSpPr>
-          <p:nvPr/>
-        </p:nvSpPr>
-        <p:spPr>
-          <a:xfrm>
-            <a:off x="654415" y="1064976"/>
-            <a:ext cx="10077678" cy="881226"/>
-          </a:xfrm>
-          <a:prstGeom prst="rect">
-            <a:avLst/>
-          </a:prstGeom>
-        </p:spPr>
-        <p:txBody>
-          <a:bodyPr vert="horz" lIns="91440" tIns="45720" rIns="91440" bIns="45720" rtlCol="0" anchor="t">
-            <a:noAutofit/>
-          </a:bodyPr>
-          <a:lstStyle>
-            <a:lvl1pPr algn="ctr" defTabSz="914400" rtl="0" eaLnBrk="1" latinLnBrk="0" hangingPunct="1">
-              <a:lnSpc>
-                <a:spcPct val="90000"/>
-              </a:lnSpc>
-              <a:spcBef>
-                <a:spcPct val="0"/>
-              </a:spcBef>
-              <a:buNone/>
-              <a:defRPr sz="6000" kern="1200">
-                <a:solidFill>
-                  <a:schemeClr val="tx1"/>
-                </a:solidFill>
-                <a:latin typeface="+mj-lt"/>
-                <a:ea typeface="+mj-ea"/>
-                <a:cs typeface="+mj-cs"/>
-              </a:defRPr>
-            </a:lvl1pPr>
-          </a:lstStyle>
-          <a:p>
-            <a:pPr algn="l"/>
-            <a:endParaRPr lang="ru-RU" sz="1800" dirty="0">
-              <a:solidFill>
-                <a:schemeClr val="tx1">
-                  <a:lumMod val="75000"/>
-                  <a:lumOff val="25000"/>
-                </a:schemeClr>
-              </a:solidFill>
-            </a:endParaRPr>
-          </a:p>
-        </p:txBody>
-      </p:sp>
-      <p:sp>
-        <p:nvSpPr>
-          <p:cNvPr id="9" name="Заголовок 1"/>
-          <p:cNvSpPr txBox="1">
-            <a:spLocks/>
-          </p:cNvSpPr>
-          <p:nvPr/>
-        </p:nvSpPr>
-        <p:spPr>
-          <a:xfrm>
-            <a:off x="1394045" y="2853229"/>
-            <a:ext cx="10077678" cy="881226"/>
-          </a:xfrm>
-          <a:prstGeom prst="rect">
-            <a:avLst/>
-          </a:prstGeom>
-        </p:spPr>
-        <p:txBody>
-          <a:bodyPr vert="horz" lIns="91440" tIns="45720" rIns="91440" bIns="45720" rtlCol="0" anchor="t">
-            <a:noAutofit/>
-          </a:bodyPr>
-          <a:lstStyle>
-            <a:lvl1pPr algn="ctr" defTabSz="914400" rtl="0" eaLnBrk="1" latinLnBrk="0" hangingPunct="1">
-              <a:lnSpc>
-                <a:spcPct val="90000"/>
-              </a:lnSpc>
-              <a:spcBef>
-                <a:spcPct val="0"/>
-              </a:spcBef>
-              <a:buNone/>
-              <a:defRPr sz="6000" kern="1200">
-                <a:solidFill>
-                  <a:schemeClr val="tx1"/>
-                </a:solidFill>
-                <a:latin typeface="+mj-lt"/>
-                <a:ea typeface="+mj-ea"/>
-                <a:cs typeface="+mj-cs"/>
-              </a:defRPr>
-            </a:lvl1pPr>
-          </a:lstStyle>
-          <a:p>
-            <a:pPr algn="l"/>
-            <a:endParaRPr lang="ru-RU" sz="1800" dirty="0">
-              <a:solidFill>
-                <a:schemeClr val="tx1">
-                  <a:lumMod val="75000"/>
-                  <a:lumOff val="25000"/>
-                </a:schemeClr>
-              </a:solidFill>
-            </a:endParaRPr>
-          </a:p>
-        </p:txBody>
-      </p:sp>
-      <p:sp>
-        <p:nvSpPr>
           <p:cNvPr id="11" name="Прямоугольник 10"/>
           <p:cNvSpPr/>
           <p:nvPr/>
@@ -5154,10 +4840,12 @@
                 <a:ea typeface="+mj-ea"/>
                 <a:cs typeface="+mj-cs"/>
               </a:rPr>
-              <a:t>Тело </a:t>
-            </a:r>
-            <a:r>
-              <a:rPr lang="ru-RU" sz="1900" dirty="0" smtClean="0">
+              <a:t>Тело ответа прикреплено в приложении №3. </a:t>
+            </a:r>
+          </a:p>
+          <a:p>
+            <a:r>
+              <a:rPr lang="ru-RU" sz="1900" dirty="0">
                 <a:solidFill>
                   <a:schemeClr val="tx1">
                     <a:lumMod val="75000"/>
@@ -5168,63 +4856,8 @@
                 <a:ea typeface="+mj-ea"/>
                 <a:cs typeface="+mj-cs"/>
               </a:rPr>
-              <a:t>ответа </a:t>
-            </a:r>
-            <a:r>
-              <a:rPr lang="ru-RU" sz="1900" dirty="0">
-                <a:solidFill>
-                  <a:schemeClr val="tx1">
-                    <a:lumMod val="75000"/>
-                    <a:lumOff val="25000"/>
-                  </a:schemeClr>
-                </a:solidFill>
-                <a:latin typeface="+mj-lt"/>
-                <a:ea typeface="+mj-ea"/>
-                <a:cs typeface="+mj-cs"/>
-              </a:rPr>
-              <a:t>прикреплено в приложении </a:t>
-            </a:r>
-            <a:r>
-              <a:rPr lang="ru-RU" sz="1900" dirty="0" smtClean="0">
-                <a:solidFill>
-                  <a:schemeClr val="tx1">
-                    <a:lumMod val="75000"/>
-                    <a:lumOff val="25000"/>
-                  </a:schemeClr>
-                </a:solidFill>
-                <a:latin typeface="+mj-lt"/>
-                <a:ea typeface="+mj-ea"/>
-                <a:cs typeface="+mj-cs"/>
-              </a:rPr>
-              <a:t>№3. </a:t>
-            </a:r>
-          </a:p>
-          <a:p>
-            <a:r>
-              <a:rPr lang="ru-RU" sz="1900" dirty="0" smtClean="0">
-                <a:solidFill>
-                  <a:schemeClr val="tx1">
-                    <a:lumMod val="75000"/>
-                    <a:lumOff val="25000"/>
-                  </a:schemeClr>
-                </a:solidFill>
-                <a:latin typeface="+mj-lt"/>
-                <a:ea typeface="+mj-ea"/>
-                <a:cs typeface="+mj-cs"/>
-              </a:rPr>
               <a:t>Краткое описание тела ответа: </a:t>
             </a:r>
-            <a:endParaRPr lang="ru-RU" sz="1900" dirty="0">
-              <a:solidFill>
-                <a:schemeClr val="tx1">
-                  <a:lumMod val="75000"/>
-                  <a:lumOff val="25000"/>
-                </a:schemeClr>
-              </a:solidFill>
-              <a:latin typeface="+mj-lt"/>
-              <a:ea typeface="+mj-ea"/>
-              <a:cs typeface="+mj-cs"/>
-            </a:endParaRPr>
           </a:p>
         </p:txBody>
       </p:sp>
@@ -5258,7 +4891,7 @@
                   </a:schemeClr>
                 </a:solidFill>
               </a:rPr>
-              <a:t>Заявитель</a:t>
+              <a:t>Заявитель,</a:t>
             </a:r>
           </a:p>
           <a:p>
@@ -5271,7 +4904,7 @@
                   </a:schemeClr>
                 </a:solidFill>
               </a:rPr>
-              <a:t>Представитель</a:t>
+              <a:t>Представитель,</a:t>
             </a:r>
           </a:p>
           <a:p>
@@ -5284,7 +4917,7 @@
                   </a:schemeClr>
                 </a:solidFill>
               </a:rPr>
-              <a:t>Земельный участок</a:t>
+              <a:t>Земельный участок,</a:t>
             </a:r>
           </a:p>
           <a:p>
@@ -5297,7 +4930,7 @@
                   </a:schemeClr>
                 </a:solidFill>
               </a:rPr>
-              <a:t>Вид права пользования участком</a:t>
+              <a:t>Вид права пользования участком,</a:t>
             </a:r>
           </a:p>
           <a:p>
@@ -5310,7 +4943,7 @@
                   </a:schemeClr>
                 </a:solidFill>
               </a:rPr>
-              <a:t>Срок планируемого использования участка</a:t>
+              <a:t>Приложенные к заявлению документы,</a:t>
             </a:r>
           </a:p>
           <a:p>
@@ -5323,7 +4956,7 @@
                   </a:schemeClr>
                 </a:solidFill>
               </a:rPr>
-              <a:t>Приложенные к заявлению документы</a:t>
+              <a:t>Срок планируемого использования участка.</a:t>
             </a:r>
           </a:p>
         </p:txBody>
@@ -5438,8 +5071,8 @@
         </p:nvSpPr>
         <p:spPr>
           <a:xfrm>
-            <a:off x="301124" y="89561"/>
-            <a:ext cx="9891500" cy="232898"/>
+            <a:off x="301124" y="89560"/>
+            <a:ext cx="9891500" cy="430783"/>
           </a:xfrm>
           <a:prstGeom prst="rect">
             <a:avLst/>
@@ -5479,10 +5112,10 @@
                   </a:schemeClr>
                 </a:solidFill>
               </a:rPr>
-              <a:t>Запрос ответ к </a:t>
-            </a:r>
-            <a:r>
-              <a:rPr lang="en-US" sz="2400" b="1" dirty="0" err="1" smtClean="0">
+              <a:t>Запрос и ответ к </a:t>
+            </a:r>
+            <a:r>
+              <a:rPr lang="en-US" sz="2400" b="1" dirty="0" err="1">
                 <a:solidFill>
                   <a:schemeClr val="tx1">
                     <a:lumMod val="75000"/>
@@ -5491,39 +5124,6 @@
                 </a:solidFill>
               </a:rPr>
               <a:t>api</a:t>
-            </a:r>
-            <a:r>
-              <a:rPr lang="en-US" sz="2400" b="1" dirty="0" smtClean="0">
-                <a:solidFill>
-                  <a:schemeClr val="tx1">
-                    <a:lumMod val="75000"/>
-                    <a:lumOff val="25000"/>
-                  </a:schemeClr>
-                </a:solidFill>
-              </a:rPr>
-              <a:t> </a:t>
-            </a:r>
-            <a:r>
-              <a:rPr lang="ru-RU" sz="2400" b="1" dirty="0" smtClean="0">
-                <a:solidFill>
-                  <a:schemeClr val="tx1">
-                    <a:lumMod val="75000"/>
-                    <a:lumOff val="25000"/>
-                  </a:schemeClr>
-                </a:solidFill>
-              </a:rPr>
-              <a:t>– </a:t>
-            </a:r>
-            <a:r>
-              <a:rPr lang="ru-RU" sz="2400" b="1" dirty="0" smtClean="0">
-                <a:solidFill>
-                  <a:schemeClr val="tx1">
-                    <a:lumMod val="75000"/>
-                    <a:lumOff val="25000"/>
-                  </a:schemeClr>
-                </a:solidFill>
-              </a:rPr>
-              <a:t>смена статуса (подача заявления)</a:t>
             </a:r>
             <a:endParaRPr lang="ru-RU" sz="2400" b="1" dirty="0">
               <a:solidFill>
@@ -5546,80 +5146,8 @@
         </p:nvSpPr>
         <p:spPr>
           <a:xfrm>
-            <a:off x="41907" y="1093642"/>
-            <a:ext cx="11302693" cy="700755"/>
-          </a:xfrm>
-          <a:prstGeom prst="rect">
-            <a:avLst/>
-          </a:prstGeom>
-        </p:spPr>
-        <p:txBody>
-          <a:bodyPr vert="horz" lIns="91440" tIns="45720" rIns="91440" bIns="45720" rtlCol="0" anchor="t">
-            <a:normAutofit fontScale="40000" lnSpcReduction="20000"/>
-          </a:bodyPr>
-          <a:lstStyle>
-            <a:lvl1pPr algn="ctr" defTabSz="914400" rtl="0" eaLnBrk="1" latinLnBrk="0" hangingPunct="1">
-              <a:lnSpc>
-                <a:spcPct val="90000"/>
-              </a:lnSpc>
-              <a:spcBef>
-                <a:spcPct val="0"/>
-              </a:spcBef>
-              <a:buNone/>
-              <a:defRPr sz="6000" kern="1200">
-                <a:solidFill>
-                  <a:schemeClr val="tx1"/>
-                </a:solidFill>
-                <a:latin typeface="+mj-lt"/>
-                <a:ea typeface="+mj-ea"/>
-                <a:cs typeface="+mj-cs"/>
-              </a:defRPr>
-            </a:lvl1pPr>
-          </a:lstStyle>
-          <a:p>
-            <a:r>
-              <a:rPr lang="en-US" dirty="0" smtClean="0">
-                <a:solidFill>
-                  <a:schemeClr val="tx1">
-                    <a:lumMod val="75000"/>
-                    <a:lumOff val="25000"/>
-                  </a:schemeClr>
-                </a:solidFill>
-              </a:rPr>
-              <a:t>PUT </a:t>
-            </a:r>
-            <a:r>
-              <a:rPr lang="en-US" dirty="0">
-                <a:hlinkClick r:id="rId4"/>
-              </a:rPr>
-              <a:t>https://</a:t>
-            </a:r>
-            <a:r>
-              <a:rPr lang="en-US" dirty="0" smtClean="0">
-                <a:hlinkClick r:id="rId4"/>
-              </a:rPr>
-              <a:t>uslugi.egov66.ru/forest-api/api/requests/2334177/next-status?to=9806</a:t>
-            </a:r>
-            <a:r>
-              <a:rPr lang="en-US" dirty="0" smtClean="0"/>
-              <a:t> </a:t>
-            </a:r>
-            <a:endParaRPr lang="ru-RU" dirty="0" smtClean="0"/>
-          </a:p>
-        </p:txBody>
-      </p:sp>
-      <p:sp>
-        <p:nvSpPr>
-          <p:cNvPr id="14" name="Заголовок 1"/>
-          <p:cNvSpPr txBox="1">
-            <a:spLocks/>
-          </p:cNvSpPr>
-          <p:nvPr/>
-        </p:nvSpPr>
-        <p:spPr>
-          <a:xfrm>
-            <a:off x="502015" y="912576"/>
-            <a:ext cx="10077678" cy="881226"/>
+            <a:off x="41906" y="1064976"/>
+            <a:ext cx="12191999" cy="729422"/>
           </a:xfrm>
           <a:prstGeom prst="rect">
             <a:avLst/>
@@ -5650,7 +5178,29 @@
           </a:lstStyle>
           <a:p>
             <a:pPr algn="l"/>
-            <a:endParaRPr lang="ru-RU" sz="1800" dirty="0">
+            <a:r>
+              <a:rPr lang="ru-RU" sz="2800" b="1" dirty="0">
+                <a:solidFill>
+                  <a:schemeClr val="tx1">
+                    <a:lumMod val="75000"/>
+                    <a:lumOff val="25000"/>
+                  </a:schemeClr>
+                </a:solidFill>
+              </a:rPr>
+              <a:t>Смена статуса (подача заявления)</a:t>
+            </a:r>
+            <a:r>
+              <a:rPr lang="en-US" sz="2800" b="1" dirty="0">
+                <a:solidFill>
+                  <a:schemeClr val="tx1">
+                    <a:lumMod val="75000"/>
+                    <a:lumOff val="25000"/>
+                  </a:schemeClr>
+                </a:solidFill>
+              </a:rPr>
+              <a:t>:</a:t>
+            </a:r>
+            <a:endParaRPr lang="en-US" sz="2800" dirty="0">
               <a:solidFill>
                 <a:schemeClr val="tx1">
                   <a:lumMod val="75000"/>
@@ -5659,11 +5209,35 @@
               </a:solidFill>
             </a:endParaRPr>
           </a:p>
-        </p:txBody>
-      </p:sp>
-      <p:sp>
-        <p:nvSpPr>
-          <p:cNvPr id="8" name="Заголовок 1"/>
+          <a:p>
+            <a:r>
+              <a:rPr lang="en-US" sz="2800" dirty="0">
+                <a:solidFill>
+                  <a:schemeClr val="tx1">
+                    <a:lumMod val="75000"/>
+                    <a:lumOff val="25000"/>
+                  </a:schemeClr>
+                </a:solidFill>
+              </a:rPr>
+              <a:t>PUT </a:t>
+            </a:r>
+            <a:r>
+              <a:rPr lang="en-US" sz="2800" dirty="0">
+                <a:hlinkClick r:id="rId4"/>
+              </a:rPr>
+              <a:t>https://uslugi.egov66.ru/forest-api/api/requests/2334177/next-status?to=9806</a:t>
+            </a:r>
+            <a:r>
+              <a:rPr lang="en-US" sz="2800" dirty="0"/>
+              <a:t> </a:t>
+            </a:r>
+            <a:endParaRPr lang="ru-RU" sz="2800" dirty="0"/>
+          </a:p>
+        </p:txBody>
+      </p:sp>
+      <p:sp>
+        <p:nvSpPr>
+          <p:cNvPr id="14" name="Заголовок 1"/>
           <p:cNvSpPr txBox="1">
             <a:spLocks/>
           </p:cNvSpPr>
@@ -5671,7 +5245,7 @@
         </p:nvSpPr>
         <p:spPr>
           <a:xfrm>
-            <a:off x="654415" y="1064976"/>
+            <a:off x="502015" y="912576"/>
             <a:ext cx="10077678" cy="881226"/>
           </a:xfrm>
           <a:prstGeom prst="rect">
@@ -5716,7 +5290,7 @@
       </p:sp>
       <p:sp>
         <p:nvSpPr>
-          <p:cNvPr id="9" name="Заголовок 1"/>
+          <p:cNvPr id="8" name="Заголовок 1"/>
           <p:cNvSpPr txBox="1">
             <a:spLocks/>
           </p:cNvSpPr>
@@ -5724,7 +5298,7 @@
         </p:nvSpPr>
         <p:spPr>
           <a:xfrm>
-            <a:off x="1394045" y="2853229"/>
+            <a:off x="654415" y="1064976"/>
             <a:ext cx="10077678" cy="881226"/>
           </a:xfrm>
           <a:prstGeom prst="rect">
@@ -5769,13 +5343,66 @@
       </p:sp>
       <p:sp>
         <p:nvSpPr>
+          <p:cNvPr id="9" name="Заголовок 1"/>
+          <p:cNvSpPr txBox="1">
+            <a:spLocks/>
+          </p:cNvSpPr>
+          <p:nvPr/>
+        </p:nvSpPr>
+        <p:spPr>
+          <a:xfrm>
+            <a:off x="1394045" y="2853229"/>
+            <a:ext cx="10077678" cy="881226"/>
+          </a:xfrm>
+          <a:prstGeom prst="rect">
+            <a:avLst/>
+          </a:prstGeom>
+        </p:spPr>
+        <p:txBody>
+          <a:bodyPr vert="horz" lIns="91440" tIns="45720" rIns="91440" bIns="45720" rtlCol="0" anchor="t">
+            <a:noAutofit/>
+          </a:bodyPr>
+          <a:lstStyle>
+            <a:lvl1pPr algn="ctr" defTabSz="914400" rtl="0" eaLnBrk="1" latinLnBrk="0" hangingPunct="1">
+              <a:lnSpc>
+                <a:spcPct val="90000"/>
+              </a:lnSpc>
+              <a:spcBef>
+                <a:spcPct val="0"/>
+              </a:spcBef>
+              <a:buNone/>
+              <a:defRPr sz="6000" kern="1200">
+                <a:solidFill>
+                  <a:schemeClr val="tx1"/>
+                </a:solidFill>
+                <a:latin typeface="+mj-lt"/>
+                <a:ea typeface="+mj-ea"/>
+                <a:cs typeface="+mj-cs"/>
+              </a:defRPr>
+            </a:lvl1pPr>
+          </a:lstStyle>
+          <a:p>
+            <a:pPr algn="l"/>
+            <a:endParaRPr lang="ru-RU" sz="1800" dirty="0">
+              <a:solidFill>
+                <a:schemeClr val="tx1">
+                  <a:lumMod val="75000"/>
+                  <a:lumOff val="25000"/>
+                </a:schemeClr>
+              </a:solidFill>
+            </a:endParaRPr>
+          </a:p>
+        </p:txBody>
+      </p:sp>
+      <p:sp>
+        <p:nvSpPr>
           <p:cNvPr id="2" name="Прямоугольник 1"/>
           <p:cNvSpPr/>
           <p:nvPr/>
         </p:nvSpPr>
         <p:spPr>
           <a:xfrm>
-            <a:off x="502015" y="3164661"/>
+            <a:off x="446822" y="3651717"/>
             <a:ext cx="6096000" cy="1729704"/>
           </a:xfrm>
           <a:prstGeom prst="rect">
@@ -5797,7 +5424,7 @@
               </a:spcBef>
             </a:pPr>
             <a:r>
-              <a:rPr lang="ru-RU" sz="1900" dirty="0" smtClean="0">
+              <a:rPr lang="ru-RU" sz="1900" dirty="0">
                 <a:solidFill>
                   <a:schemeClr val="tx1">
                     <a:lumMod val="75000"/>
@@ -5823,7 +5450,7 @@
               <a:buChar char="•"/>
             </a:pPr>
             <a:r>
-              <a:rPr lang="ru-RU" sz="1900" dirty="0" smtClean="0">
+              <a:rPr lang="ru-RU" sz="1900" dirty="0">
                 <a:solidFill>
                   <a:schemeClr val="tx1">
                     <a:lumMod val="75000"/>
@@ -5849,7 +5476,7 @@
               <a:buChar char="•"/>
             </a:pPr>
             <a:r>
-              <a:rPr lang="ru-RU" sz="1900" dirty="0" smtClean="0">
+              <a:rPr lang="ru-RU" sz="1900" dirty="0">
                 <a:solidFill>
                   <a:schemeClr val="tx1">
                     <a:lumMod val="75000"/>
@@ -5875,7 +5502,7 @@
               <a:buChar char="•"/>
             </a:pPr>
             <a:r>
-              <a:rPr lang="ru-RU" sz="1900" dirty="0" smtClean="0">
+              <a:rPr lang="ru-RU" sz="1900" dirty="0">
                 <a:solidFill>
                   <a:schemeClr val="tx1">
                     <a:lumMod val="75000"/>
@@ -5901,7 +5528,7 @@
               <a:buChar char="•"/>
             </a:pPr>
             <a:r>
-              <a:rPr lang="ru-RU" sz="1900" dirty="0" smtClean="0">
+              <a:rPr lang="ru-RU" sz="1900" dirty="0">
                 <a:solidFill>
                   <a:schemeClr val="tx1">
                     <a:lumMod val="75000"/>
@@ -5926,97 +5553,6 @@
               <a:buFont typeface="Arial" panose="020B0604020202020204" pitchFamily="34" charset="0"/>
               <a:buChar char="•"/>
             </a:pPr>
-            <a:endParaRPr lang="ru-RU" sz="1900" dirty="0" smtClean="0">
-              <a:solidFill>
-                <a:schemeClr val="tx1">
-                  <a:lumMod val="75000"/>
-                  <a:lumOff val="25000"/>
-                </a:schemeClr>
-              </a:solidFill>
-              <a:latin typeface="+mj-lt"/>
-              <a:ea typeface="+mj-ea"/>
-              <a:cs typeface="+mj-cs"/>
-            </a:endParaRPr>
-          </a:p>
-        </p:txBody>
-      </p:sp>
-      <p:sp>
-        <p:nvSpPr>
-          <p:cNvPr id="11" name="Прямоугольник 10"/>
-          <p:cNvSpPr/>
-          <p:nvPr/>
-        </p:nvSpPr>
-        <p:spPr>
-          <a:xfrm>
-            <a:off x="502015" y="1839236"/>
-            <a:ext cx="6096000" cy="969496"/>
-          </a:xfrm>
-          <a:prstGeom prst="rect">
-            <a:avLst/>
-          </a:prstGeom>
-        </p:spPr>
-        <p:txBody>
-          <a:bodyPr>
-            <a:spAutoFit/>
-          </a:bodyPr>
-          <a:lstStyle/>
-          <a:p>
-            <a:r>
-              <a:rPr lang="ru-RU" sz="1900" dirty="0">
-                <a:solidFill>
-                  <a:schemeClr val="tx1">
-                    <a:lumMod val="75000"/>
-                    <a:lumOff val="25000"/>
-                  </a:schemeClr>
-                </a:solidFill>
-                <a:latin typeface="+mj-lt"/>
-                <a:ea typeface="+mj-ea"/>
-                <a:cs typeface="+mj-cs"/>
-              </a:rPr>
-              <a:t>Тело запроса и ответа прикреплено в приложении </a:t>
-            </a:r>
-            <a:r>
-              <a:rPr lang="ru-RU" sz="1900" dirty="0" smtClean="0">
-                <a:solidFill>
-                  <a:schemeClr val="tx1">
-                    <a:lumMod val="75000"/>
-                    <a:lumOff val="25000"/>
-                  </a:schemeClr>
-                </a:solidFill>
-                <a:latin typeface="+mj-lt"/>
-                <a:ea typeface="+mj-ea"/>
-                <a:cs typeface="+mj-cs"/>
-              </a:rPr>
-              <a:t>№4. В ответе возвращается такая же структура, что и при чтении </a:t>
-            </a:r>
-            <a:r>
-              <a:rPr lang="ru-RU" sz="1900" dirty="0" smtClean="0">
-                <a:solidFill>
-                  <a:schemeClr val="tx1">
-                    <a:lumMod val="75000"/>
-                    <a:lumOff val="25000"/>
-                  </a:schemeClr>
-                </a:solidFill>
-                <a:latin typeface="+mj-lt"/>
-                <a:ea typeface="+mj-ea"/>
-                <a:cs typeface="+mj-cs"/>
-              </a:rPr>
-              <a:t>заявлении</a:t>
-            </a:r>
-            <a:r>
-              <a:rPr lang="ru-RU" sz="1900" dirty="0" smtClean="0">
-                <a:solidFill>
-                  <a:schemeClr val="tx1">
-                    <a:lumMod val="75000"/>
-                    <a:lumOff val="25000"/>
-                  </a:schemeClr>
-                </a:solidFill>
-                <a:latin typeface="+mj-lt"/>
-                <a:ea typeface="+mj-ea"/>
-                <a:cs typeface="+mj-cs"/>
-              </a:rPr>
-              <a:t>.</a:t>
-            </a:r>
             <a:endParaRPr lang="ru-RU" sz="1900" dirty="0">
               <a:solidFill>
                 <a:schemeClr val="tx1">
@@ -6028,6 +5564,44 @@
               <a:ea typeface="+mj-ea"/>
               <a:cs typeface="+mj-cs"/>
             </a:endParaRPr>
+          </a:p>
+        </p:txBody>
+      </p:sp>
+      <p:sp>
+        <p:nvSpPr>
+          <p:cNvPr id="11" name="Прямоугольник 10"/>
+          <p:cNvSpPr/>
+          <p:nvPr/>
+        </p:nvSpPr>
+        <p:spPr>
+          <a:xfrm>
+            <a:off x="502015" y="2335136"/>
+            <a:ext cx="6096000" cy="969496"/>
+          </a:xfrm>
+          <a:prstGeom prst="rect">
+            <a:avLst/>
+          </a:prstGeom>
+        </p:spPr>
+        <p:txBody>
+          <a:bodyPr>
+            <a:spAutoFit/>
+          </a:bodyPr>
+          <a:lstStyle/>
+          <a:p>
+            <a:r>
+              <a:rPr lang="ru-RU" sz="1900" dirty="0">
+                <a:solidFill>
+                  <a:schemeClr val="tx1">
+                    <a:lumMod val="75000"/>
+                    <a:lumOff val="25000"/>
+                  </a:schemeClr>
+                </a:solidFill>
+                <a:latin typeface="+mj-lt"/>
+                <a:ea typeface="+mj-ea"/>
+                <a:cs typeface="+mj-cs"/>
+              </a:rPr>
+              <a:t>Тело запроса и ответа прикреплено в приложении №4. В ответе возвращается такая же структура, что и при чтении заявлении.</a:t>
+            </a:r>
           </a:p>
         </p:txBody>
       </p:sp>
@@ -6141,8 +5715,8 @@
         </p:nvSpPr>
         <p:spPr>
           <a:xfrm>
-            <a:off x="301124" y="89561"/>
-            <a:ext cx="9891500" cy="232898"/>
+            <a:off x="301124" y="89560"/>
+            <a:ext cx="9891500" cy="445277"/>
           </a:xfrm>
           <a:prstGeom prst="rect">
             <a:avLst/>
@@ -6182,10 +5756,10 @@
                   </a:schemeClr>
                 </a:solidFill>
               </a:rPr>
-              <a:t>Запрос ответ к </a:t>
-            </a:r>
-            <a:r>
-              <a:rPr lang="en-US" sz="2400" b="1" dirty="0" err="1" smtClean="0">
+              <a:t>Запрос и ответ к </a:t>
+            </a:r>
+            <a:r>
+              <a:rPr lang="en-US" sz="2400" b="1" dirty="0" err="1">
                 <a:solidFill>
                   <a:schemeClr val="tx1">
                     <a:lumMod val="75000"/>
@@ -6194,39 +5768,6 @@
                 </a:solidFill>
               </a:rPr>
               <a:t>api</a:t>
-            </a:r>
-            <a:r>
-              <a:rPr lang="en-US" sz="2400" b="1" dirty="0" smtClean="0">
-                <a:solidFill>
-                  <a:schemeClr val="tx1">
-                    <a:lumMod val="75000"/>
-                    <a:lumOff val="25000"/>
-                  </a:schemeClr>
-                </a:solidFill>
-              </a:rPr>
-              <a:t> </a:t>
-            </a:r>
-            <a:r>
-              <a:rPr lang="ru-RU" sz="2400" b="1" dirty="0" smtClean="0">
-                <a:solidFill>
-                  <a:schemeClr val="tx1">
-                    <a:lumMod val="75000"/>
-                    <a:lumOff val="25000"/>
-                  </a:schemeClr>
-                </a:solidFill>
-              </a:rPr>
-              <a:t>– </a:t>
-            </a:r>
-            <a:r>
-              <a:rPr lang="ru-RU" sz="2400" b="1" dirty="0" smtClean="0">
-                <a:solidFill>
-                  <a:schemeClr val="tx1">
-                    <a:lumMod val="75000"/>
-                    <a:lumOff val="25000"/>
-                  </a:schemeClr>
-                </a:solidFill>
-              </a:rPr>
-              <a:t>отправка документа на подписание</a:t>
             </a:r>
             <a:endParaRPr lang="ru-RU" sz="2400" b="1" dirty="0">
               <a:solidFill>
@@ -6249,110 +5790,8 @@
         </p:nvSpPr>
         <p:spPr>
           <a:xfrm>
-            <a:off x="41907" y="1093642"/>
-            <a:ext cx="11302693" cy="700755"/>
-          </a:xfrm>
-          <a:prstGeom prst="rect">
-            <a:avLst/>
-          </a:prstGeom>
-        </p:spPr>
-        <p:txBody>
-          <a:bodyPr vert="horz" lIns="91440" tIns="45720" rIns="91440" bIns="45720" rtlCol="0" anchor="t">
-            <a:normAutofit fontScale="40000" lnSpcReduction="20000"/>
-          </a:bodyPr>
-          <a:lstStyle>
-            <a:lvl1pPr algn="ctr" defTabSz="914400" rtl="0" eaLnBrk="1" latinLnBrk="0" hangingPunct="1">
-              <a:lnSpc>
-                <a:spcPct val="90000"/>
-              </a:lnSpc>
-              <a:spcBef>
-                <a:spcPct val="0"/>
-              </a:spcBef>
-              <a:buNone/>
-              <a:defRPr sz="6000" kern="1200">
-                <a:solidFill>
-                  <a:schemeClr val="tx1"/>
-                </a:solidFill>
-                <a:latin typeface="+mj-lt"/>
-                <a:ea typeface="+mj-ea"/>
-                <a:cs typeface="+mj-cs"/>
-              </a:defRPr>
-            </a:lvl1pPr>
-          </a:lstStyle>
-          <a:p>
-            <a:r>
-              <a:rPr lang="en-US" dirty="0" smtClean="0">
-                <a:solidFill>
-                  <a:schemeClr val="tx1">
-                    <a:lumMod val="75000"/>
-                    <a:lumOff val="25000"/>
-                  </a:schemeClr>
-                </a:solidFill>
-              </a:rPr>
-              <a:t>POST</a:t>
-            </a:r>
-            <a:r>
-              <a:rPr lang="ru-RU" dirty="0" smtClean="0">
-                <a:solidFill>
-                  <a:schemeClr val="tx1">
-                    <a:lumMod val="75000"/>
-                    <a:lumOff val="25000"/>
-                  </a:schemeClr>
-                </a:solidFill>
-              </a:rPr>
-              <a:t> </a:t>
-            </a:r>
-            <a:r>
-              <a:rPr lang="en-US" dirty="0">
-                <a:solidFill>
-                  <a:schemeClr val="tx1">
-                    <a:lumMod val="75000"/>
-                    <a:lumOff val="25000"/>
-                  </a:schemeClr>
-                </a:solidFill>
-                <a:hlinkClick r:id="rId4"/>
-              </a:rPr>
-              <a:t>https://</a:t>
-            </a:r>
-            <a:r>
-              <a:rPr lang="en-US" dirty="0" smtClean="0">
-                <a:solidFill>
-                  <a:schemeClr val="tx1">
-                    <a:lumMod val="75000"/>
-                    <a:lumOff val="25000"/>
-                  </a:schemeClr>
-                </a:solidFill>
-                <a:hlinkClick r:id="rId4"/>
-              </a:rPr>
-              <a:t>uslugi.egov66.ru/forest-api/api/documents/{documentId}/sign/external</a:t>
-            </a:r>
-            <a:r>
-              <a:rPr lang="ru-RU" dirty="0" smtClean="0">
-                <a:solidFill>
-                  <a:schemeClr val="tx1">
-                    <a:lumMod val="75000"/>
-                    <a:lumOff val="25000"/>
-                  </a:schemeClr>
-                </a:solidFill>
-              </a:rPr>
-              <a:t> </a:t>
-            </a:r>
-            <a:endParaRPr lang="ru-RU" dirty="0" smtClean="0"/>
-          </a:p>
-        </p:txBody>
-      </p:sp>
-      <p:sp>
-        <p:nvSpPr>
-          <p:cNvPr id="14" name="Заголовок 1"/>
-          <p:cNvSpPr txBox="1">
-            <a:spLocks/>
-          </p:cNvSpPr>
-          <p:nvPr/>
-        </p:nvSpPr>
-        <p:spPr>
-          <a:xfrm>
-            <a:off x="502015" y="912576"/>
-            <a:ext cx="10077678" cy="881226"/>
+            <a:off x="-59559" y="799097"/>
+            <a:ext cx="12311118" cy="700755"/>
           </a:xfrm>
           <a:prstGeom prst="rect">
             <a:avLst/>
@@ -6383,7 +5822,18 @@
           </a:lstStyle>
           <a:p>
             <a:pPr algn="l"/>
-            <a:endParaRPr lang="ru-RU" sz="1800" dirty="0">
+            <a:r>
+              <a:rPr lang="ru-RU" sz="2800" b="1" dirty="0">
+                <a:solidFill>
+                  <a:schemeClr val="tx1">
+                    <a:lumMod val="75000"/>
+                    <a:lumOff val="25000"/>
+                  </a:schemeClr>
+                </a:solidFill>
+              </a:rPr>
+              <a:t>Отправка документа на подписание:</a:t>
+            </a:r>
+            <a:endParaRPr lang="ru-RU" sz="2800" dirty="0">
               <a:solidFill>
                 <a:schemeClr val="tx1">
                   <a:lumMod val="75000"/>
@@ -6392,11 +5842,48 @@
               </a:solidFill>
             </a:endParaRPr>
           </a:p>
-        </p:txBody>
-      </p:sp>
-      <p:sp>
-        <p:nvSpPr>
-          <p:cNvPr id="8" name="Заголовок 1"/>
+          <a:p>
+            <a:r>
+              <a:rPr lang="en-US" sz="2800" dirty="0">
+                <a:solidFill>
+                  <a:schemeClr val="tx1">
+                    <a:lumMod val="75000"/>
+                    <a:lumOff val="25000"/>
+                  </a:schemeClr>
+                </a:solidFill>
+              </a:rPr>
+              <a:t>POST</a:t>
+            </a:r>
+            <a:r>
+              <a:rPr lang="en-US" sz="2800" dirty="0">
+                <a:solidFill>
+                  <a:schemeClr val="tx1">
+                    <a:lumMod val="75000"/>
+                    <a:lumOff val="25000"/>
+                  </a:schemeClr>
+                </a:solidFill>
+                <a:hlinkClick r:id="rId4"/>
+              </a:rPr>
+              <a:t>https://uslugi.egov66.ru/forest-api/api/documents/{documentId}/sign/external</a:t>
+            </a:r>
+            <a:r>
+              <a:rPr lang="ru-RU" sz="2800" dirty="0">
+                <a:solidFill>
+                  <a:schemeClr val="tx1">
+                    <a:lumMod val="75000"/>
+                    <a:lumOff val="25000"/>
+                  </a:schemeClr>
+                </a:solidFill>
+              </a:rPr>
+              <a:t> </a:t>
+            </a:r>
+            <a:endParaRPr lang="ru-RU" sz="2800" dirty="0"/>
+          </a:p>
+        </p:txBody>
+      </p:sp>
+      <p:sp>
+        <p:nvSpPr>
+          <p:cNvPr id="14" name="Заголовок 1"/>
           <p:cNvSpPr txBox="1">
             <a:spLocks/>
           </p:cNvSpPr>
@@ -6404,7 +5891,7 @@
         </p:nvSpPr>
         <p:spPr>
           <a:xfrm>
-            <a:off x="739873" y="1058431"/>
+            <a:off x="502015" y="912576"/>
             <a:ext cx="10077678" cy="881226"/>
           </a:xfrm>
           <a:prstGeom prst="rect">
@@ -6477,7 +5964,7 @@
               </a:spcBef>
             </a:pPr>
             <a:r>
-              <a:rPr lang="ru-RU" sz="1900" dirty="0" smtClean="0">
+              <a:rPr lang="ru-RU" sz="1900" dirty="0">
                 <a:solidFill>
                   <a:schemeClr val="tx1">
                     <a:lumMod val="75000"/>
@@ -6503,7 +5990,7 @@
               <a:buChar char="•"/>
             </a:pPr>
             <a:r>
-              <a:rPr lang="ru-RU" sz="1900" dirty="0" smtClean="0">
+              <a:rPr lang="ru-RU" sz="1900" dirty="0">
                 <a:solidFill>
                   <a:schemeClr val="tx1">
                     <a:lumMod val="75000"/>
@@ -6529,7 +6016,7 @@
               <a:buChar char="•"/>
             </a:pPr>
             <a:r>
-              <a:rPr lang="ru-RU" sz="1900" dirty="0" smtClean="0">
+              <a:rPr lang="ru-RU" sz="1900" dirty="0">
                 <a:solidFill>
                   <a:schemeClr val="tx1">
                     <a:lumMod val="75000"/>
@@ -6555,7 +6042,7 @@
               <a:buChar char="•"/>
             </a:pPr>
             <a:r>
-              <a:rPr lang="ru-RU" sz="1900" dirty="0" smtClean="0">
+              <a:rPr lang="ru-RU" sz="1900" dirty="0">
                 <a:solidFill>
                   <a:schemeClr val="tx1">
                     <a:lumMod val="75000"/>
@@ -6569,7 +6056,7 @@
               <a:t>Отправляется сообщение в генератор сообщений в запросе передается </a:t>
             </a:r>
             <a:r>
-              <a:rPr lang="en-US" sz="1900" dirty="0" smtClean="0">
+              <a:rPr lang="en-US" sz="1900" dirty="0">
                 <a:solidFill>
                   <a:schemeClr val="tx1">
                     <a:lumMod val="75000"/>
@@ -6583,7 +6070,7 @@
               <a:t>id </a:t>
             </a:r>
             <a:r>
-              <a:rPr lang="ru-RU" sz="1900" dirty="0" smtClean="0">
+              <a:rPr lang="ru-RU" sz="1900" dirty="0">
                 <a:solidFill>
                   <a:schemeClr val="tx1">
                     <a:lumMod val="75000"/>
@@ -6597,7 +6084,7 @@
               <a:t>документа, тип шаблона, </a:t>
             </a:r>
             <a:r>
-              <a:rPr lang="en-US" sz="1900" dirty="0" smtClean="0">
+              <a:rPr lang="en-US" sz="1900" dirty="0">
                 <a:solidFill>
                   <a:schemeClr val="tx1">
                     <a:lumMod val="75000"/>
@@ -6611,7 +6098,7 @@
               <a:t>id </a:t>
             </a:r>
             <a:r>
-              <a:rPr lang="ru-RU" sz="1900" dirty="0" smtClean="0">
+              <a:rPr lang="ru-RU" sz="1900" dirty="0">
                 <a:solidFill>
                   <a:schemeClr val="tx1">
                     <a:lumMod val="75000"/>
@@ -6625,7 +6112,7 @@
               <a:t>оператора, </a:t>
             </a:r>
             <a:r>
-              <a:rPr lang="en-US" sz="1900" dirty="0" smtClean="0">
+              <a:rPr lang="en-US" sz="1900" dirty="0">
                 <a:solidFill>
                   <a:schemeClr val="tx1">
                     <a:lumMod val="75000"/>
@@ -6639,7 +6126,7 @@
               <a:t>id </a:t>
             </a:r>
             <a:r>
-              <a:rPr lang="ru-RU" sz="1900" dirty="0" smtClean="0">
+              <a:rPr lang="ru-RU" sz="1900" dirty="0">
                 <a:solidFill>
                   <a:schemeClr val="tx1">
                     <a:lumMod val="75000"/>
@@ -6665,7 +6152,7 @@
               <a:buChar char="•"/>
             </a:pPr>
             <a:r>
-              <a:rPr lang="ru-RU" sz="1900" dirty="0" smtClean="0">
+              <a:rPr lang="ru-RU" sz="1900" dirty="0">
                 <a:solidFill>
                   <a:schemeClr val="tx1">
                     <a:lumMod val="75000"/>
@@ -6690,7 +6177,7 @@
               <a:buFont typeface="Arial" panose="020B0604020202020204" pitchFamily="34" charset="0"/>
               <a:buChar char="•"/>
             </a:pPr>
-            <a:endParaRPr lang="ru-RU" sz="1900" dirty="0" smtClean="0">
+            <a:endParaRPr lang="ru-RU" sz="1900" dirty="0">
               <a:solidFill>
                 <a:schemeClr val="tx1">
                   <a:lumMod val="75000"/>
@@ -6713,7 +6200,7 @@
         <p:spPr>
           <a:xfrm>
             <a:off x="529266" y="1938361"/>
-            <a:ext cx="8316700" cy="911019"/>
+            <a:ext cx="8316700" cy="924227"/>
           </a:xfrm>
           <a:prstGeom prst="rect">
             <a:avLst/>
@@ -6745,21 +6232,7 @@
                 <a:ea typeface="+mj-ea"/>
                 <a:cs typeface="+mj-cs"/>
               </a:rPr>
-              <a:t>В параметрах запроса передаётся идентификатор подписываемого документа</a:t>
-            </a:r>
-            <a:r>
-              <a:rPr lang="ru-RU" sz="1900" dirty="0" smtClean="0">
-                <a:solidFill>
-                  <a:schemeClr val="tx1">
-                    <a:lumMod val="75000"/>
-                    <a:lumOff val="25000"/>
-                  </a:schemeClr>
-                </a:solidFill>
-                <a:latin typeface="+mj-lt"/>
-                <a:ea typeface="+mj-ea"/>
-                <a:cs typeface="+mj-cs"/>
-              </a:rPr>
-              <a:t>.</a:t>
+              <a:t>В параметрах запроса передаётся идентификатор подписываемого документа.</a:t>
             </a:r>
           </a:p>
           <a:p>
@@ -6793,7 +6266,7 @@
               </a:spcBef>
             </a:pPr>
             <a:r>
-              <a:rPr lang="ru-RU" sz="1900" dirty="0" smtClean="0">
+              <a:rPr lang="ru-RU" sz="1900" dirty="0">
                 <a:solidFill>
                   <a:schemeClr val="tx1">
                     <a:lumMod val="75000"/>
@@ -6806,17 +6279,6 @@
               </a:rPr>
               <a:t> </a:t>
             </a:r>
-            <a:endParaRPr lang="ru-RU" sz="1900" dirty="0">
-              <a:solidFill>
-                <a:schemeClr val="tx1">
-                  <a:lumMod val="75000"/>
-                  <a:lumOff val="25000"/>
-                </a:schemeClr>
-              </a:solidFill>
-              <a:latin typeface="+mj-lt"/>
-              <a:ea typeface="+mj-ea"/>
-              <a:cs typeface="+mj-cs"/>
-            </a:endParaRPr>
           </a:p>
           <a:p>
             <a:pPr algn="just">
@@ -6839,35 +6301,7 @@
                 <a:ea typeface="+mj-ea"/>
                 <a:cs typeface="+mj-cs"/>
               </a:rPr>
-              <a:t>В теле запроса передается </a:t>
-            </a:r>
-            <a:r>
-              <a:rPr lang="ru-RU" sz="1900" dirty="0" smtClean="0">
-                <a:solidFill>
-                  <a:schemeClr val="tx1">
-                    <a:lumMod val="75000"/>
-                    <a:lumOff val="25000"/>
-                  </a:schemeClr>
-                </a:solidFill>
-                <a:latin typeface="+mj-lt"/>
-                <a:ea typeface="+mj-ea"/>
-                <a:cs typeface="+mj-cs"/>
-              </a:rPr>
-              <a:t>комментарий </a:t>
-            </a:r>
-            <a:r>
-              <a:rPr lang="ru-RU" sz="1900" dirty="0">
-                <a:solidFill>
-                  <a:schemeClr val="tx1">
-                    <a:lumMod val="75000"/>
-                    <a:lumOff val="25000"/>
-                  </a:schemeClr>
-                </a:solidFill>
-                <a:latin typeface="+mj-lt"/>
-                <a:ea typeface="+mj-ea"/>
-                <a:cs typeface="+mj-cs"/>
-              </a:rPr>
-              <a:t>к подписываемому документу</a:t>
+              <a:t>В теле запроса передается комментарий к подписываемому документу.</a:t>
             </a:r>
           </a:p>
         </p:txBody>
@@ -6983,7 +6417,7 @@
         <p:spPr>
           <a:xfrm>
             <a:off x="301124" y="89561"/>
-            <a:ext cx="9891500" cy="232898"/>
+            <a:ext cx="9891500" cy="436650"/>
           </a:xfrm>
           <a:prstGeom prst="rect">
             <a:avLst/>
@@ -7015,35 +6449,16 @@
           <a:p>
             <a:pPr algn="l"/>
             <a:r>
-              <a:rPr lang="ru-RU" sz="2400" b="1" dirty="0" smtClean="0">
-                <a:solidFill>
-                  <a:schemeClr val="tx1">
-                    <a:lumMod val="75000"/>
-                    <a:lumOff val="25000"/>
-                  </a:schemeClr>
-                </a:solidFill>
-              </a:rPr>
-              <a:t>Модель диаграммы </a:t>
-            </a:r>
-            <a:r>
-              <a:rPr lang="ru-RU" sz="2400" b="1" dirty="0" smtClean="0">
-                <a:solidFill>
-                  <a:schemeClr val="tx1">
-                    <a:lumMod val="75000"/>
-                    <a:lumOff val="25000"/>
-                  </a:schemeClr>
-                </a:solidFill>
-              </a:rPr>
-              <a:t>классов для работы с услугами</a:t>
-            </a:r>
-            <a:endParaRPr lang="ru-RU" sz="2400" b="1" dirty="0">
-              <a:solidFill>
-                <a:schemeClr val="tx1">
-                  <a:lumMod val="75000"/>
-                  <a:lumOff val="25000"/>
-                </a:schemeClr>
-              </a:solidFill>
-            </a:endParaRPr>
+              <a:rPr lang="ru-RU" sz="2400" b="1" dirty="0">
+                <a:solidFill>
+                  <a:schemeClr val="tx1">
+                    <a:lumMod val="75000"/>
+                    <a:lumOff val="25000"/>
+                  </a:schemeClr>
+                </a:solidFill>
+              </a:rPr>
+              <a:t>Модель диаграммы классов для работы с услугами</a:t>
+            </a:r>
           </a:p>
         </p:txBody>
       </p:sp>
@@ -7339,7 +6754,7 @@
         <p:spPr>
           <a:xfrm>
             <a:off x="301124" y="89561"/>
-            <a:ext cx="9891500" cy="232898"/>
+            <a:ext cx="9891500" cy="375556"/>
           </a:xfrm>
           <a:prstGeom prst="rect">
             <a:avLst/>
@@ -7371,35 +6786,16 @@
           <a:p>
             <a:pPr algn="l"/>
             <a:r>
-              <a:rPr lang="ru-RU" sz="2400" b="1" dirty="0" smtClean="0">
-                <a:solidFill>
-                  <a:schemeClr val="tx1">
-                    <a:lumMod val="75000"/>
-                    <a:lumOff val="25000"/>
-                  </a:schemeClr>
-                </a:solidFill>
-              </a:rPr>
-              <a:t>Модель диаграммы классов для </a:t>
-            </a:r>
-            <a:r>
-              <a:rPr lang="ru-RU" sz="2400" b="1" dirty="0" smtClean="0">
-                <a:solidFill>
-                  <a:schemeClr val="tx1">
-                    <a:lumMod val="75000"/>
-                    <a:lumOff val="25000"/>
-                  </a:schemeClr>
-                </a:solidFill>
-              </a:rPr>
-              <a:t>работы с заявлениями</a:t>
-            </a:r>
-            <a:endParaRPr lang="ru-RU" sz="2400" b="1" dirty="0">
-              <a:solidFill>
-                <a:schemeClr val="tx1">
-                  <a:lumMod val="75000"/>
-                  <a:lumOff val="25000"/>
-                </a:schemeClr>
-              </a:solidFill>
-            </a:endParaRPr>
+              <a:rPr lang="ru-RU" sz="2400" b="1" dirty="0">
+                <a:solidFill>
+                  <a:schemeClr val="tx1">
+                    <a:lumMod val="75000"/>
+                    <a:lumOff val="25000"/>
+                  </a:schemeClr>
+                </a:solidFill>
+              </a:rPr>
+              <a:t>Модель диаграммы классов для работы с заявлениями</a:t>
+            </a:r>
           </a:p>
         </p:txBody>
       </p:sp>
@@ -7696,8 +7092,8 @@
         </p:nvSpPr>
         <p:spPr>
           <a:xfrm>
-            <a:off x="301124" y="89561"/>
-            <a:ext cx="9891500" cy="232898"/>
+            <a:off x="301124" y="89560"/>
+            <a:ext cx="9891500" cy="415139"/>
           </a:xfrm>
           <a:prstGeom prst="rect">
             <a:avLst/>
@@ -7729,35 +7125,16 @@
           <a:p>
             <a:pPr algn="l"/>
             <a:r>
-              <a:rPr lang="ru-RU" sz="2400" b="1" dirty="0" smtClean="0">
-                <a:solidFill>
-                  <a:schemeClr val="tx1">
-                    <a:lumMod val="75000"/>
-                    <a:lumOff val="25000"/>
-                  </a:schemeClr>
-                </a:solidFill>
-              </a:rPr>
-              <a:t>Модель диаграммы классов для </a:t>
-            </a:r>
-            <a:r>
-              <a:rPr lang="ru-RU" sz="2400" b="1" dirty="0" smtClean="0">
-                <a:solidFill>
-                  <a:schemeClr val="tx1">
-                    <a:lumMod val="75000"/>
-                    <a:lumOff val="25000"/>
-                  </a:schemeClr>
-                </a:solidFill>
-              </a:rPr>
-              <a:t>работы с межведомственными запросами</a:t>
-            </a:r>
-            <a:endParaRPr lang="ru-RU" sz="2400" b="1" dirty="0">
-              <a:solidFill>
-                <a:schemeClr val="tx1">
-                  <a:lumMod val="75000"/>
-                  <a:lumOff val="25000"/>
-                </a:schemeClr>
-              </a:solidFill>
-            </a:endParaRPr>
+              <a:rPr lang="ru-RU" sz="2400" b="1" dirty="0">
+                <a:solidFill>
+                  <a:schemeClr val="tx1">
+                    <a:lumMod val="75000"/>
+                    <a:lumOff val="25000"/>
+                  </a:schemeClr>
+                </a:solidFill>
+              </a:rPr>
+              <a:t>Модель диаграммы классов для работы с межведомственными запросами</a:t>
+            </a:r>
           </a:p>
         </p:txBody>
       </p:sp>
@@ -8054,7 +7431,7 @@
         </p:nvSpPr>
         <p:spPr>
           <a:xfrm>
-            <a:off x="301124" y="89561"/>
+            <a:off x="137222" y="-30867"/>
             <a:ext cx="9891500" cy="232898"/>
           </a:xfrm>
           <a:prstGeom prst="rect">
@@ -8087,7 +7464,7 @@
           <a:p>
             <a:pPr algn="l"/>
             <a:r>
-              <a:rPr lang="ru-RU" sz="2400" b="1" dirty="0" smtClean="0">
+              <a:rPr lang="ru-RU" sz="2400" b="1" dirty="0">
                 <a:solidFill>
                   <a:schemeClr val="tx1">
                     <a:lumMod val="75000"/>
@@ -8097,14 +7474,6 @@
               </a:rPr>
               <a:t>Таблицы БД для работы с заявлением</a:t>
             </a:r>
-            <a:endParaRPr lang="ru-RU" sz="2400" b="1" dirty="0">
-              <a:solidFill>
-                <a:schemeClr val="tx1">
-                  <a:lumMod val="75000"/>
-                  <a:lumOff val="25000"/>
-                </a:schemeClr>
-              </a:solidFill>
-            </a:endParaRPr>
           </a:p>
         </p:txBody>
       </p:sp>
@@ -8289,8 +7658,8 @@
         </p:blipFill>
         <p:spPr>
           <a:xfrm>
-            <a:off x="999046" y="614213"/>
-            <a:ext cx="10193907" cy="6240483"/>
+            <a:off x="720277" y="298397"/>
+            <a:ext cx="10715193" cy="6559603"/>
           </a:xfrm>
           <a:prstGeom prst="rect">
             <a:avLst/>
@@ -8407,8 +7776,8 @@
         </p:nvSpPr>
         <p:spPr>
           <a:xfrm>
-            <a:off x="301124" y="89561"/>
-            <a:ext cx="7325803" cy="232898"/>
+            <a:off x="301124" y="89560"/>
+            <a:ext cx="7325803" cy="484615"/>
           </a:xfrm>
           <a:prstGeom prst="rect">
             <a:avLst/>
@@ -8440,7 +7809,7 @@
           <a:p>
             <a:pPr algn="l"/>
             <a:r>
-              <a:rPr lang="ru-RU" sz="2400" b="1" dirty="0" smtClean="0">
+              <a:rPr lang="ru-RU" sz="2400" b="1" dirty="0">
                 <a:solidFill>
                   <a:schemeClr val="tx1">
                     <a:lumMod val="75000"/>
@@ -8450,14 +7819,6 @@
               </a:rPr>
               <a:t>СЭР РИП</a:t>
             </a:r>
-            <a:endParaRPr lang="ru-RU" sz="2400" b="1" dirty="0">
-              <a:solidFill>
-                <a:schemeClr val="tx1">
-                  <a:lumMod val="75000"/>
-                  <a:lumOff val="25000"/>
-                </a:schemeClr>
-              </a:solidFill>
-            </a:endParaRPr>
           </a:p>
         </p:txBody>
       </p:sp>
@@ -8495,13 +7856,6 @@
   <p:clrMapOvr>
     <a:masterClrMapping/>
   </p:clrMapOvr>
-  <p:timing>
-    <p:tnLst>
-      <p:par>
-        <p:cTn id="1" dur="indefinite" restart="never" nodeType="tmRoot"/>
-      </p:par>
-    </p:tnLst>
-  </p:timing>
 </p:sld>
 </file>
 
@@ -8602,8 +7956,8 @@
         </p:nvSpPr>
         <p:spPr>
           <a:xfrm>
-            <a:off x="301124" y="89561"/>
-            <a:ext cx="7325803" cy="232898"/>
+            <a:off x="301124" y="89560"/>
+            <a:ext cx="7325803" cy="444393"/>
           </a:xfrm>
           <a:prstGeom prst="rect">
             <a:avLst/>
@@ -8635,7 +7989,7 @@
           <a:p>
             <a:pPr algn="l"/>
             <a:r>
-              <a:rPr lang="ru-RU" sz="2400" b="1" dirty="0" smtClean="0">
+              <a:rPr lang="ru-RU" sz="2400" b="1" dirty="0">
                 <a:solidFill>
                   <a:schemeClr val="tx1">
                     <a:lumMod val="75000"/>
@@ -8645,14 +7999,6 @@
               </a:rPr>
               <a:t>Основание разработки</a:t>
             </a:r>
-            <a:endParaRPr lang="ru-RU" sz="2400" b="1" dirty="0">
-              <a:solidFill>
-                <a:schemeClr val="tx1">
-                  <a:lumMod val="75000"/>
-                  <a:lumOff val="25000"/>
-                </a:schemeClr>
-              </a:solidFill>
-            </a:endParaRPr>
           </a:p>
         </p:txBody>
       </p:sp>
@@ -8686,21 +8032,10 @@
                   </a:schemeClr>
                 </a:solidFill>
               </a:rPr>
-              <a:t>В Свердловской области встал вопрос о том, как автоматизировать работу с заявками по регистрации земельных/лесных участков. </a:t>
-            </a:r>
-            <a:r>
-              <a:rPr lang="ru-RU" sz="1600" dirty="0" smtClean="0">
-                <a:solidFill>
-                  <a:schemeClr val="tx1">
-                    <a:lumMod val="75000"/>
-                    <a:lumOff val="25000"/>
-                  </a:schemeClr>
-                </a:solidFill>
-              </a:rPr>
-              <a:t>Департамент закупок </a:t>
-            </a:r>
-            <a:r>
-              <a:rPr lang="ru-RU" sz="1600" dirty="0" err="1" smtClean="0">
+              <a:t>В Свердловской области встал вопрос о том, как автоматизировать работу с заявками по регистрации земельных/лесных участков. Департамент закупок </a:t>
+            </a:r>
+            <a:r>
+              <a:rPr lang="ru-RU" sz="1600" dirty="0" err="1">
                 <a:solidFill>
                   <a:schemeClr val="tx1">
                     <a:lumMod val="75000"/>
@@ -8711,28 +8046,6 @@
               <a:t>Сверд</a:t>
             </a:r>
             <a:r>
-              <a:rPr lang="ru-RU" sz="1600" dirty="0" smtClean="0">
-                <a:solidFill>
-                  <a:schemeClr val="tx1">
-                    <a:lumMod val="75000"/>
-                    <a:lumOff val="25000"/>
-                  </a:schemeClr>
-                </a:solidFill>
-              </a:rPr>
-              <a:t>. Обл. </a:t>
-            </a:r>
-            <a:r>
-              <a:rPr lang="ru-RU" sz="1600" dirty="0" smtClean="0">
-                <a:solidFill>
-                  <a:schemeClr val="tx1">
-                    <a:lumMod val="75000"/>
-                    <a:lumOff val="25000"/>
-                  </a:schemeClr>
-                </a:solidFill>
-              </a:rPr>
-              <a:t>12.04.2022 </a:t>
-            </a:r>
-            <a:r>
               <a:rPr lang="ru-RU" sz="1600" dirty="0">
                 <a:solidFill>
                   <a:schemeClr val="tx1">
@@ -8741,27 +8054,8 @@
                   </a:schemeClr>
                 </a:solidFill>
               </a:rPr>
-              <a:t>выставил на портале «ЕИС ЗАКУПКИ» открытый </a:t>
-            </a:r>
-            <a:r>
-              <a:rPr lang="ru-RU" sz="1600" dirty="0" smtClean="0">
-                <a:solidFill>
-                  <a:schemeClr val="tx1">
-                    <a:lumMod val="75000"/>
-                    <a:lumOff val="25000"/>
-                  </a:schemeClr>
-                </a:solidFill>
-              </a:rPr>
-              <a:t>конкурс.</a:t>
-            </a:r>
-            <a:endParaRPr lang="ru-RU" sz="1600" dirty="0">
-              <a:solidFill>
-                <a:schemeClr val="tx1">
-                  <a:lumMod val="75000"/>
-                  <a:lumOff val="25000"/>
-                </a:schemeClr>
-              </a:solidFill>
-            </a:endParaRPr>
+              <a:t>. Обл. 12.04.2022 выставил на портале «ЕИС ЗАКУПКИ» открытый конкурс.</a:t>
+            </a:r>
           </a:p>
         </p:txBody>
       </p:sp>
@@ -8799,13 +8093,6 @@
   <p:clrMapOvr>
     <a:masterClrMapping/>
   </p:clrMapOvr>
-  <p:timing>
-    <p:tnLst>
-      <p:par>
-        <p:cTn id="1" dur="indefinite" restart="never" nodeType="tmRoot"/>
-      </p:par>
-    </p:tnLst>
-  </p:timing>
 </p:sld>
 </file>
 
@@ -8906,8 +8193,8 @@
         </p:nvSpPr>
         <p:spPr>
           <a:xfrm>
-            <a:off x="301124" y="89561"/>
-            <a:ext cx="9119713" cy="232898"/>
+            <a:off x="301124" y="89560"/>
+            <a:ext cx="11009027" cy="480587"/>
           </a:xfrm>
           <a:prstGeom prst="rect">
             <a:avLst/>
@@ -8939,24 +8226,16 @@
           <a:p>
             <a:pPr algn="l"/>
             <a:r>
-              <a:rPr lang="ru-RU" sz="2400" b="1" dirty="0" smtClean="0">
-                <a:solidFill>
-                  <a:schemeClr val="tx1">
-                    <a:lumMod val="75000"/>
-                    <a:lumOff val="25000"/>
-                  </a:schemeClr>
-                </a:solidFill>
-              </a:rPr>
-              <a:t>Цикл комплексного лесопользования из описания объекта закупки</a:t>
-            </a:r>
-            <a:endParaRPr lang="ru-RU" sz="2400" b="1" dirty="0">
-              <a:solidFill>
-                <a:schemeClr val="tx1">
-                  <a:lumMod val="75000"/>
-                  <a:lumOff val="25000"/>
-                </a:schemeClr>
-              </a:solidFill>
-            </a:endParaRPr>
+              <a:rPr lang="ru-RU" sz="2400" b="1" dirty="0">
+                <a:solidFill>
+                  <a:schemeClr val="tx1">
+                    <a:lumMod val="75000"/>
+                    <a:lumOff val="25000"/>
+                  </a:schemeClr>
+                </a:solidFill>
+              </a:rPr>
+              <a:t>Обобщенная схема комплексного лесопользования из описания объекта закупки</a:t>
+            </a:r>
           </a:p>
         </p:txBody>
       </p:sp>
@@ -8972,8 +8251,8 @@
         </p:blipFill>
         <p:spPr bwMode="auto">
           <a:xfrm>
-            <a:off x="125708" y="664883"/>
-            <a:ext cx="7889558" cy="6193117"/>
+            <a:off x="186609" y="664887"/>
+            <a:ext cx="7753800" cy="6193112"/>
           </a:xfrm>
           <a:prstGeom prst="rect">
             <a:avLst/>
@@ -9008,7 +8287,7 @@
           <a:lstStyle/>
           <a:p>
             <a:r>
-              <a:rPr lang="ru-RU" sz="1600" dirty="0" smtClean="0">
+              <a:rPr lang="ru-RU" sz="1600" dirty="0">
                 <a:solidFill>
                   <a:schemeClr val="tx1">
                     <a:lumMod val="75000"/>
@@ -9021,39 +8300,6 @@
           </a:p>
           <a:p>
             <a:r>
-              <a:rPr lang="ru-RU" sz="1600" dirty="0" smtClean="0">
-                <a:solidFill>
-                  <a:schemeClr val="tx1">
-                    <a:lumMod val="75000"/>
-                    <a:lumOff val="25000"/>
-                  </a:schemeClr>
-                </a:solidFill>
-              </a:rPr>
-              <a:t>Система</a:t>
-            </a:r>
-            <a:r>
-              <a:rPr lang="ru-RU" sz="1600" dirty="0" smtClean="0">
-                <a:solidFill>
-                  <a:schemeClr val="tx1">
-                    <a:lumMod val="75000"/>
-                    <a:lumOff val="25000"/>
-                  </a:schemeClr>
-                </a:solidFill>
-              </a:rPr>
-              <a:t> </a:t>
-            </a:r>
-            <a:r>
-              <a:rPr lang="ru-RU" sz="1600" dirty="0" smtClean="0">
-                <a:solidFill>
-                  <a:schemeClr val="tx1">
-                    <a:lumMod val="75000"/>
-                    <a:lumOff val="25000"/>
-                  </a:schemeClr>
-                </a:solidFill>
-              </a:rPr>
-              <a:t>должна предоставить возможность </a:t>
-            </a:r>
-            <a:r>
               <a:rPr lang="ru-RU" sz="1600" dirty="0">
                 <a:solidFill>
                   <a:schemeClr val="tx1">
@@ -9062,27 +8308,8 @@
                   </a:schemeClr>
                 </a:solidFill>
               </a:rPr>
-              <a:t>прохождения цикла процесса комплексного </a:t>
-            </a:r>
-            <a:r>
-              <a:rPr lang="ru-RU" sz="1600" dirty="0" smtClean="0">
-                <a:solidFill>
-                  <a:schemeClr val="tx1">
-                    <a:lumMod val="75000"/>
-                    <a:lumOff val="25000"/>
-                  </a:schemeClr>
-                </a:solidFill>
-              </a:rPr>
-              <a:t>лесопользования.</a:t>
-            </a:r>
-            <a:endParaRPr lang="ru-RU" sz="1600" dirty="0">
-              <a:solidFill>
-                <a:schemeClr val="tx1">
-                  <a:lumMod val="75000"/>
-                  <a:lumOff val="25000"/>
-                </a:schemeClr>
-              </a:solidFill>
-            </a:endParaRPr>
+              <a:t>«Система должна предоставить возможность прохождения цикла процесса комплексного лесопользования».</a:t>
+            </a:r>
           </a:p>
         </p:txBody>
       </p:sp>
@@ -9147,7 +8374,7 @@
           <a:lstStyle/>
           <a:p>
             <a:r>
-              <a:rPr lang="ru-RU" sz="1600" dirty="0" smtClean="0">
+              <a:rPr lang="ru-RU" sz="1600" dirty="0">
                 <a:solidFill>
                   <a:schemeClr val="tx1">
                     <a:lumMod val="75000"/>
@@ -9157,14 +8384,6 @@
               </a:rPr>
               <a:t>В рамках работы рассмотрим процесс оформления права пользования участком.</a:t>
             </a:r>
-            <a:endParaRPr lang="ru-RU" sz="1600" dirty="0">
-              <a:solidFill>
-                <a:schemeClr val="tx1">
-                  <a:lumMod val="75000"/>
-                  <a:lumOff val="25000"/>
-                </a:schemeClr>
-              </a:solidFill>
-            </a:endParaRPr>
           </a:p>
         </p:txBody>
       </p:sp>
@@ -9278,8 +8497,8 @@
         </p:nvSpPr>
         <p:spPr>
           <a:xfrm>
-            <a:off x="301123" y="89561"/>
-            <a:ext cx="11191793" cy="232898"/>
+            <a:off x="301123" y="89560"/>
+            <a:ext cx="11191793" cy="442063"/>
           </a:xfrm>
           <a:prstGeom prst="rect">
             <a:avLst/>
@@ -9311,7 +8530,7 @@
           <a:p>
             <a:pPr algn="l"/>
             <a:r>
-              <a:rPr lang="ru-RU" sz="2400" b="1" dirty="0" smtClean="0">
+              <a:rPr lang="ru-RU" sz="2400" b="1" dirty="0">
                 <a:solidFill>
                   <a:schemeClr val="tx1">
                     <a:lumMod val="75000"/>
@@ -9322,7 +8541,7 @@
               <a:t>Административные процедуры при предоставлении участка по мнению </a:t>
             </a:r>
             <a:r>
-              <a:rPr lang="ru-RU" sz="2400" b="1" dirty="0" err="1" smtClean="0">
+              <a:rPr lang="ru-RU" sz="2400" b="1" dirty="0" err="1">
                 <a:solidFill>
                   <a:schemeClr val="tx1">
                     <a:lumMod val="75000"/>
@@ -9333,7 +8552,7 @@
               <a:t>Сверд</a:t>
             </a:r>
             <a:r>
-              <a:rPr lang="ru-RU" sz="2400" b="1" dirty="0" smtClean="0">
+              <a:rPr lang="ru-RU" sz="2400" b="1" dirty="0">
                 <a:solidFill>
                   <a:schemeClr val="tx1">
                     <a:lumMod val="75000"/>
@@ -9343,14 +8562,6 @@
               </a:rPr>
               <a:t>. Обл.</a:t>
             </a:r>
-            <a:endParaRPr lang="ru-RU" sz="2400" b="1" dirty="0">
-              <a:solidFill>
-                <a:schemeClr val="tx1">
-                  <a:lumMod val="75000"/>
-                  <a:lumOff val="25000"/>
-                </a:schemeClr>
-              </a:solidFill>
-            </a:endParaRPr>
           </a:p>
         </p:txBody>
       </p:sp>
@@ -9379,17 +8590,6 @@
               <a:buAutoNum type="arabicPeriod"/>
             </a:pPr>
             <a:r>
-              <a:rPr lang="ru-RU" sz="1600" dirty="0" smtClean="0">
-                <a:solidFill>
-                  <a:schemeClr val="tx1">
-                    <a:lumMod val="75000"/>
-                    <a:lumOff val="25000"/>
-                  </a:schemeClr>
-                </a:solidFill>
-              </a:rPr>
-              <a:t>Рассмотрение </a:t>
-            </a:r>
-            <a:r>
               <a:rPr lang="ru-RU" sz="1600" dirty="0">
                 <a:solidFill>
                   <a:schemeClr val="tx1">
@@ -9398,18 +8598,7 @@
                   </a:schemeClr>
                 </a:solidFill>
               </a:rPr>
-              <a:t>проектной документации</a:t>
-            </a:r>
-            <a:r>
-              <a:rPr lang="ru-RU" sz="1600" dirty="0" smtClean="0">
-                <a:solidFill>
-                  <a:schemeClr val="tx1">
-                    <a:lumMod val="75000"/>
-                    <a:lumOff val="25000"/>
-                  </a:schemeClr>
-                </a:solidFill>
-              </a:rPr>
-              <a:t>;</a:t>
+              <a:t>Рассмотрение проектной документации;</a:t>
             </a:r>
           </a:p>
           <a:p>
@@ -9427,17 +8616,6 @@
           </a:p>
           <a:p>
             <a:r>
-              <a:rPr lang="ru-RU" sz="1600" dirty="0" smtClean="0">
-                <a:solidFill>
-                  <a:schemeClr val="tx1">
-                    <a:lumMod val="75000"/>
-                    <a:lumOff val="25000"/>
-                  </a:schemeClr>
-                </a:solidFill>
-              </a:rPr>
-              <a:t>2. Прием </a:t>
-            </a:r>
-            <a:r>
               <a:rPr lang="ru-RU" sz="1600" dirty="0">
                 <a:solidFill>
                   <a:schemeClr val="tx1">
@@ -9446,21 +8624,10 @@
                   </a:schemeClr>
                 </a:solidFill>
               </a:rPr>
-              <a:t>и регистрация заявления на предварительное согласование лесного участка;</a:t>
-            </a:r>
-          </a:p>
-          <a:p>
-            <a:r>
-              <a:rPr lang="ru-RU" sz="1600" dirty="0" smtClean="0">
-                <a:solidFill>
-                  <a:schemeClr val="tx1">
-                    <a:lumMod val="75000"/>
-                    <a:lumOff val="25000"/>
-                  </a:schemeClr>
-                </a:solidFill>
-              </a:rPr>
-              <a:t>3. Принятие </a:t>
-            </a:r>
+              <a:t>2. Прием и регистрация заявления на предварительное согласование лесного участка;</a:t>
+            </a:r>
+          </a:p>
+          <a:p>
             <a:r>
               <a:rPr lang="ru-RU" sz="1600" dirty="0">
                 <a:solidFill>
@@ -9470,18 +8637,7 @@
                   </a:schemeClr>
                 </a:solidFill>
               </a:rPr>
-              <a:t>решения о предварительном согласовании либо отказ в предварительном согласовании лесного участка</a:t>
-            </a:r>
-            <a:r>
-              <a:rPr lang="ru-RU" sz="1600" dirty="0" smtClean="0">
-                <a:solidFill>
-                  <a:schemeClr val="tx1">
-                    <a:lumMod val="75000"/>
-                    <a:lumOff val="25000"/>
-                  </a:schemeClr>
-                </a:solidFill>
-              </a:rPr>
-              <a:t>;</a:t>
+              <a:t>3. Принятие решения о предварительном согласовании либо отказ в предварительном согласовании лесного участка;</a:t>
             </a:r>
           </a:p>
           <a:p>
@@ -9496,17 +8652,6 @@
           </a:p>
           <a:p>
             <a:r>
-              <a:rPr lang="ru-RU" sz="1600" dirty="0" smtClean="0">
-                <a:solidFill>
-                  <a:schemeClr val="tx1">
-                    <a:lumMod val="75000"/>
-                    <a:lumOff val="25000"/>
-                  </a:schemeClr>
-                </a:solidFill>
-              </a:rPr>
-              <a:t>4. Прием </a:t>
-            </a:r>
-            <a:r>
               <a:rPr lang="ru-RU" sz="1600" dirty="0">
                 <a:solidFill>
                   <a:schemeClr val="tx1">
@@ -9515,21 +8660,10 @@
                   </a:schemeClr>
                 </a:solidFill>
               </a:rPr>
-              <a:t>и регистрация заявления о предоставлении в пределах земель лесного фонда лесного участка в пользование;</a:t>
-            </a:r>
-          </a:p>
-          <a:p>
-            <a:r>
-              <a:rPr lang="ru-RU" sz="1600" dirty="0" smtClean="0">
-                <a:solidFill>
-                  <a:schemeClr val="tx1">
-                    <a:lumMod val="75000"/>
-                    <a:lumOff val="25000"/>
-                  </a:schemeClr>
-                </a:solidFill>
-              </a:rPr>
-              <a:t>5. Рассмотрение </a:t>
-            </a:r>
+              <a:t>4. Прием и регистрация заявления о предоставлении в пределах земель лесного фонда лесного участка в пользование;</a:t>
+            </a:r>
+          </a:p>
+          <a:p>
             <a:r>
               <a:rPr lang="ru-RU" sz="1600" dirty="0">
                 <a:solidFill>
@@ -9539,21 +8673,10 @@
                   </a:schemeClr>
                 </a:solidFill>
               </a:rPr>
-              <a:t>заявления о предоставлении в пределах земель лесного фонда лесного участка в пользование;</a:t>
-            </a:r>
-          </a:p>
-          <a:p>
-            <a:r>
-              <a:rPr lang="ru-RU" sz="1600" dirty="0" smtClean="0">
-                <a:solidFill>
-                  <a:schemeClr val="tx1">
-                    <a:lumMod val="75000"/>
-                    <a:lumOff val="25000"/>
-                  </a:schemeClr>
-                </a:solidFill>
-              </a:rPr>
-              <a:t>6. Формирование </a:t>
-            </a:r>
+              <a:t>5. Рассмотрение заявления о предоставлении в пределах земель лесного фонда лесного участка в пользование;</a:t>
+            </a:r>
+          </a:p>
+          <a:p>
             <a:r>
               <a:rPr lang="ru-RU" sz="1600" dirty="0">
                 <a:solidFill>
@@ -9563,21 +8686,10 @@
                   </a:schemeClr>
                 </a:solidFill>
               </a:rPr>
-              <a:t>и направление межведомственных запросов в другие органы (организации);</a:t>
-            </a:r>
-          </a:p>
-          <a:p>
-            <a:r>
-              <a:rPr lang="ru-RU" sz="1600" dirty="0" smtClean="0">
-                <a:solidFill>
-                  <a:schemeClr val="tx1">
-                    <a:lumMod val="75000"/>
-                    <a:lumOff val="25000"/>
-                  </a:schemeClr>
-                </a:solidFill>
-              </a:rPr>
-              <a:t>7. Направление </a:t>
-            </a:r>
+              <a:t>6. Формирование и направление межведомственных запросов в другие органы (организации);</a:t>
+            </a:r>
+          </a:p>
+          <a:p>
             <a:r>
               <a:rPr lang="ru-RU" sz="1600" dirty="0">
                 <a:solidFill>
@@ -9587,21 +8699,10 @@
                   </a:schemeClr>
                 </a:solidFill>
               </a:rPr>
-              <a:t>заявителю копии решения уполномоченного органа о предоставлении лесного участка либо извещения об отказе в предоставлении услуги; </a:t>
-            </a:r>
-          </a:p>
-          <a:p>
-            <a:r>
-              <a:rPr lang="ru-RU" sz="1600" dirty="0" smtClean="0">
-                <a:solidFill>
-                  <a:schemeClr val="tx1">
-                    <a:lumMod val="75000"/>
-                    <a:lumOff val="25000"/>
-                  </a:schemeClr>
-                </a:solidFill>
-              </a:rPr>
-              <a:t>8. Подготовка </a:t>
-            </a:r>
+              <a:t>7. Направление заявителю копии решения уполномоченного органа о предоставлении лесного участка либо извещения об отказе в предоставлении услуги; </a:t>
+            </a:r>
+          </a:p>
+          <a:p>
             <a:r>
               <a:rPr lang="ru-RU" sz="1600" dirty="0">
                 <a:solidFill>
@@ -9611,21 +8712,10 @@
                   </a:schemeClr>
                 </a:solidFill>
               </a:rPr>
-              <a:t>правоустанавливающего документа на лесной участок;</a:t>
-            </a:r>
-          </a:p>
-          <a:p>
-            <a:r>
-              <a:rPr lang="ru-RU" sz="1600" dirty="0" smtClean="0">
-                <a:solidFill>
-                  <a:schemeClr val="tx1">
-                    <a:lumMod val="75000"/>
-                    <a:lumOff val="25000"/>
-                  </a:schemeClr>
-                </a:solidFill>
-              </a:rPr>
-              <a:t>9. Подписание </a:t>
-            </a:r>
+              <a:t>8. Подготовка правоустанавливающего документа на лесной участок;</a:t>
+            </a:r>
+          </a:p>
+          <a:p>
             <a:r>
               <a:rPr lang="ru-RU" sz="1600" dirty="0">
                 <a:solidFill>
@@ -9635,7 +8725,7 @@
                   </a:schemeClr>
                 </a:solidFill>
               </a:rPr>
-              <a:t>правоустанавливающего документа на лесной участок (акт приема-передачи лесного участка в пользование входит в состав правоустанавливающего документа).</a:t>
+              <a:t>9. Подписание правоустанавливающего документа на лесной участок (акт приема-передачи лесного участка в пользование входит в состав правоустанавливающего документа).</a:t>
             </a:r>
           </a:p>
         </p:txBody>
@@ -9750,8 +8840,8 @@
         </p:nvSpPr>
         <p:spPr>
           <a:xfrm>
-            <a:off x="301124" y="89561"/>
-            <a:ext cx="10269004" cy="232898"/>
+            <a:off x="301124" y="89560"/>
+            <a:ext cx="10269004" cy="469371"/>
           </a:xfrm>
           <a:prstGeom prst="rect">
             <a:avLst/>
@@ -9783,57 +8873,16 @@
           <a:p>
             <a:pPr algn="l"/>
             <a:r>
-              <a:rPr lang="ru-RU" sz="2400" b="1" dirty="0" smtClean="0">
-                <a:solidFill>
-                  <a:schemeClr val="tx1">
-                    <a:lumMod val="75000"/>
-                    <a:lumOff val="25000"/>
-                  </a:schemeClr>
-                </a:solidFill>
-              </a:rPr>
-              <a:t>От административных процедур </a:t>
-            </a:r>
-            <a:r>
-              <a:rPr lang="ru-RU" sz="2400" b="1" dirty="0" smtClean="0">
-                <a:solidFill>
-                  <a:schemeClr val="tx1">
-                    <a:lumMod val="75000"/>
-                    <a:lumOff val="25000"/>
-                  </a:schemeClr>
-                </a:solidFill>
-              </a:rPr>
-              <a:t>к </a:t>
-            </a:r>
-            <a:r>
-              <a:rPr lang="ru-RU" sz="2400" b="1" dirty="0" smtClean="0">
-                <a:solidFill>
-                  <a:schemeClr val="tx1">
-                    <a:lumMod val="75000"/>
-                    <a:lumOff val="25000"/>
-                  </a:schemeClr>
-                </a:solidFill>
-              </a:rPr>
-              <a:t>услугам</a:t>
-            </a:r>
-            <a:r>
-              <a:rPr lang="ru-RU" sz="2400" b="1" dirty="0" smtClean="0">
-                <a:solidFill>
-                  <a:schemeClr val="tx1">
-                    <a:lumMod val="75000"/>
-                    <a:lumOff val="25000"/>
-                  </a:schemeClr>
-                </a:solidFill>
-              </a:rPr>
-              <a:t>, которые оказывает министерство</a:t>
-            </a:r>
-            <a:endParaRPr lang="ru-RU" sz="2400" b="1" dirty="0">
-              <a:solidFill>
-                <a:schemeClr val="tx1">
-                  <a:lumMod val="75000"/>
-                  <a:lumOff val="25000"/>
-                </a:schemeClr>
-              </a:solidFill>
-            </a:endParaRPr>
+              <a:rPr lang="ru-RU" sz="2400" b="1" dirty="0">
+                <a:solidFill>
+                  <a:schemeClr val="tx1">
+                    <a:lumMod val="75000"/>
+                    <a:lumOff val="25000"/>
+                  </a:schemeClr>
+                </a:solidFill>
+              </a:rPr>
+              <a:t>От административных процедур к услугам, которые оказывает министерство</a:t>
+            </a:r>
           </a:p>
         </p:txBody>
       </p:sp>
@@ -9846,7 +8895,7 @@
         <p:spPr>
           <a:xfrm>
             <a:off x="6837629" y="2336386"/>
-            <a:ext cx="4084516" cy="369332"/>
+            <a:ext cx="5133906" cy="369332"/>
           </a:xfrm>
           <a:prstGeom prst="rect">
             <a:avLst/>
@@ -9867,7 +8916,7 @@
                   </a:schemeClr>
                 </a:solidFill>
               </a:rPr>
-              <a:t>Утверждение проектной документации</a:t>
+              <a:t>Приказ об утверждении проектной документации</a:t>
             </a:r>
           </a:p>
         </p:txBody>
@@ -9881,7 +8930,7 @@
         <p:spPr>
           <a:xfrm>
             <a:off x="6837629" y="3760313"/>
-            <a:ext cx="4927887" cy="369332"/>
+            <a:ext cx="4055084" cy="369332"/>
           </a:xfrm>
           <a:prstGeom prst="rect">
             <a:avLst/>
@@ -9902,7 +8951,7 @@
                   </a:schemeClr>
                 </a:solidFill>
               </a:rPr>
-              <a:t>Предварительное согласование лесного участка</a:t>
+              <a:t>Приказ о согласовании лесного участка</a:t>
             </a:r>
           </a:p>
         </p:txBody>
@@ -9915,8 +8964,43 @@
         </p:nvSpPr>
         <p:spPr>
           <a:xfrm>
-            <a:off x="6860071" y="5377422"/>
-            <a:ext cx="4905445" cy="369332"/>
+            <a:off x="6837629" y="5299784"/>
+            <a:ext cx="4915423" cy="646331"/>
+          </a:xfrm>
+          <a:prstGeom prst="rect">
+            <a:avLst/>
+          </a:prstGeom>
+        </p:spPr>
+        <p:txBody>
+          <a:bodyPr wrap="square">
+            <a:spAutoFit/>
+          </a:bodyPr>
+          <a:lstStyle/>
+          <a:p>
+            <a:r>
+              <a:rPr lang="ru-RU" dirty="0">
+                <a:solidFill>
+                  <a:schemeClr val="tx1">
+                    <a:lumMod val="75000"/>
+                    <a:lumOff val="25000"/>
+                  </a:schemeClr>
+                </a:solidFill>
+              </a:rPr>
+              <a:t>Приказ о предоставлении лесного участка в пользование</a:t>
+            </a:r>
+          </a:p>
+        </p:txBody>
+      </p:sp>
+      <p:sp>
+        <p:nvSpPr>
+          <p:cNvPr id="10" name="Прямоугольник 9"/>
+          <p:cNvSpPr/>
+          <p:nvPr/>
+        </p:nvSpPr>
+        <p:spPr>
+          <a:xfrm>
+            <a:off x="594131" y="2336386"/>
+            <a:ext cx="4299510" cy="369332"/>
           </a:xfrm>
           <a:prstGeom prst="rect">
             <a:avLst/>
@@ -9937,62 +9021,8 @@
                   </a:schemeClr>
                 </a:solidFill>
               </a:rPr>
-              <a:t>Предоставление лесного участка в пользование</a:t>
-            </a:r>
-          </a:p>
-        </p:txBody>
-      </p:sp>
-      <p:sp>
-        <p:nvSpPr>
-          <p:cNvPr id="10" name="Прямоугольник 9"/>
-          <p:cNvSpPr/>
-          <p:nvPr/>
-        </p:nvSpPr>
-        <p:spPr>
-          <a:xfrm>
-            <a:off x="301124" y="2319239"/>
-            <a:ext cx="4208011" cy="369332"/>
-          </a:xfrm>
-          <a:prstGeom prst="rect">
-            <a:avLst/>
-          </a:prstGeom>
-        </p:spPr>
-        <p:txBody>
-          <a:bodyPr wrap="none">
-            <a:spAutoFit/>
-          </a:bodyPr>
-          <a:lstStyle/>
-          <a:p>
-            <a:r>
-              <a:rPr lang="ru-RU" dirty="0">
-                <a:solidFill>
-                  <a:schemeClr val="tx1">
-                    <a:lumMod val="75000"/>
-                    <a:lumOff val="25000"/>
-                  </a:schemeClr>
-                </a:solidFill>
-              </a:rPr>
-              <a:t>Рассмотрение проектной </a:t>
-            </a:r>
-            <a:r>
-              <a:rPr lang="ru-RU" dirty="0" smtClean="0">
-                <a:solidFill>
-                  <a:schemeClr val="tx1">
-                    <a:lumMod val="75000"/>
-                    <a:lumOff val="25000"/>
-                  </a:schemeClr>
-                </a:solidFill>
-              </a:rPr>
-              <a:t>документации</a:t>
-            </a:r>
-            <a:endParaRPr lang="ru-RU" dirty="0">
-              <a:solidFill>
-                <a:schemeClr val="tx1">
-                  <a:lumMod val="75000"/>
-                  <a:lumOff val="25000"/>
-                </a:schemeClr>
-              </a:solidFill>
-            </a:endParaRPr>
+              <a:t>Проектная документация лесного участка</a:t>
+            </a:r>
           </a:p>
         </p:txBody>
       </p:sp>
@@ -10004,8 +9034,8 @@
         </p:nvSpPr>
         <p:spPr>
           <a:xfrm>
-            <a:off x="416506" y="3604954"/>
-            <a:ext cx="4385636" cy="923330"/>
+            <a:off x="416506" y="3640725"/>
+            <a:ext cx="4812482" cy="646331"/>
           </a:xfrm>
           <a:prstGeom prst="rect">
             <a:avLst/>
@@ -10026,7 +9056,7 @@
                   </a:schemeClr>
                 </a:solidFill>
               </a:rPr>
-              <a:t>Прием и регистрация заявления на предварительное согласование лесного участка</a:t>
+              <a:t>заявление на предварительное согласование лесного участка</a:t>
             </a:r>
             <a:r>
               <a:rPr lang="en-US" dirty="0">
@@ -10073,7 +9103,7 @@
                   </a:schemeClr>
                 </a:solidFill>
               </a:rPr>
-              <a:t>Прием и регистрация заявления о предоставлении в пределах земель лесного фонда лесного участка в пользование</a:t>
+              <a:t>Заявление о предоставлении в пределах земель лесного фонда лесного участка в пользование</a:t>
             </a:r>
             <a:r>
               <a:rPr lang="en-US" dirty="0">
@@ -10218,8 +9248,8 @@
         </p:nvSpPr>
         <p:spPr>
           <a:xfrm>
-            <a:off x="3438774" y="1262993"/>
-            <a:ext cx="4877682" cy="369332"/>
+            <a:off x="1895124" y="1292286"/>
+            <a:ext cx="8675004" cy="369332"/>
           </a:xfrm>
           <a:prstGeom prst="rect">
             <a:avLst/>
@@ -10232,24 +9262,16 @@
           <a:lstStyle/>
           <a:p>
             <a:r>
-              <a:rPr lang="ru-RU" dirty="0" smtClean="0">
-                <a:solidFill>
-                  <a:schemeClr val="tx1">
-                    <a:lumMod val="75000"/>
-                    <a:lumOff val="25000"/>
-                  </a:schemeClr>
-                </a:solidFill>
-              </a:rPr>
-              <a:t>Предоставление услуги начинается с заявления</a:t>
-            </a:r>
-            <a:endParaRPr lang="ru-RU" dirty="0">
-              <a:solidFill>
-                <a:schemeClr val="tx1">
-                  <a:lumMod val="75000"/>
-                  <a:lumOff val="25000"/>
-                </a:schemeClr>
-              </a:solidFill>
-            </a:endParaRPr>
+              <a:rPr lang="ru-RU" dirty="0">
+                <a:solidFill>
+                  <a:schemeClr val="tx1">
+                    <a:lumMod val="75000"/>
+                    <a:lumOff val="25000"/>
+                  </a:schemeClr>
+                </a:solidFill>
+              </a:rPr>
+              <a:t>Предоставление услуги начинается с заявления, заканчивается итоговым документом</a:t>
+            </a:r>
           </a:p>
         </p:txBody>
       </p:sp>
@@ -10363,8 +9385,8 @@
         </p:nvSpPr>
         <p:spPr>
           <a:xfrm>
-            <a:off x="301124" y="89561"/>
-            <a:ext cx="9891500" cy="232898"/>
+            <a:off x="301124" y="89560"/>
+            <a:ext cx="9891500" cy="394531"/>
           </a:xfrm>
           <a:prstGeom prst="rect">
             <a:avLst/>
@@ -10396,35 +9418,16 @@
           <a:p>
             <a:pPr algn="l"/>
             <a:r>
-              <a:rPr lang="ru-RU" sz="2400" b="1" dirty="0" smtClean="0">
-                <a:solidFill>
-                  <a:schemeClr val="tx1">
-                    <a:lumMod val="75000"/>
-                    <a:lumOff val="25000"/>
-                  </a:schemeClr>
-                </a:solidFill>
-              </a:rPr>
-              <a:t>Цель и </a:t>
-            </a:r>
-            <a:r>
-              <a:rPr lang="ru-RU" sz="2400" b="1" dirty="0" smtClean="0">
-                <a:solidFill>
-                  <a:schemeClr val="tx1">
-                    <a:lumMod val="75000"/>
-                    <a:lumOff val="25000"/>
-                  </a:schemeClr>
-                </a:solidFill>
-              </a:rPr>
-              <a:t>задачи</a:t>
-            </a:r>
-            <a:endParaRPr lang="ru-RU" sz="2400" b="1" dirty="0">
-              <a:solidFill>
-                <a:schemeClr val="tx1">
-                  <a:lumMod val="75000"/>
-                  <a:lumOff val="25000"/>
-                </a:schemeClr>
-              </a:solidFill>
-            </a:endParaRPr>
+              <a:rPr lang="ru-RU" sz="2400" b="1" dirty="0">
+                <a:solidFill>
+                  <a:schemeClr val="tx1">
+                    <a:lumMod val="75000"/>
+                    <a:lumOff val="25000"/>
+                  </a:schemeClr>
+                </a:solidFill>
+              </a:rPr>
+              <a:t>Цель и задачи</a:t>
+            </a:r>
           </a:p>
         </p:txBody>
       </p:sp>
@@ -10439,7 +9442,7 @@
         <p:spPr>
           <a:xfrm>
             <a:off x="301123" y="2296691"/>
-            <a:ext cx="8853121" cy="2574056"/>
+            <a:ext cx="9891501" cy="2574056"/>
           </a:xfrm>
           <a:prstGeom prst="rect">
             <a:avLst/>
@@ -10471,7 +9474,7 @@
           <a:p>
             <a:pPr algn="l"/>
             <a:r>
-              <a:rPr lang="ru-RU" sz="2200" b="1" dirty="0" smtClean="0">
+              <a:rPr lang="ru-RU" sz="2200" b="1" dirty="0">
                 <a:solidFill>
                   <a:schemeClr val="tx1">
                     <a:lumMod val="75000"/>
@@ -10487,7 +9490,7 @@
               <a:buFont typeface="Arial" panose="020B0604020202020204" pitchFamily="34" charset="0"/>
               <a:buChar char="•"/>
             </a:pPr>
-            <a:endParaRPr lang="ru-RU" sz="2200" b="1" dirty="0" smtClean="0">
+            <a:endParaRPr lang="ru-RU" sz="2200" b="1" dirty="0">
               <a:solidFill>
                 <a:schemeClr val="tx1">
                   <a:lumMod val="75000"/>
@@ -10502,17 +9505,6 @@
               <a:buChar char="•"/>
             </a:pPr>
             <a:r>
-              <a:rPr lang="ru-RU" sz="2200" dirty="0" smtClean="0">
-                <a:solidFill>
-                  <a:schemeClr val="tx1">
-                    <a:lumMod val="75000"/>
-                    <a:lumOff val="25000"/>
-                  </a:schemeClr>
-                </a:solidFill>
-              </a:rPr>
-              <a:t>Изучить </a:t>
-            </a:r>
-            <a:r>
               <a:rPr lang="ru-RU" sz="2200" dirty="0">
                 <a:solidFill>
                   <a:schemeClr val="tx1">
@@ -10521,7 +9513,7 @@
                   </a:schemeClr>
                 </a:solidFill>
               </a:rPr>
-              <a:t>документооборот министерства</a:t>
+              <a:t>Изучить документооборот министерства</a:t>
             </a:r>
           </a:p>
           <a:p>
@@ -10530,17 +9522,6 @@
               <a:buChar char="•"/>
             </a:pPr>
             <a:r>
-              <a:rPr lang="ru-RU" sz="2200" dirty="0" smtClean="0">
-                <a:solidFill>
-                  <a:schemeClr val="tx1">
-                    <a:lumMod val="75000"/>
-                    <a:lumOff val="25000"/>
-                  </a:schemeClr>
-                </a:solidFill>
-              </a:rPr>
-              <a:t>Определить </a:t>
-            </a:r>
-            <a:r>
               <a:rPr lang="ru-RU" sz="2200" dirty="0">
                 <a:solidFill>
                   <a:schemeClr val="tx1">
@@ -10549,21 +9530,10 @@
                   </a:schemeClr>
                 </a:solidFill>
               </a:rPr>
-              <a:t>структуру потоков данных </a:t>
-            </a:r>
-            <a:r>
-              <a:rPr lang="ru-RU" sz="2200" dirty="0" smtClean="0">
-                <a:solidFill>
-                  <a:schemeClr val="tx1">
-                    <a:lumMod val="75000"/>
-                    <a:lumOff val="25000"/>
-                  </a:schemeClr>
-                </a:solidFill>
-              </a:rPr>
-              <a:t>при работе с </a:t>
-            </a:r>
-            <a:r>
-              <a:rPr lang="ru-RU" sz="2200" dirty="0" err="1" smtClean="0">
+              <a:t>Определить структуру потоков данных при работе с </a:t>
+            </a:r>
+            <a:r>
+              <a:rPr lang="ru-RU" sz="2200" dirty="0" err="1">
                 <a:solidFill>
                   <a:schemeClr val="tx1">
                     <a:lumMod val="75000"/>
@@ -10574,7 +9544,7 @@
               <a:t>бекенд</a:t>
             </a:r>
             <a:r>
-              <a:rPr lang="ru-RU" sz="2200" dirty="0" smtClean="0">
+              <a:rPr lang="ru-RU" sz="2200" dirty="0">
                 <a:solidFill>
                   <a:schemeClr val="tx1">
                     <a:lumMod val="75000"/>
@@ -10591,17 +9561,6 @@
               <a:buChar char="•"/>
             </a:pPr>
             <a:r>
-              <a:rPr lang="ru-RU" sz="2200" dirty="0" smtClean="0">
-                <a:solidFill>
-                  <a:schemeClr val="tx1">
-                    <a:lumMod val="75000"/>
-                    <a:lumOff val="25000"/>
-                  </a:schemeClr>
-                </a:solidFill>
-              </a:rPr>
-              <a:t>Определить </a:t>
-            </a:r>
-            <a:r>
               <a:rPr lang="ru-RU" sz="2200" dirty="0">
                 <a:solidFill>
                   <a:schemeClr val="tx1">
@@ -10610,29 +9569,7 @@
                   </a:schemeClr>
                 </a:solidFill>
               </a:rPr>
-              <a:t>классы в нотации UML для предметной </a:t>
-            </a:r>
-            <a:r>
-              <a:rPr lang="ru-RU" sz="2200" dirty="0" smtClean="0">
-                <a:solidFill>
-                  <a:schemeClr val="tx1">
-                    <a:lumMod val="75000"/>
-                    <a:lumOff val="25000"/>
-                  </a:schemeClr>
-                </a:solidFill>
-              </a:rPr>
-              <a:t>области, для </a:t>
-            </a:r>
-            <a:r>
-              <a:rPr lang="ru-RU" sz="2200" dirty="0">
-                <a:solidFill>
-                  <a:schemeClr val="tx1">
-                    <a:lumMod val="75000"/>
-                    <a:lumOff val="25000"/>
-                  </a:schemeClr>
-                </a:solidFill>
-              </a:rPr>
-              <a:t>интеграций</a:t>
+              <a:t>Определить классы в нотации UML для предметной области, для интеграций</a:t>
             </a:r>
           </a:p>
           <a:p>
@@ -10641,17 +9578,6 @@
               <a:buChar char="•"/>
             </a:pPr>
             <a:r>
-              <a:rPr lang="ru-RU" sz="2200" dirty="0" smtClean="0">
-                <a:solidFill>
-                  <a:schemeClr val="tx1">
-                    <a:lumMod val="75000"/>
-                    <a:lumOff val="25000"/>
-                  </a:schemeClr>
-                </a:solidFill>
-              </a:rPr>
-              <a:t>Разработка </a:t>
-            </a:r>
-            <a:r>
               <a:rPr lang="ru-RU" sz="2200" dirty="0">
                 <a:solidFill>
                   <a:schemeClr val="tx1">
@@ -10660,7 +9586,7 @@
                   </a:schemeClr>
                 </a:solidFill>
               </a:rPr>
-              <a:t>логической модели данных</a:t>
+              <a:t>Разработать логическую модель данных</a:t>
             </a:r>
           </a:p>
           <a:p>
@@ -10738,18 +9664,7 @@
                   </a:schemeClr>
                 </a:solidFill>
               </a:rPr>
-              <a:t>: сократить время для работы над </a:t>
-            </a:r>
-            <a:r>
-              <a:rPr lang="ru-RU" sz="1800" dirty="0" smtClean="0">
-                <a:solidFill>
-                  <a:schemeClr val="tx1">
-                    <a:lumMod val="75000"/>
-                    <a:lumOff val="25000"/>
-                  </a:schemeClr>
-                </a:solidFill>
-              </a:rPr>
-              <a:t>заявлением (предоставления услуги).</a:t>
+              <a:t>: сократить время для работы над заявлением (предоставления услуги).</a:t>
             </a:r>
           </a:p>
           <a:p>
@@ -10766,24 +9681,16 @@
           <a:p>
             <a:pPr algn="l"/>
             <a:r>
-              <a:rPr lang="ru-RU" sz="1800" dirty="0" smtClean="0">
-                <a:solidFill>
-                  <a:schemeClr val="tx1">
-                    <a:lumMod val="75000"/>
-                    <a:lumOff val="25000"/>
-                  </a:schemeClr>
-                </a:solidFill>
-              </a:rPr>
-              <a:t>Путем формализации документооборота, автоматической проверкой образуемых участков, автоматической генерации и заполнения необходимых документов, подписания документов в системе электронного документооборота.</a:t>
-            </a:r>
-            <a:endParaRPr lang="ru-RU" sz="1800" dirty="0">
-              <a:solidFill>
-                <a:schemeClr val="tx1">
-                  <a:lumMod val="75000"/>
-                  <a:lumOff val="25000"/>
-                </a:schemeClr>
-              </a:solidFill>
-            </a:endParaRPr>
+              <a:rPr lang="ru-RU" sz="1800" dirty="0">
+                <a:solidFill>
+                  <a:schemeClr val="tx1">
+                    <a:lumMod val="75000"/>
+                    <a:lumOff val="25000"/>
+                  </a:schemeClr>
+                </a:solidFill>
+              </a:rPr>
+              <a:t>Путем формализации документооборота, автоматической проверкой образуемых участков, генерации и заполнения необходимых документов, подписания документов в системе электронного документооборота.</a:t>
+            </a:r>
           </a:p>
         </p:txBody>
       </p:sp>
@@ -10925,8 +9832,8 @@
         </p:nvSpPr>
         <p:spPr>
           <a:xfrm>
-            <a:off x="301124" y="89561"/>
-            <a:ext cx="9891500" cy="232898"/>
+            <a:off x="301124" y="239507"/>
+            <a:ext cx="13360893" cy="454242"/>
           </a:xfrm>
           <a:prstGeom prst="rect">
             <a:avLst/>
@@ -10958,24 +9865,16 @@
           <a:p>
             <a:pPr algn="l"/>
             <a:r>
-              <a:rPr lang="ru-RU" sz="2400" b="1" dirty="0" smtClean="0">
-                <a:solidFill>
-                  <a:schemeClr val="tx1">
-                    <a:lumMod val="75000"/>
-                    <a:lumOff val="25000"/>
-                  </a:schemeClr>
-                </a:solidFill>
-              </a:rPr>
-              <a:t>Основной сценарий работы с заявлением без межведомственных запросов.</a:t>
-            </a:r>
-            <a:endParaRPr lang="ru-RU" sz="2400" b="1" dirty="0">
-              <a:solidFill>
-                <a:schemeClr val="tx1">
-                  <a:lumMod val="75000"/>
-                  <a:lumOff val="25000"/>
-                </a:schemeClr>
-              </a:solidFill>
-            </a:endParaRPr>
+              <a:rPr lang="ru-RU" sz="2000" b="1" dirty="0">
+                <a:solidFill>
+                  <a:schemeClr val="tx1">
+                    <a:lumMod val="75000"/>
+                    <a:lumOff val="25000"/>
+                  </a:schemeClr>
+                </a:solidFill>
+              </a:rPr>
+              <a:t>Основной (успешный) сценарий полного цикла работы с заявлением без межведомственных запросов.</a:t>
+            </a:r>
           </a:p>
         </p:txBody>
       </p:sp>
@@ -11219,8 +10118,8 @@
         </p:nvSpPr>
         <p:spPr>
           <a:xfrm>
-            <a:off x="41907" y="136683"/>
-            <a:ext cx="9891500" cy="232898"/>
+            <a:off x="41907" y="136682"/>
+            <a:ext cx="9891500" cy="328433"/>
           </a:xfrm>
           <a:prstGeom prst="rect">
             <a:avLst/>
@@ -11252,7 +10151,7 @@
           <a:p>
             <a:pPr algn="l"/>
             <a:r>
-              <a:rPr lang="ru-RU" sz="2400" b="1" dirty="0" smtClean="0">
+              <a:rPr lang="ru-RU" sz="2400" b="1" dirty="0">
                 <a:solidFill>
                   <a:schemeClr val="tx1">
                     <a:lumMod val="75000"/>
@@ -11262,14 +10161,6 @@
               </a:rPr>
               <a:t>Архитектура системы</a:t>
             </a:r>
-            <a:endParaRPr lang="ru-RU" sz="2400" b="1" dirty="0">
-              <a:solidFill>
-                <a:schemeClr val="tx1">
-                  <a:lumMod val="75000"/>
-                  <a:lumOff val="25000"/>
-                </a:schemeClr>
-              </a:solidFill>
-            </a:endParaRPr>
           </a:p>
         </p:txBody>
       </p:sp>
@@ -11381,7 +10272,13 @@
       </p:sp>
       <p:pic>
         <p:nvPicPr>
-          <p:cNvPr id="3" name="Рисунок 2"/>
+          <p:cNvPr id="3" name="Рисунок 2">
+            <a:extLst>
+              <a:ext uri="{FF2B5EF4-FFF2-40B4-BE49-F238E27FC236}">
+                <a16:creationId xmlns:a16="http://schemas.microsoft.com/office/drawing/2014/main" id="{03484450-2D57-FBCC-AB47-DAAA8D80577C}"/>
+              </a:ext>
+            </a:extLst>
+          </p:cNvPr>
           <p:cNvPicPr>
             <a:picLocks noChangeAspect="1"/>
           </p:cNvPicPr>
@@ -11395,8 +10292,8 @@
         </p:blipFill>
         <p:spPr>
           <a:xfrm>
-            <a:off x="2099896" y="617517"/>
-            <a:ext cx="7833511" cy="6222045"/>
+            <a:off x="1927985" y="651053"/>
+            <a:ext cx="7819863" cy="6206947"/>
           </a:xfrm>
           <a:prstGeom prst="rect">
             <a:avLst/>
@@ -11421,7 +10318,7 @@
   <a:themeElements>
     <a:clrScheme name="Стандартная">
       <a:dk1>
-        <a:sysClr val="windowText" lastClr="000000"/>
+        <a:sysClr val="windowText" lastClr="303030"/>
       </a:dk1>
       <a:lt1>
         <a:sysClr val="window" lastClr="FFFFFF"/>

--- a/Презентация диплома.pptx
+++ b/Презентация диплома.pptx
@@ -258,7 +258,7 @@
           <a:p>
             <a:fld id="{D4804C8C-A16D-40ED-B7C8-20CC6A7D0227}" type="datetimeFigureOut">
               <a:rPr lang="ru-RU" smtClean="0"/>
-              <a:t>23.05.2024</a:t>
+              <a:t>24.05.2024</a:t>
             </a:fld>
             <a:endParaRPr lang="ru-RU"/>
           </a:p>
@@ -426,7 +426,7 @@
           <a:p>
             <a:fld id="{D4804C8C-A16D-40ED-B7C8-20CC6A7D0227}" type="datetimeFigureOut">
               <a:rPr lang="ru-RU" smtClean="0"/>
-              <a:t>23.05.2024</a:t>
+              <a:t>24.05.2024</a:t>
             </a:fld>
             <a:endParaRPr lang="ru-RU"/>
           </a:p>
@@ -604,7 +604,7 @@
           <a:p>
             <a:fld id="{D4804C8C-A16D-40ED-B7C8-20CC6A7D0227}" type="datetimeFigureOut">
               <a:rPr lang="ru-RU" smtClean="0"/>
-              <a:t>23.05.2024</a:t>
+              <a:t>24.05.2024</a:t>
             </a:fld>
             <a:endParaRPr lang="ru-RU"/>
           </a:p>
@@ -772,7 +772,7 @@
           <a:p>
             <a:fld id="{D4804C8C-A16D-40ED-B7C8-20CC6A7D0227}" type="datetimeFigureOut">
               <a:rPr lang="ru-RU" smtClean="0"/>
-              <a:t>23.05.2024</a:t>
+              <a:t>24.05.2024</a:t>
             </a:fld>
             <a:endParaRPr lang="ru-RU"/>
           </a:p>
@@ -1017,7 +1017,7 @@
           <a:p>
             <a:fld id="{D4804C8C-A16D-40ED-B7C8-20CC6A7D0227}" type="datetimeFigureOut">
               <a:rPr lang="ru-RU" smtClean="0"/>
-              <a:t>23.05.2024</a:t>
+              <a:t>24.05.2024</a:t>
             </a:fld>
             <a:endParaRPr lang="ru-RU"/>
           </a:p>
@@ -1246,7 +1246,7 @@
           <a:p>
             <a:fld id="{D4804C8C-A16D-40ED-B7C8-20CC6A7D0227}" type="datetimeFigureOut">
               <a:rPr lang="ru-RU" smtClean="0"/>
-              <a:t>23.05.2024</a:t>
+              <a:t>24.05.2024</a:t>
             </a:fld>
             <a:endParaRPr lang="ru-RU"/>
           </a:p>
@@ -1610,7 +1610,7 @@
           <a:p>
             <a:fld id="{D4804C8C-A16D-40ED-B7C8-20CC6A7D0227}" type="datetimeFigureOut">
               <a:rPr lang="ru-RU" smtClean="0"/>
-              <a:t>23.05.2024</a:t>
+              <a:t>24.05.2024</a:t>
             </a:fld>
             <a:endParaRPr lang="ru-RU"/>
           </a:p>
@@ -1727,7 +1727,7 @@
           <a:p>
             <a:fld id="{D4804C8C-A16D-40ED-B7C8-20CC6A7D0227}" type="datetimeFigureOut">
               <a:rPr lang="ru-RU" smtClean="0"/>
-              <a:t>23.05.2024</a:t>
+              <a:t>24.05.2024</a:t>
             </a:fld>
             <a:endParaRPr lang="ru-RU"/>
           </a:p>
@@ -1822,7 +1822,7 @@
           <a:p>
             <a:fld id="{D4804C8C-A16D-40ED-B7C8-20CC6A7D0227}" type="datetimeFigureOut">
               <a:rPr lang="ru-RU" smtClean="0"/>
-              <a:t>23.05.2024</a:t>
+              <a:t>24.05.2024</a:t>
             </a:fld>
             <a:endParaRPr lang="ru-RU"/>
           </a:p>
@@ -2097,7 +2097,7 @@
           <a:p>
             <a:fld id="{D4804C8C-A16D-40ED-B7C8-20CC6A7D0227}" type="datetimeFigureOut">
               <a:rPr lang="ru-RU" smtClean="0"/>
-              <a:t>23.05.2024</a:t>
+              <a:t>24.05.2024</a:t>
             </a:fld>
             <a:endParaRPr lang="ru-RU"/>
           </a:p>
@@ -2349,7 +2349,7 @@
           <a:p>
             <a:fld id="{D4804C8C-A16D-40ED-B7C8-20CC6A7D0227}" type="datetimeFigureOut">
               <a:rPr lang="ru-RU" smtClean="0"/>
-              <a:t>23.05.2024</a:t>
+              <a:t>24.05.2024</a:t>
             </a:fld>
             <a:endParaRPr lang="ru-RU"/>
           </a:p>
@@ -2560,7 +2560,7 @@
           <a:p>
             <a:fld id="{D4804C8C-A16D-40ED-B7C8-20CC6A7D0227}" type="datetimeFigureOut">
               <a:rPr lang="ru-RU" smtClean="0"/>
-              <a:t>23.05.2024</a:t>
+              <a:t>24.05.2024</a:t>
             </a:fld>
             <a:endParaRPr lang="ru-RU"/>
           </a:p>
@@ -8251,7 +8251,7 @@
         </p:blipFill>
         <p:spPr bwMode="auto">
           <a:xfrm>
-            <a:off x="186609" y="664887"/>
+            <a:off x="186609" y="664888"/>
             <a:ext cx="7753800" cy="6193112"/>
           </a:xfrm>
           <a:prstGeom prst="rect">
@@ -8321,13 +8321,14 @@
         </p:nvSpPr>
         <p:spPr>
           <a:xfrm>
-            <a:off x="2449585" y="1937858"/>
-            <a:ext cx="3117637" cy="453004"/>
+            <a:off x="2397825" y="1863959"/>
+            <a:ext cx="3168000" cy="576000"/>
           </a:xfrm>
           <a:prstGeom prst="rect">
             <a:avLst/>
           </a:prstGeom>
           <a:noFill/>
+          <a:ln w="38100"/>
         </p:spPr>
         <p:style>
           <a:lnRef idx="2">

--- a/Презентация диплома.pptx
+++ b/Презентация диплома.pptx
@@ -3594,7 +3594,7 @@
         </p:nvSpPr>
         <p:spPr>
           <a:xfrm>
-            <a:off x="502015" y="1765731"/>
+            <a:off x="502015" y="2475158"/>
             <a:ext cx="7012924" cy="677108"/>
           </a:xfrm>
           <a:prstGeom prst="rect">
@@ -3673,7 +3673,7 @@
         </p:nvSpPr>
         <p:spPr>
           <a:xfrm>
-            <a:off x="3660397" y="2393660"/>
+            <a:off x="3668786" y="2990683"/>
             <a:ext cx="6096000" cy="2308324"/>
           </a:xfrm>
           <a:prstGeom prst="rect">
@@ -4226,8 +4226,47 @@
                 <a:ea typeface="+mj-ea"/>
                 <a:cs typeface="+mj-cs"/>
               </a:rPr>
-              <a:t>Создать заявление</a:t>
-            </a:r>
+              <a:t>Создать </a:t>
+            </a:r>
+            <a:r>
+              <a:rPr lang="ru-RU" sz="1900" dirty="0" smtClean="0">
+                <a:solidFill>
+                  <a:schemeClr val="tx1">
+                    <a:lumMod val="75000"/>
+                    <a:lumOff val="25000"/>
+                  </a:schemeClr>
+                </a:solidFill>
+                <a:latin typeface="+mj-lt"/>
+                <a:ea typeface="+mj-ea"/>
+                <a:cs typeface="+mj-cs"/>
+              </a:rPr>
+              <a:t>заявление</a:t>
+            </a:r>
+            <a:r>
+              <a:rPr lang="en-US" sz="1900" dirty="0">
+                <a:solidFill>
+                  <a:schemeClr val="tx1">
+                    <a:lumMod val="75000"/>
+                    <a:lumOff val="25000"/>
+                  </a:schemeClr>
+                </a:solidFill>
+                <a:latin typeface="+mj-lt"/>
+                <a:ea typeface="+mj-ea"/>
+                <a:cs typeface="+mj-cs"/>
+              </a:rPr>
+              <a:t>,</a:t>
+            </a:r>
+            <a:endParaRPr lang="ru-RU" sz="1900" dirty="0">
+              <a:solidFill>
+                <a:schemeClr val="tx1">
+                  <a:lumMod val="75000"/>
+                  <a:lumOff val="25000"/>
+                </a:schemeClr>
+              </a:solidFill>
+              <a:latin typeface="+mj-lt"/>
+              <a:ea typeface="+mj-ea"/>
+              <a:cs typeface="+mj-cs"/>
+            </a:endParaRPr>
           </a:p>
           <a:p>
             <a:pPr marL="342900" indent="-342900" algn="just">
@@ -4252,8 +4291,47 @@
                 <a:ea typeface="+mj-ea"/>
                 <a:cs typeface="+mj-cs"/>
               </a:rPr>
-              <a:t>Установить статус черновик</a:t>
-            </a:r>
+              <a:t>Установить статус </a:t>
+            </a:r>
+            <a:r>
+              <a:rPr lang="ru-RU" sz="1900" dirty="0" smtClean="0">
+                <a:solidFill>
+                  <a:schemeClr val="tx1">
+                    <a:lumMod val="75000"/>
+                    <a:lumOff val="25000"/>
+                  </a:schemeClr>
+                </a:solidFill>
+                <a:latin typeface="+mj-lt"/>
+                <a:ea typeface="+mj-ea"/>
+                <a:cs typeface="+mj-cs"/>
+              </a:rPr>
+              <a:t>черновик</a:t>
+            </a:r>
+            <a:r>
+              <a:rPr lang="en-US" sz="1900" dirty="0">
+                <a:solidFill>
+                  <a:schemeClr val="tx1">
+                    <a:lumMod val="75000"/>
+                    <a:lumOff val="25000"/>
+                  </a:schemeClr>
+                </a:solidFill>
+                <a:latin typeface="+mj-lt"/>
+                <a:ea typeface="+mj-ea"/>
+                <a:cs typeface="+mj-cs"/>
+              </a:rPr>
+              <a:t>,</a:t>
+            </a:r>
+            <a:endParaRPr lang="ru-RU" sz="1900" dirty="0">
+              <a:solidFill>
+                <a:schemeClr val="tx1">
+                  <a:lumMod val="75000"/>
+                  <a:lumOff val="25000"/>
+                </a:schemeClr>
+              </a:solidFill>
+              <a:latin typeface="+mj-lt"/>
+              <a:ea typeface="+mj-ea"/>
+              <a:cs typeface="+mj-cs"/>
+            </a:endParaRPr>
           </a:p>
           <a:p>
             <a:pPr marL="342900" indent="-342900" algn="just">
@@ -4278,8 +4356,47 @@
                 <a:ea typeface="+mj-ea"/>
                 <a:cs typeface="+mj-cs"/>
               </a:rPr>
-              <a:t>Пред заполнить информацию о заявителе </a:t>
-            </a:r>
+              <a:t>Пред заполнить </a:t>
+            </a:r>
+            <a:r>
+              <a:rPr lang="ru-RU" sz="1900" dirty="0" smtClean="0">
+                <a:solidFill>
+                  <a:schemeClr val="tx1">
+                    <a:lumMod val="75000"/>
+                    <a:lumOff val="25000"/>
+                  </a:schemeClr>
+                </a:solidFill>
+                <a:latin typeface="+mj-lt"/>
+                <a:ea typeface="+mj-ea"/>
+                <a:cs typeface="+mj-cs"/>
+              </a:rPr>
+              <a:t>информацию</a:t>
+            </a:r>
+            <a:r>
+              <a:rPr lang="en-US" sz="1900" dirty="0">
+                <a:solidFill>
+                  <a:schemeClr val="tx1">
+                    <a:lumMod val="75000"/>
+                    <a:lumOff val="25000"/>
+                  </a:schemeClr>
+                </a:solidFill>
+                <a:latin typeface="+mj-lt"/>
+                <a:ea typeface="+mj-ea"/>
+                <a:cs typeface="+mj-cs"/>
+              </a:rPr>
+              <a:t>.</a:t>
+            </a:r>
+            <a:endParaRPr lang="ru-RU" sz="1900" dirty="0">
+              <a:solidFill>
+                <a:schemeClr val="tx1">
+                  <a:lumMod val="75000"/>
+                  <a:lumOff val="25000"/>
+                </a:schemeClr>
+              </a:solidFill>
+              <a:latin typeface="+mj-lt"/>
+              <a:ea typeface="+mj-ea"/>
+              <a:cs typeface="+mj-cs"/>
+            </a:endParaRPr>
           </a:p>
         </p:txBody>
       </p:sp>
@@ -4870,7 +4987,7 @@
         <p:spPr>
           <a:xfrm>
             <a:off x="3677174" y="2354870"/>
-            <a:ext cx="6096000" cy="1754326"/>
+            <a:ext cx="6096000" cy="2031325"/>
           </a:xfrm>
           <a:prstGeom prst="rect">
             <a:avLst/>
@@ -4904,8 +5021,27 @@
                   </a:schemeClr>
                 </a:solidFill>
               </a:rPr>
-              <a:t>Представитель,</a:t>
-            </a:r>
+              <a:t>Представитель</a:t>
+            </a:r>
+            <a:r>
+              <a:rPr lang="ru-RU" dirty="0" smtClean="0">
+                <a:solidFill>
+                  <a:schemeClr val="tx1">
+                    <a:lumMod val="75000"/>
+                    <a:lumOff val="25000"/>
+                  </a:schemeClr>
+                </a:solidFill>
+              </a:rPr>
+              <a:t>,</a:t>
+            </a:r>
+            <a:endParaRPr lang="ru-RU" dirty="0">
+              <a:solidFill>
+                <a:schemeClr val="tx1">
+                  <a:lumMod val="75000"/>
+                  <a:lumOff val="25000"/>
+                </a:schemeClr>
+              </a:solidFill>
+            </a:endParaRPr>
           </a:p>
           <a:p>
             <a:r>
@@ -4917,7 +5053,18 @@
                   </a:schemeClr>
                 </a:solidFill>
               </a:rPr>
-              <a:t>Земельный участок,</a:t>
+              <a:t>Земельный участок</a:t>
+            </a:r>
+            <a:r>
+              <a:rPr lang="ru-RU" dirty="0" smtClean="0">
+                <a:solidFill>
+                  <a:schemeClr val="tx1">
+                    <a:lumMod val="75000"/>
+                    <a:lumOff val="25000"/>
+                  </a:schemeClr>
+                </a:solidFill>
+              </a:rPr>
+              <a:t>,</a:t>
             </a:r>
           </a:p>
           <a:p>
@@ -4930,6 +5077,38 @@
                   </a:schemeClr>
                 </a:solidFill>
               </a:rPr>
+              <a:t>Оказываемая </a:t>
+            </a:r>
+            <a:r>
+              <a:rPr lang="ru-RU" dirty="0" smtClean="0">
+                <a:solidFill>
+                  <a:schemeClr val="tx1">
+                    <a:lumMod val="75000"/>
+                    <a:lumOff val="25000"/>
+                  </a:schemeClr>
+                </a:solidFill>
+              </a:rPr>
+              <a:t>услуга,</a:t>
+            </a:r>
+            <a:endParaRPr lang="ru-RU" dirty="0">
+              <a:solidFill>
+                <a:schemeClr val="tx1">
+                  <a:lumMod val="75000"/>
+                  <a:lumOff val="25000"/>
+                </a:schemeClr>
+              </a:solidFill>
+            </a:endParaRPr>
+          </a:p>
+          <a:p>
+            <a:r>
+              <a:rPr lang="ru-RU" dirty="0">
+                <a:solidFill>
+                  <a:schemeClr val="tx1">
+                    <a:lumMod val="75000"/>
+                    <a:lumOff val="25000"/>
+                  </a:schemeClr>
+                </a:solidFill>
+              </a:rPr>
               <a:t>Вид права пользования участком,</a:t>
             </a:r>
           </a:p>
@@ -4943,8 +5122,27 @@
                   </a:schemeClr>
                 </a:solidFill>
               </a:rPr>
-              <a:t>Приложенные к заявлению документы,</a:t>
-            </a:r>
+              <a:t>Приложенные к заявлению документы</a:t>
+            </a:r>
+            <a:r>
+              <a:rPr lang="ru-RU" dirty="0" smtClean="0">
+                <a:solidFill>
+                  <a:schemeClr val="tx1">
+                    <a:lumMod val="75000"/>
+                    <a:lumOff val="25000"/>
+                  </a:schemeClr>
+                </a:solidFill>
+              </a:rPr>
+              <a:t>,</a:t>
+            </a:r>
+            <a:endParaRPr lang="ru-RU" dirty="0">
+              <a:solidFill>
+                <a:schemeClr val="tx1">
+                  <a:lumMod val="75000"/>
+                  <a:lumOff val="25000"/>
+                </a:schemeClr>
+              </a:solidFill>
+            </a:endParaRPr>
           </a:p>
           <a:p>
             <a:r>
@@ -5402,15 +5600,15 @@
         </p:nvSpPr>
         <p:spPr>
           <a:xfrm>
-            <a:off x="446822" y="3651717"/>
-            <a:ext cx="6096000" cy="1729704"/>
+            <a:off x="446821" y="3651717"/>
+            <a:ext cx="6398595" cy="1934376"/>
           </a:xfrm>
           <a:prstGeom prst="rect">
             <a:avLst/>
           </a:prstGeom>
         </p:spPr>
         <p:txBody>
-          <a:bodyPr>
+          <a:bodyPr wrap="square">
             <a:spAutoFit/>
           </a:bodyPr>
           <a:lstStyle/>
@@ -5435,8 +5633,33 @@
                 <a:ea typeface="+mj-ea"/>
                 <a:cs typeface="+mj-cs"/>
               </a:rPr>
-              <a:t>Логика при выполнении запроса:</a:t>
-            </a:r>
+              <a:t>Логика при выполнении запроса</a:t>
+            </a:r>
+            <a:r>
+              <a:rPr lang="ru-RU" sz="1900" dirty="0" smtClean="0">
+                <a:solidFill>
+                  <a:schemeClr val="tx1">
+                    <a:lumMod val="75000"/>
+                    <a:lumOff val="25000"/>
+                  </a:schemeClr>
+                </a:solidFill>
+                <a:latin typeface="+mj-lt"/>
+                <a:ea typeface="+mj-ea"/>
+                <a:cs typeface="+mj-cs"/>
+              </a:rPr>
+              <a:t>:</a:t>
+            </a:r>
+            <a:endParaRPr lang="ru-RU" sz="1900" dirty="0">
+              <a:solidFill>
+                <a:schemeClr val="tx1">
+                  <a:lumMod val="75000"/>
+                  <a:lumOff val="25000"/>
+                </a:schemeClr>
+              </a:solidFill>
+              <a:latin typeface="+mj-lt"/>
+              <a:ea typeface="+mj-ea"/>
+              <a:cs typeface="+mj-cs"/>
+            </a:endParaRPr>
           </a:p>
           <a:p>
             <a:pPr marL="342900" indent="-342900" algn="just">
@@ -5461,8 +5684,87 @@
                 <a:ea typeface="+mj-ea"/>
                 <a:cs typeface="+mj-cs"/>
               </a:rPr>
-              <a:t>Проверка заполнения обязательных полей, подписан ли документ заявления.</a:t>
-            </a:r>
+              <a:t>Проверка заполнения </a:t>
+            </a:r>
+            <a:r>
+              <a:rPr lang="ru-RU" sz="1900" dirty="0" smtClean="0">
+                <a:solidFill>
+                  <a:schemeClr val="tx1">
+                    <a:lumMod val="75000"/>
+                    <a:lumOff val="25000"/>
+                  </a:schemeClr>
+                </a:solidFill>
+                <a:latin typeface="+mj-lt"/>
+                <a:ea typeface="+mj-ea"/>
+                <a:cs typeface="+mj-cs"/>
+              </a:rPr>
+              <a:t>обязательных </a:t>
+            </a:r>
+            <a:r>
+              <a:rPr lang="ru-RU" sz="1900" dirty="0">
+                <a:solidFill>
+                  <a:schemeClr val="tx1">
+                    <a:lumMod val="75000"/>
+                    <a:lumOff val="25000"/>
+                  </a:schemeClr>
+                </a:solidFill>
+                <a:latin typeface="+mj-lt"/>
+                <a:ea typeface="+mj-ea"/>
+                <a:cs typeface="+mj-cs"/>
+              </a:rPr>
+              <a:t>полей, подписан ли документ заявления</a:t>
+            </a:r>
+            <a:r>
+              <a:rPr lang="ru-RU" sz="1900" dirty="0" smtClean="0">
+                <a:solidFill>
+                  <a:schemeClr val="tx1">
+                    <a:lumMod val="75000"/>
+                    <a:lumOff val="25000"/>
+                  </a:schemeClr>
+                </a:solidFill>
+                <a:latin typeface="+mj-lt"/>
+                <a:ea typeface="+mj-ea"/>
+                <a:cs typeface="+mj-cs"/>
+              </a:rPr>
+              <a:t>.</a:t>
+            </a:r>
+          </a:p>
+          <a:p>
+            <a:pPr marL="342900" indent="-342900" algn="just">
+              <a:lnSpc>
+                <a:spcPct val="70000"/>
+              </a:lnSpc>
+              <a:spcBef>
+                <a:spcPct val="0"/>
+              </a:spcBef>
+              <a:buFont typeface="Arial" panose="020B0604020202020204" pitchFamily="34" charset="0"/>
+              <a:buChar char="•"/>
+            </a:pPr>
+            <a:r>
+              <a:rPr lang="ru-RU" sz="1900" dirty="0" smtClean="0">
+                <a:solidFill>
+                  <a:schemeClr val="tx1">
+                    <a:lumMod val="75000"/>
+                    <a:lumOff val="25000"/>
+                  </a:schemeClr>
+                </a:solidFill>
+                <a:latin typeface="+mj-lt"/>
+                <a:ea typeface="+mj-ea"/>
+                <a:cs typeface="+mj-cs"/>
+              </a:rPr>
+              <a:t>Проверка не забронирован ли запрашиваемый участок</a:t>
+            </a:r>
+            <a:endParaRPr lang="ru-RU" sz="1900" dirty="0">
+              <a:solidFill>
+                <a:schemeClr val="tx1">
+                  <a:lumMod val="75000"/>
+                  <a:lumOff val="25000"/>
+                </a:schemeClr>
+              </a:solidFill>
+              <a:latin typeface="+mj-lt"/>
+              <a:ea typeface="+mj-ea"/>
+              <a:cs typeface="+mj-cs"/>
+            </a:endParaRPr>
           </a:p>
           <a:p>
             <a:pPr marL="342900" indent="-342900" algn="just">
@@ -6126,7 +6428,7 @@
               <a:t>id </a:t>
             </a:r>
             <a:r>
-              <a:rPr lang="ru-RU" sz="1900" dirty="0">
+              <a:rPr lang="ru-RU" sz="1900" dirty="0" smtClean="0">
                 <a:solidFill>
                   <a:schemeClr val="tx1">
                     <a:lumMod val="75000"/>
@@ -6137,8 +6439,19 @@
                 <a:ea typeface="+mj-ea"/>
                 <a:cs typeface="+mj-cs"/>
               </a:rPr>
-              <a:t>получается.</a:t>
-            </a:r>
+              <a:t>получателя.</a:t>
+            </a:r>
+            <a:endParaRPr lang="ru-RU" sz="1900" dirty="0">
+              <a:solidFill>
+                <a:schemeClr val="tx1">
+                  <a:lumMod val="75000"/>
+                  <a:lumOff val="25000"/>
+                </a:schemeClr>
+              </a:solidFill>
+              <a:latin typeface="+mj-lt"/>
+              <a:ea typeface="+mj-ea"/>
+              <a:cs typeface="+mj-cs"/>
+            </a:endParaRPr>
           </a:p>
           <a:p>
             <a:pPr marL="342900" indent="-342900" algn="just">
@@ -9442,7 +9755,7 @@
         </p:nvSpPr>
         <p:spPr>
           <a:xfrm>
-            <a:off x="301123" y="2296691"/>
+            <a:off x="301123" y="2857912"/>
             <a:ext cx="9891501" cy="2574056"/>
           </a:xfrm>
           <a:prstGeom prst="rect">
@@ -9665,8 +9978,38 @@
                   </a:schemeClr>
                 </a:solidFill>
               </a:rPr>
-              <a:t>: сократить время для работы над заявлением (предоставления услуги).</a:t>
-            </a:r>
+              <a:t>: сократить время для работы над заявлением (предоставления услуги</a:t>
+            </a:r>
+            <a:r>
+              <a:rPr lang="ru-RU" sz="1800" dirty="0" smtClean="0">
+                <a:solidFill>
+                  <a:schemeClr val="tx1">
+                    <a:lumMod val="75000"/>
+                    <a:lumOff val="25000"/>
+                  </a:schemeClr>
+                </a:solidFill>
+              </a:rPr>
+              <a:t>). </a:t>
+            </a:r>
+            <a:r>
+              <a:rPr lang="ru-RU" sz="1800" dirty="0" smtClean="0">
+                <a:solidFill>
+                  <a:schemeClr val="tx1">
+                    <a:lumMod val="75000"/>
+                    <a:lumOff val="25000"/>
+                  </a:schemeClr>
+                </a:solidFill>
+              </a:rPr>
+              <a:t>На всех этапах работы с заявлением (От формирования заявления, то вынесения итогового документа)</a:t>
+            </a:r>
+            <a:endParaRPr lang="ru-RU" sz="1800" dirty="0">
+              <a:solidFill>
+                <a:schemeClr val="tx1">
+                  <a:lumMod val="75000"/>
+                  <a:lumOff val="25000"/>
+                </a:schemeClr>
+              </a:solidFill>
+            </a:endParaRPr>
           </a:p>
           <a:p>
             <a:pPr algn="l"/>
@@ -10273,13 +10616,7 @@
       </p:sp>
       <p:pic>
         <p:nvPicPr>
-          <p:cNvPr id="3" name="Рисунок 2">
-            <a:extLst>
-              <a:ext uri="{FF2B5EF4-FFF2-40B4-BE49-F238E27FC236}">
-                <a16:creationId xmlns:a16="http://schemas.microsoft.com/office/drawing/2014/main" id="{03484450-2D57-FBCC-AB47-DAAA8D80577C}"/>
-              </a:ext>
-            </a:extLst>
-          </p:cNvPr>
+          <p:cNvPr id="5" name="Рисунок 4"/>
           <p:cNvPicPr>
             <a:picLocks noChangeAspect="1"/>
           </p:cNvPicPr>
@@ -10293,8 +10630,8 @@
         </p:blipFill>
         <p:spPr>
           <a:xfrm>
-            <a:off x="1927985" y="651053"/>
-            <a:ext cx="7819863" cy="6206947"/>
+            <a:off x="1958930" y="617517"/>
+            <a:ext cx="7805856" cy="6229140"/>
           </a:xfrm>
           <a:prstGeom prst="rect">
             <a:avLst/>
@@ -10319,7 +10656,7 @@
   <a:themeElements>
     <a:clrScheme name="Стандартная">
       <a:dk1>
-        <a:sysClr val="windowText" lastClr="303030"/>
+        <a:sysClr val="windowText" lastClr="000000"/>
       </a:dk1>
       <a:lt1>
         <a:sysClr val="window" lastClr="FFFFFF"/>

--- a/Презентация диплома.pptx
+++ b/Презентация диплома.pptx
@@ -9279,7 +9279,7 @@
         <p:spPr>
           <a:xfrm>
             <a:off x="6837629" y="5299784"/>
-            <a:ext cx="4915423" cy="646331"/>
+            <a:ext cx="5267685" cy="646331"/>
           </a:xfrm>
           <a:prstGeom prst="rect">
             <a:avLst/>
@@ -9300,8 +9300,49 @@
                   </a:schemeClr>
                 </a:solidFill>
               </a:rPr>
-              <a:t>Приказ о предоставлении лесного участка в пользование</a:t>
-            </a:r>
+              <a:t>Приказ о предоставлении лесного участка в </a:t>
+            </a:r>
+            <a:r>
+              <a:rPr lang="ru-RU" dirty="0" smtClean="0">
+                <a:solidFill>
+                  <a:schemeClr val="tx1">
+                    <a:lumMod val="75000"/>
+                    <a:lumOff val="25000"/>
+                  </a:schemeClr>
+                </a:solidFill>
+              </a:rPr>
+              <a:t>пользование</a:t>
+            </a:r>
+            <a:r>
+              <a:rPr lang="en-US" dirty="0" smtClean="0">
+                <a:solidFill>
+                  <a:schemeClr val="tx1">
+                    <a:lumMod val="75000"/>
+                    <a:lumOff val="25000"/>
+                  </a:schemeClr>
+                </a:solidFill>
+              </a:rPr>
+              <a:t>; </a:t>
+            </a:r>
+            <a:r>
+              <a:rPr lang="ru-RU" dirty="0" smtClean="0">
+                <a:solidFill>
+                  <a:schemeClr val="tx1">
+                    <a:lumMod val="75000"/>
+                    <a:lumOff val="25000"/>
+                  </a:schemeClr>
+                </a:solidFill>
+              </a:rPr>
+              <a:t>Договор или Акт приёма передачи</a:t>
+            </a:r>
+            <a:endParaRPr lang="ru-RU" dirty="0">
+              <a:solidFill>
+                <a:schemeClr val="tx1">
+                  <a:lumMod val="75000"/>
+                  <a:lumOff val="25000"/>
+                </a:schemeClr>
+              </a:solidFill>
+            </a:endParaRPr>
           </a:p>
         </p:txBody>
       </p:sp>
@@ -9362,6 +9403,17 @@
           <a:lstStyle/>
           <a:p>
             <a:r>
+              <a:rPr lang="ru-RU" dirty="0" smtClean="0">
+                <a:solidFill>
+                  <a:schemeClr val="tx1">
+                    <a:lumMod val="75000"/>
+                    <a:lumOff val="25000"/>
+                  </a:schemeClr>
+                </a:solidFill>
+              </a:rPr>
+              <a:t>Заявление </a:t>
+            </a:r>
+            <a:r>
               <a:rPr lang="ru-RU" dirty="0">
                 <a:solidFill>
                   <a:schemeClr val="tx1">
@@ -9370,7 +9422,7 @@
                   </a:schemeClr>
                 </a:solidFill>
               </a:rPr>
-              <a:t>заявление на предварительное согласование лесного участка</a:t>
+              <a:t>на предварительное согласование лесного участка</a:t>
             </a:r>
             <a:r>
               <a:rPr lang="en-US" dirty="0">
@@ -9796,14 +9848,19 @@
                   </a:schemeClr>
                 </a:solidFill>
               </a:rPr>
-              <a:t>Задачи:</a:t>
-            </a:r>
-          </a:p>
-          <a:p>
-            <a:pPr marL="342900" indent="-342900" algn="l">
-              <a:buFont typeface="Arial" panose="020B0604020202020204" pitchFamily="34" charset="0"/>
-              <a:buChar char="•"/>
-            </a:pPr>
+              <a:t>Задачи</a:t>
+            </a:r>
+            <a:r>
+              <a:rPr lang="ru-RU" sz="2200" b="1" dirty="0" smtClean="0">
+                <a:solidFill>
+                  <a:schemeClr val="tx1">
+                    <a:lumMod val="75000"/>
+                    <a:lumOff val="25000"/>
+                  </a:schemeClr>
+                </a:solidFill>
+              </a:rPr>
+              <a:t>:</a:t>
+            </a:r>
             <a:endParaRPr lang="ru-RU" sz="2200" b="1" dirty="0">
               <a:solidFill>
                 <a:schemeClr val="tx1">
@@ -9926,8 +9983,8 @@
         </p:nvSpPr>
         <p:spPr>
           <a:xfrm>
-            <a:off x="301123" y="844160"/>
-            <a:ext cx="8853121" cy="1232467"/>
+            <a:off x="301123" y="844161"/>
+            <a:ext cx="8853121" cy="967548"/>
           </a:xfrm>
           <a:prstGeom prst="rect">
             <a:avLst/>
@@ -9989,18 +10046,7 @@
                   </a:schemeClr>
                 </a:solidFill>
               </a:rPr>
-              <a:t>). </a:t>
-            </a:r>
-            <a:r>
-              <a:rPr lang="ru-RU" sz="1800" dirty="0" smtClean="0">
-                <a:solidFill>
-                  <a:schemeClr val="tx1">
-                    <a:lumMod val="75000"/>
-                    <a:lumOff val="25000"/>
-                  </a:schemeClr>
-                </a:solidFill>
-              </a:rPr>
-              <a:t>На всех этапах работы с заявлением (От формирования заявления, то вынесения итогового документа)</a:t>
+              <a:t>). На всех этапах работы с заявлением (От формирования заявления, то вынесения итогового документа)</a:t>
             </a:r>
             <a:endParaRPr lang="ru-RU" sz="1800" dirty="0">
               <a:solidFill>
@@ -10616,7 +10662,7 @@
       </p:sp>
       <p:pic>
         <p:nvPicPr>
-          <p:cNvPr id="5" name="Рисунок 4"/>
+          <p:cNvPr id="2" name="Рисунок 1"/>
           <p:cNvPicPr>
             <a:picLocks noChangeAspect="1"/>
           </p:cNvPicPr>
@@ -10630,8 +10676,8 @@
         </p:blipFill>
         <p:spPr>
           <a:xfrm>
-            <a:off x="1958930" y="617517"/>
-            <a:ext cx="7805856" cy="6229140"/>
+            <a:off x="1939663" y="658141"/>
+            <a:ext cx="7791566" cy="6199859"/>
           </a:xfrm>
           <a:prstGeom prst="rect">
             <a:avLst/>

--- a/Презентация диплома.pptx
+++ b/Презентация диплома.pptx
@@ -3099,6 +3099,17 @@
           <a:p>
             <a:pPr algn="l"/>
             <a:r>
+              <a:rPr lang="ru-RU" sz="2000" dirty="0" smtClean="0">
+                <a:solidFill>
+                  <a:schemeClr val="tx1">
+                    <a:lumMod val="75000"/>
+                    <a:lumOff val="25000"/>
+                  </a:schemeClr>
+                </a:solidFill>
+              </a:rPr>
+              <a:t>Выполнил: Каспшицкий </a:t>
+            </a:r>
+            <a:r>
               <a:rPr lang="ru-RU" sz="2000" dirty="0">
                 <a:solidFill>
                   <a:schemeClr val="tx1">
@@ -3107,19 +3118,11 @@
                   </a:schemeClr>
                 </a:solidFill>
               </a:rPr>
-              <a:t>24.05.2024</a:t>
-            </a:r>
-            <a:r>
-              <a:rPr lang="en-US" sz="2000" dirty="0">
-                <a:solidFill>
-                  <a:schemeClr val="tx1">
-                    <a:lumMod val="75000"/>
-                    <a:lumOff val="25000"/>
-                  </a:schemeClr>
-                </a:solidFill>
-              </a:rPr>
-              <a:t> / </a:t>
-            </a:r>
+              <a:t>Алексей Александрович </a:t>
+            </a:r>
+          </a:p>
+          <a:p>
+            <a:pPr algn="l"/>
             <a:r>
               <a:rPr lang="ru-RU" sz="2000" dirty="0">
                 <a:solidFill>
@@ -3129,22 +3132,96 @@
                   </a:schemeClr>
                 </a:solidFill>
               </a:rPr>
-              <a:t>Каспшицкий Алексей Александрович </a:t>
+              <a:t>Научный </a:t>
+            </a:r>
+            <a:r>
+              <a:rPr lang="ru-RU" sz="2000" dirty="0" smtClean="0">
+                <a:solidFill>
+                  <a:schemeClr val="tx1">
+                    <a:lumMod val="75000"/>
+                    <a:lumOff val="25000"/>
+                  </a:schemeClr>
+                </a:solidFill>
+              </a:rPr>
+              <a:t>руководитель от </a:t>
+            </a:r>
+            <a:r>
+              <a:rPr lang="ru-RU" sz="2000" dirty="0" err="1" smtClean="0">
+                <a:solidFill>
+                  <a:schemeClr val="tx1">
+                    <a:lumMod val="75000"/>
+                    <a:lumOff val="25000"/>
+                  </a:schemeClr>
+                </a:solidFill>
+              </a:rPr>
+              <a:t>ТюмГУ</a:t>
+            </a:r>
+            <a:r>
+              <a:rPr lang="ru-RU" sz="2000" dirty="0" smtClean="0">
+                <a:solidFill>
+                  <a:schemeClr val="tx1">
+                    <a:lumMod val="75000"/>
+                    <a:lumOff val="25000"/>
+                  </a:schemeClr>
+                </a:solidFill>
+              </a:rPr>
+              <a:t>: </a:t>
+            </a:r>
+            <a:r>
+              <a:rPr lang="ru-RU" sz="2000" dirty="0">
+                <a:solidFill>
+                  <a:schemeClr val="tx1">
+                    <a:lumMod val="75000"/>
+                    <a:lumOff val="25000"/>
+                  </a:schemeClr>
+                </a:solidFill>
+              </a:rPr>
+              <a:t>Ивашко Александр Григорьевич, д.т.н., </a:t>
+            </a:r>
+            <a:r>
+              <a:rPr lang="ru-RU" sz="2000" dirty="0" smtClean="0">
+                <a:solidFill>
+                  <a:schemeClr val="tx1">
+                    <a:lumMod val="75000"/>
+                    <a:lumOff val="25000"/>
+                  </a:schemeClr>
+                </a:solidFill>
+              </a:rPr>
+              <a:t>профессор</a:t>
             </a:r>
           </a:p>
           <a:p>
             <a:pPr algn="l"/>
             <a:r>
-              <a:rPr lang="ru-RU" sz="2000" dirty="0">
-                <a:solidFill>
-                  <a:schemeClr val="tx1">
-                    <a:lumMod val="75000"/>
-                    <a:lumOff val="25000"/>
-                  </a:schemeClr>
-                </a:solidFill>
-              </a:rPr>
-              <a:t>Научный руководитель: Ивашко Александр Григорьевич, д.т.н., профессор</a:t>
-            </a:r>
+              <a:rPr lang="ru-RU" sz="2000" dirty="0" smtClean="0">
+                <a:solidFill>
+                  <a:schemeClr val="tx1">
+                    <a:lumMod val="75000"/>
+                    <a:lumOff val="25000"/>
+                  </a:schemeClr>
+                </a:solidFill>
+              </a:rPr>
+              <a:t>Руководитель от предприятия: Ткаченко </a:t>
+            </a:r>
+            <a:r>
+              <a:rPr lang="ru-RU" sz="2000" smtClean="0">
+                <a:solidFill>
+                  <a:schemeClr val="tx1">
+                    <a:lumMod val="75000"/>
+                    <a:lumOff val="25000"/>
+                  </a:schemeClr>
+                </a:solidFill>
+              </a:rPr>
+              <a:t>Иван Николаевич</a:t>
+            </a:r>
+            <a:endParaRPr lang="ru-RU" sz="2000" dirty="0">
+              <a:solidFill>
+                <a:schemeClr val="tx1">
+                  <a:lumMod val="75000"/>
+                  <a:lumOff val="25000"/>
+                </a:schemeClr>
+              </a:solidFill>
+            </a:endParaRPr>
           </a:p>
           <a:p>
             <a:pPr algn="l"/>

--- a/Презентация диплома.pptx
+++ b/Презентация диплома.pptx
@@ -258,7 +258,7 @@
           <a:p>
             <a:fld id="{D4804C8C-A16D-40ED-B7C8-20CC6A7D0227}" type="datetimeFigureOut">
               <a:rPr lang="ru-RU" smtClean="0"/>
-              <a:t>24.05.2024</a:t>
+              <a:t>04.06.2024</a:t>
             </a:fld>
             <a:endParaRPr lang="ru-RU"/>
           </a:p>
@@ -426,7 +426,7 @@
           <a:p>
             <a:fld id="{D4804C8C-A16D-40ED-B7C8-20CC6A7D0227}" type="datetimeFigureOut">
               <a:rPr lang="ru-RU" smtClean="0"/>
-              <a:t>24.05.2024</a:t>
+              <a:t>04.06.2024</a:t>
             </a:fld>
             <a:endParaRPr lang="ru-RU"/>
           </a:p>
@@ -604,7 +604,7 @@
           <a:p>
             <a:fld id="{D4804C8C-A16D-40ED-B7C8-20CC6A7D0227}" type="datetimeFigureOut">
               <a:rPr lang="ru-RU" smtClean="0"/>
-              <a:t>24.05.2024</a:t>
+              <a:t>04.06.2024</a:t>
             </a:fld>
             <a:endParaRPr lang="ru-RU"/>
           </a:p>
@@ -772,7 +772,7 @@
           <a:p>
             <a:fld id="{D4804C8C-A16D-40ED-B7C8-20CC6A7D0227}" type="datetimeFigureOut">
               <a:rPr lang="ru-RU" smtClean="0"/>
-              <a:t>24.05.2024</a:t>
+              <a:t>04.06.2024</a:t>
             </a:fld>
             <a:endParaRPr lang="ru-RU"/>
           </a:p>
@@ -1017,7 +1017,7 @@
           <a:p>
             <a:fld id="{D4804C8C-A16D-40ED-B7C8-20CC6A7D0227}" type="datetimeFigureOut">
               <a:rPr lang="ru-RU" smtClean="0"/>
-              <a:t>24.05.2024</a:t>
+              <a:t>04.06.2024</a:t>
             </a:fld>
             <a:endParaRPr lang="ru-RU"/>
           </a:p>
@@ -1246,7 +1246,7 @@
           <a:p>
             <a:fld id="{D4804C8C-A16D-40ED-B7C8-20CC6A7D0227}" type="datetimeFigureOut">
               <a:rPr lang="ru-RU" smtClean="0"/>
-              <a:t>24.05.2024</a:t>
+              <a:t>04.06.2024</a:t>
             </a:fld>
             <a:endParaRPr lang="ru-RU"/>
           </a:p>
@@ -1610,7 +1610,7 @@
           <a:p>
             <a:fld id="{D4804C8C-A16D-40ED-B7C8-20CC6A7D0227}" type="datetimeFigureOut">
               <a:rPr lang="ru-RU" smtClean="0"/>
-              <a:t>24.05.2024</a:t>
+              <a:t>04.06.2024</a:t>
             </a:fld>
             <a:endParaRPr lang="ru-RU"/>
           </a:p>
@@ -1727,7 +1727,7 @@
           <a:p>
             <a:fld id="{D4804C8C-A16D-40ED-B7C8-20CC6A7D0227}" type="datetimeFigureOut">
               <a:rPr lang="ru-RU" smtClean="0"/>
-              <a:t>24.05.2024</a:t>
+              <a:t>04.06.2024</a:t>
             </a:fld>
             <a:endParaRPr lang="ru-RU"/>
           </a:p>
@@ -1822,7 +1822,7 @@
           <a:p>
             <a:fld id="{D4804C8C-A16D-40ED-B7C8-20CC6A7D0227}" type="datetimeFigureOut">
               <a:rPr lang="ru-RU" smtClean="0"/>
-              <a:t>24.05.2024</a:t>
+              <a:t>04.06.2024</a:t>
             </a:fld>
             <a:endParaRPr lang="ru-RU"/>
           </a:p>
@@ -2097,7 +2097,7 @@
           <a:p>
             <a:fld id="{D4804C8C-A16D-40ED-B7C8-20CC6A7D0227}" type="datetimeFigureOut">
               <a:rPr lang="ru-RU" smtClean="0"/>
-              <a:t>24.05.2024</a:t>
+              <a:t>04.06.2024</a:t>
             </a:fld>
             <a:endParaRPr lang="ru-RU"/>
           </a:p>
@@ -2349,7 +2349,7 @@
           <a:p>
             <a:fld id="{D4804C8C-A16D-40ED-B7C8-20CC6A7D0227}" type="datetimeFigureOut">
               <a:rPr lang="ru-RU" smtClean="0"/>
-              <a:t>24.05.2024</a:t>
+              <a:t>04.06.2024</a:t>
             </a:fld>
             <a:endParaRPr lang="ru-RU"/>
           </a:p>
@@ -2560,7 +2560,7 @@
           <a:p>
             <a:fld id="{D4804C8C-A16D-40ED-B7C8-20CC6A7D0227}" type="datetimeFigureOut">
               <a:rPr lang="ru-RU" smtClean="0"/>
-              <a:t>24.05.2024</a:t>
+              <a:t>04.06.2024</a:t>
             </a:fld>
             <a:endParaRPr lang="ru-RU"/>
           </a:p>
@@ -3099,17 +3099,6 @@
           <a:p>
             <a:pPr algn="l"/>
             <a:r>
-              <a:rPr lang="ru-RU" sz="2000" dirty="0" smtClean="0">
-                <a:solidFill>
-                  <a:schemeClr val="tx1">
-                    <a:lumMod val="75000"/>
-                    <a:lumOff val="25000"/>
-                  </a:schemeClr>
-                </a:solidFill>
-              </a:rPr>
-              <a:t>Выполнил: Каспшицкий </a:t>
-            </a:r>
-            <a:r>
               <a:rPr lang="ru-RU" sz="2000" dirty="0">
                 <a:solidFill>
                   <a:schemeClr val="tx1">
@@ -3118,7 +3107,7 @@
                   </a:schemeClr>
                 </a:solidFill>
               </a:rPr>
-              <a:t>Алексей Александрович </a:t>
+              <a:t>Выполнил: Каспшицкий Алексей Александрович </a:t>
             </a:r>
           </a:p>
           <a:p>
@@ -3132,21 +3121,10 @@
                   </a:schemeClr>
                 </a:solidFill>
               </a:rPr>
-              <a:t>Научный </a:t>
-            </a:r>
-            <a:r>
-              <a:rPr lang="ru-RU" sz="2000" dirty="0" smtClean="0">
-                <a:solidFill>
-                  <a:schemeClr val="tx1">
-                    <a:lumMod val="75000"/>
-                    <a:lumOff val="25000"/>
-                  </a:schemeClr>
-                </a:solidFill>
-              </a:rPr>
-              <a:t>руководитель от </a:t>
-            </a:r>
-            <a:r>
-              <a:rPr lang="ru-RU" sz="2000" dirty="0" err="1" smtClean="0">
+              <a:t>Научный руководитель от </a:t>
+            </a:r>
+            <a:r>
+              <a:rPr lang="ru-RU" sz="2000" dirty="0" err="1">
                 <a:solidFill>
                   <a:schemeClr val="tx1">
                     <a:lumMod val="75000"/>
@@ -3157,17 +3135,6 @@
               <a:t>ТюмГУ</a:t>
             </a:r>
             <a:r>
-              <a:rPr lang="ru-RU" sz="2000" dirty="0" smtClean="0">
-                <a:solidFill>
-                  <a:schemeClr val="tx1">
-                    <a:lumMod val="75000"/>
-                    <a:lumOff val="25000"/>
-                  </a:schemeClr>
-                </a:solidFill>
-              </a:rPr>
-              <a:t>: </a:t>
-            </a:r>
-            <a:r>
               <a:rPr lang="ru-RU" sz="2000" dirty="0">
                 <a:solidFill>
                   <a:schemeClr val="tx1">
@@ -3176,52 +3143,22 @@
                   </a:schemeClr>
                 </a:solidFill>
               </a:rPr>
-              <a:t>Ивашко Александр Григорьевич, д.т.н., </a:t>
-            </a:r>
-            <a:r>
-              <a:rPr lang="ru-RU" sz="2000" dirty="0" smtClean="0">
-                <a:solidFill>
-                  <a:schemeClr val="tx1">
-                    <a:lumMod val="75000"/>
-                    <a:lumOff val="25000"/>
-                  </a:schemeClr>
-                </a:solidFill>
-              </a:rPr>
-              <a:t>профессор</a:t>
+              <a:t>: Ивашко Александр Григорьевич, д.т.н., профессор</a:t>
             </a:r>
           </a:p>
           <a:p>
             <a:pPr algn="l"/>
             <a:r>
-              <a:rPr lang="ru-RU" sz="2000" dirty="0" smtClean="0">
-                <a:solidFill>
-                  <a:schemeClr val="tx1">
-                    <a:lumMod val="75000"/>
-                    <a:lumOff val="25000"/>
-                  </a:schemeClr>
-                </a:solidFill>
-              </a:rPr>
-              <a:t>Руководитель от предприятия: Ткаченко </a:t>
-            </a:r>
-            <a:r>
-              <a:rPr lang="ru-RU" sz="2000" smtClean="0">
-                <a:solidFill>
-                  <a:schemeClr val="tx1">
-                    <a:lumMod val="75000"/>
-                    <a:lumOff val="25000"/>
-                  </a:schemeClr>
-                </a:solidFill>
-              </a:rPr>
-              <a:t>Иван Николаевич</a:t>
-            </a:r>
-            <a:endParaRPr lang="ru-RU" sz="2000" dirty="0">
-              <a:solidFill>
-                <a:schemeClr val="tx1">
-                  <a:lumMod val="75000"/>
-                  <a:lumOff val="25000"/>
-                </a:schemeClr>
-              </a:solidFill>
-            </a:endParaRPr>
+              <a:rPr lang="ru-RU" sz="2000" dirty="0">
+                <a:solidFill>
+                  <a:schemeClr val="tx1">
+                    <a:lumMod val="75000"/>
+                    <a:lumOff val="25000"/>
+                  </a:schemeClr>
+                </a:solidFill>
+              </a:rPr>
+              <a:t>Руководитель от предприятия: Ткаченко Иван Николаевич</a:t>
+            </a:r>
           </a:p>
           <a:p>
             <a:pPr algn="l"/>
@@ -4303,21 +4240,7 @@
                 <a:ea typeface="+mj-ea"/>
                 <a:cs typeface="+mj-cs"/>
               </a:rPr>
-              <a:t>Создать </a:t>
-            </a:r>
-            <a:r>
-              <a:rPr lang="ru-RU" sz="1900" dirty="0" smtClean="0">
-                <a:solidFill>
-                  <a:schemeClr val="tx1">
-                    <a:lumMod val="75000"/>
-                    <a:lumOff val="25000"/>
-                  </a:schemeClr>
-                </a:solidFill>
-                <a:latin typeface="+mj-lt"/>
-                <a:ea typeface="+mj-ea"/>
-                <a:cs typeface="+mj-cs"/>
-              </a:rPr>
-              <a:t>заявление</a:t>
+              <a:t>Создать заявление</a:t>
             </a:r>
             <a:r>
               <a:rPr lang="en-US" sz="1900" dirty="0">
@@ -4368,21 +4291,7 @@
                 <a:ea typeface="+mj-ea"/>
                 <a:cs typeface="+mj-cs"/>
               </a:rPr>
-              <a:t>Установить статус </a:t>
-            </a:r>
-            <a:r>
-              <a:rPr lang="ru-RU" sz="1900" dirty="0" smtClean="0">
-                <a:solidFill>
-                  <a:schemeClr val="tx1">
-                    <a:lumMod val="75000"/>
-                    <a:lumOff val="25000"/>
-                  </a:schemeClr>
-                </a:solidFill>
-                <a:latin typeface="+mj-lt"/>
-                <a:ea typeface="+mj-ea"/>
-                <a:cs typeface="+mj-cs"/>
-              </a:rPr>
-              <a:t>черновик</a:t>
+              <a:t>Установить статус черновик</a:t>
             </a:r>
             <a:r>
               <a:rPr lang="en-US" sz="1900" dirty="0">
@@ -4433,21 +4342,7 @@
                 <a:ea typeface="+mj-ea"/>
                 <a:cs typeface="+mj-cs"/>
               </a:rPr>
-              <a:t>Пред заполнить </a:t>
-            </a:r>
-            <a:r>
-              <a:rPr lang="ru-RU" sz="1900" dirty="0" smtClean="0">
-                <a:solidFill>
-                  <a:schemeClr val="tx1">
-                    <a:lumMod val="75000"/>
-                    <a:lumOff val="25000"/>
-                  </a:schemeClr>
-                </a:solidFill>
-                <a:latin typeface="+mj-lt"/>
-                <a:ea typeface="+mj-ea"/>
-                <a:cs typeface="+mj-cs"/>
-              </a:rPr>
-              <a:t>информацию</a:t>
+              <a:t>Пред заполнить информацию</a:t>
             </a:r>
             <a:r>
               <a:rPr lang="en-US" sz="1900" dirty="0">
@@ -5098,27 +4993,8 @@
                   </a:schemeClr>
                 </a:solidFill>
               </a:rPr>
-              <a:t>Представитель</a:t>
-            </a:r>
-            <a:r>
-              <a:rPr lang="ru-RU" dirty="0" smtClean="0">
-                <a:solidFill>
-                  <a:schemeClr val="tx1">
-                    <a:lumMod val="75000"/>
-                    <a:lumOff val="25000"/>
-                  </a:schemeClr>
-                </a:solidFill>
-              </a:rPr>
-              <a:t>,</a:t>
-            </a:r>
-            <a:endParaRPr lang="ru-RU" dirty="0">
-              <a:solidFill>
-                <a:schemeClr val="tx1">
-                  <a:lumMod val="75000"/>
-                  <a:lumOff val="25000"/>
-                </a:schemeClr>
-              </a:solidFill>
-            </a:endParaRPr>
+              <a:t>Представитель,</a:t>
+            </a:r>
           </a:p>
           <a:p>
             <a:r>
@@ -5130,18 +5006,7 @@
                   </a:schemeClr>
                 </a:solidFill>
               </a:rPr>
-              <a:t>Земельный участок</a:t>
-            </a:r>
-            <a:r>
-              <a:rPr lang="ru-RU" dirty="0" smtClean="0">
-                <a:solidFill>
-                  <a:schemeClr val="tx1">
-                    <a:lumMod val="75000"/>
-                    <a:lumOff val="25000"/>
-                  </a:schemeClr>
-                </a:solidFill>
-              </a:rPr>
-              <a:t>,</a:t>
+              <a:t>Земельный участок,</a:t>
             </a:r>
           </a:p>
           <a:p>
@@ -5154,27 +5019,8 @@
                   </a:schemeClr>
                 </a:solidFill>
               </a:rPr>
-              <a:t>Оказываемая </a:t>
-            </a:r>
-            <a:r>
-              <a:rPr lang="ru-RU" dirty="0" smtClean="0">
-                <a:solidFill>
-                  <a:schemeClr val="tx1">
-                    <a:lumMod val="75000"/>
-                    <a:lumOff val="25000"/>
-                  </a:schemeClr>
-                </a:solidFill>
-              </a:rPr>
-              <a:t>услуга,</a:t>
-            </a:r>
-            <a:endParaRPr lang="ru-RU" dirty="0">
-              <a:solidFill>
-                <a:schemeClr val="tx1">
-                  <a:lumMod val="75000"/>
-                  <a:lumOff val="25000"/>
-                </a:schemeClr>
-              </a:solidFill>
-            </a:endParaRPr>
+              <a:t>Оказываемая услуга,</a:t>
+            </a:r>
           </a:p>
           <a:p>
             <a:r>
@@ -5199,27 +5045,8 @@
                   </a:schemeClr>
                 </a:solidFill>
               </a:rPr>
-              <a:t>Приложенные к заявлению документы</a:t>
-            </a:r>
-            <a:r>
-              <a:rPr lang="ru-RU" dirty="0" smtClean="0">
-                <a:solidFill>
-                  <a:schemeClr val="tx1">
-                    <a:lumMod val="75000"/>
-                    <a:lumOff val="25000"/>
-                  </a:schemeClr>
-                </a:solidFill>
-              </a:rPr>
-              <a:t>,</a:t>
-            </a:r>
-            <a:endParaRPr lang="ru-RU" dirty="0">
-              <a:solidFill>
-                <a:schemeClr val="tx1">
-                  <a:lumMod val="75000"/>
-                  <a:lumOff val="25000"/>
-                </a:schemeClr>
-              </a:solidFill>
-            </a:endParaRPr>
+              <a:t>Приложенные к заявлению документы,</a:t>
+            </a:r>
           </a:p>
           <a:p>
             <a:r>
@@ -5710,33 +5537,8 @@
                 <a:ea typeface="+mj-ea"/>
                 <a:cs typeface="+mj-cs"/>
               </a:rPr>
-              <a:t>Логика при выполнении запроса</a:t>
-            </a:r>
-            <a:r>
-              <a:rPr lang="ru-RU" sz="1900" dirty="0" smtClean="0">
-                <a:solidFill>
-                  <a:schemeClr val="tx1">
-                    <a:lumMod val="75000"/>
-                    <a:lumOff val="25000"/>
-                  </a:schemeClr>
-                </a:solidFill>
-                <a:latin typeface="+mj-lt"/>
-                <a:ea typeface="+mj-ea"/>
-                <a:cs typeface="+mj-cs"/>
-              </a:rPr>
-              <a:t>:</a:t>
-            </a:r>
-            <a:endParaRPr lang="ru-RU" sz="1900" dirty="0">
-              <a:solidFill>
-                <a:schemeClr val="tx1">
-                  <a:lumMod val="75000"/>
-                  <a:lumOff val="25000"/>
-                </a:schemeClr>
-              </a:solidFill>
-              <a:latin typeface="+mj-lt"/>
-              <a:ea typeface="+mj-ea"/>
-              <a:cs typeface="+mj-cs"/>
-            </a:endParaRPr>
+              <a:t>Логика при выполнении запроса:</a:t>
+            </a:r>
           </a:p>
           <a:p>
             <a:pPr marL="342900" indent="-342900" algn="just">
@@ -5761,49 +5563,7 @@
                 <a:ea typeface="+mj-ea"/>
                 <a:cs typeface="+mj-cs"/>
               </a:rPr>
-              <a:t>Проверка заполнения </a:t>
-            </a:r>
-            <a:r>
-              <a:rPr lang="ru-RU" sz="1900" dirty="0" smtClean="0">
-                <a:solidFill>
-                  <a:schemeClr val="tx1">
-                    <a:lumMod val="75000"/>
-                    <a:lumOff val="25000"/>
-                  </a:schemeClr>
-                </a:solidFill>
-                <a:latin typeface="+mj-lt"/>
-                <a:ea typeface="+mj-ea"/>
-                <a:cs typeface="+mj-cs"/>
-              </a:rPr>
-              <a:t>обязательных </a:t>
-            </a:r>
-            <a:r>
-              <a:rPr lang="ru-RU" sz="1900" dirty="0">
-                <a:solidFill>
-                  <a:schemeClr val="tx1">
-                    <a:lumMod val="75000"/>
-                    <a:lumOff val="25000"/>
-                  </a:schemeClr>
-                </a:solidFill>
-                <a:latin typeface="+mj-lt"/>
-                <a:ea typeface="+mj-ea"/>
-                <a:cs typeface="+mj-cs"/>
-              </a:rPr>
-              <a:t>полей, подписан ли документ заявления</a:t>
-            </a:r>
-            <a:r>
-              <a:rPr lang="ru-RU" sz="1900" dirty="0" smtClean="0">
-                <a:solidFill>
-                  <a:schemeClr val="tx1">
-                    <a:lumMod val="75000"/>
-                    <a:lumOff val="25000"/>
-                  </a:schemeClr>
-                </a:solidFill>
-                <a:latin typeface="+mj-lt"/>
-                <a:ea typeface="+mj-ea"/>
-                <a:cs typeface="+mj-cs"/>
-              </a:rPr>
-              <a:t>.</a:t>
+              <a:t>Проверка заполнения обязательных полей, подписан ли документ заявления.</a:t>
             </a:r>
           </a:p>
           <a:p>
@@ -5818,7 +5578,7 @@
               <a:buChar char="•"/>
             </a:pPr>
             <a:r>
-              <a:rPr lang="ru-RU" sz="1900" dirty="0" smtClean="0">
+              <a:rPr lang="ru-RU" sz="1900" dirty="0">
                 <a:solidFill>
                   <a:schemeClr val="tx1">
                     <a:lumMod val="75000"/>
@@ -5831,17 +5591,6 @@
               </a:rPr>
               <a:t>Проверка не забронирован ли запрашиваемый участок</a:t>
             </a:r>
-            <a:endParaRPr lang="ru-RU" sz="1900" dirty="0">
-              <a:solidFill>
-                <a:schemeClr val="tx1">
-                  <a:lumMod val="75000"/>
-                  <a:lumOff val="25000"/>
-                </a:schemeClr>
-              </a:solidFill>
-              <a:latin typeface="+mj-lt"/>
-              <a:ea typeface="+mj-ea"/>
-              <a:cs typeface="+mj-cs"/>
-            </a:endParaRPr>
           </a:p>
           <a:p>
             <a:pPr marL="342900" indent="-342900" algn="just">
@@ -6505,7 +6254,7 @@
               <a:t>id </a:t>
             </a:r>
             <a:r>
-              <a:rPr lang="ru-RU" sz="1900" dirty="0" smtClean="0">
+              <a:rPr lang="ru-RU" sz="1900" dirty="0">
                 <a:solidFill>
                   <a:schemeClr val="tx1">
                     <a:lumMod val="75000"/>
@@ -6518,17 +6267,6 @@
               </a:rPr>
               <a:t>получателя.</a:t>
             </a:r>
-            <a:endParaRPr lang="ru-RU" sz="1900" dirty="0">
-              <a:solidFill>
-                <a:schemeClr val="tx1">
-                  <a:lumMod val="75000"/>
-                  <a:lumOff val="25000"/>
-                </a:schemeClr>
-              </a:solidFill>
-              <a:latin typeface="+mj-lt"/>
-              <a:ea typeface="+mj-ea"/>
-              <a:cs typeface="+mj-cs"/>
-            </a:endParaRPr>
           </a:p>
           <a:p>
             <a:pPr marL="342900" indent="-342900" algn="just">
@@ -9320,7 +9058,7 @@
         </p:nvSpPr>
         <p:spPr>
           <a:xfrm>
-            <a:off x="6837629" y="3760313"/>
+            <a:off x="6837629" y="3779224"/>
             <a:ext cx="4055084" cy="369332"/>
           </a:xfrm>
           <a:prstGeom prst="rect">
@@ -9377,21 +9115,10 @@
                   </a:schemeClr>
                 </a:solidFill>
               </a:rPr>
-              <a:t>Приказ о предоставлении лесного участка в </a:t>
-            </a:r>
-            <a:r>
-              <a:rPr lang="ru-RU" dirty="0" smtClean="0">
-                <a:solidFill>
-                  <a:schemeClr val="tx1">
-                    <a:lumMod val="75000"/>
-                    <a:lumOff val="25000"/>
-                  </a:schemeClr>
-                </a:solidFill>
-              </a:rPr>
-              <a:t>пользование</a:t>
-            </a:r>
-            <a:r>
-              <a:rPr lang="en-US" dirty="0" smtClean="0">
+              <a:t>Приказ о предоставлении лесного участка в пользование</a:t>
+            </a:r>
+            <a:r>
+              <a:rPr lang="en-US" dirty="0">
                 <a:solidFill>
                   <a:schemeClr val="tx1">
                     <a:lumMod val="75000"/>
@@ -9402,7 +9129,7 @@
               <a:t>; </a:t>
             </a:r>
             <a:r>
-              <a:rPr lang="ru-RU" dirty="0" smtClean="0">
+              <a:rPr lang="ru-RU" dirty="0">
                 <a:solidFill>
                   <a:schemeClr val="tx1">
                     <a:lumMod val="75000"/>
@@ -9412,14 +9139,6 @@
               </a:rPr>
               <a:t>Договор или Акт приёма передачи</a:t>
             </a:r>
-            <a:endParaRPr lang="ru-RU" dirty="0">
-              <a:solidFill>
-                <a:schemeClr val="tx1">
-                  <a:lumMod val="75000"/>
-                  <a:lumOff val="25000"/>
-                </a:schemeClr>
-              </a:solidFill>
-            </a:endParaRPr>
           </a:p>
         </p:txBody>
       </p:sp>
@@ -9480,17 +9199,6 @@
           <a:lstStyle/>
           <a:p>
             <a:r>
-              <a:rPr lang="ru-RU" dirty="0" smtClean="0">
-                <a:solidFill>
-                  <a:schemeClr val="tx1">
-                    <a:lumMod val="75000"/>
-                    <a:lumOff val="25000"/>
-                  </a:schemeClr>
-                </a:solidFill>
-              </a:rPr>
-              <a:t>Заявление </a:t>
-            </a:r>
-            <a:r>
               <a:rPr lang="ru-RU" dirty="0">
                 <a:solidFill>
                   <a:schemeClr val="tx1">
@@ -9499,7 +9207,7 @@
                   </a:schemeClr>
                 </a:solidFill>
               </a:rPr>
-              <a:t>на предварительное согласование лесного участка</a:t>
+              <a:t>Заявление на предварительное согласование лесного участка</a:t>
             </a:r>
             <a:r>
               <a:rPr lang="en-US" dirty="0">
@@ -9611,7 +9319,7 @@
         </p:nvSpPr>
         <p:spPr>
           <a:xfrm>
-            <a:off x="5297422" y="3823339"/>
+            <a:off x="5306277" y="3842250"/>
             <a:ext cx="913960" cy="243280"/>
           </a:xfrm>
           <a:prstGeom prst="rightArrow">
@@ -9925,27 +9633,8 @@
                   </a:schemeClr>
                 </a:solidFill>
               </a:rPr>
-              <a:t>Задачи</a:t>
-            </a:r>
-            <a:r>
-              <a:rPr lang="ru-RU" sz="2200" b="1" dirty="0" smtClean="0">
-                <a:solidFill>
-                  <a:schemeClr val="tx1">
-                    <a:lumMod val="75000"/>
-                    <a:lumOff val="25000"/>
-                  </a:schemeClr>
-                </a:solidFill>
-              </a:rPr>
-              <a:t>:</a:t>
-            </a:r>
-            <a:endParaRPr lang="ru-RU" sz="2200" b="1" dirty="0">
-              <a:solidFill>
-                <a:schemeClr val="tx1">
-                  <a:lumMod val="75000"/>
-                  <a:lumOff val="25000"/>
-                </a:schemeClr>
-              </a:solidFill>
-            </a:endParaRPr>
+              <a:t>Задачи:</a:t>
+            </a:r>
           </a:p>
           <a:p>
             <a:pPr marL="342900" indent="-342900" algn="just">
@@ -10112,27 +9801,30 @@
                   </a:schemeClr>
                 </a:solidFill>
               </a:rPr>
-              <a:t>: сократить время для работы над заявлением (предоставления услуги</a:t>
-            </a:r>
-            <a:r>
-              <a:rPr lang="ru-RU" sz="1800" dirty="0" smtClean="0">
-                <a:solidFill>
-                  <a:schemeClr val="tx1">
-                    <a:lumMod val="75000"/>
-                    <a:lumOff val="25000"/>
-                  </a:schemeClr>
-                </a:solidFill>
-              </a:rPr>
-              <a:t>). На всех этапах работы с заявлением (От формирования заявления, то вынесения итогового документа)</a:t>
-            </a:r>
-            <a:endParaRPr lang="ru-RU" sz="1800" dirty="0">
-              <a:solidFill>
-                <a:schemeClr val="tx1">
-                  <a:lumMod val="75000"/>
-                  <a:lumOff val="25000"/>
-                </a:schemeClr>
-              </a:solidFill>
-            </a:endParaRPr>
+              <a:t>: сократить время для работы над заявлением (предоставления услуги). На всех этапах работы с заявлением (От формирования заявления</a:t>
+            </a:r>
+            <a:r>
+              <a:rPr lang="ru-RU" sz="1800">
+                <a:solidFill>
+                  <a:schemeClr val="tx1">
+                    <a:lumMod val="75000"/>
+                    <a:lumOff val="25000"/>
+                  </a:schemeClr>
+                </a:solidFill>
+              </a:rPr>
+              <a:t>, до </a:t>
+            </a:r>
+            <a:r>
+              <a:rPr lang="ru-RU" sz="1800" dirty="0">
+                <a:solidFill>
+                  <a:schemeClr val="tx1">
+                    <a:lumMod val="75000"/>
+                    <a:lumOff val="25000"/>
+                  </a:schemeClr>
+                </a:solidFill>
+              </a:rPr>
+              <a:t>вынесения итогового документа)</a:t>
+            </a:r>
           </a:p>
           <a:p>
             <a:pPr algn="l"/>
@@ -10779,7 +10471,7 @@
   <a:themeElements>
     <a:clrScheme name="Стандартная">
       <a:dk1>
-        <a:sysClr val="windowText" lastClr="000000"/>
+        <a:sysClr val="windowText" lastClr="303030"/>
       </a:dk1>
       <a:lt1>
         <a:sysClr val="window" lastClr="FFFFFF"/>

--- a/Презентация диплома.pptx
+++ b/Презентация диплома.pptx
@@ -13,16 +13,17 @@
     <p:sldId id="265" r:id="rId7"/>
     <p:sldId id="266" r:id="rId8"/>
     <p:sldId id="261" r:id="rId9"/>
-    <p:sldId id="276" r:id="rId10"/>
-    <p:sldId id="268" r:id="rId11"/>
-    <p:sldId id="269" r:id="rId12"/>
-    <p:sldId id="271" r:id="rId13"/>
-    <p:sldId id="270" r:id="rId14"/>
-    <p:sldId id="277" r:id="rId15"/>
-    <p:sldId id="272" r:id="rId16"/>
-    <p:sldId id="273" r:id="rId17"/>
-    <p:sldId id="274" r:id="rId18"/>
+    <p:sldId id="281" r:id="rId10"/>
+    <p:sldId id="276" r:id="rId11"/>
+    <p:sldId id="268" r:id="rId12"/>
+    <p:sldId id="269" r:id="rId13"/>
+    <p:sldId id="271" r:id="rId14"/>
+    <p:sldId id="270" r:id="rId15"/>
+    <p:sldId id="277" r:id="rId16"/>
+    <p:sldId id="278" r:id="rId17"/>
+    <p:sldId id="279" r:id="rId18"/>
     <p:sldId id="275" r:id="rId19"/>
+    <p:sldId id="280" r:id="rId20"/>
   </p:sldIdLst>
   <p:sldSz cx="12192000" cy="6858000"/>
   <p:notesSz cx="6858000" cy="9144000"/>
@@ -258,7 +259,7 @@
           <a:p>
             <a:fld id="{D4804C8C-A16D-40ED-B7C8-20CC6A7D0227}" type="datetimeFigureOut">
               <a:rPr lang="ru-RU" smtClean="0"/>
-              <a:t>04.06.2024</a:t>
+              <a:t>06.06.2024</a:t>
             </a:fld>
             <a:endParaRPr lang="ru-RU"/>
           </a:p>
@@ -426,7 +427,7 @@
           <a:p>
             <a:fld id="{D4804C8C-A16D-40ED-B7C8-20CC6A7D0227}" type="datetimeFigureOut">
               <a:rPr lang="ru-RU" smtClean="0"/>
-              <a:t>04.06.2024</a:t>
+              <a:t>06.06.2024</a:t>
             </a:fld>
             <a:endParaRPr lang="ru-RU"/>
           </a:p>
@@ -604,7 +605,7 @@
           <a:p>
             <a:fld id="{D4804C8C-A16D-40ED-B7C8-20CC6A7D0227}" type="datetimeFigureOut">
               <a:rPr lang="ru-RU" smtClean="0"/>
-              <a:t>04.06.2024</a:t>
+              <a:t>06.06.2024</a:t>
             </a:fld>
             <a:endParaRPr lang="ru-RU"/>
           </a:p>
@@ -772,7 +773,7 @@
           <a:p>
             <a:fld id="{D4804C8C-A16D-40ED-B7C8-20CC6A7D0227}" type="datetimeFigureOut">
               <a:rPr lang="ru-RU" smtClean="0"/>
-              <a:t>04.06.2024</a:t>
+              <a:t>06.06.2024</a:t>
             </a:fld>
             <a:endParaRPr lang="ru-RU"/>
           </a:p>
@@ -1017,7 +1018,7 @@
           <a:p>
             <a:fld id="{D4804C8C-A16D-40ED-B7C8-20CC6A7D0227}" type="datetimeFigureOut">
               <a:rPr lang="ru-RU" smtClean="0"/>
-              <a:t>04.06.2024</a:t>
+              <a:t>06.06.2024</a:t>
             </a:fld>
             <a:endParaRPr lang="ru-RU"/>
           </a:p>
@@ -1246,7 +1247,7 @@
           <a:p>
             <a:fld id="{D4804C8C-A16D-40ED-B7C8-20CC6A7D0227}" type="datetimeFigureOut">
               <a:rPr lang="ru-RU" smtClean="0"/>
-              <a:t>04.06.2024</a:t>
+              <a:t>06.06.2024</a:t>
             </a:fld>
             <a:endParaRPr lang="ru-RU"/>
           </a:p>
@@ -1610,7 +1611,7 @@
           <a:p>
             <a:fld id="{D4804C8C-A16D-40ED-B7C8-20CC6A7D0227}" type="datetimeFigureOut">
               <a:rPr lang="ru-RU" smtClean="0"/>
-              <a:t>04.06.2024</a:t>
+              <a:t>06.06.2024</a:t>
             </a:fld>
             <a:endParaRPr lang="ru-RU"/>
           </a:p>
@@ -1727,7 +1728,7 @@
           <a:p>
             <a:fld id="{D4804C8C-A16D-40ED-B7C8-20CC6A7D0227}" type="datetimeFigureOut">
               <a:rPr lang="ru-RU" smtClean="0"/>
-              <a:t>04.06.2024</a:t>
+              <a:t>06.06.2024</a:t>
             </a:fld>
             <a:endParaRPr lang="ru-RU"/>
           </a:p>
@@ -1822,7 +1823,7 @@
           <a:p>
             <a:fld id="{D4804C8C-A16D-40ED-B7C8-20CC6A7D0227}" type="datetimeFigureOut">
               <a:rPr lang="ru-RU" smtClean="0"/>
-              <a:t>04.06.2024</a:t>
+              <a:t>06.06.2024</a:t>
             </a:fld>
             <a:endParaRPr lang="ru-RU"/>
           </a:p>
@@ -2097,7 +2098,7 @@
           <a:p>
             <a:fld id="{D4804C8C-A16D-40ED-B7C8-20CC6A7D0227}" type="datetimeFigureOut">
               <a:rPr lang="ru-RU" smtClean="0"/>
-              <a:t>04.06.2024</a:t>
+              <a:t>06.06.2024</a:t>
             </a:fld>
             <a:endParaRPr lang="ru-RU"/>
           </a:p>
@@ -2349,7 +2350,7 @@
           <a:p>
             <a:fld id="{D4804C8C-A16D-40ED-B7C8-20CC6A7D0227}" type="datetimeFigureOut">
               <a:rPr lang="ru-RU" smtClean="0"/>
-              <a:t>04.06.2024</a:t>
+              <a:t>06.06.2024</a:t>
             </a:fld>
             <a:endParaRPr lang="ru-RU"/>
           </a:p>
@@ -2560,7 +2561,7 @@
           <a:p>
             <a:fld id="{D4804C8C-A16D-40ED-B7C8-20CC6A7D0227}" type="datetimeFigureOut">
               <a:rPr lang="ru-RU" smtClean="0"/>
-              <a:t>04.06.2024</a:t>
+              <a:t>06.06.2024</a:t>
             </a:fld>
             <a:endParaRPr lang="ru-RU"/>
           </a:p>
@@ -3286,8 +3287,8 @@
         </p:nvSpPr>
         <p:spPr>
           <a:xfrm>
-            <a:off x="301124" y="89560"/>
-            <a:ext cx="9891500" cy="412625"/>
+            <a:off x="41907" y="136682"/>
+            <a:ext cx="9891500" cy="328433"/>
           </a:xfrm>
           <a:prstGeom prst="rect">
             <a:avLst/>
@@ -3319,44 +3320,30 @@
           <a:p>
             <a:pPr algn="l"/>
             <a:r>
-              <a:rPr lang="ru-RU" sz="2400" b="1" dirty="0">
-                <a:solidFill>
-                  <a:schemeClr val="tx1">
-                    <a:lumMod val="75000"/>
-                    <a:lumOff val="25000"/>
-                  </a:schemeClr>
-                </a:solidFill>
-              </a:rPr>
-              <a:t>Запрос и ответ к </a:t>
-            </a:r>
-            <a:r>
-              <a:rPr lang="en-US" sz="2400" b="1" dirty="0" err="1">
-                <a:solidFill>
-                  <a:schemeClr val="tx1">
-                    <a:lumMod val="75000"/>
-                    <a:lumOff val="25000"/>
-                  </a:schemeClr>
-                </a:solidFill>
-              </a:rPr>
-              <a:t>api</a:t>
-            </a:r>
-            <a:r>
-              <a:rPr lang="ru-RU" sz="2400" b="1" dirty="0">
-                <a:solidFill>
-                  <a:schemeClr val="tx1">
-                    <a:lumMod val="75000"/>
-                    <a:lumOff val="25000"/>
-                  </a:schemeClr>
-                </a:solidFill>
-              </a:rPr>
-              <a:t> </a:t>
-            </a:r>
-          </a:p>
-        </p:txBody>
-      </p:sp>
-      <p:sp>
-        <p:nvSpPr>
-          <p:cNvPr id="13" name="Заголовок 1"/>
+              <a:rPr lang="ru-RU" sz="2400" b="1" dirty="0" smtClean="0">
+                <a:solidFill>
+                  <a:schemeClr val="tx1">
+                    <a:lumMod val="75000"/>
+                    <a:lumOff val="25000"/>
+                  </a:schemeClr>
+                </a:solidFill>
+              </a:rPr>
+              <a:t>Детализированная архитектура системы:</a:t>
+            </a:r>
+            <a:endParaRPr lang="ru-RU" sz="2400" b="1" dirty="0">
+              <a:solidFill>
+                <a:schemeClr val="tx1">
+                  <a:lumMod val="75000"/>
+                  <a:lumOff val="25000"/>
+                </a:schemeClr>
+              </a:solidFill>
+            </a:endParaRPr>
+          </a:p>
+        </p:txBody>
+      </p:sp>
+      <p:sp>
+        <p:nvSpPr>
+          <p:cNvPr id="14" name="Заголовок 1"/>
           <p:cNvSpPr txBox="1">
             <a:spLocks/>
           </p:cNvSpPr>
@@ -3364,8 +3351,8 @@
         </p:nvSpPr>
         <p:spPr>
           <a:xfrm>
-            <a:off x="349614" y="1006521"/>
-            <a:ext cx="9843009" cy="700755"/>
+            <a:off x="502015" y="912576"/>
+            <a:ext cx="10077678" cy="881226"/>
           </a:xfrm>
           <a:prstGeom prst="rect">
             <a:avLst/>
@@ -3396,18 +3383,7 @@
           </a:lstStyle>
           <a:p>
             <a:pPr algn="l"/>
-            <a:r>
-              <a:rPr lang="ru-RU" sz="2800" b="1" dirty="0">
-                <a:solidFill>
-                  <a:schemeClr val="tx1">
-                    <a:lumMod val="75000"/>
-                    <a:lumOff val="25000"/>
-                  </a:schemeClr>
-                </a:solidFill>
-              </a:rPr>
-              <a:t>Чтение информации о выбранной услуге:</a:t>
-            </a:r>
-            <a:endParaRPr lang="ru-RU" sz="2800" dirty="0">
+            <a:endParaRPr lang="ru-RU" sz="1800" dirty="0">
               <a:solidFill>
                 <a:schemeClr val="tx1">
                   <a:lumMod val="75000"/>
@@ -3416,34 +3392,11 @@
               </a:solidFill>
             </a:endParaRPr>
           </a:p>
-          <a:p>
-            <a:r>
-              <a:rPr lang="en-US" sz="2800" dirty="0">
-                <a:solidFill>
-                  <a:schemeClr val="tx1">
-                    <a:lumMod val="75000"/>
-                    <a:lumOff val="25000"/>
-                  </a:schemeClr>
-                </a:solidFill>
-              </a:rPr>
-              <a:t>GET </a:t>
-            </a:r>
-            <a:r>
-              <a:rPr lang="en-US" sz="2800" dirty="0">
-                <a:hlinkClick r:id="rId4"/>
-              </a:rPr>
-              <a:t>https://uslugi.egov66.ru/forest-api/api/public/services/10701</a:t>
-            </a:r>
-            <a:r>
-              <a:rPr lang="ru-RU" sz="2800" dirty="0"/>
-              <a:t> </a:t>
-            </a:r>
-          </a:p>
-        </p:txBody>
-      </p:sp>
-      <p:sp>
-        <p:nvSpPr>
-          <p:cNvPr id="14" name="Заголовок 1"/>
+        </p:txBody>
+      </p:sp>
+      <p:sp>
+        <p:nvSpPr>
+          <p:cNvPr id="8" name="Заголовок 1"/>
           <p:cNvSpPr txBox="1">
             <a:spLocks/>
           </p:cNvSpPr>
@@ -3451,7 +3404,7 @@
         </p:nvSpPr>
         <p:spPr>
           <a:xfrm>
-            <a:off x="502015" y="912576"/>
+            <a:off x="654415" y="1064976"/>
             <a:ext cx="10077678" cy="881226"/>
           </a:xfrm>
           <a:prstGeom prst="rect">
@@ -3494,321 +3447,34 @@
           </a:p>
         </p:txBody>
       </p:sp>
-      <p:sp>
-        <p:nvSpPr>
-          <p:cNvPr id="8" name="Заголовок 1"/>
-          <p:cNvSpPr txBox="1">
-            <a:spLocks/>
-          </p:cNvSpPr>
-          <p:nvPr/>
-        </p:nvSpPr>
-        <p:spPr>
-          <a:xfrm>
-            <a:off x="654415" y="1064976"/>
-            <a:ext cx="10077678" cy="881226"/>
-          </a:xfrm>
-          <a:prstGeom prst="rect">
-            <a:avLst/>
-          </a:prstGeom>
-        </p:spPr>
-        <p:txBody>
-          <a:bodyPr vert="horz" lIns="91440" tIns="45720" rIns="91440" bIns="45720" rtlCol="0" anchor="t">
-            <a:noAutofit/>
-          </a:bodyPr>
-          <a:lstStyle>
-            <a:lvl1pPr algn="ctr" defTabSz="914400" rtl="0" eaLnBrk="1" latinLnBrk="0" hangingPunct="1">
-              <a:lnSpc>
-                <a:spcPct val="90000"/>
-              </a:lnSpc>
-              <a:spcBef>
-                <a:spcPct val="0"/>
-              </a:spcBef>
-              <a:buNone/>
-              <a:defRPr sz="6000" kern="1200">
-                <a:solidFill>
-                  <a:schemeClr val="tx1"/>
-                </a:solidFill>
-                <a:latin typeface="+mj-lt"/>
-                <a:ea typeface="+mj-ea"/>
-                <a:cs typeface="+mj-cs"/>
-              </a:defRPr>
-            </a:lvl1pPr>
-          </a:lstStyle>
-          <a:p>
-            <a:pPr algn="l"/>
-            <a:endParaRPr lang="ru-RU" sz="1800" dirty="0">
-              <a:solidFill>
-                <a:schemeClr val="tx1">
-                  <a:lumMod val="75000"/>
-                  <a:lumOff val="25000"/>
-                </a:schemeClr>
-              </a:solidFill>
-            </a:endParaRPr>
-          </a:p>
-        </p:txBody>
-      </p:sp>
-      <p:sp>
-        <p:nvSpPr>
-          <p:cNvPr id="9" name="Заголовок 1"/>
-          <p:cNvSpPr txBox="1">
-            <a:spLocks/>
-          </p:cNvSpPr>
-          <p:nvPr/>
-        </p:nvSpPr>
-        <p:spPr>
-          <a:xfrm>
-            <a:off x="1394045" y="2853229"/>
-            <a:ext cx="10077678" cy="881226"/>
-          </a:xfrm>
-          <a:prstGeom prst="rect">
-            <a:avLst/>
-          </a:prstGeom>
-        </p:spPr>
-        <p:txBody>
-          <a:bodyPr vert="horz" lIns="91440" tIns="45720" rIns="91440" bIns="45720" rtlCol="0" anchor="t">
-            <a:noAutofit/>
-          </a:bodyPr>
-          <a:lstStyle>
-            <a:lvl1pPr algn="ctr" defTabSz="914400" rtl="0" eaLnBrk="1" latinLnBrk="0" hangingPunct="1">
-              <a:lnSpc>
-                <a:spcPct val="90000"/>
-              </a:lnSpc>
-              <a:spcBef>
-                <a:spcPct val="0"/>
-              </a:spcBef>
-              <a:buNone/>
-              <a:defRPr sz="6000" kern="1200">
-                <a:solidFill>
-                  <a:schemeClr val="tx1"/>
-                </a:solidFill>
-                <a:latin typeface="+mj-lt"/>
-                <a:ea typeface="+mj-ea"/>
-                <a:cs typeface="+mj-cs"/>
-              </a:defRPr>
-            </a:lvl1pPr>
-          </a:lstStyle>
-          <a:p>
-            <a:pPr algn="l"/>
-            <a:endParaRPr lang="ru-RU" sz="1800" dirty="0">
-              <a:solidFill>
-                <a:schemeClr val="tx1">
-                  <a:lumMod val="75000"/>
-                  <a:lumOff val="25000"/>
-                </a:schemeClr>
-              </a:solidFill>
-            </a:endParaRPr>
-          </a:p>
-        </p:txBody>
-      </p:sp>
-      <p:sp>
-        <p:nvSpPr>
-          <p:cNvPr id="11" name="Прямоугольник 10"/>
-          <p:cNvSpPr/>
-          <p:nvPr/>
-        </p:nvSpPr>
-        <p:spPr>
-          <a:xfrm>
-            <a:off x="502015" y="2475158"/>
-            <a:ext cx="7012924" cy="677108"/>
-          </a:xfrm>
-          <a:prstGeom prst="rect">
-            <a:avLst/>
-          </a:prstGeom>
-        </p:spPr>
-        <p:txBody>
-          <a:bodyPr wrap="square">
-            <a:spAutoFit/>
-          </a:bodyPr>
-          <a:lstStyle/>
-          <a:p>
-            <a:r>
-              <a:rPr lang="ru-RU" sz="1900" dirty="0">
-                <a:solidFill>
-                  <a:schemeClr val="tx1">
-                    <a:lumMod val="75000"/>
-                    <a:lumOff val="25000"/>
-                  </a:schemeClr>
-                </a:solidFill>
-                <a:latin typeface="+mj-lt"/>
-                <a:ea typeface="+mj-ea"/>
-                <a:cs typeface="+mj-cs"/>
-              </a:rPr>
-              <a:t>Тело ответа прикреплено в приложении №1.</a:t>
-            </a:r>
-            <a:r>
-              <a:rPr lang="en-US" sz="1900" dirty="0">
-                <a:solidFill>
-                  <a:schemeClr val="tx1">
-                    <a:lumMod val="75000"/>
-                    <a:lumOff val="25000"/>
-                  </a:schemeClr>
-                </a:solidFill>
-                <a:latin typeface="+mj-lt"/>
-                <a:ea typeface="+mj-ea"/>
-                <a:cs typeface="+mj-cs"/>
-              </a:rPr>
-              <a:t> </a:t>
-            </a:r>
-            <a:endParaRPr lang="ru-RU" sz="1900" dirty="0">
-              <a:solidFill>
-                <a:schemeClr val="tx1">
-                  <a:lumMod val="75000"/>
-                  <a:lumOff val="25000"/>
-                </a:schemeClr>
-              </a:solidFill>
-              <a:latin typeface="+mj-lt"/>
-              <a:ea typeface="+mj-ea"/>
-              <a:cs typeface="+mj-cs"/>
-            </a:endParaRPr>
-          </a:p>
-          <a:p>
-            <a:r>
-              <a:rPr lang="ru-RU" sz="1900" dirty="0">
-                <a:solidFill>
-                  <a:schemeClr val="tx1">
-                    <a:lumMod val="75000"/>
-                    <a:lumOff val="25000"/>
-                  </a:schemeClr>
-                </a:solidFill>
-                <a:latin typeface="+mj-lt"/>
-                <a:ea typeface="+mj-ea"/>
-                <a:cs typeface="+mj-cs"/>
-              </a:rPr>
-              <a:t>Краткое описание тела ответа:</a:t>
-            </a:r>
-          </a:p>
-        </p:txBody>
-      </p:sp>
-      <p:sp>
-        <p:nvSpPr>
-          <p:cNvPr id="3" name="Прямоугольник 2"/>
-          <p:cNvSpPr/>
-          <p:nvPr/>
-        </p:nvSpPr>
-        <p:spPr>
-          <a:xfrm>
-            <a:off x="3668786" y="2990683"/>
-            <a:ext cx="6096000" cy="2308324"/>
-          </a:xfrm>
-          <a:prstGeom prst="rect">
-            <a:avLst/>
-          </a:prstGeom>
-        </p:spPr>
-        <p:txBody>
-          <a:bodyPr>
-            <a:spAutoFit/>
-          </a:bodyPr>
-          <a:lstStyle/>
-          <a:p>
-            <a:r>
-              <a:rPr lang="ru-RU" dirty="0">
-                <a:solidFill>
-                  <a:schemeClr val="tx1">
-                    <a:lumMod val="75000"/>
-                    <a:lumOff val="25000"/>
-                  </a:schemeClr>
-                </a:solidFill>
-              </a:rPr>
-              <a:t>категории, </a:t>
-            </a:r>
-          </a:p>
-          <a:p>
-            <a:r>
-              <a:rPr lang="ru-RU" dirty="0">
-                <a:solidFill>
-                  <a:schemeClr val="tx1">
-                    <a:lumMod val="75000"/>
-                    <a:lumOff val="25000"/>
-                  </a:schemeClr>
-                </a:solidFill>
-              </a:rPr>
-              <a:t>основания отказа, </a:t>
-            </a:r>
-          </a:p>
-          <a:p>
-            <a:r>
-              <a:rPr lang="ru-RU" dirty="0">
-                <a:solidFill>
-                  <a:schemeClr val="tx1">
-                    <a:lumMod val="75000"/>
-                    <a:lumOff val="25000"/>
-                  </a:schemeClr>
-                </a:solidFill>
-              </a:rPr>
-              <a:t>категории получателей, </a:t>
-            </a:r>
-          </a:p>
-          <a:p>
-            <a:r>
-              <a:rPr lang="ru-RU" dirty="0">
-                <a:solidFill>
-                  <a:schemeClr val="tx1">
-                    <a:lumMod val="75000"/>
-                    <a:lumOff val="25000"/>
-                  </a:schemeClr>
-                </a:solidFill>
-              </a:rPr>
-              <a:t>полное наименование услуги, </a:t>
-            </a:r>
-          </a:p>
-          <a:p>
-            <a:r>
-              <a:rPr lang="ru-RU" dirty="0">
-                <a:solidFill>
-                  <a:schemeClr val="tx1">
-                    <a:lumMod val="75000"/>
-                    <a:lumOff val="25000"/>
-                  </a:schemeClr>
-                </a:solidFill>
-              </a:rPr>
-              <a:t>перечень поставщиков услуги,</a:t>
-            </a:r>
-          </a:p>
-          <a:p>
-            <a:r>
-              <a:rPr lang="ru-RU" dirty="0">
-                <a:solidFill>
-                  <a:schemeClr val="tx1">
-                    <a:lumMod val="75000"/>
-                    <a:lumOff val="25000"/>
-                  </a:schemeClr>
-                </a:solidFill>
-              </a:rPr>
-              <a:t>административный регламент, </a:t>
-            </a:r>
-          </a:p>
-          <a:p>
-            <a:r>
-              <a:rPr lang="ru-RU" dirty="0">
-                <a:solidFill>
-                  <a:schemeClr val="tx1">
-                    <a:lumMod val="75000"/>
-                    <a:lumOff val="25000"/>
-                  </a:schemeClr>
-                </a:solidFill>
-              </a:rPr>
-              <a:t>стоимость и сроки оказания услуги, </a:t>
-            </a:r>
-          </a:p>
-          <a:p>
-            <a:r>
-              <a:rPr lang="ru-RU" dirty="0">
-                <a:solidFill>
-                  <a:schemeClr val="tx1">
-                    <a:lumMod val="75000"/>
-                    <a:lumOff val="25000"/>
-                  </a:schemeClr>
-                </a:solidFill>
-              </a:rPr>
-              <a:t>документы необходимые для получения услуги.</a:t>
-            </a:r>
-          </a:p>
-        </p:txBody>
-      </p:sp>
+      <p:pic>
+        <p:nvPicPr>
+          <p:cNvPr id="2" name="Рисунок 1"/>
+          <p:cNvPicPr>
+            <a:picLocks noChangeAspect="1"/>
+          </p:cNvPicPr>
+          <p:nvPr/>
+        </p:nvPicPr>
+        <p:blipFill>
+          <a:blip r:embed="rId4"/>
+          <a:stretch>
+            <a:fillRect/>
+          </a:stretch>
+        </p:blipFill>
+        <p:spPr>
+          <a:xfrm>
+            <a:off x="1939663" y="658141"/>
+            <a:ext cx="7791566" cy="6199859"/>
+          </a:xfrm>
+          <a:prstGeom prst="rect">
+            <a:avLst/>
+          </a:prstGeom>
+        </p:spPr>
+      </p:pic>
     </p:spTree>
     <p:extLst>
       <p:ext uri="{BB962C8B-B14F-4D97-AF65-F5344CB8AC3E}">
-        <p14:creationId xmlns:p14="http://schemas.microsoft.com/office/powerpoint/2010/main" val="2738830942"/>
+        <p14:creationId xmlns:p14="http://schemas.microsoft.com/office/powerpoint/2010/main" val="2465643884"/>
       </p:ext>
     </p:extLst>
   </p:cSld>
@@ -3907,7 +3573,7 @@
       </p:cxnSp>
       <p:sp>
         <p:nvSpPr>
-          <p:cNvPr id="12" name="Заголовок 1"/>
+          <p:cNvPr id="13" name="Заголовок 1"/>
           <p:cNvSpPr txBox="1">
             <a:spLocks/>
           </p:cNvSpPr>
@@ -3915,8 +3581,8 @@
         </p:nvSpPr>
         <p:spPr>
           <a:xfrm>
-            <a:off x="301124" y="89561"/>
-            <a:ext cx="9891500" cy="460216"/>
+            <a:off x="0" y="42449"/>
+            <a:ext cx="9843009" cy="700755"/>
           </a:xfrm>
           <a:prstGeom prst="rect">
             <a:avLst/>
@@ -3948,28 +3614,17 @@
           <a:p>
             <a:pPr algn="l"/>
             <a:r>
-              <a:rPr lang="ru-RU" sz="2400" b="1" dirty="0">
-                <a:solidFill>
-                  <a:schemeClr val="tx1">
-                    <a:lumMod val="75000"/>
-                    <a:lumOff val="25000"/>
-                  </a:schemeClr>
-                </a:solidFill>
-              </a:rPr>
-              <a:t>Запрос и ответ к </a:t>
-            </a:r>
-            <a:r>
-              <a:rPr lang="en-US" sz="2400" b="1" dirty="0" err="1">
-                <a:solidFill>
-                  <a:schemeClr val="tx1">
-                    <a:lumMod val="75000"/>
-                    <a:lumOff val="25000"/>
-                  </a:schemeClr>
-                </a:solidFill>
-              </a:rPr>
-              <a:t>api</a:t>
-            </a:r>
-            <a:endParaRPr lang="ru-RU" sz="2400" b="1" dirty="0">
+              <a:rPr lang="ru-RU" sz="1600" b="1" dirty="0">
+                <a:solidFill>
+                  <a:schemeClr val="tx1">
+                    <a:lumMod val="75000"/>
+                    <a:lumOff val="25000"/>
+                  </a:schemeClr>
+                </a:solidFill>
+              </a:rPr>
+              <a:t>Чтение информации о выбранной услуге:</a:t>
+            </a:r>
+            <a:endParaRPr lang="ru-RU" sz="1600" dirty="0">
               <a:solidFill>
                 <a:schemeClr val="tx1">
                   <a:lumMod val="75000"/>
@@ -3978,11 +3633,41 @@
               </a:solidFill>
             </a:endParaRPr>
           </a:p>
-        </p:txBody>
-      </p:sp>
-      <p:sp>
-        <p:nvSpPr>
-          <p:cNvPr id="13" name="Заголовок 1"/>
+          <a:p>
+            <a:r>
+              <a:rPr lang="en-US" sz="1600" dirty="0">
+                <a:solidFill>
+                  <a:schemeClr val="tx1">
+                    <a:lumMod val="75000"/>
+                    <a:lumOff val="25000"/>
+                  </a:schemeClr>
+                </a:solidFill>
+              </a:rPr>
+              <a:t>GET </a:t>
+            </a:r>
+            <a:r>
+              <a:rPr lang="en-US" sz="1600" dirty="0">
+                <a:hlinkClick r:id="rId4"/>
+              </a:rPr>
+              <a:t>https</a:t>
+            </a:r>
+            <a:r>
+              <a:rPr lang="en-US" sz="1600" dirty="0" smtClean="0">
+                <a:hlinkClick r:id="rId4"/>
+              </a:rPr>
+              <a:t>://uslugi.egov66.ru/forest-api/api/public/services/10701</a:t>
+            </a:r>
+            <a:r>
+              <a:rPr lang="ru-RU" sz="1600" dirty="0" smtClean="0"/>
+              <a:t> </a:t>
+            </a:r>
+            <a:endParaRPr lang="ru-RU" sz="1600" dirty="0"/>
+          </a:p>
+        </p:txBody>
+      </p:sp>
+      <p:sp>
+        <p:nvSpPr>
+          <p:cNvPr id="14" name="Заголовок 1"/>
           <p:cNvSpPr txBox="1">
             <a:spLocks/>
           </p:cNvSpPr>
@@ -3990,8 +3675,8 @@
         </p:nvSpPr>
         <p:spPr>
           <a:xfrm>
-            <a:off x="349615" y="1006521"/>
-            <a:ext cx="8009382" cy="700755"/>
+            <a:off x="502015" y="912576"/>
+            <a:ext cx="10077678" cy="881226"/>
           </a:xfrm>
           <a:prstGeom prst="rect">
             <a:avLst/>
@@ -4022,18 +3707,7 @@
           </a:lstStyle>
           <a:p>
             <a:pPr algn="l"/>
-            <a:r>
-              <a:rPr lang="ru-RU" sz="2800" b="1" dirty="0">
-                <a:solidFill>
-                  <a:schemeClr val="tx1">
-                    <a:lumMod val="75000"/>
-                    <a:lumOff val="25000"/>
-                  </a:schemeClr>
-                </a:solidFill>
-              </a:rPr>
-              <a:t>Создание черновика заявления:</a:t>
-            </a:r>
-            <a:endParaRPr lang="ru-RU" sz="2800" dirty="0">
+            <a:endParaRPr lang="ru-RU" sz="1800" dirty="0">
               <a:solidFill>
                 <a:schemeClr val="tx1">
                   <a:lumMod val="75000"/>
@@ -4042,34 +3716,11 @@
               </a:solidFill>
             </a:endParaRPr>
           </a:p>
-          <a:p>
-            <a:r>
-              <a:rPr lang="en-US" sz="2800" dirty="0">
-                <a:solidFill>
-                  <a:schemeClr val="tx1">
-                    <a:lumMod val="75000"/>
-                    <a:lumOff val="25000"/>
-                  </a:schemeClr>
-                </a:solidFill>
-              </a:rPr>
-              <a:t>POST </a:t>
-            </a:r>
-            <a:r>
-              <a:rPr lang="en-US" sz="2800" dirty="0">
-                <a:hlinkClick r:id="rId4"/>
-              </a:rPr>
-              <a:t>https://uslugi.egov66.ru/forest-api/api/requests</a:t>
-            </a:r>
-            <a:r>
-              <a:rPr lang="ru-RU" sz="2800" dirty="0"/>
-              <a:t>  </a:t>
-            </a:r>
-          </a:p>
-        </p:txBody>
-      </p:sp>
-      <p:sp>
-        <p:nvSpPr>
-          <p:cNvPr id="14" name="Заголовок 1"/>
+        </p:txBody>
+      </p:sp>
+      <p:sp>
+        <p:nvSpPr>
+          <p:cNvPr id="8" name="Заголовок 1"/>
           <p:cNvSpPr txBox="1">
             <a:spLocks/>
           </p:cNvSpPr>
@@ -4077,7 +3728,7 @@
         </p:nvSpPr>
         <p:spPr>
           <a:xfrm>
-            <a:off x="502015" y="912576"/>
+            <a:off x="654415" y="1064976"/>
             <a:ext cx="10077678" cy="881226"/>
           </a:xfrm>
           <a:prstGeom prst="rect">
@@ -4130,7 +3781,7 @@
         </p:nvSpPr>
         <p:spPr>
           <a:xfrm>
-            <a:off x="1425942" y="2853229"/>
+            <a:off x="1394045" y="2853229"/>
             <a:ext cx="10077678" cy="881226"/>
           </a:xfrm>
           <a:prstGeom prst="rect">
@@ -4175,35 +3826,27 @@
       </p:sp>
       <p:sp>
         <p:nvSpPr>
-          <p:cNvPr id="2" name="Прямоугольник 1"/>
+          <p:cNvPr id="11" name="Прямоугольник 10"/>
           <p:cNvSpPr/>
           <p:nvPr/>
         </p:nvSpPr>
         <p:spPr>
           <a:xfrm>
-            <a:off x="502015" y="4062835"/>
-            <a:ext cx="6096000" cy="911019"/>
-          </a:xfrm>
-          <a:prstGeom prst="rect">
-            <a:avLst/>
-          </a:prstGeom>
-        </p:spPr>
-        <p:txBody>
-          <a:bodyPr>
+            <a:off x="0" y="1694438"/>
+            <a:ext cx="7012924" cy="461665"/>
+          </a:xfrm>
+          <a:prstGeom prst="rect">
+            <a:avLst/>
+          </a:prstGeom>
+        </p:spPr>
+        <p:txBody>
+          <a:bodyPr wrap="square">
             <a:spAutoFit/>
           </a:bodyPr>
           <a:lstStyle/>
           <a:p>
-            <a:pPr algn="just">
-              <a:lnSpc>
-                <a:spcPct val="70000"/>
-              </a:lnSpc>
-              <a:spcBef>
-                <a:spcPct val="0"/>
-              </a:spcBef>
-            </a:pPr>
-            <a:r>
-              <a:rPr lang="ru-RU" sz="1900" b="1" dirty="0">
+            <a:r>
+              <a:rPr lang="ru-RU" sz="1200" dirty="0">
                 <a:solidFill>
                   <a:schemeClr val="tx1">
                     <a:lumMod val="75000"/>
@@ -4214,22 +3857,10 @@
                 <a:ea typeface="+mj-ea"/>
                 <a:cs typeface="+mj-cs"/>
               </a:rPr>
-              <a:t>Логика запроса:</a:t>
-            </a:r>
-          </a:p>
-          <a:p>
-            <a:pPr marL="342900" indent="-342900" algn="just">
-              <a:lnSpc>
-                <a:spcPct val="70000"/>
-              </a:lnSpc>
-              <a:spcBef>
-                <a:spcPct val="0"/>
-              </a:spcBef>
-              <a:buFont typeface="Arial" panose="020B0604020202020204" pitchFamily="34" charset="0"/>
-              <a:buChar char="•"/>
-            </a:pPr>
-            <a:r>
-              <a:rPr lang="ru-RU" sz="1900" dirty="0">
+              <a:t>Тело ответа прикреплено в приложении №1.</a:t>
+            </a:r>
+            <a:r>
+              <a:rPr lang="en-US" sz="1200" dirty="0">
                 <a:solidFill>
                   <a:schemeClr val="tx1">
                     <a:lumMod val="75000"/>
@@ -4240,23 +3871,9 @@
                 <a:ea typeface="+mj-ea"/>
                 <a:cs typeface="+mj-cs"/>
               </a:rPr>
-              <a:t>Создать заявление</a:t>
-            </a:r>
-            <a:r>
-              <a:rPr lang="en-US" sz="1900" dirty="0">
-                <a:solidFill>
-                  <a:schemeClr val="tx1">
-                    <a:lumMod val="75000"/>
-                    <a:lumOff val="25000"/>
-                  </a:schemeClr>
-                </a:solidFill>
-                <a:latin typeface="+mj-lt"/>
-                <a:ea typeface="+mj-ea"/>
-                <a:cs typeface="+mj-cs"/>
-              </a:rPr>
-              <a:t>,</a:t>
-            </a:r>
-            <a:endParaRPr lang="ru-RU" sz="1900" dirty="0">
+              <a:t> </a:t>
+            </a:r>
+            <a:endParaRPr lang="ru-RU" sz="1200" dirty="0">
               <a:solidFill>
                 <a:schemeClr val="tx1">
                   <a:lumMod val="75000"/>
@@ -4269,18 +3886,8 @@
             </a:endParaRPr>
           </a:p>
           <a:p>
-            <a:pPr marL="342900" indent="-342900" algn="just">
-              <a:lnSpc>
-                <a:spcPct val="70000"/>
-              </a:lnSpc>
-              <a:spcBef>
-                <a:spcPct val="0"/>
-              </a:spcBef>
-              <a:buFont typeface="Arial" panose="020B0604020202020204" pitchFamily="34" charset="0"/>
-              <a:buChar char="•"/>
-            </a:pPr>
-            <a:r>
-              <a:rPr lang="ru-RU" sz="1900" dirty="0">
+            <a:r>
+              <a:rPr lang="ru-RU" sz="1200" dirty="0">
                 <a:solidFill>
                   <a:schemeClr val="tx1">
                     <a:lumMod val="75000"/>
@@ -4291,275 +3898,163 @@
                 <a:ea typeface="+mj-ea"/>
                 <a:cs typeface="+mj-cs"/>
               </a:rPr>
-              <a:t>Установить статус черновик</a:t>
-            </a:r>
-            <a:r>
-              <a:rPr lang="en-US" sz="1900" dirty="0">
-                <a:solidFill>
-                  <a:schemeClr val="tx1">
-                    <a:lumMod val="75000"/>
-                    <a:lumOff val="25000"/>
-                  </a:schemeClr>
-                </a:solidFill>
-                <a:latin typeface="+mj-lt"/>
-                <a:ea typeface="+mj-ea"/>
-                <a:cs typeface="+mj-cs"/>
-              </a:rPr>
-              <a:t>,</a:t>
-            </a:r>
-            <a:endParaRPr lang="ru-RU" sz="1900" dirty="0">
-              <a:solidFill>
-                <a:schemeClr val="tx1">
-                  <a:lumMod val="75000"/>
-                  <a:lumOff val="25000"/>
-                </a:schemeClr>
-              </a:solidFill>
-              <a:latin typeface="+mj-lt"/>
-              <a:ea typeface="+mj-ea"/>
-              <a:cs typeface="+mj-cs"/>
-            </a:endParaRPr>
-          </a:p>
-          <a:p>
-            <a:pPr marL="342900" indent="-342900" algn="just">
-              <a:lnSpc>
-                <a:spcPct val="70000"/>
-              </a:lnSpc>
-              <a:spcBef>
-                <a:spcPct val="0"/>
-              </a:spcBef>
-              <a:buFont typeface="Arial" panose="020B0604020202020204" pitchFamily="34" charset="0"/>
-              <a:buChar char="•"/>
-            </a:pPr>
-            <a:r>
-              <a:rPr lang="ru-RU" sz="1900" dirty="0">
-                <a:solidFill>
-                  <a:schemeClr val="tx1">
-                    <a:lumMod val="75000"/>
-                    <a:lumOff val="25000"/>
-                  </a:schemeClr>
-                </a:solidFill>
-                <a:latin typeface="+mj-lt"/>
-                <a:ea typeface="+mj-ea"/>
-                <a:cs typeface="+mj-cs"/>
-              </a:rPr>
-              <a:t>Пред заполнить информацию</a:t>
-            </a:r>
-            <a:r>
-              <a:rPr lang="en-US" sz="1900" dirty="0">
-                <a:solidFill>
-                  <a:schemeClr val="tx1">
-                    <a:lumMod val="75000"/>
-                    <a:lumOff val="25000"/>
-                  </a:schemeClr>
-                </a:solidFill>
-                <a:latin typeface="+mj-lt"/>
-                <a:ea typeface="+mj-ea"/>
-                <a:cs typeface="+mj-cs"/>
-              </a:rPr>
-              <a:t>.</a:t>
-            </a:r>
-            <a:endParaRPr lang="ru-RU" sz="1900" dirty="0">
-              <a:solidFill>
-                <a:schemeClr val="tx1">
-                  <a:lumMod val="75000"/>
-                  <a:lumOff val="25000"/>
-                </a:schemeClr>
-              </a:solidFill>
-              <a:latin typeface="+mj-lt"/>
-              <a:ea typeface="+mj-ea"/>
-              <a:cs typeface="+mj-cs"/>
-            </a:endParaRPr>
-          </a:p>
-        </p:txBody>
-      </p:sp>
-      <p:sp>
-        <p:nvSpPr>
-          <p:cNvPr id="11" name="Прямоугольник 10"/>
+              <a:t>Краткое описание тела ответа:</a:t>
+            </a:r>
+          </a:p>
+        </p:txBody>
+      </p:sp>
+      <p:sp>
+        <p:nvSpPr>
+          <p:cNvPr id="3" name="Прямоугольник 2"/>
           <p:cNvSpPr/>
           <p:nvPr/>
         </p:nvSpPr>
         <p:spPr>
           <a:xfrm>
-            <a:off x="502015" y="2028780"/>
-            <a:ext cx="6096000" cy="384721"/>
-          </a:xfrm>
-          <a:prstGeom prst="rect">
-            <a:avLst/>
-          </a:prstGeom>
-        </p:spPr>
-        <p:txBody>
-          <a:bodyPr>
+            <a:off x="0" y="2205938"/>
+            <a:ext cx="3020037" cy="1754326"/>
+          </a:xfrm>
+          <a:prstGeom prst="rect">
+            <a:avLst/>
+          </a:prstGeom>
+        </p:spPr>
+        <p:txBody>
+          <a:bodyPr wrap="square">
             <a:spAutoFit/>
           </a:bodyPr>
           <a:lstStyle/>
           <a:p>
             <a:r>
-              <a:rPr lang="ru-RU" sz="1900" dirty="0">
-                <a:solidFill>
-                  <a:schemeClr val="tx1">
-                    <a:lumMod val="75000"/>
-                    <a:lumOff val="25000"/>
-                  </a:schemeClr>
-                </a:solidFill>
-                <a:latin typeface="+mj-lt"/>
-                <a:ea typeface="+mj-ea"/>
-                <a:cs typeface="+mj-cs"/>
-              </a:rPr>
-              <a:t>Тело запроса и ответа прикреплено в приложении №2. </a:t>
-            </a:r>
-          </a:p>
-        </p:txBody>
-      </p:sp>
-      <p:sp>
-        <p:nvSpPr>
-          <p:cNvPr id="15" name="Прямоугольник 14"/>
-          <p:cNvSpPr/>
-          <p:nvPr/>
-        </p:nvSpPr>
-        <p:spPr>
-          <a:xfrm>
-            <a:off x="528779" y="2635659"/>
-            <a:ext cx="6096000" cy="1128899"/>
-          </a:xfrm>
-          <a:prstGeom prst="rect">
-            <a:avLst/>
-          </a:prstGeom>
-        </p:spPr>
-        <p:txBody>
-          <a:bodyPr>
-            <a:spAutoFit/>
-          </a:bodyPr>
-          <a:lstStyle/>
-          <a:p>
-            <a:pPr algn="just">
-              <a:lnSpc>
-                <a:spcPct val="70000"/>
-              </a:lnSpc>
-              <a:spcBef>
-                <a:spcPct val="0"/>
-              </a:spcBef>
-            </a:pPr>
-            <a:r>
-              <a:rPr lang="ru-RU" sz="1900" dirty="0">
-                <a:solidFill>
-                  <a:schemeClr val="tx1">
-                    <a:lumMod val="75000"/>
-                    <a:lumOff val="25000"/>
-                  </a:schemeClr>
-                </a:solidFill>
-                <a:latin typeface="+mj-lt"/>
-                <a:ea typeface="+mj-ea"/>
-                <a:cs typeface="+mj-cs"/>
-              </a:rPr>
-              <a:t>На момент создания черновика в заявлении заполняются </a:t>
-            </a:r>
-            <a:r>
-              <a:rPr lang="ru-RU" sz="1900" b="1" dirty="0">
-                <a:solidFill>
-                  <a:schemeClr val="tx1">
-                    <a:lumMod val="75000"/>
-                    <a:lumOff val="25000"/>
-                  </a:schemeClr>
-                </a:solidFill>
-                <a:latin typeface="+mj-lt"/>
-                <a:ea typeface="+mj-ea"/>
-                <a:cs typeface="+mj-cs"/>
-              </a:rPr>
-              <a:t>следующие поля</a:t>
-            </a:r>
-            <a:r>
-              <a:rPr lang="ru-RU" sz="1900" dirty="0">
-                <a:solidFill>
-                  <a:schemeClr val="tx1">
-                    <a:lumMod val="75000"/>
-                    <a:lumOff val="25000"/>
-                  </a:schemeClr>
-                </a:solidFill>
-                <a:latin typeface="+mj-lt"/>
-                <a:ea typeface="+mj-ea"/>
-                <a:cs typeface="+mj-cs"/>
-              </a:rPr>
-              <a:t>: </a:t>
-            </a:r>
-          </a:p>
-          <a:p>
-            <a:pPr algn="just">
-              <a:lnSpc>
-                <a:spcPct val="70000"/>
-              </a:lnSpc>
-              <a:spcBef>
-                <a:spcPct val="0"/>
-              </a:spcBef>
-            </a:pPr>
-            <a:r>
-              <a:rPr lang="ru-RU" sz="1900" dirty="0">
-                <a:solidFill>
-                  <a:schemeClr val="tx1">
-                    <a:lumMod val="75000"/>
-                    <a:lumOff val="25000"/>
-                  </a:schemeClr>
-                </a:solidFill>
-                <a:latin typeface="+mj-lt"/>
-                <a:ea typeface="+mj-ea"/>
-                <a:cs typeface="+mj-cs"/>
-              </a:rPr>
-              <a:t>		заявитель,</a:t>
-            </a:r>
-          </a:p>
-          <a:p>
-            <a:pPr algn="just">
-              <a:lnSpc>
-                <a:spcPct val="70000"/>
-              </a:lnSpc>
-              <a:spcBef>
-                <a:spcPct val="0"/>
-              </a:spcBef>
-            </a:pPr>
-            <a:r>
-              <a:rPr lang="ru-RU" sz="1900" dirty="0">
-                <a:solidFill>
-                  <a:schemeClr val="tx1">
-                    <a:lumMod val="75000"/>
-                    <a:lumOff val="25000"/>
-                  </a:schemeClr>
-                </a:solidFill>
-                <a:latin typeface="+mj-lt"/>
-                <a:ea typeface="+mj-ea"/>
-                <a:cs typeface="+mj-cs"/>
-              </a:rPr>
-              <a:t>		исполнитель, </a:t>
-            </a:r>
-          </a:p>
-          <a:p>
-            <a:pPr algn="just">
-              <a:lnSpc>
-                <a:spcPct val="70000"/>
-              </a:lnSpc>
-              <a:spcBef>
-                <a:spcPct val="0"/>
-              </a:spcBef>
-            </a:pPr>
-            <a:r>
-              <a:rPr lang="ru-RU" sz="1900" dirty="0">
-                <a:solidFill>
-                  <a:schemeClr val="tx1">
-                    <a:lumMod val="75000"/>
-                    <a:lumOff val="25000"/>
-                  </a:schemeClr>
-                </a:solidFill>
-                <a:latin typeface="+mj-lt"/>
-                <a:ea typeface="+mj-ea"/>
-                <a:cs typeface="+mj-cs"/>
-              </a:rPr>
-              <a:t>		услуга.</a:t>
-            </a:r>
-          </a:p>
-        </p:txBody>
-      </p:sp>
+              <a:rPr lang="ru-RU" sz="1200" dirty="0">
+                <a:solidFill>
+                  <a:schemeClr val="tx1">
+                    <a:lumMod val="75000"/>
+                    <a:lumOff val="25000"/>
+                  </a:schemeClr>
+                </a:solidFill>
+              </a:rPr>
+              <a:t>категории, </a:t>
+            </a:r>
+          </a:p>
+          <a:p>
+            <a:r>
+              <a:rPr lang="ru-RU" sz="1200" dirty="0">
+                <a:solidFill>
+                  <a:schemeClr val="tx1">
+                    <a:lumMod val="75000"/>
+                    <a:lumOff val="25000"/>
+                  </a:schemeClr>
+                </a:solidFill>
+              </a:rPr>
+              <a:t>основания отказа, </a:t>
+            </a:r>
+          </a:p>
+          <a:p>
+            <a:r>
+              <a:rPr lang="ru-RU" sz="1200" dirty="0">
+                <a:solidFill>
+                  <a:schemeClr val="tx1">
+                    <a:lumMod val="75000"/>
+                    <a:lumOff val="25000"/>
+                  </a:schemeClr>
+                </a:solidFill>
+              </a:rPr>
+              <a:t>категории получателей, </a:t>
+            </a:r>
+          </a:p>
+          <a:p>
+            <a:r>
+              <a:rPr lang="ru-RU" sz="1200" dirty="0">
+                <a:solidFill>
+                  <a:schemeClr val="tx1">
+                    <a:lumMod val="75000"/>
+                    <a:lumOff val="25000"/>
+                  </a:schemeClr>
+                </a:solidFill>
+              </a:rPr>
+              <a:t>полное наименование услуги, </a:t>
+            </a:r>
+          </a:p>
+          <a:p>
+            <a:r>
+              <a:rPr lang="ru-RU" sz="1200" dirty="0">
+                <a:solidFill>
+                  <a:schemeClr val="tx1">
+                    <a:lumMod val="75000"/>
+                    <a:lumOff val="25000"/>
+                  </a:schemeClr>
+                </a:solidFill>
+              </a:rPr>
+              <a:t>перечень поставщиков услуги,</a:t>
+            </a:r>
+          </a:p>
+          <a:p>
+            <a:r>
+              <a:rPr lang="ru-RU" sz="1200" dirty="0">
+                <a:solidFill>
+                  <a:schemeClr val="tx1">
+                    <a:lumMod val="75000"/>
+                    <a:lumOff val="25000"/>
+                  </a:schemeClr>
+                </a:solidFill>
+              </a:rPr>
+              <a:t>административный регламент, </a:t>
+            </a:r>
+          </a:p>
+          <a:p>
+            <a:r>
+              <a:rPr lang="ru-RU" sz="1200" dirty="0">
+                <a:solidFill>
+                  <a:schemeClr val="tx1">
+                    <a:lumMod val="75000"/>
+                    <a:lumOff val="25000"/>
+                  </a:schemeClr>
+                </a:solidFill>
+              </a:rPr>
+              <a:t>стоимость и сроки оказания услуги, </a:t>
+            </a:r>
+          </a:p>
+          <a:p>
+            <a:r>
+              <a:rPr lang="ru-RU" sz="1200" dirty="0">
+                <a:solidFill>
+                  <a:schemeClr val="tx1">
+                    <a:lumMod val="75000"/>
+                    <a:lumOff val="25000"/>
+                  </a:schemeClr>
+                </a:solidFill>
+              </a:rPr>
+              <a:t>документы необходимые для получения услуги.</a:t>
+            </a:r>
+          </a:p>
+        </p:txBody>
+      </p:sp>
+      <p:pic>
+        <p:nvPicPr>
+          <p:cNvPr id="15" name="Рисунок 14" descr="Изображение выглядит как текст, диаграмма, План, линия&#10;&#10;Автоматически созданное описание"/>
+          <p:cNvPicPr/>
+          <p:nvPr/>
+        </p:nvPicPr>
+        <p:blipFill>
+          <a:blip r:embed="rId5"/>
+          <a:stretch>
+            <a:fillRect/>
+          </a:stretch>
+        </p:blipFill>
+        <p:spPr>
+          <a:xfrm>
+            <a:off x="3159853" y="571143"/>
+            <a:ext cx="9028429" cy="6240483"/>
+          </a:xfrm>
+          <a:prstGeom prst="rect">
+            <a:avLst/>
+          </a:prstGeom>
+        </p:spPr>
+      </p:pic>
     </p:spTree>
     <p:extLst>
       <p:ext uri="{BB962C8B-B14F-4D97-AF65-F5344CB8AC3E}">
-        <p14:creationId xmlns:p14="http://schemas.microsoft.com/office/powerpoint/2010/main" val="2095223820"/>
+        <p14:creationId xmlns:p14="http://schemas.microsoft.com/office/powerpoint/2010/main" val="2738830942"/>
       </p:ext>
     </p:extLst>
   </p:cSld>
@@ -4658,7 +4153,7 @@
       </p:cxnSp>
       <p:sp>
         <p:nvSpPr>
-          <p:cNvPr id="12" name="Заголовок 1"/>
+          <p:cNvPr id="13" name="Заголовок 1"/>
           <p:cNvSpPr txBox="1">
             <a:spLocks/>
           </p:cNvSpPr>
@@ -4666,8 +4161,8 @@
         </p:nvSpPr>
         <p:spPr>
           <a:xfrm>
-            <a:off x="301124" y="89560"/>
-            <a:ext cx="9891500" cy="414347"/>
+            <a:off x="0" y="32485"/>
+            <a:ext cx="8009382" cy="700755"/>
           </a:xfrm>
           <a:prstGeom prst="rect">
             <a:avLst/>
@@ -4699,83 +4194,17 @@
           <a:p>
             <a:pPr algn="l"/>
             <a:r>
-              <a:rPr lang="ru-RU" sz="2400" b="1" dirty="0">
-                <a:solidFill>
-                  <a:schemeClr val="tx1">
-                    <a:lumMod val="75000"/>
-                    <a:lumOff val="25000"/>
-                  </a:schemeClr>
-                </a:solidFill>
-              </a:rPr>
-              <a:t>Запрос и ответ к </a:t>
-            </a:r>
-            <a:r>
-              <a:rPr lang="en-US" sz="2400" b="1" dirty="0" err="1">
-                <a:solidFill>
-                  <a:schemeClr val="tx1">
-                    <a:lumMod val="75000"/>
-                    <a:lumOff val="25000"/>
-                  </a:schemeClr>
-                </a:solidFill>
-              </a:rPr>
-              <a:t>api</a:t>
-            </a:r>
-            <a:r>
-              <a:rPr lang="ru-RU" sz="2400" b="1" dirty="0">
-                <a:solidFill>
-                  <a:schemeClr val="tx1">
-                    <a:lumMod val="75000"/>
-                    <a:lumOff val="25000"/>
-                  </a:schemeClr>
-                </a:solidFill>
-              </a:rPr>
-              <a:t> </a:t>
-            </a:r>
-          </a:p>
-        </p:txBody>
-      </p:sp>
-      <p:sp>
-        <p:nvSpPr>
-          <p:cNvPr id="13" name="Заголовок 1"/>
-          <p:cNvSpPr txBox="1">
-            <a:spLocks/>
-          </p:cNvSpPr>
-          <p:nvPr/>
-        </p:nvSpPr>
-        <p:spPr>
-          <a:xfrm>
-            <a:off x="114722" y="580229"/>
-            <a:ext cx="9555489" cy="1142502"/>
-          </a:xfrm>
-          <a:prstGeom prst="rect">
-            <a:avLst/>
-          </a:prstGeom>
-        </p:spPr>
-        <p:txBody>
-          <a:bodyPr vert="horz" lIns="91440" tIns="45720" rIns="91440" bIns="45720" rtlCol="0" anchor="t">
-            <a:normAutofit fontScale="47500" lnSpcReduction="20000"/>
-          </a:bodyPr>
-          <a:lstStyle>
-            <a:lvl1pPr algn="ctr" defTabSz="914400" rtl="0" eaLnBrk="1" latinLnBrk="0" hangingPunct="1">
-              <a:lnSpc>
-                <a:spcPct val="90000"/>
-              </a:lnSpc>
-              <a:spcBef>
-                <a:spcPct val="0"/>
-              </a:spcBef>
-              <a:buNone/>
-              <a:defRPr sz="6000" kern="1200">
-                <a:solidFill>
-                  <a:schemeClr val="tx1"/>
-                </a:solidFill>
-                <a:latin typeface="+mj-lt"/>
-                <a:ea typeface="+mj-ea"/>
-                <a:cs typeface="+mj-cs"/>
-              </a:defRPr>
-            </a:lvl1pPr>
-          </a:lstStyle>
-          <a:p>
-            <a:endParaRPr lang="ru-RU" dirty="0">
+              <a:rPr lang="ru-RU" sz="1600" b="1" dirty="0">
+                <a:solidFill>
+                  <a:schemeClr val="tx1">
+                    <a:lumMod val="75000"/>
+                    <a:lumOff val="25000"/>
+                  </a:schemeClr>
+                </a:solidFill>
+              </a:rPr>
+              <a:t>Создание черновика заявления:</a:t>
+            </a:r>
+            <a:endParaRPr lang="ru-RU" sz="1600" dirty="0">
               <a:solidFill>
                 <a:schemeClr val="tx1">
                   <a:lumMod val="75000"/>
@@ -4785,67 +4214,33 @@
             </a:endParaRPr>
           </a:p>
           <a:p>
-            <a:pPr algn="l"/>
-            <a:r>
-              <a:rPr lang="ru-RU" b="1" dirty="0">
-                <a:solidFill>
-                  <a:schemeClr val="tx1">
-                    <a:lumMod val="75000"/>
-                    <a:lumOff val="25000"/>
-                  </a:schemeClr>
-                </a:solidFill>
-              </a:rPr>
-              <a:t>Ч</a:t>
-            </a:r>
-            <a:r>
-              <a:rPr lang="ru-RU" sz="6000" b="1" dirty="0">
-                <a:solidFill>
-                  <a:schemeClr val="tx1">
-                    <a:lumMod val="75000"/>
-                    <a:lumOff val="25000"/>
-                  </a:schemeClr>
-                </a:solidFill>
-              </a:rPr>
-              <a:t>тение выбранного заявления:</a:t>
-            </a:r>
-            <a:endParaRPr lang="ru-RU" dirty="0">
-              <a:solidFill>
-                <a:schemeClr val="tx1">
-                  <a:lumMod val="75000"/>
-                  <a:lumOff val="25000"/>
-                </a:schemeClr>
-              </a:solidFill>
-            </a:endParaRPr>
-          </a:p>
-          <a:p>
-            <a:r>
-              <a:rPr lang="en-US" dirty="0">
-                <a:solidFill>
-                  <a:schemeClr val="tx1">
-                    <a:lumMod val="75000"/>
-                    <a:lumOff val="25000"/>
-                  </a:schemeClr>
-                </a:solidFill>
-              </a:rPr>
-              <a:t>GET </a:t>
-            </a:r>
-            <a:r>
-              <a:rPr lang="en-US" dirty="0">
+            <a:r>
+              <a:rPr lang="en-US" sz="1600" dirty="0">
+                <a:solidFill>
+                  <a:schemeClr val="tx1">
+                    <a:lumMod val="75000"/>
+                    <a:lumOff val="25000"/>
+                  </a:schemeClr>
+                </a:solidFill>
+              </a:rPr>
+              <a:t>POST </a:t>
+            </a:r>
+            <a:r>
+              <a:rPr lang="en-US" sz="1600" dirty="0">
                 <a:hlinkClick r:id="rId4"/>
               </a:rPr>
-              <a:t>https://uslugi.egov66.ru/forest-api/api/requests/2334177</a:t>
-            </a:r>
-            <a:r>
-              <a:rPr lang="en-US" dirty="0"/>
-              <a:t> </a:t>
-            </a:r>
-            <a:endParaRPr lang="ru-RU" dirty="0"/>
-          </a:p>
-        </p:txBody>
-      </p:sp>
-      <p:sp>
-        <p:nvSpPr>
-          <p:cNvPr id="9" name="Заголовок 1"/>
+              <a:t>https://uslugi.egov66.ru/forest-api/api/requests</a:t>
+            </a:r>
+            <a:r>
+              <a:rPr lang="ru-RU" sz="1600" dirty="0"/>
+              <a:t>  </a:t>
+            </a:r>
+          </a:p>
+        </p:txBody>
+      </p:sp>
+      <p:sp>
+        <p:nvSpPr>
+          <p:cNvPr id="14" name="Заголовок 1"/>
           <p:cNvSpPr txBox="1">
             <a:spLocks/>
           </p:cNvSpPr>
@@ -4853,7 +4248,7 @@
         </p:nvSpPr>
         <p:spPr>
           <a:xfrm>
-            <a:off x="1394045" y="2853229"/>
+            <a:off x="502015" y="912576"/>
             <a:ext cx="10077678" cy="881226"/>
           </a:xfrm>
           <a:prstGeom prst="rect">
@@ -4898,27 +4293,88 @@
       </p:sp>
       <p:sp>
         <p:nvSpPr>
-          <p:cNvPr id="11" name="Прямоугольник 10"/>
+          <p:cNvPr id="9" name="Заголовок 1"/>
+          <p:cNvSpPr txBox="1">
+            <a:spLocks/>
+          </p:cNvSpPr>
+          <p:nvPr/>
+        </p:nvSpPr>
+        <p:spPr>
+          <a:xfrm>
+            <a:off x="1425942" y="2853229"/>
+            <a:ext cx="10077678" cy="881226"/>
+          </a:xfrm>
+          <a:prstGeom prst="rect">
+            <a:avLst/>
+          </a:prstGeom>
+        </p:spPr>
+        <p:txBody>
+          <a:bodyPr vert="horz" lIns="91440" tIns="45720" rIns="91440" bIns="45720" rtlCol="0" anchor="t">
+            <a:noAutofit/>
+          </a:bodyPr>
+          <a:lstStyle>
+            <a:lvl1pPr algn="ctr" defTabSz="914400" rtl="0" eaLnBrk="1" latinLnBrk="0" hangingPunct="1">
+              <a:lnSpc>
+                <a:spcPct val="90000"/>
+              </a:lnSpc>
+              <a:spcBef>
+                <a:spcPct val="0"/>
+              </a:spcBef>
+              <a:buNone/>
+              <a:defRPr sz="6000" kern="1200">
+                <a:solidFill>
+                  <a:schemeClr val="tx1"/>
+                </a:solidFill>
+                <a:latin typeface="+mj-lt"/>
+                <a:ea typeface="+mj-ea"/>
+                <a:cs typeface="+mj-cs"/>
+              </a:defRPr>
+            </a:lvl1pPr>
+          </a:lstStyle>
+          <a:p>
+            <a:pPr algn="l"/>
+            <a:endParaRPr lang="ru-RU" sz="1800" dirty="0">
+              <a:solidFill>
+                <a:schemeClr val="tx1">
+                  <a:lumMod val="75000"/>
+                  <a:lumOff val="25000"/>
+                </a:schemeClr>
+              </a:solidFill>
+            </a:endParaRPr>
+          </a:p>
+        </p:txBody>
+      </p:sp>
+      <p:sp>
+        <p:nvSpPr>
+          <p:cNvPr id="2" name="Прямоугольник 1"/>
           <p:cNvSpPr/>
           <p:nvPr/>
         </p:nvSpPr>
         <p:spPr>
           <a:xfrm>
-            <a:off x="502015" y="1753841"/>
-            <a:ext cx="6096000" cy="677108"/>
-          </a:xfrm>
-          <a:prstGeom prst="rect">
-            <a:avLst/>
-          </a:prstGeom>
-        </p:spPr>
-        <p:txBody>
-          <a:bodyPr>
+            <a:off x="-37801" y="2880884"/>
+            <a:ext cx="2772612" cy="846386"/>
+          </a:xfrm>
+          <a:prstGeom prst="rect">
+            <a:avLst/>
+          </a:prstGeom>
+        </p:spPr>
+        <p:txBody>
+          <a:bodyPr wrap="square">
             <a:spAutoFit/>
           </a:bodyPr>
           <a:lstStyle/>
           <a:p>
-            <a:r>
-              <a:rPr lang="ru-RU" sz="1900" dirty="0">
+            <a:pPr algn="just">
+              <a:lnSpc>
+                <a:spcPct val="70000"/>
+              </a:lnSpc>
+              <a:spcBef>
+                <a:spcPct val="0"/>
+              </a:spcBef>
+            </a:pPr>
+            <a:r>
+              <a:rPr lang="ru-RU" sz="1400" b="1" dirty="0">
                 <a:solidFill>
                   <a:schemeClr val="tx1">
                     <a:lumMod val="75000"/>
@@ -4929,12 +4385,22 @@
                 <a:ea typeface="+mj-ea"/>
                 <a:cs typeface="+mj-cs"/>
               </a:rPr>
-              <a:t>Тело ответа прикреплено в приложении №3. </a:t>
-            </a:r>
-          </a:p>
-          <a:p>
-            <a:r>
-              <a:rPr lang="ru-RU" sz="1900" dirty="0">
+              <a:t>Логика запроса:</a:t>
+            </a:r>
+          </a:p>
+          <a:p>
+            <a:pPr marL="342900" indent="-342900" algn="just">
+              <a:lnSpc>
+                <a:spcPct val="70000"/>
+              </a:lnSpc>
+              <a:spcBef>
+                <a:spcPct val="0"/>
+              </a:spcBef>
+              <a:buFont typeface="Arial" panose="020B0604020202020204" pitchFamily="34" charset="0"/>
+              <a:buChar char="•"/>
+            </a:pPr>
+            <a:r>
+              <a:rPr lang="ru-RU" sz="1400" dirty="0">
                 <a:solidFill>
                   <a:schemeClr val="tx1">
                     <a:lumMod val="75000"/>
@@ -4945,128 +4411,410 @@
                 <a:ea typeface="+mj-ea"/>
                 <a:cs typeface="+mj-cs"/>
               </a:rPr>
-              <a:t>Краткое описание тела ответа: </a:t>
-            </a:r>
-          </a:p>
-        </p:txBody>
-      </p:sp>
-      <p:sp>
-        <p:nvSpPr>
-          <p:cNvPr id="3" name="Прямоугольник 2"/>
+              <a:t>Создать заявление</a:t>
+            </a:r>
+            <a:r>
+              <a:rPr lang="en-US" sz="1400" dirty="0">
+                <a:solidFill>
+                  <a:schemeClr val="tx1">
+                    <a:lumMod val="75000"/>
+                    <a:lumOff val="25000"/>
+                  </a:schemeClr>
+                </a:solidFill>
+                <a:latin typeface="+mj-lt"/>
+                <a:ea typeface="+mj-ea"/>
+                <a:cs typeface="+mj-cs"/>
+              </a:rPr>
+              <a:t>,</a:t>
+            </a:r>
+            <a:endParaRPr lang="ru-RU" sz="1400" dirty="0">
+              <a:solidFill>
+                <a:schemeClr val="tx1">
+                  <a:lumMod val="75000"/>
+                  <a:lumOff val="25000"/>
+                </a:schemeClr>
+              </a:solidFill>
+              <a:latin typeface="+mj-lt"/>
+              <a:ea typeface="+mj-ea"/>
+              <a:cs typeface="+mj-cs"/>
+            </a:endParaRPr>
+          </a:p>
+          <a:p>
+            <a:pPr marL="342900" indent="-342900" algn="just">
+              <a:lnSpc>
+                <a:spcPct val="70000"/>
+              </a:lnSpc>
+              <a:spcBef>
+                <a:spcPct val="0"/>
+              </a:spcBef>
+              <a:buFont typeface="Arial" panose="020B0604020202020204" pitchFamily="34" charset="0"/>
+              <a:buChar char="•"/>
+            </a:pPr>
+            <a:r>
+              <a:rPr lang="ru-RU" sz="1400" dirty="0">
+                <a:solidFill>
+                  <a:schemeClr val="tx1">
+                    <a:lumMod val="75000"/>
+                    <a:lumOff val="25000"/>
+                  </a:schemeClr>
+                </a:solidFill>
+                <a:latin typeface="+mj-lt"/>
+                <a:ea typeface="+mj-ea"/>
+                <a:cs typeface="+mj-cs"/>
+              </a:rPr>
+              <a:t>Установить статус черновик</a:t>
+            </a:r>
+            <a:r>
+              <a:rPr lang="en-US" sz="1400" dirty="0">
+                <a:solidFill>
+                  <a:schemeClr val="tx1">
+                    <a:lumMod val="75000"/>
+                    <a:lumOff val="25000"/>
+                  </a:schemeClr>
+                </a:solidFill>
+                <a:latin typeface="+mj-lt"/>
+                <a:ea typeface="+mj-ea"/>
+                <a:cs typeface="+mj-cs"/>
+              </a:rPr>
+              <a:t>,</a:t>
+            </a:r>
+            <a:endParaRPr lang="ru-RU" sz="1400" dirty="0">
+              <a:solidFill>
+                <a:schemeClr val="tx1">
+                  <a:lumMod val="75000"/>
+                  <a:lumOff val="25000"/>
+                </a:schemeClr>
+              </a:solidFill>
+              <a:latin typeface="+mj-lt"/>
+              <a:ea typeface="+mj-ea"/>
+              <a:cs typeface="+mj-cs"/>
+            </a:endParaRPr>
+          </a:p>
+          <a:p>
+            <a:pPr marL="342900" indent="-342900" algn="just">
+              <a:lnSpc>
+                <a:spcPct val="70000"/>
+              </a:lnSpc>
+              <a:spcBef>
+                <a:spcPct val="0"/>
+              </a:spcBef>
+              <a:buFont typeface="Arial" panose="020B0604020202020204" pitchFamily="34" charset="0"/>
+              <a:buChar char="•"/>
+            </a:pPr>
+            <a:r>
+              <a:rPr lang="ru-RU" sz="1400" dirty="0">
+                <a:solidFill>
+                  <a:schemeClr val="tx1">
+                    <a:lumMod val="75000"/>
+                    <a:lumOff val="25000"/>
+                  </a:schemeClr>
+                </a:solidFill>
+                <a:latin typeface="+mj-lt"/>
+                <a:ea typeface="+mj-ea"/>
+                <a:cs typeface="+mj-cs"/>
+              </a:rPr>
+              <a:t>Пред заполнить информацию</a:t>
+            </a:r>
+            <a:r>
+              <a:rPr lang="en-US" sz="1400" dirty="0">
+                <a:solidFill>
+                  <a:schemeClr val="tx1">
+                    <a:lumMod val="75000"/>
+                    <a:lumOff val="25000"/>
+                  </a:schemeClr>
+                </a:solidFill>
+                <a:latin typeface="+mj-lt"/>
+                <a:ea typeface="+mj-ea"/>
+                <a:cs typeface="+mj-cs"/>
+              </a:rPr>
+              <a:t>.</a:t>
+            </a:r>
+            <a:endParaRPr lang="ru-RU" sz="1400" dirty="0">
+              <a:solidFill>
+                <a:schemeClr val="tx1">
+                  <a:lumMod val="75000"/>
+                  <a:lumOff val="25000"/>
+                </a:schemeClr>
+              </a:solidFill>
+              <a:latin typeface="+mj-lt"/>
+              <a:ea typeface="+mj-ea"/>
+              <a:cs typeface="+mj-cs"/>
+            </a:endParaRPr>
+          </a:p>
+        </p:txBody>
+      </p:sp>
+      <p:sp>
+        <p:nvSpPr>
+          <p:cNvPr id="11" name="Прямоугольник 10"/>
           <p:cNvSpPr/>
           <p:nvPr/>
         </p:nvSpPr>
         <p:spPr>
           <a:xfrm>
-            <a:off x="3677174" y="2354870"/>
-            <a:ext cx="6096000" cy="2031325"/>
-          </a:xfrm>
-          <a:prstGeom prst="rect">
-            <a:avLst/>
-          </a:prstGeom>
-        </p:spPr>
-        <p:txBody>
-          <a:bodyPr>
+            <a:off x="0" y="1103709"/>
+            <a:ext cx="2365695" cy="461665"/>
+          </a:xfrm>
+          <a:prstGeom prst="rect">
+            <a:avLst/>
+          </a:prstGeom>
+        </p:spPr>
+        <p:txBody>
+          <a:bodyPr wrap="square">
             <a:spAutoFit/>
           </a:bodyPr>
           <a:lstStyle/>
           <a:p>
             <a:r>
-              <a:rPr lang="ru-RU" dirty="0">
-                <a:solidFill>
-                  <a:schemeClr val="tx1">
-                    <a:lumMod val="75000"/>
-                    <a:lumOff val="25000"/>
-                  </a:schemeClr>
-                </a:solidFill>
-              </a:rPr>
-              <a:t>Заявитель,</a:t>
-            </a:r>
-          </a:p>
-          <a:p>
-            <a:r>
-              <a:rPr lang="ru-RU" dirty="0">
-                <a:solidFill>
-                  <a:schemeClr val="tx1">
-                    <a:lumMod val="75000"/>
-                    <a:lumOff val="25000"/>
-                  </a:schemeClr>
-                </a:solidFill>
-              </a:rPr>
-              <a:t>Представитель,</a:t>
-            </a:r>
-          </a:p>
-          <a:p>
-            <a:r>
-              <a:rPr lang="ru-RU" dirty="0">
-                <a:solidFill>
-                  <a:schemeClr val="tx1">
-                    <a:lumMod val="75000"/>
-                    <a:lumOff val="25000"/>
-                  </a:schemeClr>
-                </a:solidFill>
-              </a:rPr>
-              <a:t>Земельный участок,</a:t>
-            </a:r>
-          </a:p>
-          <a:p>
-            <a:r>
-              <a:rPr lang="ru-RU" dirty="0">
-                <a:solidFill>
-                  <a:schemeClr val="tx1">
-                    <a:lumMod val="75000"/>
-                    <a:lumOff val="25000"/>
-                  </a:schemeClr>
-                </a:solidFill>
-              </a:rPr>
-              <a:t>Оказываемая услуга,</a:t>
-            </a:r>
-          </a:p>
-          <a:p>
-            <a:r>
-              <a:rPr lang="ru-RU" dirty="0">
-                <a:solidFill>
-                  <a:schemeClr val="tx1">
-                    <a:lumMod val="75000"/>
-                    <a:lumOff val="25000"/>
-                  </a:schemeClr>
-                </a:solidFill>
-              </a:rPr>
-              <a:t>Вид права пользования участком,</a:t>
-            </a:r>
-          </a:p>
-          <a:p>
-            <a:r>
-              <a:rPr lang="ru-RU" dirty="0">
-                <a:solidFill>
-                  <a:schemeClr val="tx1">
-                    <a:lumMod val="75000"/>
-                    <a:lumOff val="25000"/>
-                  </a:schemeClr>
-                </a:solidFill>
-              </a:rPr>
-              <a:t>Приложенные к заявлению документы,</a:t>
-            </a:r>
-          </a:p>
-          <a:p>
-            <a:r>
-              <a:rPr lang="ru-RU" dirty="0">
-                <a:solidFill>
-                  <a:schemeClr val="tx1">
-                    <a:lumMod val="75000"/>
-                    <a:lumOff val="25000"/>
-                  </a:schemeClr>
-                </a:solidFill>
-              </a:rPr>
-              <a:t>Срок планируемого использования участка.</a:t>
-            </a:r>
-          </a:p>
-        </p:txBody>
-      </p:sp>
+              <a:rPr lang="ru-RU" sz="1200" dirty="0">
+                <a:solidFill>
+                  <a:schemeClr val="tx1">
+                    <a:lumMod val="75000"/>
+                    <a:lumOff val="25000"/>
+                  </a:schemeClr>
+                </a:solidFill>
+                <a:latin typeface="+mj-lt"/>
+                <a:ea typeface="+mj-ea"/>
+                <a:cs typeface="+mj-cs"/>
+              </a:rPr>
+              <a:t>Тело запроса и ответа прикреплено в приложении №2. </a:t>
+            </a:r>
+          </a:p>
+        </p:txBody>
+      </p:sp>
+      <p:sp>
+        <p:nvSpPr>
+          <p:cNvPr id="15" name="Прямоугольник 14"/>
+          <p:cNvSpPr/>
+          <p:nvPr/>
+        </p:nvSpPr>
+        <p:spPr>
+          <a:xfrm>
+            <a:off x="-37800" y="1820322"/>
+            <a:ext cx="2990726" cy="867930"/>
+          </a:xfrm>
+          <a:prstGeom prst="rect">
+            <a:avLst/>
+          </a:prstGeom>
+        </p:spPr>
+        <p:txBody>
+          <a:bodyPr wrap="square">
+            <a:spAutoFit/>
+          </a:bodyPr>
+          <a:lstStyle/>
+          <a:p>
+            <a:pPr algn="just">
+              <a:lnSpc>
+                <a:spcPct val="70000"/>
+              </a:lnSpc>
+              <a:spcBef>
+                <a:spcPct val="0"/>
+              </a:spcBef>
+            </a:pPr>
+            <a:r>
+              <a:rPr lang="ru-RU" sz="1200" dirty="0">
+                <a:solidFill>
+                  <a:schemeClr val="tx1">
+                    <a:lumMod val="75000"/>
+                    <a:lumOff val="25000"/>
+                  </a:schemeClr>
+                </a:solidFill>
+                <a:latin typeface="+mj-lt"/>
+                <a:ea typeface="+mj-ea"/>
+                <a:cs typeface="+mj-cs"/>
+              </a:rPr>
+              <a:t>На момент создания черновика в заявлении заполняются </a:t>
+            </a:r>
+            <a:r>
+              <a:rPr lang="ru-RU" sz="1200" b="1" dirty="0">
+                <a:solidFill>
+                  <a:schemeClr val="tx1">
+                    <a:lumMod val="75000"/>
+                    <a:lumOff val="25000"/>
+                  </a:schemeClr>
+                </a:solidFill>
+                <a:latin typeface="+mj-lt"/>
+                <a:ea typeface="+mj-ea"/>
+                <a:cs typeface="+mj-cs"/>
+              </a:rPr>
+              <a:t>следующие поля</a:t>
+            </a:r>
+            <a:r>
+              <a:rPr lang="ru-RU" sz="1200" dirty="0">
+                <a:solidFill>
+                  <a:schemeClr val="tx1">
+                    <a:lumMod val="75000"/>
+                    <a:lumOff val="25000"/>
+                  </a:schemeClr>
+                </a:solidFill>
+                <a:latin typeface="+mj-lt"/>
+                <a:ea typeface="+mj-ea"/>
+                <a:cs typeface="+mj-cs"/>
+              </a:rPr>
+              <a:t>: </a:t>
+            </a:r>
+          </a:p>
+          <a:p>
+            <a:pPr algn="just">
+              <a:lnSpc>
+                <a:spcPct val="70000"/>
+              </a:lnSpc>
+              <a:spcBef>
+                <a:spcPct val="0"/>
+              </a:spcBef>
+            </a:pPr>
+            <a:r>
+              <a:rPr lang="ru-RU" sz="1200" dirty="0">
+                <a:solidFill>
+                  <a:schemeClr val="tx1">
+                    <a:lumMod val="75000"/>
+                    <a:lumOff val="25000"/>
+                  </a:schemeClr>
+                </a:solidFill>
+                <a:latin typeface="+mj-lt"/>
+                <a:ea typeface="+mj-ea"/>
+                <a:cs typeface="+mj-cs"/>
+              </a:rPr>
+              <a:t>	</a:t>
+            </a:r>
+            <a:r>
+              <a:rPr lang="ru-RU" sz="1600" dirty="0" smtClean="0">
+                <a:solidFill>
+                  <a:schemeClr val="tx1">
+                    <a:lumMod val="75000"/>
+                    <a:lumOff val="25000"/>
+                  </a:schemeClr>
+                </a:solidFill>
+                <a:latin typeface="+mj-lt"/>
+                <a:ea typeface="+mj-ea"/>
+                <a:cs typeface="+mj-cs"/>
+              </a:rPr>
+              <a:t>заявитель,</a:t>
+            </a:r>
+            <a:r>
+              <a:rPr lang="ru-RU" sz="1600" dirty="0">
+                <a:solidFill>
+                  <a:schemeClr val="tx1">
+                    <a:lumMod val="75000"/>
+                    <a:lumOff val="25000"/>
+                  </a:schemeClr>
+                </a:solidFill>
+                <a:latin typeface="+mj-lt"/>
+                <a:ea typeface="+mj-ea"/>
+                <a:cs typeface="+mj-cs"/>
+              </a:rPr>
+              <a:t>	</a:t>
+            </a:r>
+            <a:r>
+              <a:rPr lang="ru-RU" sz="1600" dirty="0" smtClean="0">
+                <a:solidFill>
+                  <a:schemeClr val="tx1">
+                    <a:lumMod val="75000"/>
+                    <a:lumOff val="25000"/>
+                  </a:schemeClr>
+                </a:solidFill>
+                <a:latin typeface="+mj-lt"/>
+                <a:ea typeface="+mj-ea"/>
+                <a:cs typeface="+mj-cs"/>
+              </a:rPr>
+              <a:t>		исполнитель</a:t>
+            </a:r>
+            <a:r>
+              <a:rPr lang="ru-RU" sz="1600" dirty="0">
+                <a:solidFill>
+                  <a:schemeClr val="tx1">
+                    <a:lumMod val="75000"/>
+                    <a:lumOff val="25000"/>
+                  </a:schemeClr>
+                </a:solidFill>
+                <a:latin typeface="+mj-lt"/>
+                <a:ea typeface="+mj-ea"/>
+                <a:cs typeface="+mj-cs"/>
+              </a:rPr>
+              <a:t>, </a:t>
+            </a:r>
+          </a:p>
+          <a:p>
+            <a:pPr algn="just">
+              <a:lnSpc>
+                <a:spcPct val="70000"/>
+              </a:lnSpc>
+              <a:spcBef>
+                <a:spcPct val="0"/>
+              </a:spcBef>
+            </a:pPr>
+            <a:r>
+              <a:rPr lang="ru-RU" sz="1600" dirty="0">
+                <a:solidFill>
+                  <a:schemeClr val="tx1">
+                    <a:lumMod val="75000"/>
+                    <a:lumOff val="25000"/>
+                  </a:schemeClr>
+                </a:solidFill>
+                <a:latin typeface="+mj-lt"/>
+                <a:ea typeface="+mj-ea"/>
+                <a:cs typeface="+mj-cs"/>
+              </a:rPr>
+              <a:t>	</a:t>
+            </a:r>
+            <a:r>
+              <a:rPr lang="ru-RU" sz="1600" dirty="0" smtClean="0">
+                <a:solidFill>
+                  <a:schemeClr val="tx1">
+                    <a:lumMod val="75000"/>
+                    <a:lumOff val="25000"/>
+                  </a:schemeClr>
+                </a:solidFill>
+                <a:latin typeface="+mj-lt"/>
+                <a:ea typeface="+mj-ea"/>
+                <a:cs typeface="+mj-cs"/>
+              </a:rPr>
+              <a:t>услуга</a:t>
+            </a:r>
+            <a:r>
+              <a:rPr lang="ru-RU" sz="1600" dirty="0">
+                <a:solidFill>
+                  <a:schemeClr val="tx1">
+                    <a:lumMod val="75000"/>
+                    <a:lumOff val="25000"/>
+                  </a:schemeClr>
+                </a:solidFill>
+                <a:latin typeface="+mj-lt"/>
+                <a:ea typeface="+mj-ea"/>
+                <a:cs typeface="+mj-cs"/>
+              </a:rPr>
+              <a:t>.</a:t>
+            </a:r>
+          </a:p>
+        </p:txBody>
+      </p:sp>
+      <p:pic>
+        <p:nvPicPr>
+          <p:cNvPr id="16" name="Рисунок 15"/>
+          <p:cNvPicPr>
+            <a:picLocks noChangeAspect="1"/>
+          </p:cNvPicPr>
+          <p:nvPr/>
+        </p:nvPicPr>
+        <p:blipFill>
+          <a:blip r:embed="rId5"/>
+          <a:stretch>
+            <a:fillRect/>
+          </a:stretch>
+        </p:blipFill>
+        <p:spPr>
+          <a:xfrm>
+            <a:off x="2952925" y="733240"/>
+            <a:ext cx="9163456" cy="6342331"/>
+          </a:xfrm>
+          <a:prstGeom prst="rect">
+            <a:avLst/>
+          </a:prstGeom>
+        </p:spPr>
+      </p:pic>
     </p:spTree>
     <p:extLst>
       <p:ext uri="{BB962C8B-B14F-4D97-AF65-F5344CB8AC3E}">
-        <p14:creationId xmlns:p14="http://schemas.microsoft.com/office/powerpoint/2010/main" val="3789174437"/>
+        <p14:creationId xmlns:p14="http://schemas.microsoft.com/office/powerpoint/2010/main" val="2095223820"/>
       </p:ext>
     </p:extLst>
   </p:cSld>
@@ -5165,7 +4913,7 @@
       </p:cxnSp>
       <p:sp>
         <p:nvSpPr>
-          <p:cNvPr id="12" name="Заголовок 1"/>
+          <p:cNvPr id="13" name="Заголовок 1"/>
           <p:cNvSpPr txBox="1">
             <a:spLocks/>
           </p:cNvSpPr>
@@ -5173,8 +4921,8 @@
         </p:nvSpPr>
         <p:spPr>
           <a:xfrm>
-            <a:off x="301124" y="89560"/>
-            <a:ext cx="9891500" cy="430783"/>
+            <a:off x="18250" y="-369302"/>
+            <a:ext cx="9555489" cy="1142502"/>
           </a:xfrm>
           <a:prstGeom prst="rect">
             <a:avLst/>
@@ -5182,7 +4930,7 @@
         </p:spPr>
         <p:txBody>
           <a:bodyPr vert="horz" lIns="91440" tIns="45720" rIns="91440" bIns="45720" rtlCol="0" anchor="t">
-            <a:noAutofit/>
+            <a:normAutofit/>
           </a:bodyPr>
           <a:lstStyle>
             <a:lvl1pPr algn="ctr" defTabSz="914400" rtl="0" eaLnBrk="1" latinLnBrk="0" hangingPunct="1">
@@ -5204,30 +4952,7 @@
             </a:lvl1pPr>
           </a:lstStyle>
           <a:p>
-            <a:pPr algn="l"/>
-            <a:r>
-              <a:rPr lang="ru-RU" sz="2400" b="1" dirty="0">
-                <a:solidFill>
-                  <a:schemeClr val="tx1">
-                    <a:lumMod val="75000"/>
-                    <a:lumOff val="25000"/>
-                  </a:schemeClr>
-                </a:solidFill>
-              </a:rPr>
-              <a:t>Запрос и ответ к </a:t>
-            </a:r>
-            <a:r>
-              <a:rPr lang="en-US" sz="2400" b="1" dirty="0" err="1">
-                <a:solidFill>
-                  <a:schemeClr val="tx1">
-                    <a:lumMod val="75000"/>
-                    <a:lumOff val="25000"/>
-                  </a:schemeClr>
-                </a:solidFill>
-              </a:rPr>
-              <a:t>api</a:t>
-            </a:r>
-            <a:endParaRPr lang="ru-RU" sz="2400" b="1" dirty="0">
+            <a:endParaRPr lang="ru-RU" sz="2400" dirty="0">
               <a:solidFill>
                 <a:schemeClr val="tx1">
                   <a:lumMod val="75000"/>
@@ -5236,73 +4961,20 @@
               </a:solidFill>
             </a:endParaRPr>
           </a:p>
-        </p:txBody>
-      </p:sp>
-      <p:sp>
-        <p:nvSpPr>
-          <p:cNvPr id="13" name="Заголовок 1"/>
-          <p:cNvSpPr txBox="1">
-            <a:spLocks/>
-          </p:cNvSpPr>
-          <p:nvPr/>
-        </p:nvSpPr>
-        <p:spPr>
-          <a:xfrm>
-            <a:off x="41906" y="1064976"/>
-            <a:ext cx="12191999" cy="729422"/>
-          </a:xfrm>
-          <a:prstGeom prst="rect">
-            <a:avLst/>
-          </a:prstGeom>
-        </p:spPr>
-        <p:txBody>
-          <a:bodyPr vert="horz" lIns="91440" tIns="45720" rIns="91440" bIns="45720" rtlCol="0" anchor="t">
-            <a:noAutofit/>
-          </a:bodyPr>
-          <a:lstStyle>
-            <a:lvl1pPr algn="ctr" defTabSz="914400" rtl="0" eaLnBrk="1" latinLnBrk="0" hangingPunct="1">
-              <a:lnSpc>
-                <a:spcPct val="90000"/>
-              </a:lnSpc>
-              <a:spcBef>
-                <a:spcPct val="0"/>
-              </a:spcBef>
-              <a:buNone/>
-              <a:defRPr sz="6000" kern="1200">
-                <a:solidFill>
-                  <a:schemeClr val="tx1"/>
-                </a:solidFill>
-                <a:latin typeface="+mj-lt"/>
-                <a:ea typeface="+mj-ea"/>
-                <a:cs typeface="+mj-cs"/>
-              </a:defRPr>
-            </a:lvl1pPr>
-          </a:lstStyle>
           <a:p>
             <a:pPr algn="l"/>
             <a:r>
-              <a:rPr lang="ru-RU" sz="2800" b="1" dirty="0">
-                <a:solidFill>
-                  <a:schemeClr val="tx1">
-                    <a:lumMod val="75000"/>
-                    <a:lumOff val="25000"/>
-                  </a:schemeClr>
-                </a:solidFill>
-              </a:rPr>
-              <a:t>Смена статуса (подача заявления)</a:t>
-            </a:r>
-            <a:r>
-              <a:rPr lang="en-US" sz="2800" b="1" dirty="0">
-                <a:solidFill>
-                  <a:schemeClr val="tx1">
-                    <a:lumMod val="75000"/>
-                    <a:lumOff val="25000"/>
-                  </a:schemeClr>
-                </a:solidFill>
-              </a:rPr>
-              <a:t>:</a:t>
-            </a:r>
-            <a:endParaRPr lang="en-US" sz="2800" dirty="0">
+              <a:rPr lang="ru-RU" sz="2400" b="1" dirty="0">
+                <a:solidFill>
+                  <a:schemeClr val="tx1">
+                    <a:lumMod val="75000"/>
+                    <a:lumOff val="25000"/>
+                  </a:schemeClr>
+                </a:solidFill>
+              </a:rPr>
+              <a:t>Чтение выбранного заявления:</a:t>
+            </a:r>
+            <a:endParaRPr lang="ru-RU" sz="2400" dirty="0">
               <a:solidFill>
                 <a:schemeClr val="tx1">
                   <a:lumMod val="75000"/>
@@ -5313,385 +4985,27 @@
           </a:p>
           <a:p>
             <a:r>
-              <a:rPr lang="en-US" sz="2800" dirty="0">
-                <a:solidFill>
-                  <a:schemeClr val="tx1">
-                    <a:lumMod val="75000"/>
-                    <a:lumOff val="25000"/>
-                  </a:schemeClr>
-                </a:solidFill>
-              </a:rPr>
-              <a:t>PUT </a:t>
-            </a:r>
-            <a:r>
-              <a:rPr lang="en-US" sz="2800" dirty="0">
+              <a:rPr lang="en-US" sz="2400" dirty="0">
+                <a:solidFill>
+                  <a:schemeClr val="tx1">
+                    <a:lumMod val="75000"/>
+                    <a:lumOff val="25000"/>
+                  </a:schemeClr>
+                </a:solidFill>
+              </a:rPr>
+              <a:t>GET </a:t>
+            </a:r>
+            <a:r>
+              <a:rPr lang="en-US" sz="2400" dirty="0">
                 <a:hlinkClick r:id="rId4"/>
               </a:rPr>
-              <a:t>https://uslugi.egov66.ru/forest-api/api/requests/2334177/next-status?to=9806</a:t>
-            </a:r>
-            <a:r>
-              <a:rPr lang="en-US" sz="2800" dirty="0"/>
+              <a:t>https://uslugi.egov66.ru/forest-api/api/requests/2334177</a:t>
+            </a:r>
+            <a:r>
+              <a:rPr lang="en-US" sz="2400" dirty="0"/>
               <a:t> </a:t>
             </a:r>
-            <a:endParaRPr lang="ru-RU" sz="2800" dirty="0"/>
-          </a:p>
-        </p:txBody>
-      </p:sp>
-      <p:sp>
-        <p:nvSpPr>
-          <p:cNvPr id="14" name="Заголовок 1"/>
-          <p:cNvSpPr txBox="1">
-            <a:spLocks/>
-          </p:cNvSpPr>
-          <p:nvPr/>
-        </p:nvSpPr>
-        <p:spPr>
-          <a:xfrm>
-            <a:off x="502015" y="912576"/>
-            <a:ext cx="10077678" cy="881226"/>
-          </a:xfrm>
-          <a:prstGeom prst="rect">
-            <a:avLst/>
-          </a:prstGeom>
-        </p:spPr>
-        <p:txBody>
-          <a:bodyPr vert="horz" lIns="91440" tIns="45720" rIns="91440" bIns="45720" rtlCol="0" anchor="t">
-            <a:noAutofit/>
-          </a:bodyPr>
-          <a:lstStyle>
-            <a:lvl1pPr algn="ctr" defTabSz="914400" rtl="0" eaLnBrk="1" latinLnBrk="0" hangingPunct="1">
-              <a:lnSpc>
-                <a:spcPct val="90000"/>
-              </a:lnSpc>
-              <a:spcBef>
-                <a:spcPct val="0"/>
-              </a:spcBef>
-              <a:buNone/>
-              <a:defRPr sz="6000" kern="1200">
-                <a:solidFill>
-                  <a:schemeClr val="tx1"/>
-                </a:solidFill>
-                <a:latin typeface="+mj-lt"/>
-                <a:ea typeface="+mj-ea"/>
-                <a:cs typeface="+mj-cs"/>
-              </a:defRPr>
-            </a:lvl1pPr>
-          </a:lstStyle>
-          <a:p>
-            <a:pPr algn="l"/>
-            <a:endParaRPr lang="ru-RU" sz="1800" dirty="0">
-              <a:solidFill>
-                <a:schemeClr val="tx1">
-                  <a:lumMod val="75000"/>
-                  <a:lumOff val="25000"/>
-                </a:schemeClr>
-              </a:solidFill>
-            </a:endParaRPr>
-          </a:p>
-        </p:txBody>
-      </p:sp>
-      <p:sp>
-        <p:nvSpPr>
-          <p:cNvPr id="8" name="Заголовок 1"/>
-          <p:cNvSpPr txBox="1">
-            <a:spLocks/>
-          </p:cNvSpPr>
-          <p:nvPr/>
-        </p:nvSpPr>
-        <p:spPr>
-          <a:xfrm>
-            <a:off x="654415" y="1064976"/>
-            <a:ext cx="10077678" cy="881226"/>
-          </a:xfrm>
-          <a:prstGeom prst="rect">
-            <a:avLst/>
-          </a:prstGeom>
-        </p:spPr>
-        <p:txBody>
-          <a:bodyPr vert="horz" lIns="91440" tIns="45720" rIns="91440" bIns="45720" rtlCol="0" anchor="t">
-            <a:noAutofit/>
-          </a:bodyPr>
-          <a:lstStyle>
-            <a:lvl1pPr algn="ctr" defTabSz="914400" rtl="0" eaLnBrk="1" latinLnBrk="0" hangingPunct="1">
-              <a:lnSpc>
-                <a:spcPct val="90000"/>
-              </a:lnSpc>
-              <a:spcBef>
-                <a:spcPct val="0"/>
-              </a:spcBef>
-              <a:buNone/>
-              <a:defRPr sz="6000" kern="1200">
-                <a:solidFill>
-                  <a:schemeClr val="tx1"/>
-                </a:solidFill>
-                <a:latin typeface="+mj-lt"/>
-                <a:ea typeface="+mj-ea"/>
-                <a:cs typeface="+mj-cs"/>
-              </a:defRPr>
-            </a:lvl1pPr>
-          </a:lstStyle>
-          <a:p>
-            <a:pPr algn="l"/>
-            <a:endParaRPr lang="ru-RU" sz="1800" dirty="0">
-              <a:solidFill>
-                <a:schemeClr val="tx1">
-                  <a:lumMod val="75000"/>
-                  <a:lumOff val="25000"/>
-                </a:schemeClr>
-              </a:solidFill>
-            </a:endParaRPr>
-          </a:p>
-        </p:txBody>
-      </p:sp>
-      <p:sp>
-        <p:nvSpPr>
-          <p:cNvPr id="9" name="Заголовок 1"/>
-          <p:cNvSpPr txBox="1">
-            <a:spLocks/>
-          </p:cNvSpPr>
-          <p:nvPr/>
-        </p:nvSpPr>
-        <p:spPr>
-          <a:xfrm>
-            <a:off x="1394045" y="2853229"/>
-            <a:ext cx="10077678" cy="881226"/>
-          </a:xfrm>
-          <a:prstGeom prst="rect">
-            <a:avLst/>
-          </a:prstGeom>
-        </p:spPr>
-        <p:txBody>
-          <a:bodyPr vert="horz" lIns="91440" tIns="45720" rIns="91440" bIns="45720" rtlCol="0" anchor="t">
-            <a:noAutofit/>
-          </a:bodyPr>
-          <a:lstStyle>
-            <a:lvl1pPr algn="ctr" defTabSz="914400" rtl="0" eaLnBrk="1" latinLnBrk="0" hangingPunct="1">
-              <a:lnSpc>
-                <a:spcPct val="90000"/>
-              </a:lnSpc>
-              <a:spcBef>
-                <a:spcPct val="0"/>
-              </a:spcBef>
-              <a:buNone/>
-              <a:defRPr sz="6000" kern="1200">
-                <a:solidFill>
-                  <a:schemeClr val="tx1"/>
-                </a:solidFill>
-                <a:latin typeface="+mj-lt"/>
-                <a:ea typeface="+mj-ea"/>
-                <a:cs typeface="+mj-cs"/>
-              </a:defRPr>
-            </a:lvl1pPr>
-          </a:lstStyle>
-          <a:p>
-            <a:pPr algn="l"/>
-            <a:endParaRPr lang="ru-RU" sz="1800" dirty="0">
-              <a:solidFill>
-                <a:schemeClr val="tx1">
-                  <a:lumMod val="75000"/>
-                  <a:lumOff val="25000"/>
-                </a:schemeClr>
-              </a:solidFill>
-            </a:endParaRPr>
-          </a:p>
-        </p:txBody>
-      </p:sp>
-      <p:sp>
-        <p:nvSpPr>
-          <p:cNvPr id="2" name="Прямоугольник 1"/>
-          <p:cNvSpPr/>
-          <p:nvPr/>
-        </p:nvSpPr>
-        <p:spPr>
-          <a:xfrm>
-            <a:off x="446821" y="3651717"/>
-            <a:ext cx="6398595" cy="1934376"/>
-          </a:xfrm>
-          <a:prstGeom prst="rect">
-            <a:avLst/>
-          </a:prstGeom>
-        </p:spPr>
-        <p:txBody>
-          <a:bodyPr wrap="square">
-            <a:spAutoFit/>
-          </a:bodyPr>
-          <a:lstStyle/>
-          <a:p>
-            <a:pPr algn="just">
-              <a:lnSpc>
-                <a:spcPct val="70000"/>
-              </a:lnSpc>
-              <a:spcBef>
-                <a:spcPct val="0"/>
-              </a:spcBef>
-            </a:pPr>
-            <a:r>
-              <a:rPr lang="ru-RU" sz="1900" dirty="0">
-                <a:solidFill>
-                  <a:schemeClr val="tx1">
-                    <a:lumMod val="75000"/>
-                    <a:lumOff val="25000"/>
-                  </a:schemeClr>
-                </a:solidFill>
-                <a:latin typeface="+mj-lt"/>
-                <a:ea typeface="+mj-ea"/>
-                <a:cs typeface="+mj-cs"/>
-              </a:rPr>
-              <a:t>Логика при выполнении запроса:</a:t>
-            </a:r>
-          </a:p>
-          <a:p>
-            <a:pPr marL="342900" indent="-342900" algn="just">
-              <a:lnSpc>
-                <a:spcPct val="70000"/>
-              </a:lnSpc>
-              <a:spcBef>
-                <a:spcPct val="0"/>
-              </a:spcBef>
-              <a:buFont typeface="Arial" panose="020B0604020202020204" pitchFamily="34" charset="0"/>
-              <a:buChar char="•"/>
-            </a:pPr>
-            <a:r>
-              <a:rPr lang="ru-RU" sz="1900" dirty="0">
-                <a:solidFill>
-                  <a:schemeClr val="tx1">
-                    <a:lumMod val="75000"/>
-                    <a:lumOff val="25000"/>
-                  </a:schemeClr>
-                </a:solidFill>
-                <a:latin typeface="+mj-lt"/>
-                <a:ea typeface="+mj-ea"/>
-                <a:cs typeface="+mj-cs"/>
-              </a:rPr>
-              <a:t>Проверка заполнения обязательных полей, подписан ли документ заявления.</a:t>
-            </a:r>
-          </a:p>
-          <a:p>
-            <a:pPr marL="342900" indent="-342900" algn="just">
-              <a:lnSpc>
-                <a:spcPct val="70000"/>
-              </a:lnSpc>
-              <a:spcBef>
-                <a:spcPct val="0"/>
-              </a:spcBef>
-              <a:buFont typeface="Arial" panose="020B0604020202020204" pitchFamily="34" charset="0"/>
-              <a:buChar char="•"/>
-            </a:pPr>
-            <a:r>
-              <a:rPr lang="ru-RU" sz="1900" dirty="0">
-                <a:solidFill>
-                  <a:schemeClr val="tx1">
-                    <a:lumMod val="75000"/>
-                    <a:lumOff val="25000"/>
-                  </a:schemeClr>
-                </a:solidFill>
-                <a:latin typeface="+mj-lt"/>
-                <a:ea typeface="+mj-ea"/>
-                <a:cs typeface="+mj-cs"/>
-              </a:rPr>
-              <a:t>Проверка не забронирован ли запрашиваемый участок</a:t>
-            </a:r>
-          </a:p>
-          <a:p>
-            <a:pPr marL="342900" indent="-342900" algn="just">
-              <a:lnSpc>
-                <a:spcPct val="70000"/>
-              </a:lnSpc>
-              <a:spcBef>
-                <a:spcPct val="0"/>
-              </a:spcBef>
-              <a:buFont typeface="Arial" panose="020B0604020202020204" pitchFamily="34" charset="0"/>
-              <a:buChar char="•"/>
-            </a:pPr>
-            <a:r>
-              <a:rPr lang="ru-RU" sz="1900" dirty="0">
-                <a:solidFill>
-                  <a:schemeClr val="tx1">
-                    <a:lumMod val="75000"/>
-                    <a:lumOff val="25000"/>
-                  </a:schemeClr>
-                </a:solidFill>
-                <a:latin typeface="+mj-lt"/>
-                <a:ea typeface="+mj-ea"/>
-                <a:cs typeface="+mj-cs"/>
-              </a:rPr>
-              <a:t>Отправить заявление на регистрацию в СЭД ПСО</a:t>
-            </a:r>
-          </a:p>
-          <a:p>
-            <a:pPr marL="342900" indent="-342900" algn="just">
-              <a:lnSpc>
-                <a:spcPct val="70000"/>
-              </a:lnSpc>
-              <a:spcBef>
-                <a:spcPct val="0"/>
-              </a:spcBef>
-              <a:buFont typeface="Arial" panose="020B0604020202020204" pitchFamily="34" charset="0"/>
-              <a:buChar char="•"/>
-            </a:pPr>
-            <a:r>
-              <a:rPr lang="ru-RU" sz="1900" dirty="0">
-                <a:solidFill>
-                  <a:schemeClr val="tx1">
-                    <a:lumMod val="75000"/>
-                    <a:lumOff val="25000"/>
-                  </a:schemeClr>
-                </a:solidFill>
-                <a:latin typeface="+mj-lt"/>
-                <a:ea typeface="+mj-ea"/>
-                <a:cs typeface="+mj-cs"/>
-              </a:rPr>
-              <a:t>Перевести заявление в статус «На регистрации»</a:t>
-            </a:r>
-          </a:p>
-          <a:p>
-            <a:pPr marL="342900" indent="-342900" algn="just">
-              <a:lnSpc>
-                <a:spcPct val="70000"/>
-              </a:lnSpc>
-              <a:spcBef>
-                <a:spcPct val="0"/>
-              </a:spcBef>
-              <a:buFont typeface="Arial" panose="020B0604020202020204" pitchFamily="34" charset="0"/>
-              <a:buChar char="•"/>
-            </a:pPr>
-            <a:r>
-              <a:rPr lang="ru-RU" sz="1900" dirty="0">
-                <a:solidFill>
-                  <a:schemeClr val="tx1">
-                    <a:lumMod val="75000"/>
-                    <a:lumOff val="25000"/>
-                  </a:schemeClr>
-                </a:solidFill>
-                <a:latin typeface="+mj-lt"/>
-                <a:ea typeface="+mj-ea"/>
-                <a:cs typeface="+mj-cs"/>
-              </a:rPr>
-              <a:t>Блокировать возможность редактировать атрибуты заявления</a:t>
-            </a:r>
-          </a:p>
-          <a:p>
-            <a:pPr marL="342900" indent="-342900" algn="just">
-              <a:lnSpc>
-                <a:spcPct val="70000"/>
-              </a:lnSpc>
-              <a:spcBef>
-                <a:spcPct val="0"/>
-              </a:spcBef>
-              <a:buFont typeface="Arial" panose="020B0604020202020204" pitchFamily="34" charset="0"/>
-              <a:buChar char="•"/>
-            </a:pPr>
-            <a:endParaRPr lang="ru-RU" sz="1900" dirty="0">
-              <a:solidFill>
-                <a:schemeClr val="tx1">
-                  <a:lumMod val="75000"/>
-                  <a:lumOff val="25000"/>
-                </a:schemeClr>
-              </a:solidFill>
-              <a:latin typeface="+mj-lt"/>
-              <a:ea typeface="+mj-ea"/>
-              <a:cs typeface="+mj-cs"/>
-            </a:endParaRPr>
+            <a:endParaRPr lang="ru-RU" sz="2400" dirty="0"/>
           </a:p>
         </p:txBody>
       </p:sp>
@@ -5703,8 +5017,8 @@
         </p:nvSpPr>
         <p:spPr>
           <a:xfrm>
-            <a:off x="502015" y="2335136"/>
-            <a:ext cx="6096000" cy="969496"/>
+            <a:off x="99344" y="1009621"/>
+            <a:ext cx="6096000" cy="677108"/>
           </a:xfrm>
           <a:prstGeom prst="rect">
             <a:avLst/>
@@ -5728,7 +5042,136 @@
                 <a:ea typeface="+mj-ea"/>
                 <a:cs typeface="+mj-cs"/>
               </a:rPr>
-              <a:t>Тело запроса и ответа прикреплено в приложении №4. В ответе возвращается такая же структура, что и при чтении заявлении.</a:t>
+              <a:t>Тело ответа прикреплено в приложении №3. </a:t>
+            </a:r>
+          </a:p>
+          <a:p>
+            <a:r>
+              <a:rPr lang="ru-RU" sz="1900" dirty="0">
+                <a:solidFill>
+                  <a:schemeClr val="tx1">
+                    <a:lumMod val="75000"/>
+                    <a:lumOff val="25000"/>
+                  </a:schemeClr>
+                </a:solidFill>
+                <a:latin typeface="+mj-lt"/>
+                <a:ea typeface="+mj-ea"/>
+                <a:cs typeface="+mj-cs"/>
+              </a:rPr>
+              <a:t>Краткое описание тела ответа: </a:t>
+            </a:r>
+          </a:p>
+        </p:txBody>
+      </p:sp>
+      <p:sp>
+        <p:nvSpPr>
+          <p:cNvPr id="3" name="Прямоугольник 2"/>
+          <p:cNvSpPr/>
+          <p:nvPr/>
+        </p:nvSpPr>
+        <p:spPr>
+          <a:xfrm>
+            <a:off x="3239623" y="1604337"/>
+            <a:ext cx="6096000" cy="2031325"/>
+          </a:xfrm>
+          <a:prstGeom prst="rect">
+            <a:avLst/>
+          </a:prstGeom>
+        </p:spPr>
+        <p:txBody>
+          <a:bodyPr>
+            <a:spAutoFit/>
+          </a:bodyPr>
+          <a:lstStyle/>
+          <a:p>
+            <a:r>
+              <a:rPr lang="ru-RU" dirty="0">
+                <a:solidFill>
+                  <a:schemeClr val="tx1">
+                    <a:lumMod val="75000"/>
+                    <a:lumOff val="25000"/>
+                  </a:schemeClr>
+                </a:solidFill>
+              </a:rPr>
+              <a:t>Заявитель,</a:t>
+            </a:r>
+          </a:p>
+          <a:p>
+            <a:r>
+              <a:rPr lang="ru-RU" dirty="0">
+                <a:solidFill>
+                  <a:schemeClr val="tx1">
+                    <a:lumMod val="75000"/>
+                    <a:lumOff val="25000"/>
+                  </a:schemeClr>
+                </a:solidFill>
+              </a:rPr>
+              <a:t>Представитель,</a:t>
+            </a:r>
+          </a:p>
+          <a:p>
+            <a:r>
+              <a:rPr lang="ru-RU" dirty="0">
+                <a:solidFill>
+                  <a:schemeClr val="tx1">
+                    <a:lumMod val="75000"/>
+                    <a:lumOff val="25000"/>
+                  </a:schemeClr>
+                </a:solidFill>
+              </a:rPr>
+              <a:t>Земельный участок,</a:t>
+            </a:r>
+          </a:p>
+          <a:p>
+            <a:r>
+              <a:rPr lang="ru-RU" dirty="0">
+                <a:solidFill>
+                  <a:schemeClr val="tx1">
+                    <a:lumMod val="75000"/>
+                    <a:lumOff val="25000"/>
+                  </a:schemeClr>
+                </a:solidFill>
+              </a:rPr>
+              <a:t>Оказываемая услуга,</a:t>
+            </a:r>
+          </a:p>
+          <a:p>
+            <a:r>
+              <a:rPr lang="ru-RU" dirty="0">
+                <a:solidFill>
+                  <a:schemeClr val="tx1">
+                    <a:lumMod val="75000"/>
+                    <a:lumOff val="25000"/>
+                  </a:schemeClr>
+                </a:solidFill>
+              </a:rPr>
+              <a:t>Вид права пользования участком,</a:t>
+            </a:r>
+          </a:p>
+          <a:p>
+            <a:r>
+              <a:rPr lang="ru-RU" dirty="0">
+                <a:solidFill>
+                  <a:schemeClr val="tx1">
+                    <a:lumMod val="75000"/>
+                    <a:lumOff val="25000"/>
+                  </a:schemeClr>
+                </a:solidFill>
+              </a:rPr>
+              <a:t>Приложенные к заявлению документы,</a:t>
+            </a:r>
+          </a:p>
+          <a:p>
+            <a:r>
+              <a:rPr lang="ru-RU" dirty="0">
+                <a:solidFill>
+                  <a:schemeClr val="tx1">
+                    <a:lumMod val="75000"/>
+                    <a:lumOff val="25000"/>
+                  </a:schemeClr>
+                </a:solidFill>
+              </a:rPr>
+              <a:t>Срок планируемого использования участка.</a:t>
             </a:r>
           </a:p>
         </p:txBody>
@@ -5736,7 +5179,7 @@
     </p:spTree>
     <p:extLst>
       <p:ext uri="{BB962C8B-B14F-4D97-AF65-F5344CB8AC3E}">
-        <p14:creationId xmlns:p14="http://schemas.microsoft.com/office/powerpoint/2010/main" val="3698726895"/>
+        <p14:creationId xmlns:p14="http://schemas.microsoft.com/office/powerpoint/2010/main" val="3789174437"/>
       </p:ext>
     </p:extLst>
   </p:cSld>
@@ -5835,7 +5278,7 @@
       </p:cxnSp>
       <p:sp>
         <p:nvSpPr>
-          <p:cNvPr id="12" name="Заголовок 1"/>
+          <p:cNvPr id="13" name="Заголовок 1"/>
           <p:cNvSpPr txBox="1">
             <a:spLocks/>
           </p:cNvSpPr>
@@ -5843,8 +5286,8 @@
         </p:nvSpPr>
         <p:spPr>
           <a:xfrm>
-            <a:off x="301124" y="89560"/>
-            <a:ext cx="9891500" cy="445277"/>
+            <a:off x="0" y="56461"/>
+            <a:ext cx="12191999" cy="923075"/>
           </a:xfrm>
           <a:prstGeom prst="rect">
             <a:avLst/>
@@ -5876,28 +5319,28 @@
           <a:p>
             <a:pPr algn="l"/>
             <a:r>
-              <a:rPr lang="ru-RU" sz="2400" b="1" dirty="0">
-                <a:solidFill>
-                  <a:schemeClr val="tx1">
-                    <a:lumMod val="75000"/>
-                    <a:lumOff val="25000"/>
-                  </a:schemeClr>
-                </a:solidFill>
-              </a:rPr>
-              <a:t>Запрос и ответ к </a:t>
-            </a:r>
-            <a:r>
-              <a:rPr lang="en-US" sz="2400" b="1" dirty="0" err="1">
-                <a:solidFill>
-                  <a:schemeClr val="tx1">
-                    <a:lumMod val="75000"/>
-                    <a:lumOff val="25000"/>
-                  </a:schemeClr>
-                </a:solidFill>
-              </a:rPr>
-              <a:t>api</a:t>
-            </a:r>
-            <a:endParaRPr lang="ru-RU" sz="2400" b="1" dirty="0">
+              <a:rPr lang="ru-RU" sz="1800" b="1" dirty="0">
+                <a:solidFill>
+                  <a:schemeClr val="tx1">
+                    <a:lumMod val="75000"/>
+                    <a:lumOff val="25000"/>
+                  </a:schemeClr>
+                </a:solidFill>
+              </a:rPr>
+              <a:t>Смена статуса (подача заявления)</a:t>
+            </a:r>
+            <a:r>
+              <a:rPr lang="en-US" sz="1800" b="1" dirty="0">
+                <a:solidFill>
+                  <a:schemeClr val="tx1">
+                    <a:lumMod val="75000"/>
+                    <a:lumOff val="25000"/>
+                  </a:schemeClr>
+                </a:solidFill>
+              </a:rPr>
+              <a:t>:</a:t>
+            </a:r>
+            <a:endParaRPr lang="en-US" sz="1800" dirty="0">
               <a:solidFill>
                 <a:schemeClr val="tx1">
                   <a:lumMod val="75000"/>
@@ -5906,11 +5349,35 @@
               </a:solidFill>
             </a:endParaRPr>
           </a:p>
-        </p:txBody>
-      </p:sp>
-      <p:sp>
-        <p:nvSpPr>
-          <p:cNvPr id="13" name="Заголовок 1"/>
+          <a:p>
+            <a:r>
+              <a:rPr lang="en-US" sz="1800" dirty="0">
+                <a:solidFill>
+                  <a:schemeClr val="tx1">
+                    <a:lumMod val="75000"/>
+                    <a:lumOff val="25000"/>
+                  </a:schemeClr>
+                </a:solidFill>
+              </a:rPr>
+              <a:t>PUT </a:t>
+            </a:r>
+            <a:r>
+              <a:rPr lang="en-US" sz="1800" dirty="0">
+                <a:hlinkClick r:id="rId4"/>
+              </a:rPr>
+              <a:t>https://uslugi.egov66.ru/forest-api/api/requests/2334177/next-status?to=9806</a:t>
+            </a:r>
+            <a:r>
+              <a:rPr lang="en-US" sz="1800" dirty="0"/>
+              <a:t> </a:t>
+            </a:r>
+            <a:endParaRPr lang="ru-RU" sz="1800" dirty="0"/>
+          </a:p>
+        </p:txBody>
+      </p:sp>
+      <p:sp>
+        <p:nvSpPr>
+          <p:cNvPr id="14" name="Заголовок 1"/>
           <p:cNvSpPr txBox="1">
             <a:spLocks/>
           </p:cNvSpPr>
@@ -5918,8 +5385,8 @@
         </p:nvSpPr>
         <p:spPr>
           <a:xfrm>
-            <a:off x="-59559" y="799097"/>
-            <a:ext cx="12311118" cy="700755"/>
+            <a:off x="502015" y="912576"/>
+            <a:ext cx="10077678" cy="881226"/>
           </a:xfrm>
           <a:prstGeom prst="rect">
             <a:avLst/>
@@ -5950,18 +5417,7 @@
           </a:lstStyle>
           <a:p>
             <a:pPr algn="l"/>
-            <a:r>
-              <a:rPr lang="ru-RU" sz="2800" b="1" dirty="0">
-                <a:solidFill>
-                  <a:schemeClr val="tx1">
-                    <a:lumMod val="75000"/>
-                    <a:lumOff val="25000"/>
-                  </a:schemeClr>
-                </a:solidFill>
-              </a:rPr>
-              <a:t>Отправка документа на подписание:</a:t>
-            </a:r>
-            <a:endParaRPr lang="ru-RU" sz="2800" dirty="0">
+            <a:endParaRPr lang="ru-RU" sz="1800" dirty="0">
               <a:solidFill>
                 <a:schemeClr val="tx1">
                   <a:lumMod val="75000"/>
@@ -5970,48 +5426,11 @@
               </a:solidFill>
             </a:endParaRPr>
           </a:p>
-          <a:p>
-            <a:r>
-              <a:rPr lang="en-US" sz="2800" dirty="0">
-                <a:solidFill>
-                  <a:schemeClr val="tx1">
-                    <a:lumMod val="75000"/>
-                    <a:lumOff val="25000"/>
-                  </a:schemeClr>
-                </a:solidFill>
-              </a:rPr>
-              <a:t>POST</a:t>
-            </a:r>
-            <a:r>
-              <a:rPr lang="en-US" sz="2800" dirty="0">
-                <a:solidFill>
-                  <a:schemeClr val="tx1">
-                    <a:lumMod val="75000"/>
-                    <a:lumOff val="25000"/>
-                  </a:schemeClr>
-                </a:solidFill>
-                <a:hlinkClick r:id="rId4"/>
-              </a:rPr>
-              <a:t>https://uslugi.egov66.ru/forest-api/api/documents/{documentId}/sign/external</a:t>
-            </a:r>
-            <a:r>
-              <a:rPr lang="ru-RU" sz="2800" dirty="0">
-                <a:solidFill>
-                  <a:schemeClr val="tx1">
-                    <a:lumMod val="75000"/>
-                    <a:lumOff val="25000"/>
-                  </a:schemeClr>
-                </a:solidFill>
-              </a:rPr>
-              <a:t> </a:t>
-            </a:r>
-            <a:endParaRPr lang="ru-RU" sz="2800" dirty="0"/>
-          </a:p>
-        </p:txBody>
-      </p:sp>
-      <p:sp>
-        <p:nvSpPr>
-          <p:cNvPr id="14" name="Заголовок 1"/>
+        </p:txBody>
+      </p:sp>
+      <p:sp>
+        <p:nvSpPr>
+          <p:cNvPr id="8" name="Заголовок 1"/>
           <p:cNvSpPr txBox="1">
             <a:spLocks/>
           </p:cNvSpPr>
@@ -6019,7 +5438,7 @@
         </p:nvSpPr>
         <p:spPr>
           <a:xfrm>
-            <a:off x="502015" y="912576"/>
+            <a:off x="654415" y="1064976"/>
             <a:ext cx="10077678" cy="881226"/>
           </a:xfrm>
           <a:prstGeom prst="rect">
@@ -6064,21 +5483,74 @@
       </p:sp>
       <p:sp>
         <p:nvSpPr>
+          <p:cNvPr id="9" name="Заголовок 1"/>
+          <p:cNvSpPr txBox="1">
+            <a:spLocks/>
+          </p:cNvSpPr>
+          <p:nvPr/>
+        </p:nvSpPr>
+        <p:spPr>
+          <a:xfrm>
+            <a:off x="1394045" y="2853229"/>
+            <a:ext cx="10077678" cy="881226"/>
+          </a:xfrm>
+          <a:prstGeom prst="rect">
+            <a:avLst/>
+          </a:prstGeom>
+        </p:spPr>
+        <p:txBody>
+          <a:bodyPr vert="horz" lIns="91440" tIns="45720" rIns="91440" bIns="45720" rtlCol="0" anchor="t">
+            <a:noAutofit/>
+          </a:bodyPr>
+          <a:lstStyle>
+            <a:lvl1pPr algn="ctr" defTabSz="914400" rtl="0" eaLnBrk="1" latinLnBrk="0" hangingPunct="1">
+              <a:lnSpc>
+                <a:spcPct val="90000"/>
+              </a:lnSpc>
+              <a:spcBef>
+                <a:spcPct val="0"/>
+              </a:spcBef>
+              <a:buNone/>
+              <a:defRPr sz="6000" kern="1200">
+                <a:solidFill>
+                  <a:schemeClr val="tx1"/>
+                </a:solidFill>
+                <a:latin typeface="+mj-lt"/>
+                <a:ea typeface="+mj-ea"/>
+                <a:cs typeface="+mj-cs"/>
+              </a:defRPr>
+            </a:lvl1pPr>
+          </a:lstStyle>
+          <a:p>
+            <a:pPr algn="l"/>
+            <a:endParaRPr lang="ru-RU" sz="1800" dirty="0">
+              <a:solidFill>
+                <a:schemeClr val="tx1">
+                  <a:lumMod val="75000"/>
+                  <a:lumOff val="25000"/>
+                </a:schemeClr>
+              </a:solidFill>
+            </a:endParaRPr>
+          </a:p>
+        </p:txBody>
+      </p:sp>
+      <p:sp>
+        <p:nvSpPr>
           <p:cNvPr id="2" name="Прямоугольник 1"/>
           <p:cNvSpPr/>
           <p:nvPr/>
         </p:nvSpPr>
         <p:spPr>
           <a:xfrm>
-            <a:off x="502015" y="3164661"/>
-            <a:ext cx="6096000" cy="2139047"/>
-          </a:xfrm>
-          <a:prstGeom prst="rect">
-            <a:avLst/>
-          </a:prstGeom>
-        </p:spPr>
-        <p:txBody>
-          <a:bodyPr>
+            <a:off x="336884" y="2490625"/>
+            <a:ext cx="6398595" cy="1934376"/>
+          </a:xfrm>
+          <a:prstGeom prst="rect">
+            <a:avLst/>
+          </a:prstGeom>
+        </p:spPr>
+        <p:txBody>
+          <a:bodyPr wrap="square">
             <a:spAutoFit/>
           </a:bodyPr>
           <a:lstStyle/>
@@ -6129,7 +5601,7 @@
                 <a:ea typeface="+mj-ea"/>
                 <a:cs typeface="+mj-cs"/>
               </a:rPr>
-              <a:t>На основе типа документа выбирается типа запроса в генератор сообщений.</a:t>
+              <a:t>Проверка заполнения обязательных полей, подписан ли документ заявления.</a:t>
             </a:r>
           </a:p>
           <a:p>
@@ -6155,7 +5627,7 @@
                 <a:ea typeface="+mj-ea"/>
                 <a:cs typeface="+mj-cs"/>
               </a:rPr>
-              <a:t>Выбирается оператор-получатель на стороне СЭД ПСО</a:t>
+              <a:t>Проверка не забронирован ли запрашиваемый участок</a:t>
             </a:r>
           </a:p>
           <a:p>
@@ -6181,91 +5653,7 @@
                 <a:ea typeface="+mj-ea"/>
                 <a:cs typeface="+mj-cs"/>
               </a:rPr>
-              <a:t>Отправляется сообщение в генератор сообщений в запросе передается </a:t>
-            </a:r>
-            <a:r>
-              <a:rPr lang="en-US" sz="1900" dirty="0">
-                <a:solidFill>
-                  <a:schemeClr val="tx1">
-                    <a:lumMod val="75000"/>
-                    <a:lumOff val="25000"/>
-                  </a:schemeClr>
-                </a:solidFill>
-                <a:latin typeface="+mj-lt"/>
-                <a:ea typeface="+mj-ea"/>
-                <a:cs typeface="+mj-cs"/>
-              </a:rPr>
-              <a:t>id </a:t>
-            </a:r>
-            <a:r>
-              <a:rPr lang="ru-RU" sz="1900" dirty="0">
-                <a:solidFill>
-                  <a:schemeClr val="tx1">
-                    <a:lumMod val="75000"/>
-                    <a:lumOff val="25000"/>
-                  </a:schemeClr>
-                </a:solidFill>
-                <a:latin typeface="+mj-lt"/>
-                <a:ea typeface="+mj-ea"/>
-                <a:cs typeface="+mj-cs"/>
-              </a:rPr>
-              <a:t>документа, тип шаблона, </a:t>
-            </a:r>
-            <a:r>
-              <a:rPr lang="en-US" sz="1900" dirty="0">
-                <a:solidFill>
-                  <a:schemeClr val="tx1">
-                    <a:lumMod val="75000"/>
-                    <a:lumOff val="25000"/>
-                  </a:schemeClr>
-                </a:solidFill>
-                <a:latin typeface="+mj-lt"/>
-                <a:ea typeface="+mj-ea"/>
-                <a:cs typeface="+mj-cs"/>
-              </a:rPr>
-              <a:t>id </a:t>
-            </a:r>
-            <a:r>
-              <a:rPr lang="ru-RU" sz="1900" dirty="0">
-                <a:solidFill>
-                  <a:schemeClr val="tx1">
-                    <a:lumMod val="75000"/>
-                    <a:lumOff val="25000"/>
-                  </a:schemeClr>
-                </a:solidFill>
-                <a:latin typeface="+mj-lt"/>
-                <a:ea typeface="+mj-ea"/>
-                <a:cs typeface="+mj-cs"/>
-              </a:rPr>
-              <a:t>оператора, </a:t>
-            </a:r>
-            <a:r>
-              <a:rPr lang="en-US" sz="1900" dirty="0">
-                <a:solidFill>
-                  <a:schemeClr val="tx1">
-                    <a:lumMod val="75000"/>
-                    <a:lumOff val="25000"/>
-                  </a:schemeClr>
-                </a:solidFill>
-                <a:latin typeface="+mj-lt"/>
-                <a:ea typeface="+mj-ea"/>
-                <a:cs typeface="+mj-cs"/>
-              </a:rPr>
-              <a:t>id </a:t>
-            </a:r>
-            <a:r>
-              <a:rPr lang="ru-RU" sz="1900" dirty="0">
-                <a:solidFill>
-                  <a:schemeClr val="tx1">
-                    <a:lumMod val="75000"/>
-                    <a:lumOff val="25000"/>
-                  </a:schemeClr>
-                </a:solidFill>
-                <a:latin typeface="+mj-lt"/>
-                <a:ea typeface="+mj-ea"/>
-                <a:cs typeface="+mj-cs"/>
-              </a:rPr>
-              <a:t>получателя.</a:t>
+              <a:t>Отправить заявление на регистрацию в СЭД ПСО</a:t>
             </a:r>
           </a:p>
           <a:p>
@@ -6291,7 +5679,33 @@
                 <a:ea typeface="+mj-ea"/>
                 <a:cs typeface="+mj-cs"/>
               </a:rPr>
-              <a:t>Логика формирования и обработки пакетов рассматриваться не будет.</a:t>
+              <a:t>Перевести заявление в статус «На регистрации»</a:t>
+            </a:r>
+          </a:p>
+          <a:p>
+            <a:pPr marL="342900" indent="-342900" algn="just">
+              <a:lnSpc>
+                <a:spcPct val="70000"/>
+              </a:lnSpc>
+              <a:spcBef>
+                <a:spcPct val="0"/>
+              </a:spcBef>
+              <a:buFont typeface="Arial" panose="020B0604020202020204" pitchFamily="34" charset="0"/>
+              <a:buChar char="•"/>
+            </a:pPr>
+            <a:r>
+              <a:rPr lang="ru-RU" sz="1900" dirty="0">
+                <a:solidFill>
+                  <a:schemeClr val="tx1">
+                    <a:lumMod val="75000"/>
+                    <a:lumOff val="25000"/>
+                  </a:schemeClr>
+                </a:solidFill>
+                <a:latin typeface="+mj-lt"/>
+                <a:ea typeface="+mj-ea"/>
+                <a:cs typeface="+mj-cs"/>
+              </a:rPr>
+              <a:t>Блокировать возможность редактировать атрибуты заявления</a:t>
             </a:r>
           </a:p>
           <a:p>
@@ -6321,33 +5735,25 @@
       </p:sp>
       <p:sp>
         <p:nvSpPr>
-          <p:cNvPr id="3" name="Прямоугольник 2"/>
+          <p:cNvPr id="11" name="Прямоугольник 10"/>
           <p:cNvSpPr/>
           <p:nvPr/>
         </p:nvSpPr>
         <p:spPr>
           <a:xfrm>
-            <a:off x="529266" y="1938361"/>
-            <a:ext cx="8316700" cy="924227"/>
-          </a:xfrm>
-          <a:prstGeom prst="rect">
-            <a:avLst/>
-          </a:prstGeom>
-        </p:spPr>
-        <p:txBody>
-          <a:bodyPr wrap="none">
+            <a:off x="336884" y="1160838"/>
+            <a:ext cx="6096000" cy="969496"/>
+          </a:xfrm>
+          <a:prstGeom prst="rect">
+            <a:avLst/>
+          </a:prstGeom>
+        </p:spPr>
+        <p:txBody>
+          <a:bodyPr>
             <a:spAutoFit/>
           </a:bodyPr>
           <a:lstStyle/>
           <a:p>
-            <a:pPr algn="just">
-              <a:lnSpc>
-                <a:spcPct val="70000"/>
-              </a:lnSpc>
-              <a:spcBef>
-                <a:spcPct val="0"/>
-              </a:spcBef>
-            </a:pPr>
             <a:r>
               <a:rPr lang="ru-RU" sz="1900" dirty="0">
                 <a:solidFill>
@@ -6360,76 +5766,7 @@
                 <a:ea typeface="+mj-ea"/>
                 <a:cs typeface="+mj-cs"/>
               </a:rPr>
-              <a:t>В параметрах запроса передаётся идентификатор подписываемого документа.</a:t>
-            </a:r>
-          </a:p>
-          <a:p>
-            <a:pPr algn="just">
-              <a:lnSpc>
-                <a:spcPct val="70000"/>
-              </a:lnSpc>
-              <a:spcBef>
-                <a:spcPct val="0"/>
-              </a:spcBef>
-            </a:pPr>
-            <a:endParaRPr lang="ru-RU" sz="1900" dirty="0">
-              <a:solidFill>
-                <a:schemeClr val="tx1">
-                  <a:lumMod val="75000"/>
-                  <a:lumOff val="25000"/>
-                </a:schemeClr>
-              </a:solidFill>
-              <a:latin typeface="+mj-lt"/>
-              <a:ea typeface="+mj-ea"/>
-              <a:cs typeface="+mj-cs"/>
-            </a:endParaRPr>
-          </a:p>
-          <a:p>
-            <a:pPr algn="just">
-              <a:lnSpc>
-                <a:spcPct val="70000"/>
-              </a:lnSpc>
-              <a:spcBef>
-                <a:spcPct val="0"/>
-              </a:spcBef>
-            </a:pPr>
-            <a:r>
-              <a:rPr lang="ru-RU" sz="1900" dirty="0">
-                <a:solidFill>
-                  <a:schemeClr val="tx1">
-                    <a:lumMod val="75000"/>
-                    <a:lumOff val="25000"/>
-                  </a:schemeClr>
-                </a:solidFill>
-                <a:latin typeface="+mj-lt"/>
-                <a:ea typeface="+mj-ea"/>
-                <a:cs typeface="+mj-cs"/>
-              </a:rPr>
-              <a:t> </a:t>
-            </a:r>
-          </a:p>
-          <a:p>
-            <a:pPr algn="just">
-              <a:lnSpc>
-                <a:spcPct val="70000"/>
-              </a:lnSpc>
-              <a:spcBef>
-                <a:spcPct val="0"/>
-              </a:spcBef>
-            </a:pPr>
-            <a:r>
-              <a:rPr lang="ru-RU" sz="1900" dirty="0">
-                <a:solidFill>
-                  <a:schemeClr val="tx1">
-                    <a:lumMod val="75000"/>
-                    <a:lumOff val="25000"/>
-                  </a:schemeClr>
-                </a:solidFill>
-                <a:latin typeface="+mj-lt"/>
-                <a:ea typeface="+mj-ea"/>
-                <a:cs typeface="+mj-cs"/>
-              </a:rPr>
-              <a:t>В теле запроса передается комментарий к подписываемому документу.</a:t>
+              <a:t>Тело запроса и ответа прикреплено в приложении №4. В ответе возвращается такая же структура, что и при чтении заявлении.</a:t>
             </a:r>
           </a:p>
         </p:txBody>
@@ -6437,7 +5774,7 @@
     </p:spTree>
     <p:extLst>
       <p:ext uri="{BB962C8B-B14F-4D97-AF65-F5344CB8AC3E}">
-        <p14:creationId xmlns:p14="http://schemas.microsoft.com/office/powerpoint/2010/main" val="269655108"/>
+        <p14:creationId xmlns:p14="http://schemas.microsoft.com/office/powerpoint/2010/main" val="3698726895"/>
       </p:ext>
     </p:extLst>
   </p:cSld>
@@ -6536,7 +5873,7 @@
       </p:cxnSp>
       <p:sp>
         <p:nvSpPr>
-          <p:cNvPr id="12" name="Заголовок 1"/>
+          <p:cNvPr id="13" name="Заголовок 1"/>
           <p:cNvSpPr txBox="1">
             <a:spLocks/>
           </p:cNvSpPr>
@@ -6544,8 +5881,8 @@
         </p:nvSpPr>
         <p:spPr>
           <a:xfrm>
-            <a:off x="301124" y="89561"/>
-            <a:ext cx="9891500" cy="436650"/>
+            <a:off x="0" y="3105"/>
+            <a:ext cx="12311118" cy="837191"/>
           </a:xfrm>
           <a:prstGeom prst="rect">
             <a:avLst/>
@@ -6577,16 +5914,61 @@
           <a:p>
             <a:pPr algn="l"/>
             <a:r>
-              <a:rPr lang="ru-RU" sz="2400" b="1" dirty="0">
-                <a:solidFill>
-                  <a:schemeClr val="tx1">
-                    <a:lumMod val="75000"/>
-                    <a:lumOff val="25000"/>
-                  </a:schemeClr>
-                </a:solidFill>
-              </a:rPr>
-              <a:t>Модель диаграммы классов для работы с услугами</a:t>
-            </a:r>
+              <a:rPr lang="ru-RU" sz="1800" b="1" dirty="0">
+                <a:solidFill>
+                  <a:schemeClr val="tx1">
+                    <a:lumMod val="75000"/>
+                    <a:lumOff val="25000"/>
+                  </a:schemeClr>
+                </a:solidFill>
+              </a:rPr>
+              <a:t>Отправка документа на подписание:</a:t>
+            </a:r>
+            <a:endParaRPr lang="ru-RU" sz="1800" dirty="0">
+              <a:solidFill>
+                <a:schemeClr val="tx1">
+                  <a:lumMod val="75000"/>
+                  <a:lumOff val="25000"/>
+                </a:schemeClr>
+              </a:solidFill>
+            </a:endParaRPr>
+          </a:p>
+          <a:p>
+            <a:r>
+              <a:rPr lang="en-US" sz="1800" dirty="0">
+                <a:solidFill>
+                  <a:schemeClr val="tx1">
+                    <a:lumMod val="75000"/>
+                    <a:lumOff val="25000"/>
+                  </a:schemeClr>
+                </a:solidFill>
+              </a:rPr>
+              <a:t>POST</a:t>
+            </a:r>
+            <a:r>
+              <a:rPr lang="en-US" sz="1800" dirty="0">
+                <a:solidFill>
+                  <a:schemeClr val="tx1">
+                    <a:lumMod val="75000"/>
+                    <a:lumOff val="25000"/>
+                  </a:schemeClr>
+                </a:solidFill>
+                <a:hlinkClick r:id="rId4"/>
+              </a:rPr>
+              <a:t>https://uslugi.egov66.ru/forest-api/api/documents/{documentId}/sign/external</a:t>
+            </a:r>
+            <a:r>
+              <a:rPr lang="ru-RU" sz="1800" dirty="0">
+                <a:solidFill>
+                  <a:schemeClr val="tx1">
+                    <a:lumMod val="75000"/>
+                    <a:lumOff val="25000"/>
+                  </a:schemeClr>
+                </a:solidFill>
+              </a:rPr>
+              <a:t> </a:t>
+            </a:r>
+            <a:endParaRPr lang="ru-RU" sz="1800" dirty="0"/>
           </a:p>
         </p:txBody>
       </p:sp>
@@ -6645,126 +6027,394 @@
       </p:sp>
       <p:sp>
         <p:nvSpPr>
-          <p:cNvPr id="8" name="Заголовок 1"/>
-          <p:cNvSpPr txBox="1">
-            <a:spLocks/>
-          </p:cNvSpPr>
-          <p:nvPr/>
-        </p:nvSpPr>
-        <p:spPr>
-          <a:xfrm>
-            <a:off x="654415" y="1064976"/>
-            <a:ext cx="10077678" cy="881226"/>
-          </a:xfrm>
-          <a:prstGeom prst="rect">
-            <a:avLst/>
-          </a:prstGeom>
-        </p:spPr>
-        <p:txBody>
-          <a:bodyPr vert="horz" lIns="91440" tIns="45720" rIns="91440" bIns="45720" rtlCol="0" anchor="t">
-            <a:noAutofit/>
+          <p:cNvPr id="2" name="Прямоугольник 1"/>
+          <p:cNvSpPr/>
+          <p:nvPr/>
+        </p:nvSpPr>
+        <p:spPr>
+          <a:xfrm>
+            <a:off x="0" y="3628342"/>
+            <a:ext cx="3556096" cy="2688685"/>
+          </a:xfrm>
+          <a:prstGeom prst="rect">
+            <a:avLst/>
+          </a:prstGeom>
+        </p:spPr>
+        <p:txBody>
+          <a:bodyPr wrap="square">
+            <a:spAutoFit/>
           </a:bodyPr>
-          <a:lstStyle>
-            <a:lvl1pPr algn="ctr" defTabSz="914400" rtl="0" eaLnBrk="1" latinLnBrk="0" hangingPunct="1">
+          <a:lstStyle/>
+          <a:p>
+            <a:pPr algn="just">
               <a:lnSpc>
-                <a:spcPct val="90000"/>
+                <a:spcPct val="70000"/>
               </a:lnSpc>
               <a:spcBef>
                 <a:spcPct val="0"/>
               </a:spcBef>
-              <a:buNone/>
-              <a:defRPr sz="6000" kern="1200">
-                <a:solidFill>
-                  <a:schemeClr val="tx1"/>
+            </a:pPr>
+            <a:r>
+              <a:rPr lang="ru-RU" sz="1600" dirty="0">
+                <a:solidFill>
+                  <a:schemeClr val="tx1">
+                    <a:lumMod val="75000"/>
+                    <a:lumOff val="25000"/>
+                  </a:schemeClr>
                 </a:solidFill>
                 <a:latin typeface="+mj-lt"/>
                 <a:ea typeface="+mj-ea"/>
                 <a:cs typeface="+mj-cs"/>
-              </a:defRPr>
-            </a:lvl1pPr>
-          </a:lstStyle>
-          <a:p>
-            <a:pPr algn="l"/>
-            <a:endParaRPr lang="ru-RU" sz="1800" dirty="0">
+              </a:rPr>
+              <a:t>Логика при выполнении запроса:</a:t>
+            </a:r>
+          </a:p>
+          <a:p>
+            <a:pPr marL="342900" indent="-342900" algn="just">
+              <a:lnSpc>
+                <a:spcPct val="70000"/>
+              </a:lnSpc>
+              <a:spcBef>
+                <a:spcPct val="0"/>
+              </a:spcBef>
+              <a:buFont typeface="Arial" panose="020B0604020202020204" pitchFamily="34" charset="0"/>
+              <a:buChar char="•"/>
+            </a:pPr>
+            <a:r>
+              <a:rPr lang="ru-RU" sz="1600" dirty="0">
+                <a:solidFill>
+                  <a:schemeClr val="tx1">
+                    <a:lumMod val="75000"/>
+                    <a:lumOff val="25000"/>
+                  </a:schemeClr>
+                </a:solidFill>
+                <a:latin typeface="+mj-lt"/>
+                <a:ea typeface="+mj-ea"/>
+                <a:cs typeface="+mj-cs"/>
+              </a:rPr>
+              <a:t>На основе типа документа выбирается типа запроса в генератор сообщений.</a:t>
+            </a:r>
+          </a:p>
+          <a:p>
+            <a:pPr marL="342900" indent="-342900" algn="just">
+              <a:lnSpc>
+                <a:spcPct val="70000"/>
+              </a:lnSpc>
+              <a:spcBef>
+                <a:spcPct val="0"/>
+              </a:spcBef>
+              <a:buFont typeface="Arial" panose="020B0604020202020204" pitchFamily="34" charset="0"/>
+              <a:buChar char="•"/>
+            </a:pPr>
+            <a:r>
+              <a:rPr lang="ru-RU" sz="1600" dirty="0">
+                <a:solidFill>
+                  <a:schemeClr val="tx1">
+                    <a:lumMod val="75000"/>
+                    <a:lumOff val="25000"/>
+                  </a:schemeClr>
+                </a:solidFill>
+                <a:latin typeface="+mj-lt"/>
+                <a:ea typeface="+mj-ea"/>
+                <a:cs typeface="+mj-cs"/>
+              </a:rPr>
+              <a:t>Выбирается оператор-получатель на стороне СЭД ПСО</a:t>
+            </a:r>
+          </a:p>
+          <a:p>
+            <a:pPr marL="342900" indent="-342900" algn="just">
+              <a:lnSpc>
+                <a:spcPct val="70000"/>
+              </a:lnSpc>
+              <a:spcBef>
+                <a:spcPct val="0"/>
+              </a:spcBef>
+              <a:buFont typeface="Arial" panose="020B0604020202020204" pitchFamily="34" charset="0"/>
+              <a:buChar char="•"/>
+            </a:pPr>
+            <a:r>
+              <a:rPr lang="ru-RU" sz="1600" dirty="0">
+                <a:solidFill>
+                  <a:schemeClr val="tx1">
+                    <a:lumMod val="75000"/>
+                    <a:lumOff val="25000"/>
+                  </a:schemeClr>
+                </a:solidFill>
+                <a:latin typeface="+mj-lt"/>
+                <a:ea typeface="+mj-ea"/>
+                <a:cs typeface="+mj-cs"/>
+              </a:rPr>
+              <a:t>Отправляется сообщение в генератор сообщений в запросе передается </a:t>
+            </a:r>
+            <a:r>
+              <a:rPr lang="en-US" sz="1600" dirty="0">
+                <a:solidFill>
+                  <a:schemeClr val="tx1">
+                    <a:lumMod val="75000"/>
+                    <a:lumOff val="25000"/>
+                  </a:schemeClr>
+                </a:solidFill>
+                <a:latin typeface="+mj-lt"/>
+                <a:ea typeface="+mj-ea"/>
+                <a:cs typeface="+mj-cs"/>
+              </a:rPr>
+              <a:t>id </a:t>
+            </a:r>
+            <a:r>
+              <a:rPr lang="ru-RU" sz="1600" dirty="0">
+                <a:solidFill>
+                  <a:schemeClr val="tx1">
+                    <a:lumMod val="75000"/>
+                    <a:lumOff val="25000"/>
+                  </a:schemeClr>
+                </a:solidFill>
+                <a:latin typeface="+mj-lt"/>
+                <a:ea typeface="+mj-ea"/>
+                <a:cs typeface="+mj-cs"/>
+              </a:rPr>
+              <a:t>документа, тип шаблона, </a:t>
+            </a:r>
+            <a:r>
+              <a:rPr lang="en-US" sz="1600" dirty="0">
+                <a:solidFill>
+                  <a:schemeClr val="tx1">
+                    <a:lumMod val="75000"/>
+                    <a:lumOff val="25000"/>
+                  </a:schemeClr>
+                </a:solidFill>
+                <a:latin typeface="+mj-lt"/>
+                <a:ea typeface="+mj-ea"/>
+                <a:cs typeface="+mj-cs"/>
+              </a:rPr>
+              <a:t>id </a:t>
+            </a:r>
+            <a:r>
+              <a:rPr lang="ru-RU" sz="1600" dirty="0">
+                <a:solidFill>
+                  <a:schemeClr val="tx1">
+                    <a:lumMod val="75000"/>
+                    <a:lumOff val="25000"/>
+                  </a:schemeClr>
+                </a:solidFill>
+                <a:latin typeface="+mj-lt"/>
+                <a:ea typeface="+mj-ea"/>
+                <a:cs typeface="+mj-cs"/>
+              </a:rPr>
+              <a:t>оператора, </a:t>
+            </a:r>
+            <a:r>
+              <a:rPr lang="en-US" sz="1600" dirty="0">
+                <a:solidFill>
+                  <a:schemeClr val="tx1">
+                    <a:lumMod val="75000"/>
+                    <a:lumOff val="25000"/>
+                  </a:schemeClr>
+                </a:solidFill>
+                <a:latin typeface="+mj-lt"/>
+                <a:ea typeface="+mj-ea"/>
+                <a:cs typeface="+mj-cs"/>
+              </a:rPr>
+              <a:t>id </a:t>
+            </a:r>
+            <a:r>
+              <a:rPr lang="ru-RU" sz="1600" dirty="0">
+                <a:solidFill>
+                  <a:schemeClr val="tx1">
+                    <a:lumMod val="75000"/>
+                    <a:lumOff val="25000"/>
+                  </a:schemeClr>
+                </a:solidFill>
+                <a:latin typeface="+mj-lt"/>
+                <a:ea typeface="+mj-ea"/>
+                <a:cs typeface="+mj-cs"/>
+              </a:rPr>
+              <a:t>получателя.</a:t>
+            </a:r>
+          </a:p>
+          <a:p>
+            <a:pPr marL="342900" indent="-342900" algn="just">
+              <a:lnSpc>
+                <a:spcPct val="70000"/>
+              </a:lnSpc>
+              <a:spcBef>
+                <a:spcPct val="0"/>
+              </a:spcBef>
+              <a:buFont typeface="Arial" panose="020B0604020202020204" pitchFamily="34" charset="0"/>
+              <a:buChar char="•"/>
+            </a:pPr>
+            <a:r>
+              <a:rPr lang="ru-RU" sz="1600" dirty="0">
+                <a:solidFill>
+                  <a:schemeClr val="tx1">
+                    <a:lumMod val="75000"/>
+                    <a:lumOff val="25000"/>
+                  </a:schemeClr>
+                </a:solidFill>
+                <a:latin typeface="+mj-lt"/>
+                <a:ea typeface="+mj-ea"/>
+                <a:cs typeface="+mj-cs"/>
+              </a:rPr>
+              <a:t>Логика формирования и обработки пакетов рассматриваться не будет.</a:t>
+            </a:r>
+          </a:p>
+          <a:p>
+            <a:pPr marL="342900" indent="-342900" algn="just">
+              <a:lnSpc>
+                <a:spcPct val="70000"/>
+              </a:lnSpc>
+              <a:spcBef>
+                <a:spcPct val="0"/>
+              </a:spcBef>
+              <a:buFont typeface="Arial" panose="020B0604020202020204" pitchFamily="34" charset="0"/>
+              <a:buChar char="•"/>
+            </a:pPr>
+            <a:endParaRPr lang="ru-RU" sz="1600" dirty="0">
               <a:solidFill>
                 <a:schemeClr val="tx1">
                   <a:lumMod val="75000"/>
                   <a:lumOff val="25000"/>
                 </a:schemeClr>
               </a:solidFill>
+              <a:latin typeface="+mj-lt"/>
+              <a:ea typeface="+mj-ea"/>
+              <a:cs typeface="+mj-cs"/>
             </a:endParaRPr>
           </a:p>
         </p:txBody>
       </p:sp>
       <p:sp>
         <p:nvSpPr>
-          <p:cNvPr id="9" name="Заголовок 1"/>
-          <p:cNvSpPr txBox="1">
-            <a:spLocks/>
-          </p:cNvSpPr>
-          <p:nvPr/>
-        </p:nvSpPr>
-        <p:spPr>
-          <a:xfrm>
-            <a:off x="1394045" y="2853229"/>
-            <a:ext cx="10077678" cy="881226"/>
-          </a:xfrm>
-          <a:prstGeom prst="rect">
-            <a:avLst/>
-          </a:prstGeom>
-        </p:spPr>
-        <p:txBody>
-          <a:bodyPr vert="horz" lIns="91440" tIns="45720" rIns="91440" bIns="45720" rtlCol="0" anchor="t">
-            <a:noAutofit/>
+          <p:cNvPr id="3" name="Прямоугольник 2"/>
+          <p:cNvSpPr/>
+          <p:nvPr/>
+        </p:nvSpPr>
+        <p:spPr>
+          <a:xfrm>
+            <a:off x="-29780" y="1567820"/>
+            <a:ext cx="3615655" cy="1482201"/>
+          </a:xfrm>
+          <a:prstGeom prst="rect">
+            <a:avLst/>
+          </a:prstGeom>
+        </p:spPr>
+        <p:txBody>
+          <a:bodyPr wrap="square">
+            <a:spAutoFit/>
           </a:bodyPr>
-          <a:lstStyle>
-            <a:lvl1pPr algn="ctr" defTabSz="914400" rtl="0" eaLnBrk="1" latinLnBrk="0" hangingPunct="1">
+          <a:lstStyle/>
+          <a:p>
+            <a:pPr algn="just">
               <a:lnSpc>
-                <a:spcPct val="90000"/>
+                <a:spcPct val="70000"/>
               </a:lnSpc>
               <a:spcBef>
                 <a:spcPct val="0"/>
               </a:spcBef>
-              <a:buNone/>
-              <a:defRPr sz="6000" kern="1200">
-                <a:solidFill>
-                  <a:schemeClr val="tx1"/>
+            </a:pPr>
+            <a:r>
+              <a:rPr lang="ru-RU" sz="1600" dirty="0">
+                <a:solidFill>
+                  <a:schemeClr val="tx1">
+                    <a:lumMod val="75000"/>
+                    <a:lumOff val="25000"/>
+                  </a:schemeClr>
                 </a:solidFill>
                 <a:latin typeface="+mj-lt"/>
                 <a:ea typeface="+mj-ea"/>
                 <a:cs typeface="+mj-cs"/>
-              </a:defRPr>
-            </a:lvl1pPr>
-          </a:lstStyle>
-          <a:p>
-            <a:pPr algn="l"/>
-            <a:endParaRPr lang="ru-RU" sz="1800" dirty="0">
+              </a:rPr>
+              <a:t>В параметрах запроса передаётся идентификатор подписываемого документа.</a:t>
+            </a:r>
+          </a:p>
+          <a:p>
+            <a:pPr algn="just">
+              <a:lnSpc>
+                <a:spcPct val="70000"/>
+              </a:lnSpc>
+              <a:spcBef>
+                <a:spcPct val="0"/>
+              </a:spcBef>
+            </a:pPr>
+            <a:endParaRPr lang="ru-RU" sz="1600" dirty="0">
               <a:solidFill>
                 <a:schemeClr val="tx1">
                   <a:lumMod val="75000"/>
                   <a:lumOff val="25000"/>
                 </a:schemeClr>
               </a:solidFill>
+              <a:latin typeface="+mj-lt"/>
+              <a:ea typeface="+mj-ea"/>
+              <a:cs typeface="+mj-cs"/>
             </a:endParaRPr>
+          </a:p>
+          <a:p>
+            <a:pPr algn="just">
+              <a:lnSpc>
+                <a:spcPct val="70000"/>
+              </a:lnSpc>
+              <a:spcBef>
+                <a:spcPct val="0"/>
+              </a:spcBef>
+            </a:pPr>
+            <a:r>
+              <a:rPr lang="ru-RU" sz="1600" dirty="0">
+                <a:solidFill>
+                  <a:schemeClr val="tx1">
+                    <a:lumMod val="75000"/>
+                    <a:lumOff val="25000"/>
+                  </a:schemeClr>
+                </a:solidFill>
+                <a:latin typeface="+mj-lt"/>
+                <a:ea typeface="+mj-ea"/>
+                <a:cs typeface="+mj-cs"/>
+              </a:rPr>
+              <a:t> </a:t>
+            </a:r>
+          </a:p>
+          <a:p>
+            <a:pPr algn="just">
+              <a:lnSpc>
+                <a:spcPct val="70000"/>
+              </a:lnSpc>
+              <a:spcBef>
+                <a:spcPct val="0"/>
+              </a:spcBef>
+            </a:pPr>
+            <a:r>
+              <a:rPr lang="ru-RU" sz="1600" dirty="0">
+                <a:solidFill>
+                  <a:schemeClr val="tx1">
+                    <a:lumMod val="75000"/>
+                    <a:lumOff val="25000"/>
+                  </a:schemeClr>
+                </a:solidFill>
+                <a:latin typeface="+mj-lt"/>
+                <a:ea typeface="+mj-ea"/>
+                <a:cs typeface="+mj-cs"/>
+              </a:rPr>
+              <a:t>В теле запроса передается комментарий к подписываемому документу.</a:t>
+            </a:r>
           </a:p>
         </p:txBody>
       </p:sp>
       <p:pic>
         <p:nvPicPr>
-          <p:cNvPr id="15" name="Рисунок 14" descr="Изображение выглядит как текст, диаграмма, План, линия&#10;&#10;Автоматически созданное описание"/>
-          <p:cNvPicPr/>
+          <p:cNvPr id="5" name="Рисунок 4"/>
+          <p:cNvPicPr>
+            <a:picLocks noChangeAspect="1"/>
+          </p:cNvPicPr>
           <p:nvPr/>
         </p:nvPicPr>
         <p:blipFill>
-          <a:blip r:embed="rId4"/>
+          <a:blip r:embed="rId5"/>
           <a:stretch>
             <a:fillRect/>
           </a:stretch>
         </p:blipFill>
         <p:spPr>
           <a:xfrm>
-            <a:off x="1703664" y="614213"/>
-            <a:ext cx="9028429" cy="6240483"/>
+            <a:off x="3556096" y="840296"/>
+            <a:ext cx="8949465" cy="5756196"/>
           </a:xfrm>
           <a:prstGeom prst="rect">
             <a:avLst/>
@@ -6774,7 +6424,7 @@
     </p:spTree>
     <p:extLst>
       <p:ext uri="{BB962C8B-B14F-4D97-AF65-F5344CB8AC3E}">
-        <p14:creationId xmlns:p14="http://schemas.microsoft.com/office/powerpoint/2010/main" val="3229011758"/>
+        <p14:creationId xmlns:p14="http://schemas.microsoft.com/office/powerpoint/2010/main" val="269655108"/>
       </p:ext>
     </p:extLst>
   </p:cSld>
@@ -6873,7 +6523,7 @@
       </p:cxnSp>
       <p:sp>
         <p:nvSpPr>
-          <p:cNvPr id="12" name="Заголовок 1"/>
+          <p:cNvPr id="14" name="Заголовок 1"/>
           <p:cNvSpPr txBox="1">
             <a:spLocks/>
           </p:cNvSpPr>
@@ -6881,8 +6531,8 @@
         </p:nvSpPr>
         <p:spPr>
           <a:xfrm>
-            <a:off x="301124" y="89561"/>
-            <a:ext cx="9891500" cy="375556"/>
+            <a:off x="502015" y="912576"/>
+            <a:ext cx="10077678" cy="881226"/>
           </a:xfrm>
           <a:prstGeom prst="rect">
             <a:avLst/>
@@ -6913,62 +6563,6 @@
           </a:lstStyle>
           <a:p>
             <a:pPr algn="l"/>
-            <a:r>
-              <a:rPr lang="ru-RU" sz="2400" b="1" dirty="0">
-                <a:solidFill>
-                  <a:schemeClr val="tx1">
-                    <a:lumMod val="75000"/>
-                    <a:lumOff val="25000"/>
-                  </a:schemeClr>
-                </a:solidFill>
-              </a:rPr>
-              <a:t>Модель диаграммы классов для работы с заявлениями</a:t>
-            </a:r>
-          </a:p>
-        </p:txBody>
-      </p:sp>
-      <p:sp>
-        <p:nvSpPr>
-          <p:cNvPr id="14" name="Заголовок 1"/>
-          <p:cNvSpPr txBox="1">
-            <a:spLocks/>
-          </p:cNvSpPr>
-          <p:nvPr/>
-        </p:nvSpPr>
-        <p:spPr>
-          <a:xfrm>
-            <a:off x="502015" y="912576"/>
-            <a:ext cx="10077678" cy="881226"/>
-          </a:xfrm>
-          <a:prstGeom prst="rect">
-            <a:avLst/>
-          </a:prstGeom>
-        </p:spPr>
-        <p:txBody>
-          <a:bodyPr vert="horz" lIns="91440" tIns="45720" rIns="91440" bIns="45720" rtlCol="0" anchor="t">
-            <a:noAutofit/>
-          </a:bodyPr>
-          <a:lstStyle>
-            <a:lvl1pPr algn="ctr" defTabSz="914400" rtl="0" eaLnBrk="1" latinLnBrk="0" hangingPunct="1">
-              <a:lnSpc>
-                <a:spcPct val="90000"/>
-              </a:lnSpc>
-              <a:spcBef>
-                <a:spcPct val="0"/>
-              </a:spcBef>
-              <a:buNone/>
-              <a:defRPr sz="6000" kern="1200">
-                <a:solidFill>
-                  <a:schemeClr val="tx1"/>
-                </a:solidFill>
-                <a:latin typeface="+mj-lt"/>
-                <a:ea typeface="+mj-ea"/>
-                <a:cs typeface="+mj-cs"/>
-              </a:defRPr>
-            </a:lvl1pPr>
-          </a:lstStyle>
-          <a:p>
-            <a:pPr algn="l"/>
             <a:endParaRPr lang="ru-RU" sz="1800" dirty="0">
               <a:solidFill>
                 <a:schemeClr val="tx1">
@@ -6982,138 +6576,36 @@
       </p:sp>
       <p:sp>
         <p:nvSpPr>
-          <p:cNvPr id="8" name="Заголовок 1"/>
-          <p:cNvSpPr txBox="1">
-            <a:spLocks/>
-          </p:cNvSpPr>
-          <p:nvPr/>
-        </p:nvSpPr>
-        <p:spPr>
-          <a:xfrm>
-            <a:off x="654415" y="1064976"/>
-            <a:ext cx="10077678" cy="881226"/>
-          </a:xfrm>
-          <a:prstGeom prst="rect">
-            <a:avLst/>
-          </a:prstGeom>
-        </p:spPr>
-        <p:txBody>
-          <a:bodyPr vert="horz" lIns="91440" tIns="45720" rIns="91440" bIns="45720" rtlCol="0" anchor="t">
-            <a:noAutofit/>
+          <p:cNvPr id="6" name="Прямоугольник 5"/>
+          <p:cNvSpPr/>
+          <p:nvPr/>
+        </p:nvSpPr>
+        <p:spPr>
+          <a:xfrm>
+            <a:off x="0" y="137793"/>
+            <a:ext cx="6816161" cy="369332"/>
+          </a:xfrm>
+          <a:prstGeom prst="rect">
+            <a:avLst/>
+          </a:prstGeom>
+        </p:spPr>
+        <p:txBody>
+          <a:bodyPr wrap="none">
+            <a:spAutoFit/>
           </a:bodyPr>
-          <a:lstStyle>
-            <a:lvl1pPr algn="ctr" defTabSz="914400" rtl="0" eaLnBrk="1" latinLnBrk="0" hangingPunct="1">
-              <a:lnSpc>
-                <a:spcPct val="90000"/>
-              </a:lnSpc>
-              <a:spcBef>
-                <a:spcPct val="0"/>
-              </a:spcBef>
-              <a:buNone/>
-              <a:defRPr sz="6000" kern="1200">
-                <a:solidFill>
-                  <a:schemeClr val="tx1"/>
-                </a:solidFill>
-                <a:latin typeface="+mj-lt"/>
-                <a:ea typeface="+mj-ea"/>
-                <a:cs typeface="+mj-cs"/>
-              </a:defRPr>
-            </a:lvl1pPr>
-          </a:lstStyle>
-          <a:p>
-            <a:pPr algn="l"/>
-            <a:endParaRPr lang="ru-RU" sz="1800" dirty="0">
-              <a:solidFill>
-                <a:schemeClr val="tx1">
-                  <a:lumMod val="75000"/>
-                  <a:lumOff val="25000"/>
-                </a:schemeClr>
-              </a:solidFill>
-            </a:endParaRPr>
-          </a:p>
-        </p:txBody>
-      </p:sp>
-      <p:sp>
-        <p:nvSpPr>
-          <p:cNvPr id="9" name="Заголовок 1"/>
-          <p:cNvSpPr txBox="1">
-            <a:spLocks/>
-          </p:cNvSpPr>
-          <p:nvPr/>
-        </p:nvSpPr>
-        <p:spPr>
-          <a:xfrm>
-            <a:off x="1394045" y="2853229"/>
-            <a:ext cx="10077678" cy="881226"/>
-          </a:xfrm>
-          <a:prstGeom prst="rect">
-            <a:avLst/>
-          </a:prstGeom>
-        </p:spPr>
-        <p:txBody>
-          <a:bodyPr vert="horz" lIns="91440" tIns="45720" rIns="91440" bIns="45720" rtlCol="0" anchor="t">
-            <a:noAutofit/>
-          </a:bodyPr>
-          <a:lstStyle>
-            <a:lvl1pPr algn="ctr" defTabSz="914400" rtl="0" eaLnBrk="1" latinLnBrk="0" hangingPunct="1">
-              <a:lnSpc>
-                <a:spcPct val="90000"/>
-              </a:lnSpc>
-              <a:spcBef>
-                <a:spcPct val="0"/>
-              </a:spcBef>
-              <a:buNone/>
-              <a:defRPr sz="6000" kern="1200">
-                <a:solidFill>
-                  <a:schemeClr val="tx1"/>
-                </a:solidFill>
-                <a:latin typeface="+mj-lt"/>
-                <a:ea typeface="+mj-ea"/>
-                <a:cs typeface="+mj-cs"/>
-              </a:defRPr>
-            </a:lvl1pPr>
-          </a:lstStyle>
-          <a:p>
-            <a:pPr algn="l"/>
-            <a:endParaRPr lang="ru-RU" sz="1800" dirty="0">
-              <a:solidFill>
-                <a:schemeClr val="tx1">
-                  <a:lumMod val="75000"/>
-                  <a:lumOff val="25000"/>
-                </a:schemeClr>
-              </a:solidFill>
-            </a:endParaRPr>
-          </a:p>
-        </p:txBody>
-      </p:sp>
-      <p:pic>
-        <p:nvPicPr>
-          <p:cNvPr id="3" name="Рисунок 2"/>
-          <p:cNvPicPr>
-            <a:picLocks noChangeAspect="1"/>
-          </p:cNvPicPr>
-          <p:nvPr/>
-        </p:nvPicPr>
-        <p:blipFill>
-          <a:blip r:embed="rId4"/>
-          <a:stretch>
-            <a:fillRect/>
-          </a:stretch>
-        </p:blipFill>
-        <p:spPr>
-          <a:xfrm>
-            <a:off x="1578602" y="563289"/>
-            <a:ext cx="8765023" cy="6342331"/>
-          </a:xfrm>
-          <a:prstGeom prst="rect">
-            <a:avLst/>
-          </a:prstGeom>
-        </p:spPr>
-      </p:pic>
+          <a:lstStyle/>
+          <a:p>
+            <a:r>
+              <a:rPr lang="ru-RU" dirty="0" smtClean="0"/>
+              <a:t>Общее количество реализованных запросов, разбитых по группам:</a:t>
+            </a:r>
+          </a:p>
+        </p:txBody>
+      </p:sp>
     </p:spTree>
     <p:extLst>
       <p:ext uri="{BB962C8B-B14F-4D97-AF65-F5344CB8AC3E}">
-        <p14:creationId xmlns:p14="http://schemas.microsoft.com/office/powerpoint/2010/main" val="2159679203"/>
+        <p14:creationId xmlns:p14="http://schemas.microsoft.com/office/powerpoint/2010/main" val="3341474849"/>
       </p:ext>
     </p:extLst>
   </p:cSld>
@@ -7212,7 +6704,7 @@
       </p:cxnSp>
       <p:sp>
         <p:nvSpPr>
-          <p:cNvPr id="12" name="Заголовок 1"/>
+          <p:cNvPr id="14" name="Заголовок 1"/>
           <p:cNvSpPr txBox="1">
             <a:spLocks/>
           </p:cNvSpPr>
@@ -7220,8 +6712,8 @@
         </p:nvSpPr>
         <p:spPr>
           <a:xfrm>
-            <a:off x="301124" y="89560"/>
-            <a:ext cx="9891500" cy="415139"/>
+            <a:off x="502015" y="912576"/>
+            <a:ext cx="10077678" cy="881226"/>
           </a:xfrm>
           <a:prstGeom prst="rect">
             <a:avLst/>
@@ -7252,62 +6744,6 @@
           </a:lstStyle>
           <a:p>
             <a:pPr algn="l"/>
-            <a:r>
-              <a:rPr lang="ru-RU" sz="2400" b="1" dirty="0">
-                <a:solidFill>
-                  <a:schemeClr val="tx1">
-                    <a:lumMod val="75000"/>
-                    <a:lumOff val="25000"/>
-                  </a:schemeClr>
-                </a:solidFill>
-              </a:rPr>
-              <a:t>Модель диаграммы классов для работы с межведомственными запросами</a:t>
-            </a:r>
-          </a:p>
-        </p:txBody>
-      </p:sp>
-      <p:sp>
-        <p:nvSpPr>
-          <p:cNvPr id="14" name="Заголовок 1"/>
-          <p:cNvSpPr txBox="1">
-            <a:spLocks/>
-          </p:cNvSpPr>
-          <p:nvPr/>
-        </p:nvSpPr>
-        <p:spPr>
-          <a:xfrm>
-            <a:off x="502015" y="912576"/>
-            <a:ext cx="10077678" cy="881226"/>
-          </a:xfrm>
-          <a:prstGeom prst="rect">
-            <a:avLst/>
-          </a:prstGeom>
-        </p:spPr>
-        <p:txBody>
-          <a:bodyPr vert="horz" lIns="91440" tIns="45720" rIns="91440" bIns="45720" rtlCol="0" anchor="t">
-            <a:noAutofit/>
-          </a:bodyPr>
-          <a:lstStyle>
-            <a:lvl1pPr algn="ctr" defTabSz="914400" rtl="0" eaLnBrk="1" latinLnBrk="0" hangingPunct="1">
-              <a:lnSpc>
-                <a:spcPct val="90000"/>
-              </a:lnSpc>
-              <a:spcBef>
-                <a:spcPct val="0"/>
-              </a:spcBef>
-              <a:buNone/>
-              <a:defRPr sz="6000" kern="1200">
-                <a:solidFill>
-                  <a:schemeClr val="tx1"/>
-                </a:solidFill>
-                <a:latin typeface="+mj-lt"/>
-                <a:ea typeface="+mj-ea"/>
-                <a:cs typeface="+mj-cs"/>
-              </a:defRPr>
-            </a:lvl1pPr>
-          </a:lstStyle>
-          <a:p>
-            <a:pPr algn="l"/>
             <a:endParaRPr lang="ru-RU" sz="1800" dirty="0">
               <a:solidFill>
                 <a:schemeClr val="tx1">
@@ -7321,113 +6757,35 @@
       </p:sp>
       <p:sp>
         <p:nvSpPr>
-          <p:cNvPr id="8" name="Заголовок 1"/>
-          <p:cNvSpPr txBox="1">
-            <a:spLocks/>
-          </p:cNvSpPr>
-          <p:nvPr/>
-        </p:nvSpPr>
-        <p:spPr>
-          <a:xfrm>
-            <a:off x="654415" y="1064976"/>
-            <a:ext cx="10077678" cy="881226"/>
-          </a:xfrm>
-          <a:prstGeom prst="rect">
-            <a:avLst/>
-          </a:prstGeom>
-        </p:spPr>
-        <p:txBody>
-          <a:bodyPr vert="horz" lIns="91440" tIns="45720" rIns="91440" bIns="45720" rtlCol="0" anchor="t">
-            <a:noAutofit/>
+          <p:cNvPr id="6" name="Прямоугольник 5"/>
+          <p:cNvSpPr/>
+          <p:nvPr/>
+        </p:nvSpPr>
+        <p:spPr>
+          <a:xfrm>
+            <a:off x="0" y="137793"/>
+            <a:ext cx="5477718" cy="369332"/>
+          </a:xfrm>
+          <a:prstGeom prst="rect">
+            <a:avLst/>
+          </a:prstGeom>
+        </p:spPr>
+        <p:txBody>
+          <a:bodyPr wrap="none">
+            <a:spAutoFit/>
           </a:bodyPr>
-          <a:lstStyle>
-            <a:lvl1pPr algn="ctr" defTabSz="914400" rtl="0" eaLnBrk="1" latinLnBrk="0" hangingPunct="1">
-              <a:lnSpc>
-                <a:spcPct val="90000"/>
-              </a:lnSpc>
-              <a:spcBef>
-                <a:spcPct val="0"/>
-              </a:spcBef>
-              <a:buNone/>
-              <a:defRPr sz="6000" kern="1200">
-                <a:solidFill>
-                  <a:schemeClr val="tx1"/>
-                </a:solidFill>
-                <a:latin typeface="+mj-lt"/>
-                <a:ea typeface="+mj-ea"/>
-                <a:cs typeface="+mj-cs"/>
-              </a:defRPr>
-            </a:lvl1pPr>
-          </a:lstStyle>
-          <a:p>
-            <a:pPr algn="l"/>
-            <a:endParaRPr lang="ru-RU" sz="1800" dirty="0">
-              <a:solidFill>
-                <a:schemeClr val="tx1">
-                  <a:lumMod val="75000"/>
-                  <a:lumOff val="25000"/>
-                </a:schemeClr>
-              </a:solidFill>
-            </a:endParaRPr>
-          </a:p>
-        </p:txBody>
-      </p:sp>
-      <p:sp>
-        <p:nvSpPr>
-          <p:cNvPr id="9" name="Заголовок 1"/>
-          <p:cNvSpPr txBox="1">
-            <a:spLocks/>
-          </p:cNvSpPr>
-          <p:nvPr/>
-        </p:nvSpPr>
-        <p:spPr>
-          <a:xfrm>
-            <a:off x="1394045" y="2853229"/>
-            <a:ext cx="10077678" cy="881226"/>
-          </a:xfrm>
-          <a:prstGeom prst="rect">
-            <a:avLst/>
-          </a:prstGeom>
-        </p:spPr>
-        <p:txBody>
-          <a:bodyPr vert="horz" lIns="91440" tIns="45720" rIns="91440" bIns="45720" rtlCol="0" anchor="t">
-            <a:noAutofit/>
-          </a:bodyPr>
-          <a:lstStyle>
-            <a:lvl1pPr algn="ctr" defTabSz="914400" rtl="0" eaLnBrk="1" latinLnBrk="0" hangingPunct="1">
-              <a:lnSpc>
-                <a:spcPct val="90000"/>
-              </a:lnSpc>
-              <a:spcBef>
-                <a:spcPct val="0"/>
-              </a:spcBef>
-              <a:buNone/>
-              <a:defRPr sz="6000" kern="1200">
-                <a:solidFill>
-                  <a:schemeClr val="tx1"/>
-                </a:solidFill>
-                <a:latin typeface="+mj-lt"/>
-                <a:ea typeface="+mj-ea"/>
-                <a:cs typeface="+mj-cs"/>
-              </a:defRPr>
-            </a:lvl1pPr>
-          </a:lstStyle>
-          <a:p>
-            <a:pPr algn="l"/>
-            <a:endParaRPr lang="ru-RU" sz="1800" dirty="0">
-              <a:solidFill>
-                <a:schemeClr val="tx1">
-                  <a:lumMod val="75000"/>
-                  <a:lumOff val="25000"/>
-                </a:schemeClr>
-              </a:solidFill>
-            </a:endParaRPr>
+          <a:lstStyle/>
+          <a:p>
+            <a:r>
+              <a:rPr lang="ru-RU" dirty="0" smtClean="0"/>
+              <a:t>Список таблиц созданных для работы всей системы:</a:t>
+            </a:r>
           </a:p>
         </p:txBody>
       </p:sp>
       <p:pic>
         <p:nvPicPr>
-          <p:cNvPr id="3" name="Рисунок 2"/>
+          <p:cNvPr id="8" name="Рисунок 7"/>
           <p:cNvPicPr>
             <a:picLocks noChangeAspect="1"/>
           </p:cNvPicPr>
@@ -7441,8 +6799,152 @@
         </p:blipFill>
         <p:spPr>
           <a:xfrm>
-            <a:off x="1317108" y="675367"/>
-            <a:ext cx="9557783" cy="6118175"/>
+            <a:off x="0" y="678474"/>
+            <a:ext cx="2519117" cy="6021303"/>
+          </a:xfrm>
+          <a:prstGeom prst="rect">
+            <a:avLst/>
+          </a:prstGeom>
+        </p:spPr>
+      </p:pic>
+      <p:pic>
+        <p:nvPicPr>
+          <p:cNvPr id="2" name="Рисунок 1"/>
+          <p:cNvPicPr>
+            <a:picLocks noChangeAspect="1"/>
+          </p:cNvPicPr>
+          <p:nvPr/>
+        </p:nvPicPr>
+        <p:blipFill>
+          <a:blip r:embed="rId5"/>
+          <a:stretch>
+            <a:fillRect/>
+          </a:stretch>
+        </p:blipFill>
+        <p:spPr>
+          <a:xfrm>
+            <a:off x="2480107" y="757050"/>
+            <a:ext cx="1422080" cy="5825475"/>
+          </a:xfrm>
+          <a:prstGeom prst="rect">
+            <a:avLst/>
+          </a:prstGeom>
+        </p:spPr>
+      </p:pic>
+      <p:pic>
+        <p:nvPicPr>
+          <p:cNvPr id="3" name="Рисунок 2"/>
+          <p:cNvPicPr>
+            <a:picLocks noChangeAspect="1"/>
+          </p:cNvPicPr>
+          <p:nvPr/>
+        </p:nvPicPr>
+        <p:blipFill>
+          <a:blip r:embed="rId6"/>
+          <a:stretch>
+            <a:fillRect/>
+          </a:stretch>
+        </p:blipFill>
+        <p:spPr>
+          <a:xfrm>
+            <a:off x="3824316" y="634484"/>
+            <a:ext cx="1820777" cy="6104541"/>
+          </a:xfrm>
+          <a:prstGeom prst="rect">
+            <a:avLst/>
+          </a:prstGeom>
+        </p:spPr>
+      </p:pic>
+      <p:pic>
+        <p:nvPicPr>
+          <p:cNvPr id="5" name="Рисунок 4"/>
+          <p:cNvPicPr>
+            <a:picLocks noChangeAspect="1"/>
+          </p:cNvPicPr>
+          <p:nvPr/>
+        </p:nvPicPr>
+        <p:blipFill>
+          <a:blip r:embed="rId7"/>
+          <a:stretch>
+            <a:fillRect/>
+          </a:stretch>
+        </p:blipFill>
+        <p:spPr>
+          <a:xfrm>
+            <a:off x="5443762" y="507125"/>
+            <a:ext cx="1810818" cy="6249098"/>
+          </a:xfrm>
+          <a:prstGeom prst="rect">
+            <a:avLst/>
+          </a:prstGeom>
+        </p:spPr>
+      </p:pic>
+      <p:pic>
+        <p:nvPicPr>
+          <p:cNvPr id="9" name="Рисунок 8"/>
+          <p:cNvPicPr>
+            <a:picLocks noChangeAspect="1"/>
+          </p:cNvPicPr>
+          <p:nvPr/>
+        </p:nvPicPr>
+        <p:blipFill>
+          <a:blip r:embed="rId8"/>
+          <a:stretch>
+            <a:fillRect/>
+          </a:stretch>
+        </p:blipFill>
+        <p:spPr>
+          <a:xfrm>
+            <a:off x="7126794" y="542215"/>
+            <a:ext cx="1588663" cy="6178917"/>
+          </a:xfrm>
+          <a:prstGeom prst="rect">
+            <a:avLst/>
+          </a:prstGeom>
+        </p:spPr>
+      </p:pic>
+      <p:pic>
+        <p:nvPicPr>
+          <p:cNvPr id="10" name="Рисунок 9"/>
+          <p:cNvPicPr>
+            <a:picLocks noChangeAspect="1"/>
+          </p:cNvPicPr>
+          <p:nvPr/>
+        </p:nvPicPr>
+        <p:blipFill>
+          <a:blip r:embed="rId9"/>
+          <a:stretch>
+            <a:fillRect/>
+          </a:stretch>
+        </p:blipFill>
+        <p:spPr>
+          <a:xfrm>
+            <a:off x="8693970" y="542215"/>
+            <a:ext cx="1503188" cy="6109285"/>
+          </a:xfrm>
+          <a:prstGeom prst="rect">
+            <a:avLst/>
+          </a:prstGeom>
+        </p:spPr>
+      </p:pic>
+      <p:pic>
+        <p:nvPicPr>
+          <p:cNvPr id="11" name="Рисунок 10"/>
+          <p:cNvPicPr>
+            <a:picLocks noChangeAspect="1"/>
+          </p:cNvPicPr>
+          <p:nvPr/>
+        </p:nvPicPr>
+        <p:blipFill>
+          <a:blip r:embed="rId10"/>
+          <a:stretch>
+            <a:fillRect/>
+          </a:stretch>
+        </p:blipFill>
+        <p:spPr>
+          <a:xfrm>
+            <a:off x="10033394" y="563925"/>
+            <a:ext cx="1603154" cy="6122391"/>
           </a:xfrm>
           <a:prstGeom prst="rect">
             <a:avLst/>
@@ -7452,7 +6954,7 @@
     </p:spTree>
     <p:extLst>
       <p:ext uri="{BB962C8B-B14F-4D97-AF65-F5344CB8AC3E}">
-        <p14:creationId xmlns:p14="http://schemas.microsoft.com/office/powerpoint/2010/main" val="2177073277"/>
+        <p14:creationId xmlns:p14="http://schemas.microsoft.com/office/powerpoint/2010/main" val="4060904011"/>
       </p:ext>
     </p:extLst>
   </p:cSld>
@@ -7559,8 +7061,8 @@
         </p:nvSpPr>
         <p:spPr>
           <a:xfrm>
-            <a:off x="137222" y="-30867"/>
-            <a:ext cx="9891500" cy="232898"/>
+            <a:off x="137222" y="-30868"/>
+            <a:ext cx="9891500" cy="471109"/>
           </a:xfrm>
           <a:prstGeom prst="rect">
             <a:avLst/>
@@ -7798,6 +7300,441 @@
     <p:extLst>
       <p:ext uri="{BB962C8B-B14F-4D97-AF65-F5344CB8AC3E}">
         <p14:creationId xmlns:p14="http://schemas.microsoft.com/office/powerpoint/2010/main" val="1896052445"/>
+      </p:ext>
+    </p:extLst>
+  </p:cSld>
+  <p:clrMapOvr>
+    <a:masterClrMapping/>
+  </p:clrMapOvr>
+</p:sld>
+</file>
+
+<file path=ppt/slides/slide19.xml><?xml version="1.0" encoding="utf-8"?>
+<p:sld xmlns:a="http://schemas.openxmlformats.org/drawingml/2006/main" xmlns:r="http://schemas.openxmlformats.org/officeDocument/2006/relationships" xmlns:p="http://schemas.openxmlformats.org/presentationml/2006/main">
+  <p:cSld>
+    <p:bg>
+      <p:bgPr>
+        <a:blipFill>
+          <a:blip r:embed="rId2"/>
+          <a:stretch>
+            <a:fillRect/>
+          </a:stretch>
+        </a:blipFill>
+        <a:effectLst/>
+      </p:bgPr>
+    </p:bg>
+    <p:spTree>
+      <p:nvGrpSpPr>
+        <p:cNvPr id="1" name=""/>
+        <p:cNvGrpSpPr/>
+        <p:nvPr/>
+      </p:nvGrpSpPr>
+      <p:grpSpPr>
+        <a:xfrm>
+          <a:off x="0" y="0"/>
+          <a:ext cx="0" cy="0"/>
+          <a:chOff x="0" y="0"/>
+          <a:chExt cx="0" cy="0"/>
+        </a:xfrm>
+      </p:grpSpPr>
+      <p:pic>
+        <p:nvPicPr>
+          <p:cNvPr id="4" name="Рисунок 3"/>
+          <p:cNvPicPr>
+            <a:picLocks noChangeAspect="1"/>
+          </p:cNvPicPr>
+          <p:nvPr/>
+        </p:nvPicPr>
+        <p:blipFill>
+          <a:blip r:embed="rId3"/>
+          <a:stretch>
+            <a:fillRect/>
+          </a:stretch>
+        </p:blipFill>
+        <p:spPr>
+          <a:xfrm>
+            <a:off x="5567222" y="6213254"/>
+            <a:ext cx="1057557" cy="467471"/>
+          </a:xfrm>
+          <a:prstGeom prst="rect">
+            <a:avLst/>
+          </a:prstGeom>
+        </p:spPr>
+      </p:pic>
+      <p:cxnSp>
+        <p:nvCxnSpPr>
+          <p:cNvPr id="7" name="Прямая соединительная линия 6"/>
+          <p:cNvCxnSpPr/>
+          <p:nvPr/>
+        </p:nvCxnSpPr>
+        <p:spPr>
+          <a:xfrm>
+            <a:off x="0" y="617517"/>
+            <a:ext cx="12192000" cy="0"/>
+          </a:xfrm>
+          <a:prstGeom prst="line">
+            <a:avLst/>
+          </a:prstGeom>
+          <a:ln w="12700">
+            <a:solidFill>
+              <a:srgbClr val="00B0F0"/>
+            </a:solidFill>
+          </a:ln>
+        </p:spPr>
+        <p:style>
+          <a:lnRef idx="1">
+            <a:schemeClr val="accent1"/>
+          </a:lnRef>
+          <a:fillRef idx="0">
+            <a:schemeClr val="accent1"/>
+          </a:fillRef>
+          <a:effectRef idx="0">
+            <a:schemeClr val="accent1"/>
+          </a:effectRef>
+          <a:fontRef idx="minor">
+            <a:schemeClr val="tx1"/>
+          </a:fontRef>
+        </p:style>
+      </p:cxnSp>
+      <p:sp>
+        <p:nvSpPr>
+          <p:cNvPr id="12" name="Заголовок 1"/>
+          <p:cNvSpPr txBox="1">
+            <a:spLocks/>
+          </p:cNvSpPr>
+          <p:nvPr/>
+        </p:nvSpPr>
+        <p:spPr>
+          <a:xfrm>
+            <a:off x="355336" y="5549"/>
+            <a:ext cx="9891500" cy="471109"/>
+          </a:xfrm>
+          <a:prstGeom prst="rect">
+            <a:avLst/>
+          </a:prstGeom>
+        </p:spPr>
+        <p:txBody>
+          <a:bodyPr vert="horz" lIns="91440" tIns="45720" rIns="91440" bIns="45720" rtlCol="0" anchor="t">
+            <a:noAutofit/>
+          </a:bodyPr>
+          <a:lstStyle>
+            <a:lvl1pPr algn="ctr" defTabSz="914400" rtl="0" eaLnBrk="1" latinLnBrk="0" hangingPunct="1">
+              <a:lnSpc>
+                <a:spcPct val="90000"/>
+              </a:lnSpc>
+              <a:spcBef>
+                <a:spcPct val="0"/>
+              </a:spcBef>
+              <a:buNone/>
+              <a:defRPr sz="6000" kern="1200">
+                <a:solidFill>
+                  <a:schemeClr val="tx1"/>
+                </a:solidFill>
+                <a:latin typeface="+mj-lt"/>
+                <a:ea typeface="+mj-ea"/>
+                <a:cs typeface="+mj-cs"/>
+              </a:defRPr>
+            </a:lvl1pPr>
+          </a:lstStyle>
+          <a:p>
+            <a:r>
+              <a:rPr lang="ru-RU" sz="2400" b="1" dirty="0" smtClean="0">
+                <a:solidFill>
+                  <a:schemeClr val="tx1">
+                    <a:lumMod val="75000"/>
+                    <a:lumOff val="25000"/>
+                  </a:schemeClr>
+                </a:solidFill>
+              </a:rPr>
+              <a:t>Заключение</a:t>
+            </a:r>
+            <a:endParaRPr lang="ru-RU" sz="2400" b="1" dirty="0">
+              <a:solidFill>
+                <a:schemeClr val="tx1">
+                  <a:lumMod val="75000"/>
+                  <a:lumOff val="25000"/>
+                </a:schemeClr>
+              </a:solidFill>
+            </a:endParaRPr>
+          </a:p>
+        </p:txBody>
+      </p:sp>
+      <p:sp>
+        <p:nvSpPr>
+          <p:cNvPr id="14" name="Заголовок 1"/>
+          <p:cNvSpPr txBox="1">
+            <a:spLocks/>
+          </p:cNvSpPr>
+          <p:nvPr/>
+        </p:nvSpPr>
+        <p:spPr>
+          <a:xfrm>
+            <a:off x="528383" y="2712369"/>
+            <a:ext cx="10077678" cy="881226"/>
+          </a:xfrm>
+          <a:prstGeom prst="rect">
+            <a:avLst/>
+          </a:prstGeom>
+        </p:spPr>
+        <p:txBody>
+          <a:bodyPr vert="horz" lIns="91440" tIns="45720" rIns="91440" bIns="45720" rtlCol="0" anchor="t">
+            <a:noAutofit/>
+          </a:bodyPr>
+          <a:lstStyle>
+            <a:lvl1pPr algn="ctr" defTabSz="914400" rtl="0" eaLnBrk="1" latinLnBrk="0" hangingPunct="1">
+              <a:lnSpc>
+                <a:spcPct val="90000"/>
+              </a:lnSpc>
+              <a:spcBef>
+                <a:spcPct val="0"/>
+              </a:spcBef>
+              <a:buNone/>
+              <a:defRPr sz="6000" kern="1200">
+                <a:solidFill>
+                  <a:schemeClr val="tx1"/>
+                </a:solidFill>
+                <a:latin typeface="+mj-lt"/>
+                <a:ea typeface="+mj-ea"/>
+                <a:cs typeface="+mj-cs"/>
+              </a:defRPr>
+            </a:lvl1pPr>
+          </a:lstStyle>
+          <a:p>
+            <a:pPr algn="l"/>
+            <a:endParaRPr lang="ru-RU" sz="1800" dirty="0">
+              <a:solidFill>
+                <a:schemeClr val="tx1">
+                  <a:lumMod val="75000"/>
+                  <a:lumOff val="25000"/>
+                </a:schemeClr>
+              </a:solidFill>
+            </a:endParaRPr>
+          </a:p>
+        </p:txBody>
+      </p:sp>
+      <p:sp>
+        <p:nvSpPr>
+          <p:cNvPr id="8" name="Заголовок 1"/>
+          <p:cNvSpPr txBox="1">
+            <a:spLocks/>
+          </p:cNvSpPr>
+          <p:nvPr/>
+        </p:nvSpPr>
+        <p:spPr>
+          <a:xfrm>
+            <a:off x="654415" y="1064976"/>
+            <a:ext cx="10077678" cy="881226"/>
+          </a:xfrm>
+          <a:prstGeom prst="rect">
+            <a:avLst/>
+          </a:prstGeom>
+        </p:spPr>
+        <p:txBody>
+          <a:bodyPr vert="horz" lIns="91440" tIns="45720" rIns="91440" bIns="45720" rtlCol="0" anchor="t">
+            <a:noAutofit/>
+          </a:bodyPr>
+          <a:lstStyle>
+            <a:lvl1pPr algn="ctr" defTabSz="914400" rtl="0" eaLnBrk="1" latinLnBrk="0" hangingPunct="1">
+              <a:lnSpc>
+                <a:spcPct val="90000"/>
+              </a:lnSpc>
+              <a:spcBef>
+                <a:spcPct val="0"/>
+              </a:spcBef>
+              <a:buNone/>
+              <a:defRPr sz="6000" kern="1200">
+                <a:solidFill>
+                  <a:schemeClr val="tx1"/>
+                </a:solidFill>
+                <a:latin typeface="+mj-lt"/>
+                <a:ea typeface="+mj-ea"/>
+                <a:cs typeface="+mj-cs"/>
+              </a:defRPr>
+            </a:lvl1pPr>
+          </a:lstStyle>
+          <a:p>
+            <a:pPr algn="l"/>
+            <a:endParaRPr lang="ru-RU" sz="1800" dirty="0">
+              <a:solidFill>
+                <a:schemeClr val="tx1">
+                  <a:lumMod val="75000"/>
+                  <a:lumOff val="25000"/>
+                </a:schemeClr>
+              </a:solidFill>
+            </a:endParaRPr>
+          </a:p>
+        </p:txBody>
+      </p:sp>
+      <p:sp>
+        <p:nvSpPr>
+          <p:cNvPr id="9" name="Заголовок 1"/>
+          <p:cNvSpPr txBox="1">
+            <a:spLocks/>
+          </p:cNvSpPr>
+          <p:nvPr/>
+        </p:nvSpPr>
+        <p:spPr>
+          <a:xfrm>
+            <a:off x="1057161" y="960423"/>
+            <a:ext cx="10077678" cy="2633172"/>
+          </a:xfrm>
+          <a:prstGeom prst="rect">
+            <a:avLst/>
+          </a:prstGeom>
+        </p:spPr>
+        <p:txBody>
+          <a:bodyPr vert="horz" lIns="91440" tIns="45720" rIns="91440" bIns="45720" rtlCol="0" anchor="t">
+            <a:noAutofit/>
+          </a:bodyPr>
+          <a:lstStyle>
+            <a:lvl1pPr algn="ctr" defTabSz="914400" rtl="0" eaLnBrk="1" latinLnBrk="0" hangingPunct="1">
+              <a:lnSpc>
+                <a:spcPct val="90000"/>
+              </a:lnSpc>
+              <a:spcBef>
+                <a:spcPct val="0"/>
+              </a:spcBef>
+              <a:buNone/>
+              <a:defRPr sz="6000" kern="1200">
+                <a:solidFill>
+                  <a:schemeClr val="tx1"/>
+                </a:solidFill>
+                <a:latin typeface="+mj-lt"/>
+                <a:ea typeface="+mj-ea"/>
+                <a:cs typeface="+mj-cs"/>
+              </a:defRPr>
+            </a:lvl1pPr>
+          </a:lstStyle>
+          <a:p>
+            <a:pPr algn="l"/>
+            <a:r>
+              <a:rPr lang="ru-RU" sz="1800" dirty="0" smtClean="0">
+                <a:solidFill>
+                  <a:schemeClr val="tx1">
+                    <a:lumMod val="75000"/>
+                    <a:lumOff val="25000"/>
+                  </a:schemeClr>
+                </a:solidFill>
+              </a:rPr>
+              <a:t>В рамках работы был изучен предоставленный бизнес процесс, выделены пользовательские требования, спроектирован процесс предоставления заявления с использованием системы, определены правила обмена сообщениями </a:t>
+            </a:r>
+            <a:r>
+              <a:rPr lang="ru-RU" sz="1800" dirty="0" err="1" smtClean="0">
+                <a:solidFill>
+                  <a:schemeClr val="tx1">
+                    <a:lumMod val="75000"/>
+                    <a:lumOff val="25000"/>
+                  </a:schemeClr>
+                </a:solidFill>
+              </a:rPr>
+              <a:t>бекенда</a:t>
+            </a:r>
+            <a:r>
+              <a:rPr lang="ru-RU" sz="1800" dirty="0" smtClean="0">
+                <a:solidFill>
+                  <a:schemeClr val="tx1">
+                    <a:lumMod val="75000"/>
+                    <a:lumOff val="25000"/>
+                  </a:schemeClr>
+                </a:solidFill>
+              </a:rPr>
+              <a:t> с </a:t>
+            </a:r>
+            <a:r>
+              <a:rPr lang="ru-RU" sz="1800" dirty="0" err="1" smtClean="0">
+                <a:solidFill>
+                  <a:schemeClr val="tx1">
+                    <a:lumMod val="75000"/>
+                    <a:lumOff val="25000"/>
+                  </a:schemeClr>
+                </a:solidFill>
+              </a:rPr>
+              <a:t>фронтендом</a:t>
+            </a:r>
+            <a:r>
+              <a:rPr lang="ru-RU" sz="1800" dirty="0" smtClean="0">
+                <a:solidFill>
+                  <a:schemeClr val="tx1">
+                    <a:lumMod val="75000"/>
+                    <a:lumOff val="25000"/>
+                  </a:schemeClr>
+                </a:solidFill>
+              </a:rPr>
+              <a:t>, спроектирована архитектура </a:t>
+            </a:r>
+            <a:r>
+              <a:rPr lang="ru-RU" sz="1800" dirty="0" err="1" smtClean="0">
+                <a:solidFill>
+                  <a:schemeClr val="tx1">
+                    <a:lumMod val="75000"/>
+                    <a:lumOff val="25000"/>
+                  </a:schemeClr>
+                </a:solidFill>
+              </a:rPr>
+              <a:t>бекенда</a:t>
+            </a:r>
+            <a:r>
+              <a:rPr lang="ru-RU" sz="1800" dirty="0" smtClean="0">
+                <a:solidFill>
+                  <a:schemeClr val="tx1">
+                    <a:lumMod val="75000"/>
+                    <a:lumOff val="25000"/>
+                  </a:schemeClr>
+                </a:solidFill>
+              </a:rPr>
+              <a:t>, реализовано серверное приложение.</a:t>
+            </a:r>
+          </a:p>
+          <a:p>
+            <a:pPr algn="l"/>
+            <a:endParaRPr lang="ru-RU" sz="1800" dirty="0">
+              <a:solidFill>
+                <a:schemeClr val="tx1">
+                  <a:lumMod val="75000"/>
+                  <a:lumOff val="25000"/>
+                </a:schemeClr>
+              </a:solidFill>
+            </a:endParaRPr>
+          </a:p>
+          <a:p>
+            <a:pPr algn="l"/>
+            <a:r>
+              <a:rPr lang="ru-RU" sz="1800" dirty="0" smtClean="0">
+                <a:solidFill>
+                  <a:schemeClr val="tx1">
+                    <a:lumMod val="75000"/>
+                    <a:lumOff val="25000"/>
+                  </a:schemeClr>
+                </a:solidFill>
+              </a:rPr>
+              <a:t>Результатом работы является, внедренная в процесс работы министерства, система, котора</a:t>
+            </a:r>
+            <a:r>
+              <a:rPr lang="ru-RU" sz="1800" dirty="0" smtClean="0">
+                <a:solidFill>
+                  <a:schemeClr val="tx1">
+                    <a:lumMod val="75000"/>
+                    <a:lumOff val="25000"/>
+                  </a:schemeClr>
+                </a:solidFill>
+              </a:rPr>
+              <a:t>я позволила сократить время работы над заявлением на 1 рабочий день. Система автоматически проверяет участки на пересечения с другими участками, автоматически отправляет заявление на регистрацию, формирует электронные документы, отправляет их в электронный документооборот для регистрации/подписания.</a:t>
+            </a:r>
+            <a:endParaRPr lang="ru-RU" sz="1800" dirty="0">
+              <a:solidFill>
+                <a:schemeClr val="tx1">
+                  <a:lumMod val="75000"/>
+                  <a:lumOff val="25000"/>
+                </a:schemeClr>
+              </a:solidFill>
+            </a:endParaRPr>
+          </a:p>
+        </p:txBody>
+      </p:sp>
+    </p:spTree>
+    <p:extLst>
+      <p:ext uri="{BB962C8B-B14F-4D97-AF65-F5344CB8AC3E}">
+        <p14:creationId xmlns:p14="http://schemas.microsoft.com/office/powerpoint/2010/main" val="4202090622"/>
       </p:ext>
     </p:extLst>
   </p:cSld>
@@ -10277,8 +10214,8 @@
         </p:nvSpPr>
         <p:spPr>
           <a:xfrm>
-            <a:off x="41907" y="136682"/>
-            <a:ext cx="9891500" cy="328433"/>
+            <a:off x="301124" y="239507"/>
+            <a:ext cx="13360893" cy="454242"/>
           </a:xfrm>
           <a:prstGeom prst="rect">
             <a:avLst/>
@@ -10310,16 +10247,69 @@
           <a:p>
             <a:pPr algn="l"/>
             <a:r>
-              <a:rPr lang="ru-RU" sz="2400" b="1" dirty="0">
-                <a:solidFill>
-                  <a:schemeClr val="tx1">
-                    <a:lumMod val="75000"/>
-                    <a:lumOff val="25000"/>
-                  </a:schemeClr>
-                </a:solidFill>
-              </a:rPr>
-              <a:t>Архитектура системы</a:t>
-            </a:r>
+              <a:rPr lang="ru-RU" sz="2000" b="1" dirty="0" smtClean="0">
+                <a:solidFill>
+                  <a:schemeClr val="tx1">
+                    <a:lumMod val="75000"/>
+                    <a:lumOff val="25000"/>
+                  </a:schemeClr>
+                </a:solidFill>
+              </a:rPr>
+              <a:t>Общая архитектура системы:</a:t>
+            </a:r>
+          </a:p>
+        </p:txBody>
+      </p:sp>
+      <p:sp>
+        <p:nvSpPr>
+          <p:cNvPr id="13" name="Заголовок 1"/>
+          <p:cNvSpPr txBox="1">
+            <a:spLocks/>
+          </p:cNvSpPr>
+          <p:nvPr/>
+        </p:nvSpPr>
+        <p:spPr>
+          <a:xfrm>
+            <a:off x="502015" y="1093047"/>
+            <a:ext cx="4818131" cy="383454"/>
+          </a:xfrm>
+          <a:prstGeom prst="rect">
+            <a:avLst/>
+          </a:prstGeom>
+        </p:spPr>
+        <p:txBody>
+          <a:bodyPr vert="horz" lIns="91440" tIns="45720" rIns="91440" bIns="45720" rtlCol="0" anchor="t">
+            <a:normAutofit/>
+          </a:bodyPr>
+          <a:lstStyle>
+            <a:lvl1pPr algn="ctr" defTabSz="914400" rtl="0" eaLnBrk="1" latinLnBrk="0" hangingPunct="1">
+              <a:lnSpc>
+                <a:spcPct val="90000"/>
+              </a:lnSpc>
+              <a:spcBef>
+                <a:spcPct val="0"/>
+              </a:spcBef>
+              <a:buNone/>
+              <a:defRPr sz="6000" kern="1200">
+                <a:solidFill>
+                  <a:schemeClr val="tx1"/>
+                </a:solidFill>
+                <a:latin typeface="+mj-lt"/>
+                <a:ea typeface="+mj-ea"/>
+                <a:cs typeface="+mj-cs"/>
+              </a:defRPr>
+            </a:lvl1pPr>
+          </a:lstStyle>
+          <a:p>
+            <a:pPr algn="l"/>
+            <a:endParaRPr lang="ru-RU" sz="2000" b="1" dirty="0">
+              <a:solidFill>
+                <a:schemeClr val="tx1">
+                  <a:lumMod val="75000"/>
+                  <a:lumOff val="25000"/>
+                </a:schemeClr>
+              </a:solidFill>
+            </a:endParaRPr>
           </a:p>
         </p:txBody>
       </p:sp>
@@ -10333,8 +10323,8 @@
         </p:nvSpPr>
         <p:spPr>
           <a:xfrm>
-            <a:off x="502015" y="912576"/>
-            <a:ext cx="10077678" cy="881226"/>
+            <a:off x="502015" y="1626447"/>
+            <a:ext cx="4818131" cy="881226"/>
           </a:xfrm>
           <a:prstGeom prst="rect">
             <a:avLst/>
@@ -10365,7 +10355,7 @@
           </a:lstStyle>
           <a:p>
             <a:pPr algn="l"/>
-            <a:endParaRPr lang="ru-RU" sz="1800" dirty="0">
+            <a:endParaRPr lang="ru-RU" sz="1600" dirty="0">
               <a:solidFill>
                 <a:schemeClr val="tx1">
                   <a:lumMod val="75000"/>
@@ -10376,87 +10366,10 @@
           </a:p>
         </p:txBody>
       </p:sp>
-      <p:sp>
-        <p:nvSpPr>
-          <p:cNvPr id="8" name="Заголовок 1"/>
-          <p:cNvSpPr txBox="1">
-            <a:spLocks/>
-          </p:cNvSpPr>
-          <p:nvPr/>
-        </p:nvSpPr>
-        <p:spPr>
-          <a:xfrm>
-            <a:off x="654415" y="1064976"/>
-            <a:ext cx="10077678" cy="881226"/>
-          </a:xfrm>
-          <a:prstGeom prst="rect">
-            <a:avLst/>
-          </a:prstGeom>
-        </p:spPr>
-        <p:txBody>
-          <a:bodyPr vert="horz" lIns="91440" tIns="45720" rIns="91440" bIns="45720" rtlCol="0" anchor="t">
-            <a:noAutofit/>
-          </a:bodyPr>
-          <a:lstStyle>
-            <a:lvl1pPr algn="ctr" defTabSz="914400" rtl="0" eaLnBrk="1" latinLnBrk="0" hangingPunct="1">
-              <a:lnSpc>
-                <a:spcPct val="90000"/>
-              </a:lnSpc>
-              <a:spcBef>
-                <a:spcPct val="0"/>
-              </a:spcBef>
-              <a:buNone/>
-              <a:defRPr sz="6000" kern="1200">
-                <a:solidFill>
-                  <a:schemeClr val="tx1"/>
-                </a:solidFill>
-                <a:latin typeface="+mj-lt"/>
-                <a:ea typeface="+mj-ea"/>
-                <a:cs typeface="+mj-cs"/>
-              </a:defRPr>
-            </a:lvl1pPr>
-          </a:lstStyle>
-          <a:p>
-            <a:pPr algn="l"/>
-            <a:endParaRPr lang="ru-RU" sz="1800" dirty="0">
-              <a:solidFill>
-                <a:schemeClr val="tx1">
-                  <a:lumMod val="75000"/>
-                  <a:lumOff val="25000"/>
-                </a:schemeClr>
-              </a:solidFill>
-            </a:endParaRPr>
-          </a:p>
-        </p:txBody>
-      </p:sp>
-      <p:pic>
-        <p:nvPicPr>
-          <p:cNvPr id="2" name="Рисунок 1"/>
-          <p:cNvPicPr>
-            <a:picLocks noChangeAspect="1"/>
-          </p:cNvPicPr>
-          <p:nvPr/>
-        </p:nvPicPr>
-        <p:blipFill>
-          <a:blip r:embed="rId4"/>
-          <a:stretch>
-            <a:fillRect/>
-          </a:stretch>
-        </p:blipFill>
-        <p:spPr>
-          <a:xfrm>
-            <a:off x="1939663" y="658141"/>
-            <a:ext cx="7791566" cy="6199859"/>
-          </a:xfrm>
-          <a:prstGeom prst="rect">
-            <a:avLst/>
-          </a:prstGeom>
-        </p:spPr>
-      </p:pic>
     </p:spTree>
     <p:extLst>
       <p:ext uri="{BB962C8B-B14F-4D97-AF65-F5344CB8AC3E}">
-        <p14:creationId xmlns:p14="http://schemas.microsoft.com/office/powerpoint/2010/main" val="2465643884"/>
+        <p14:creationId xmlns:p14="http://schemas.microsoft.com/office/powerpoint/2010/main" val="2256173221"/>
       </p:ext>
     </p:extLst>
   </p:cSld>
@@ -10471,7 +10384,7 @@
   <a:themeElements>
     <a:clrScheme name="Стандартная">
       <a:dk1>
-        <a:sysClr val="windowText" lastClr="303030"/>
+        <a:sysClr val="windowText" lastClr="000000"/>
       </a:dk1>
       <a:lt1>
         <a:sysClr val="window" lastClr="FFFFFF"/>
